--- a/The Secrets of LINQ.pptx
+++ b/The Secrets of LINQ.pptx
@@ -5,7 +5,7 @@
     <p:sldMasterId id="2147483660" r:id="rId1"/>
   </p:sldMasterIdLst>
   <p:notesMasterIdLst>
-    <p:notesMasterId r:id="rId33"/>
+    <p:notesMasterId r:id="rId30"/>
   </p:notesMasterIdLst>
   <p:sldIdLst>
     <p:sldId id="262" r:id="rId2"/>
@@ -28,17 +28,14 @@
     <p:sldId id="304" r:id="rId19"/>
     <p:sldId id="293" r:id="rId20"/>
     <p:sldId id="276" r:id="rId21"/>
-    <p:sldId id="296" r:id="rId22"/>
-    <p:sldId id="256" r:id="rId23"/>
-    <p:sldId id="286" r:id="rId24"/>
-    <p:sldId id="257" r:id="rId25"/>
-    <p:sldId id="258" r:id="rId26"/>
-    <p:sldId id="259" r:id="rId27"/>
-    <p:sldId id="284" r:id="rId28"/>
-    <p:sldId id="282" r:id="rId29"/>
-    <p:sldId id="280" r:id="rId30"/>
-    <p:sldId id="279" r:id="rId31"/>
-    <p:sldId id="305" r:id="rId32"/>
+    <p:sldId id="257" r:id="rId22"/>
+    <p:sldId id="258" r:id="rId23"/>
+    <p:sldId id="259" r:id="rId24"/>
+    <p:sldId id="284" r:id="rId25"/>
+    <p:sldId id="282" r:id="rId26"/>
+    <p:sldId id="280" r:id="rId27"/>
+    <p:sldId id="279" r:id="rId28"/>
+    <p:sldId id="305" r:id="rId29"/>
   </p:sldIdLst>
   <p:sldSz cx="12192000" cy="6858000"/>
   <p:notesSz cx="6858000" cy="9144000"/>
@@ -227,7 +224,7 @@
           <a:p>
             <a:fld id="{2B45B597-923B-4730-A722-02F657477DB7}" type="datetimeFigureOut">
               <a:rPr lang="en-US" smtClean="0"/>
-              <a:t>5/31/2014</a:t>
+              <a:t>3/21/2015</a:t>
             </a:fld>
             <a:endParaRPr lang="en-US"/>
           </a:p>
@@ -1373,7 +1370,7 @@
           <a:p>
             <a:fld id="{8ECED3F7-F610-466C-BDF4-3183BAA439F6}" type="datetimeFigureOut">
               <a:rPr lang="en-US" smtClean="0"/>
-              <a:t>5/31/2014</a:t>
+              <a:t>3/21/2015</a:t>
             </a:fld>
             <a:endParaRPr lang="en-US"/>
           </a:p>
@@ -1669,7 +1666,7 @@
           <a:p>
             <a:fld id="{8ECED3F7-F610-466C-BDF4-3183BAA439F6}" type="datetimeFigureOut">
               <a:rPr lang="en-US" smtClean="0"/>
-              <a:t>5/31/2014</a:t>
+              <a:t>3/21/2015</a:t>
             </a:fld>
             <a:endParaRPr lang="en-US"/>
           </a:p>
@@ -1917,7 +1914,7 @@
           <a:p>
             <a:fld id="{8ECED3F7-F610-466C-BDF4-3183BAA439F6}" type="datetimeFigureOut">
               <a:rPr lang="en-US" smtClean="0"/>
-              <a:t>5/31/2014</a:t>
+              <a:t>3/21/2015</a:t>
             </a:fld>
             <a:endParaRPr lang="en-US"/>
           </a:p>
@@ -2457,7 +2454,7 @@
           <a:p>
             <a:fld id="{8ECED3F7-F610-466C-BDF4-3183BAA439F6}" type="datetimeFigureOut">
               <a:rPr lang="en-US" smtClean="0"/>
-              <a:t>5/31/2014</a:t>
+              <a:t>3/21/2015</a:t>
             </a:fld>
             <a:endParaRPr lang="en-US"/>
           </a:p>
@@ -2705,7 +2702,7 @@
           <a:p>
             <a:fld id="{8ECED3F7-F610-466C-BDF4-3183BAA439F6}" type="datetimeFigureOut">
               <a:rPr lang="en-US" smtClean="0"/>
-              <a:t>5/31/2014</a:t>
+              <a:t>3/21/2015</a:t>
             </a:fld>
             <a:endParaRPr lang="en-US"/>
           </a:p>
@@ -3237,7 +3234,7 @@
           <a:p>
             <a:fld id="{8ECED3F7-F610-466C-BDF4-3183BAA439F6}" type="datetimeFigureOut">
               <a:rPr lang="en-US" smtClean="0"/>
-              <a:t>5/31/2014</a:t>
+              <a:t>3/21/2015</a:t>
             </a:fld>
             <a:endParaRPr lang="en-US"/>
           </a:p>
@@ -3534,7 +3531,7 @@
           <a:p>
             <a:fld id="{8ECED3F7-F610-466C-BDF4-3183BAA439F6}" type="datetimeFigureOut">
               <a:rPr lang="en-US" smtClean="0"/>
-              <a:t>5/31/2014</a:t>
+              <a:t>3/21/2015</a:t>
             </a:fld>
             <a:endParaRPr lang="en-US"/>
           </a:p>
@@ -3708,7 +3705,7 @@
           <a:p>
             <a:fld id="{8ECED3F7-F610-466C-BDF4-3183BAA439F6}" type="datetimeFigureOut">
               <a:rPr lang="en-US" smtClean="0"/>
-              <a:t>5/31/2014</a:t>
+              <a:t>3/21/2015</a:t>
             </a:fld>
             <a:endParaRPr lang="en-US"/>
           </a:p>
@@ -3888,7 +3885,7 @@
           <a:p>
             <a:fld id="{8ECED3F7-F610-466C-BDF4-3183BAA439F6}" type="datetimeFigureOut">
               <a:rPr lang="en-US" smtClean="0"/>
-              <a:t>5/31/2014</a:t>
+              <a:t>3/21/2015</a:t>
             </a:fld>
             <a:endParaRPr lang="en-US"/>
           </a:p>
@@ -4058,7 +4055,7 @@
           <a:p>
             <a:fld id="{8ECED3F7-F610-466C-BDF4-3183BAA439F6}" type="datetimeFigureOut">
               <a:rPr lang="en-US" smtClean="0"/>
-              <a:t>5/31/2014</a:t>
+              <a:t>3/21/2015</a:t>
             </a:fld>
             <a:endParaRPr lang="en-US"/>
           </a:p>
@@ -4309,7 +4306,7 @@
           <a:p>
             <a:fld id="{8ECED3F7-F610-466C-BDF4-3183BAA439F6}" type="datetimeFigureOut">
               <a:rPr lang="en-US" smtClean="0"/>
-              <a:t>5/31/2014</a:t>
+              <a:t>3/21/2015</a:t>
             </a:fld>
             <a:endParaRPr lang="en-US"/>
           </a:p>
@@ -4606,7 +4603,7 @@
           <a:p>
             <a:fld id="{8ECED3F7-F610-466C-BDF4-3183BAA439F6}" type="datetimeFigureOut">
               <a:rPr lang="en-US" smtClean="0"/>
-              <a:t>5/31/2014</a:t>
+              <a:t>3/21/2015</a:t>
             </a:fld>
             <a:endParaRPr lang="en-US"/>
           </a:p>
@@ -5048,7 +5045,7 @@
           <a:p>
             <a:fld id="{8ECED3F7-F610-466C-BDF4-3183BAA439F6}" type="datetimeFigureOut">
               <a:rPr lang="en-US" smtClean="0"/>
-              <a:t>5/31/2014</a:t>
+              <a:t>3/21/2015</a:t>
             </a:fld>
             <a:endParaRPr lang="en-US"/>
           </a:p>
@@ -5166,7 +5163,7 @@
           <a:p>
             <a:fld id="{8ECED3F7-F610-466C-BDF4-3183BAA439F6}" type="datetimeFigureOut">
               <a:rPr lang="en-US" smtClean="0"/>
-              <a:t>5/31/2014</a:t>
+              <a:t>3/21/2015</a:t>
             </a:fld>
             <a:endParaRPr lang="en-US"/>
           </a:p>
@@ -5261,7 +5258,7 @@
           <a:p>
             <a:fld id="{8ECED3F7-F610-466C-BDF4-3183BAA439F6}" type="datetimeFigureOut">
               <a:rPr lang="en-US" smtClean="0"/>
-              <a:t>5/31/2014</a:t>
+              <a:t>3/21/2015</a:t>
             </a:fld>
             <a:endParaRPr lang="en-US"/>
           </a:p>
@@ -5544,7 +5541,7 @@
           <a:p>
             <a:fld id="{8ECED3F7-F610-466C-BDF4-3183BAA439F6}" type="datetimeFigureOut">
               <a:rPr lang="en-US" smtClean="0"/>
-              <a:t>5/31/2014</a:t>
+              <a:t>3/21/2015</a:t>
             </a:fld>
             <a:endParaRPr lang="en-US"/>
           </a:p>
@@ -5835,7 +5832,7 @@
           <a:p>
             <a:fld id="{8ECED3F7-F610-466C-BDF4-3183BAA439F6}" type="datetimeFigureOut">
               <a:rPr lang="en-US" smtClean="0"/>
-              <a:t>5/31/2014</a:t>
+              <a:t>3/21/2015</a:t>
             </a:fld>
             <a:endParaRPr lang="en-US"/>
           </a:p>
@@ -6365,7 +6362,7 @@
           <a:p>
             <a:fld id="{8ECED3F7-F610-466C-BDF4-3183BAA439F6}" type="datetimeFigureOut">
               <a:rPr lang="en-US" smtClean="0"/>
-              <a:t>5/31/2014</a:t>
+              <a:t>3/21/2015</a:t>
             </a:fld>
             <a:endParaRPr lang="en-US"/>
           </a:p>
@@ -10529,7 +10526,15 @@
           <a:p>
             <a:r>
               <a:rPr lang="en-US" dirty="0"/>
-              <a:t>Professional Developer for 5+ years</a:t>
+              <a:t>Professional Developer for </a:t>
+            </a:r>
+            <a:r>
+              <a:rPr lang="en-US" dirty="0" smtClean="0"/>
+              <a:t>6+ </a:t>
+            </a:r>
+            <a:r>
+              <a:rPr lang="en-US" dirty="0"/>
+              <a:t>years</a:t>
             </a:r>
           </a:p>
           <a:p>
@@ -10830,646 +10835,6 @@
 </file>
 
 <file path=ppt/slides/slide21.xml><?xml version="1.0" encoding="utf-8"?>
-<p:sld xmlns:a="http://schemas.openxmlformats.org/drawingml/2006/main" xmlns:r="http://schemas.openxmlformats.org/officeDocument/2006/relationships" xmlns:p="http://schemas.openxmlformats.org/presentationml/2006/main">
-  <p:cSld>
-    <p:spTree>
-      <p:nvGrpSpPr>
-        <p:cNvPr id="1" name=""/>
-        <p:cNvGrpSpPr/>
-        <p:nvPr/>
-      </p:nvGrpSpPr>
-      <p:grpSpPr>
-        <a:xfrm>
-          <a:off x="0" y="0"/>
-          <a:ext cx="0" cy="0"/>
-          <a:chOff x="0" y="0"/>
-          <a:chExt cx="0" cy="0"/>
-        </a:xfrm>
-      </p:grpSpPr>
-      <p:sp>
-        <p:nvSpPr>
-          <p:cNvPr id="2" name="Title 1"/>
-          <p:cNvSpPr>
-            <a:spLocks noGrp="1"/>
-          </p:cNvSpPr>
-          <p:nvPr>
-            <p:ph type="title"/>
-          </p:nvPr>
-        </p:nvSpPr>
-        <p:spPr/>
-        <p:txBody>
-          <a:bodyPr/>
-          <a:lstStyle/>
-          <a:p>
-            <a:r>
-              <a:rPr lang="en-US" dirty="0" smtClean="0"/>
-              <a:t>Trees</a:t>
-            </a:r>
-            <a:endParaRPr lang="en-US" dirty="0"/>
-          </a:p>
-        </p:txBody>
-      </p:sp>
-      <p:sp>
-        <p:nvSpPr>
-          <p:cNvPr id="3" name="Content Placeholder 2"/>
-          <p:cNvSpPr>
-            <a:spLocks noGrp="1"/>
-          </p:cNvSpPr>
-          <p:nvPr>
-            <p:ph idx="1"/>
-          </p:nvPr>
-        </p:nvSpPr>
-        <p:spPr/>
-        <p:txBody>
-          <a:bodyPr>
-            <a:normAutofit fontScale="92500" lnSpcReduction="20000"/>
-          </a:bodyPr>
-          <a:lstStyle/>
-          <a:p>
-            <a:r>
-              <a:rPr lang="en-US" dirty="0" smtClean="0"/>
-              <a:t>Hierarchical data structures</a:t>
-            </a:r>
-          </a:p>
-          <a:p>
-            <a:r>
-              <a:rPr lang="en-US" dirty="0" smtClean="0"/>
-              <a:t>Terms</a:t>
-            </a:r>
-          </a:p>
-          <a:p>
-            <a:pPr lvl="1"/>
-            <a:r>
-              <a:rPr lang="en-US" dirty="0" smtClean="0"/>
-              <a:t>Node – object in the tree</a:t>
-            </a:r>
-          </a:p>
-          <a:p>
-            <a:pPr lvl="1"/>
-            <a:r>
-              <a:rPr lang="en-US" dirty="0" smtClean="0"/>
-              <a:t>Edge – connection between two nodes</a:t>
-            </a:r>
-          </a:p>
-          <a:p>
-            <a:pPr lvl="1"/>
-            <a:r>
-              <a:rPr lang="en-US" dirty="0" smtClean="0"/>
-              <a:t>Root – starting node of the tree</a:t>
-            </a:r>
-          </a:p>
-          <a:p>
-            <a:pPr lvl="1"/>
-            <a:r>
-              <a:rPr lang="en-US" dirty="0" smtClean="0"/>
-              <a:t>Parent – a node with children</a:t>
-            </a:r>
-          </a:p>
-          <a:p>
-            <a:pPr lvl="1"/>
-            <a:r>
-              <a:rPr lang="en-US" dirty="0" smtClean="0"/>
-              <a:t>Child – a node underneath a parent node</a:t>
-            </a:r>
-          </a:p>
-          <a:p>
-            <a:pPr lvl="1"/>
-            <a:r>
-              <a:rPr lang="en-US" dirty="0" smtClean="0"/>
-              <a:t>Leaf Node – a node with no children</a:t>
-            </a:r>
-            <a:endParaRPr lang="en-US" dirty="0"/>
-          </a:p>
-        </p:txBody>
-      </p:sp>
-      <p:pic>
-        <p:nvPicPr>
-          <p:cNvPr id="5" name="Picture 4"/>
-          <p:cNvPicPr>
-            <a:picLocks noChangeAspect="1"/>
-          </p:cNvPicPr>
-          <p:nvPr/>
-        </p:nvPicPr>
-        <p:blipFill>
-          <a:blip r:embed="rId2"/>
-          <a:stretch>
-            <a:fillRect/>
-          </a:stretch>
-        </p:blipFill>
-        <p:spPr>
-          <a:xfrm>
-            <a:off x="6904615" y="3501190"/>
-            <a:ext cx="5096390" cy="3112166"/>
-          </a:xfrm>
-          <a:prstGeom prst="rect">
-            <a:avLst/>
-          </a:prstGeom>
-        </p:spPr>
-      </p:pic>
-    </p:spTree>
-    <p:extLst>
-      <p:ext uri="{BB962C8B-B14F-4D97-AF65-F5344CB8AC3E}">
-        <p14:creationId xmlns:p14="http://schemas.microsoft.com/office/powerpoint/2010/main" val="3654972280"/>
-      </p:ext>
-    </p:extLst>
-  </p:cSld>
-  <p:clrMapOvr>
-    <a:masterClrMapping/>
-  </p:clrMapOvr>
-  <p:timing>
-    <p:tnLst>
-      <p:par>
-        <p:cTn id="1" dur="indefinite" restart="never" nodeType="tmRoot">
-          <p:childTnLst>
-            <p:seq concurrent="1" nextAc="seek">
-              <p:cTn id="2" dur="indefinite" nodeType="mainSeq">
-                <p:childTnLst>
-                  <p:par>
-                    <p:cTn id="3" fill="hold">
-                      <p:stCondLst>
-                        <p:cond delay="indefinite"/>
-                      </p:stCondLst>
-                      <p:childTnLst>
-                        <p:par>
-                          <p:cTn id="4" fill="hold">
-                            <p:stCondLst>
-                              <p:cond delay="0"/>
-                            </p:stCondLst>
-                            <p:childTnLst>
-                              <p:par>
-                                <p:cTn id="5" presetID="1" presetClass="entr" presetSubtype="0" fill="hold" nodeType="clickEffect">
-                                  <p:stCondLst>
-                                    <p:cond delay="0"/>
-                                  </p:stCondLst>
-                                  <p:childTnLst>
-                                    <p:set>
-                                      <p:cBhvr>
-                                        <p:cTn id="6" dur="1" fill="hold">
-                                          <p:stCondLst>
-                                            <p:cond delay="0"/>
-                                          </p:stCondLst>
-                                        </p:cTn>
-                                        <p:tgtEl>
-                                          <p:spTgt spid="3">
-                                            <p:txEl>
-                                              <p:pRg st="0" end="0"/>
-                                            </p:txEl>
-                                          </p:spTgt>
-                                        </p:tgtEl>
-                                        <p:attrNameLst>
-                                          <p:attrName>style.visibility</p:attrName>
-                                        </p:attrNameLst>
-                                      </p:cBhvr>
-                                      <p:to>
-                                        <p:strVal val="visible"/>
-                                      </p:to>
-                                    </p:set>
-                                  </p:childTnLst>
-                                </p:cTn>
-                              </p:par>
-                            </p:childTnLst>
-                          </p:cTn>
-                        </p:par>
-                      </p:childTnLst>
-                    </p:cTn>
-                  </p:par>
-                  <p:par>
-                    <p:cTn id="7" fill="hold">
-                      <p:stCondLst>
-                        <p:cond delay="indefinite"/>
-                      </p:stCondLst>
-                      <p:childTnLst>
-                        <p:par>
-                          <p:cTn id="8" fill="hold">
-                            <p:stCondLst>
-                              <p:cond delay="0"/>
-                            </p:stCondLst>
-                            <p:childTnLst>
-                              <p:par>
-                                <p:cTn id="9" presetID="1" presetClass="entr" presetSubtype="0" fill="hold" nodeType="clickEffect">
-                                  <p:stCondLst>
-                                    <p:cond delay="0"/>
-                                  </p:stCondLst>
-                                  <p:childTnLst>
-                                    <p:set>
-                                      <p:cBhvr>
-                                        <p:cTn id="10" dur="1" fill="hold">
-                                          <p:stCondLst>
-                                            <p:cond delay="0"/>
-                                          </p:stCondLst>
-                                        </p:cTn>
-                                        <p:tgtEl>
-                                          <p:spTgt spid="3">
-                                            <p:txEl>
-                                              <p:pRg st="1" end="1"/>
-                                            </p:txEl>
-                                          </p:spTgt>
-                                        </p:tgtEl>
-                                        <p:attrNameLst>
-                                          <p:attrName>style.visibility</p:attrName>
-                                        </p:attrNameLst>
-                                      </p:cBhvr>
-                                      <p:to>
-                                        <p:strVal val="visible"/>
-                                      </p:to>
-                                    </p:set>
-                                  </p:childTnLst>
-                                </p:cTn>
-                              </p:par>
-                              <p:par>
-                                <p:cTn id="11" presetID="1" presetClass="entr" presetSubtype="0" fill="hold" nodeType="withEffect">
-                                  <p:stCondLst>
-                                    <p:cond delay="0"/>
-                                  </p:stCondLst>
-                                  <p:childTnLst>
-                                    <p:set>
-                                      <p:cBhvr>
-                                        <p:cTn id="12" dur="1" fill="hold">
-                                          <p:stCondLst>
-                                            <p:cond delay="0"/>
-                                          </p:stCondLst>
-                                        </p:cTn>
-                                        <p:tgtEl>
-                                          <p:spTgt spid="3">
-                                            <p:txEl>
-                                              <p:pRg st="2" end="2"/>
-                                            </p:txEl>
-                                          </p:spTgt>
-                                        </p:tgtEl>
-                                        <p:attrNameLst>
-                                          <p:attrName>style.visibility</p:attrName>
-                                        </p:attrNameLst>
-                                      </p:cBhvr>
-                                      <p:to>
-                                        <p:strVal val="visible"/>
-                                      </p:to>
-                                    </p:set>
-                                  </p:childTnLst>
-                                </p:cTn>
-                              </p:par>
-                              <p:par>
-                                <p:cTn id="13" presetID="1" presetClass="entr" presetSubtype="0" fill="hold" nodeType="withEffect">
-                                  <p:stCondLst>
-                                    <p:cond delay="0"/>
-                                  </p:stCondLst>
-                                  <p:childTnLst>
-                                    <p:set>
-                                      <p:cBhvr>
-                                        <p:cTn id="14" dur="1" fill="hold">
-                                          <p:stCondLst>
-                                            <p:cond delay="0"/>
-                                          </p:stCondLst>
-                                        </p:cTn>
-                                        <p:tgtEl>
-                                          <p:spTgt spid="3">
-                                            <p:txEl>
-                                              <p:pRg st="3" end="3"/>
-                                            </p:txEl>
-                                          </p:spTgt>
-                                        </p:tgtEl>
-                                        <p:attrNameLst>
-                                          <p:attrName>style.visibility</p:attrName>
-                                        </p:attrNameLst>
-                                      </p:cBhvr>
-                                      <p:to>
-                                        <p:strVal val="visible"/>
-                                      </p:to>
-                                    </p:set>
-                                  </p:childTnLst>
-                                </p:cTn>
-                              </p:par>
-                              <p:par>
-                                <p:cTn id="15" presetID="1" presetClass="entr" presetSubtype="0" fill="hold" nodeType="withEffect">
-                                  <p:stCondLst>
-                                    <p:cond delay="0"/>
-                                  </p:stCondLst>
-                                  <p:childTnLst>
-                                    <p:set>
-                                      <p:cBhvr>
-                                        <p:cTn id="16" dur="1" fill="hold">
-                                          <p:stCondLst>
-                                            <p:cond delay="0"/>
-                                          </p:stCondLst>
-                                        </p:cTn>
-                                        <p:tgtEl>
-                                          <p:spTgt spid="3">
-                                            <p:txEl>
-                                              <p:pRg st="4" end="4"/>
-                                            </p:txEl>
-                                          </p:spTgt>
-                                        </p:tgtEl>
-                                        <p:attrNameLst>
-                                          <p:attrName>style.visibility</p:attrName>
-                                        </p:attrNameLst>
-                                      </p:cBhvr>
-                                      <p:to>
-                                        <p:strVal val="visible"/>
-                                      </p:to>
-                                    </p:set>
-                                  </p:childTnLst>
-                                </p:cTn>
-                              </p:par>
-                              <p:par>
-                                <p:cTn id="17" presetID="1" presetClass="entr" presetSubtype="0" fill="hold" nodeType="withEffect">
-                                  <p:stCondLst>
-                                    <p:cond delay="0"/>
-                                  </p:stCondLst>
-                                  <p:childTnLst>
-                                    <p:set>
-                                      <p:cBhvr>
-                                        <p:cTn id="18" dur="1" fill="hold">
-                                          <p:stCondLst>
-                                            <p:cond delay="0"/>
-                                          </p:stCondLst>
-                                        </p:cTn>
-                                        <p:tgtEl>
-                                          <p:spTgt spid="3">
-                                            <p:txEl>
-                                              <p:pRg st="5" end="5"/>
-                                            </p:txEl>
-                                          </p:spTgt>
-                                        </p:tgtEl>
-                                        <p:attrNameLst>
-                                          <p:attrName>style.visibility</p:attrName>
-                                        </p:attrNameLst>
-                                      </p:cBhvr>
-                                      <p:to>
-                                        <p:strVal val="visible"/>
-                                      </p:to>
-                                    </p:set>
-                                  </p:childTnLst>
-                                </p:cTn>
-                              </p:par>
-                              <p:par>
-                                <p:cTn id="19" presetID="1" presetClass="entr" presetSubtype="0" fill="hold" nodeType="withEffect">
-                                  <p:stCondLst>
-                                    <p:cond delay="0"/>
-                                  </p:stCondLst>
-                                  <p:childTnLst>
-                                    <p:set>
-                                      <p:cBhvr>
-                                        <p:cTn id="20" dur="1" fill="hold">
-                                          <p:stCondLst>
-                                            <p:cond delay="0"/>
-                                          </p:stCondLst>
-                                        </p:cTn>
-                                        <p:tgtEl>
-                                          <p:spTgt spid="3">
-                                            <p:txEl>
-                                              <p:pRg st="6" end="6"/>
-                                            </p:txEl>
-                                          </p:spTgt>
-                                        </p:tgtEl>
-                                        <p:attrNameLst>
-                                          <p:attrName>style.visibility</p:attrName>
-                                        </p:attrNameLst>
-                                      </p:cBhvr>
-                                      <p:to>
-                                        <p:strVal val="visible"/>
-                                      </p:to>
-                                    </p:set>
-                                  </p:childTnLst>
-                                </p:cTn>
-                              </p:par>
-                              <p:par>
-                                <p:cTn id="21" presetID="1" presetClass="entr" presetSubtype="0" fill="hold" nodeType="withEffect">
-                                  <p:stCondLst>
-                                    <p:cond delay="0"/>
-                                  </p:stCondLst>
-                                  <p:childTnLst>
-                                    <p:set>
-                                      <p:cBhvr>
-                                        <p:cTn id="22" dur="1" fill="hold">
-                                          <p:stCondLst>
-                                            <p:cond delay="0"/>
-                                          </p:stCondLst>
-                                        </p:cTn>
-                                        <p:tgtEl>
-                                          <p:spTgt spid="3">
-                                            <p:txEl>
-                                              <p:pRg st="7" end="7"/>
-                                            </p:txEl>
-                                          </p:spTgt>
-                                        </p:tgtEl>
-                                        <p:attrNameLst>
-                                          <p:attrName>style.visibility</p:attrName>
-                                        </p:attrNameLst>
-                                      </p:cBhvr>
-                                      <p:to>
-                                        <p:strVal val="visible"/>
-                                      </p:to>
-                                    </p:set>
-                                  </p:childTnLst>
-                                </p:cTn>
-                              </p:par>
-                              <p:par>
-                                <p:cTn id="23" presetID="1" presetClass="entr" presetSubtype="0" fill="hold" nodeType="withEffect">
-                                  <p:stCondLst>
-                                    <p:cond delay="0"/>
-                                  </p:stCondLst>
-                                  <p:childTnLst>
-                                    <p:set>
-                                      <p:cBhvr>
-                                        <p:cTn id="24" dur="1" fill="hold">
-                                          <p:stCondLst>
-                                            <p:cond delay="0"/>
-                                          </p:stCondLst>
-                                        </p:cTn>
-                                        <p:tgtEl>
-                                          <p:spTgt spid="5"/>
-                                        </p:tgtEl>
-                                        <p:attrNameLst>
-                                          <p:attrName>style.visibility</p:attrName>
-                                        </p:attrNameLst>
-                                      </p:cBhvr>
-                                      <p:to>
-                                        <p:strVal val="visible"/>
-                                      </p:to>
-                                    </p:set>
-                                  </p:childTnLst>
-                                </p:cTn>
-                              </p:par>
-                            </p:childTnLst>
-                          </p:cTn>
-                        </p:par>
-                      </p:childTnLst>
-                    </p:cTn>
-                  </p:par>
-                </p:childTnLst>
-              </p:cTn>
-              <p:prevCondLst>
-                <p:cond evt="onPrev" delay="0">
-                  <p:tgtEl>
-                    <p:sldTgt/>
-                  </p:tgtEl>
-                </p:cond>
-              </p:prevCondLst>
-              <p:nextCondLst>
-                <p:cond evt="onNext" delay="0">
-                  <p:tgtEl>
-                    <p:sldTgt/>
-                  </p:tgtEl>
-                </p:cond>
-              </p:nextCondLst>
-            </p:seq>
-          </p:childTnLst>
-        </p:cTn>
-      </p:par>
-    </p:tnLst>
-  </p:timing>
-</p:sld>
-</file>
-
-<file path=ppt/slides/slide22.xml><?xml version="1.0" encoding="utf-8"?>
-<p:sld xmlns:a="http://schemas.openxmlformats.org/drawingml/2006/main" xmlns:r="http://schemas.openxmlformats.org/officeDocument/2006/relationships" xmlns:p="http://schemas.openxmlformats.org/presentationml/2006/main">
-  <p:cSld>
-    <p:spTree>
-      <p:nvGrpSpPr>
-        <p:cNvPr id="1" name=""/>
-        <p:cNvGrpSpPr/>
-        <p:nvPr/>
-      </p:nvGrpSpPr>
-      <p:grpSpPr>
-        <a:xfrm>
-          <a:off x="0" y="0"/>
-          <a:ext cx="0" cy="0"/>
-          <a:chOff x="0" y="0"/>
-          <a:chExt cx="0" cy="0"/>
-        </a:xfrm>
-      </p:grpSpPr>
-      <p:sp>
-        <p:nvSpPr>
-          <p:cNvPr id="4" name="Title 3"/>
-          <p:cNvSpPr>
-            <a:spLocks noGrp="1"/>
-          </p:cNvSpPr>
-          <p:nvPr>
-            <p:ph type="title"/>
-          </p:nvPr>
-        </p:nvSpPr>
-        <p:spPr/>
-        <p:txBody>
-          <a:bodyPr/>
-          <a:lstStyle/>
-          <a:p>
-            <a:r>
-              <a:rPr lang="en-US" dirty="0" smtClean="0"/>
-              <a:t>Object Graph</a:t>
-            </a:r>
-            <a:endParaRPr lang="en-US" dirty="0"/>
-          </a:p>
-        </p:txBody>
-      </p:sp>
-      <p:pic>
-        <p:nvPicPr>
-          <p:cNvPr id="5" name="Picture 4"/>
-          <p:cNvPicPr>
-            <a:picLocks noChangeAspect="1"/>
-          </p:cNvPicPr>
-          <p:nvPr/>
-        </p:nvPicPr>
-        <p:blipFill>
-          <a:blip r:embed="rId2"/>
-          <a:stretch>
-            <a:fillRect/>
-          </a:stretch>
-        </p:blipFill>
-        <p:spPr>
-          <a:xfrm>
-            <a:off x="3541919" y="2021743"/>
-            <a:ext cx="5903494" cy="4595188"/>
-          </a:xfrm>
-          <a:prstGeom prst="rect">
-            <a:avLst/>
-          </a:prstGeom>
-        </p:spPr>
-      </p:pic>
-    </p:spTree>
-    <p:extLst>
-      <p:ext uri="{BB962C8B-B14F-4D97-AF65-F5344CB8AC3E}">
-        <p14:creationId xmlns:p14="http://schemas.microsoft.com/office/powerpoint/2010/main" val="1601161016"/>
-      </p:ext>
-    </p:extLst>
-  </p:cSld>
-  <p:clrMapOvr>
-    <a:masterClrMapping/>
-  </p:clrMapOvr>
-  <p:timing>
-    <p:tnLst>
-      <p:par>
-        <p:cTn id="1" dur="indefinite" restart="never" nodeType="tmRoot"/>
-      </p:par>
-    </p:tnLst>
-  </p:timing>
-</p:sld>
-</file>
-
-<file path=ppt/slides/slide23.xml><?xml version="1.0" encoding="utf-8"?>
-<p:sld xmlns:a="http://schemas.openxmlformats.org/drawingml/2006/main" xmlns:r="http://schemas.openxmlformats.org/officeDocument/2006/relationships" xmlns:p="http://schemas.openxmlformats.org/presentationml/2006/main">
-  <p:cSld>
-    <p:spTree>
-      <p:nvGrpSpPr>
-        <p:cNvPr id="1" name=""/>
-        <p:cNvGrpSpPr/>
-        <p:nvPr/>
-      </p:nvGrpSpPr>
-      <p:grpSpPr>
-        <a:xfrm>
-          <a:off x="0" y="0"/>
-          <a:ext cx="0" cy="0"/>
-          <a:chOff x="0" y="0"/>
-          <a:chExt cx="0" cy="0"/>
-        </a:xfrm>
-      </p:grpSpPr>
-      <p:sp>
-        <p:nvSpPr>
-          <p:cNvPr id="3" name="Content Placeholder 2"/>
-          <p:cNvSpPr>
-            <a:spLocks noGrp="1"/>
-          </p:cNvSpPr>
-          <p:nvPr>
-            <p:ph idx="1"/>
-          </p:nvPr>
-        </p:nvSpPr>
-        <p:spPr/>
-        <p:txBody>
-          <a:bodyPr>
-            <a:normAutofit/>
-          </a:bodyPr>
-          <a:lstStyle/>
-          <a:p>
-            <a:pPr marL="0" indent="0">
-              <a:buNone/>
-            </a:pPr>
-            <a:r>
-              <a:rPr lang="en-US" sz="8000" dirty="0" smtClean="0"/>
-              <a:t>DEMO</a:t>
-            </a:r>
-            <a:endParaRPr lang="en-US" sz="8000" dirty="0"/>
-          </a:p>
-        </p:txBody>
-      </p:sp>
-    </p:spTree>
-    <p:extLst>
-      <p:ext uri="{BB962C8B-B14F-4D97-AF65-F5344CB8AC3E}">
-        <p14:creationId xmlns:p14="http://schemas.microsoft.com/office/powerpoint/2010/main" val="2944585282"/>
-      </p:ext>
-    </p:extLst>
-  </p:cSld>
-  <p:clrMapOvr>
-    <a:masterClrMapping/>
-  </p:clrMapOvr>
-  <p:timing>
-    <p:tnLst>
-      <p:par>
-        <p:cTn id="1" dur="indefinite" restart="never" nodeType="tmRoot"/>
-      </p:par>
-    </p:tnLst>
-  </p:timing>
-</p:sld>
-</file>
-
-<file path=ppt/slides/slide24.xml><?xml version="1.0" encoding="utf-8"?>
 <p:sld xmlns:a="http://schemas.openxmlformats.org/drawingml/2006/main" xmlns:r="http://schemas.openxmlformats.org/officeDocument/2006/relationships" xmlns:p="http://schemas.openxmlformats.org/presentationml/2006/main">
   <p:cSld>
     <p:spTree>
@@ -11869,7 +11234,7 @@
 </p:sld>
 </file>
 
-<file path=ppt/slides/slide25.xml><?xml version="1.0" encoding="utf-8"?>
+<file path=ppt/slides/slide22.xml><?xml version="1.0" encoding="utf-8"?>
 <p:sld xmlns:a="http://schemas.openxmlformats.org/drawingml/2006/main" xmlns:r="http://schemas.openxmlformats.org/officeDocument/2006/relationships" xmlns:p="http://schemas.openxmlformats.org/presentationml/2006/main">
   <p:cSld>
     <p:spTree>
@@ -12250,7 +11615,7 @@
 </p:sld>
 </file>
 
-<file path=ppt/slides/slide26.xml><?xml version="1.0" encoding="utf-8"?>
+<file path=ppt/slides/slide23.xml><?xml version="1.0" encoding="utf-8"?>
 <p:sld xmlns:a="http://schemas.openxmlformats.org/drawingml/2006/main" xmlns:r="http://schemas.openxmlformats.org/officeDocument/2006/relationships" xmlns:p="http://schemas.openxmlformats.org/presentationml/2006/main">
   <p:cSld>
     <p:spTree>
@@ -12340,7 +11705,7 @@
 </p:sld>
 </file>
 
-<file path=ppt/slides/slide27.xml><?xml version="1.0" encoding="utf-8"?>
+<file path=ppt/slides/slide24.xml><?xml version="1.0" encoding="utf-8"?>
 <p:sld xmlns:a="http://schemas.openxmlformats.org/drawingml/2006/main" xmlns:r="http://schemas.openxmlformats.org/officeDocument/2006/relationships" xmlns:p="http://schemas.openxmlformats.org/presentationml/2006/main">
   <p:cSld>
     <p:spTree>
@@ -12405,7 +11770,7 @@
 </p:sld>
 </file>
 
-<file path=ppt/slides/slide28.xml><?xml version="1.0" encoding="utf-8"?>
+<file path=ppt/slides/slide25.xml><?xml version="1.0" encoding="utf-8"?>
 <p:sld xmlns:a="http://schemas.openxmlformats.org/drawingml/2006/main" xmlns:r="http://schemas.openxmlformats.org/officeDocument/2006/relationships" xmlns:p="http://schemas.openxmlformats.org/presentationml/2006/main">
   <p:cSld>
     <p:spTree>
@@ -12466,7 +11831,7 @@
 </p:sld>
 </file>
 
-<file path=ppt/slides/slide29.xml><?xml version="1.0" encoding="utf-8"?>
+<file path=ppt/slides/slide26.xml><?xml version="1.0" encoding="utf-8"?>
 <p:sld xmlns:a="http://schemas.openxmlformats.org/drawingml/2006/main" xmlns:r="http://schemas.openxmlformats.org/officeDocument/2006/relationships" xmlns:p="http://schemas.openxmlformats.org/presentationml/2006/main">
   <p:cSld>
     <p:spTree>
@@ -12690,200 +12055,7 @@
 </p:sld>
 </file>
 
-<file path=ppt/slides/slide3.xml><?xml version="1.0" encoding="utf-8"?>
-<p:sld xmlns:a="http://schemas.openxmlformats.org/drawingml/2006/main" xmlns:r="http://schemas.openxmlformats.org/officeDocument/2006/relationships" xmlns:p="http://schemas.openxmlformats.org/presentationml/2006/main">
-  <p:cSld>
-    <p:spTree>
-      <p:nvGrpSpPr>
-        <p:cNvPr id="1" name=""/>
-        <p:cNvGrpSpPr/>
-        <p:nvPr/>
-      </p:nvGrpSpPr>
-      <p:grpSpPr>
-        <a:xfrm>
-          <a:off x="0" y="0"/>
-          <a:ext cx="0" cy="0"/>
-          <a:chOff x="0" y="0"/>
-          <a:chExt cx="0" cy="0"/>
-        </a:xfrm>
-      </p:grpSpPr>
-      <p:sp>
-        <p:nvSpPr>
-          <p:cNvPr id="2" name="Title 1"/>
-          <p:cNvSpPr>
-            <a:spLocks noGrp="1"/>
-          </p:cNvSpPr>
-          <p:nvPr>
-            <p:ph type="title"/>
-          </p:nvPr>
-        </p:nvSpPr>
-        <p:spPr/>
-        <p:txBody>
-          <a:bodyPr/>
-          <a:lstStyle/>
-          <a:p>
-            <a:r>
-              <a:rPr lang="en-US" dirty="0" smtClean="0"/>
-              <a:t>Functional Programming</a:t>
-            </a:r>
-            <a:endParaRPr lang="en-US" dirty="0"/>
-          </a:p>
-        </p:txBody>
-      </p:sp>
-      <mc:AlternateContent xmlns:mc="http://schemas.openxmlformats.org/markup-compatibility/2006" xmlns:a14="http://schemas.microsoft.com/office/drawing/2010/main">
-        <mc:Choice Requires="a14">
-          <p:sp>
-            <p:nvSpPr>
-              <p:cNvPr id="3" name="Content Placeholder 2"/>
-              <p:cNvSpPr>
-                <a:spLocks noGrp="1"/>
-              </p:cNvSpPr>
-              <p:nvPr>
-                <p:ph idx="1"/>
-              </p:nvPr>
-            </p:nvSpPr>
-            <p:spPr/>
-            <p:txBody>
-              <a:bodyPr/>
-              <a:lstStyle/>
-              <a:p>
-                <a:r>
-                  <a:rPr lang="en-US" dirty="0" smtClean="0"/>
-                  <a:t>Another Programming paradigm (OOP, procedural, etc.)</a:t>
-                </a:r>
-              </a:p>
-              <a:p>
-                <a:r>
-                  <a:rPr lang="en-US" dirty="0" smtClean="0"/>
-                  <a:t>Centered around the mathematical concept of a function</a:t>
-                </a:r>
-              </a:p>
-              <a:p>
-                <a:pPr lvl="1"/>
-                <a:r>
-                  <a:rPr lang="en-US" dirty="0" smtClean="0"/>
-                  <a:t>Immutable and idempotent</a:t>
-                </a:r>
-              </a:p>
-              <a:p>
-                <a14:m>
-                  <m:oMath xmlns:m="http://schemas.openxmlformats.org/officeDocument/2006/math">
-                    <m:r>
-                      <a:rPr lang="en-US" b="0" i="1" smtClean="0">
-                        <a:latin typeface="Cambria Math" panose="02040503050406030204" pitchFamily="18" charset="0"/>
-                      </a:rPr>
-                      <m:t>𝑓</m:t>
-                    </m:r>
-                    <m:d>
-                      <m:dPr>
-                        <m:ctrlPr>
-                          <a:rPr lang="en-US" b="0" i="1" smtClean="0">
-                            <a:latin typeface="Cambria Math" panose="02040503050406030204" pitchFamily="18" charset="0"/>
-                          </a:rPr>
-                        </m:ctrlPr>
-                      </m:dPr>
-                      <m:e>
-                        <m:r>
-                          <a:rPr lang="en-US" b="0" i="1" smtClean="0">
-                            <a:latin typeface="Cambria Math" panose="02040503050406030204" pitchFamily="18" charset="0"/>
-                          </a:rPr>
-                          <m:t>𝑥</m:t>
-                        </m:r>
-                      </m:e>
-                    </m:d>
-                    <m:r>
-                      <a:rPr lang="en-US" b="0" i="1" smtClean="0">
-                        <a:latin typeface="Cambria Math" panose="02040503050406030204" pitchFamily="18" charset="0"/>
-                      </a:rPr>
-                      <m:t>= </m:t>
-                    </m:r>
-                    <m:sSup>
-                      <m:sSupPr>
-                        <m:ctrlPr>
-                          <a:rPr lang="en-US" b="0" i="1" smtClean="0">
-                            <a:latin typeface="Cambria Math" panose="02040503050406030204" pitchFamily="18" charset="0"/>
-                          </a:rPr>
-                        </m:ctrlPr>
-                      </m:sSupPr>
-                      <m:e>
-                        <m:r>
-                          <a:rPr lang="en-US" b="0" i="1" smtClean="0">
-                            <a:latin typeface="Cambria Math" panose="02040503050406030204" pitchFamily="18" charset="0"/>
-                          </a:rPr>
-                          <m:t>𝑥</m:t>
-                        </m:r>
-                      </m:e>
-                      <m:sup>
-                        <m:r>
-                          <a:rPr lang="en-US" b="0" i="1" smtClean="0">
-                            <a:latin typeface="Cambria Math" panose="02040503050406030204" pitchFamily="18" charset="0"/>
-                          </a:rPr>
-                          <m:t>2</m:t>
-                        </m:r>
-                      </m:sup>
-                    </m:sSup>
-                  </m:oMath>
-                </a14:m>
-                <a:endParaRPr lang="en-US" dirty="0"/>
-              </a:p>
-            </p:txBody>
-          </p:sp>
-        </mc:Choice>
-        <mc:Fallback xmlns="">
-          <p:sp>
-            <p:nvSpPr>
-              <p:cNvPr id="3" name="Content Placeholder 2"/>
-              <p:cNvSpPr>
-                <a:spLocks noGrp="1" noRot="1" noChangeAspect="1" noMove="1" noResize="1" noEditPoints="1" noAdjustHandles="1" noChangeArrowheads="1" noChangeShapeType="1" noTextEdit="1"/>
-              </p:cNvSpPr>
-              <p:nvPr>
-                <p:ph idx="1"/>
-              </p:nvPr>
-            </p:nvSpPr>
-            <p:spPr>
-              <a:blipFill rotWithShape="0">
-                <a:blip r:embed="rId2"/>
-                <a:stretch>
-                  <a:fillRect l="-1521"/>
-                </a:stretch>
-              </a:blipFill>
-            </p:spPr>
-            <p:txBody>
-              <a:bodyPr/>
-              <a:lstStyle/>
-              <a:p>
-                <a:r>
-                  <a:rPr lang="en-US">
-                    <a:noFill/>
-                  </a:rPr>
-                  <a:t> </a:t>
-                </a:r>
-              </a:p>
-            </p:txBody>
-          </p:sp>
-        </mc:Fallback>
-      </mc:AlternateContent>
-    </p:spTree>
-    <p:extLst>
-      <p:ext uri="{BB962C8B-B14F-4D97-AF65-F5344CB8AC3E}">
-        <p14:creationId xmlns:p14="http://schemas.microsoft.com/office/powerpoint/2010/main" val="1243588112"/>
-      </p:ext>
-    </p:extLst>
-  </p:cSld>
-  <p:clrMapOvr>
-    <a:masterClrMapping/>
-  </p:clrMapOvr>
-  <p:timing>
-    <p:tnLst>
-      <p:par>
-        <p:cTn id="1" dur="indefinite" restart="never" nodeType="tmRoot"/>
-      </p:par>
-    </p:tnLst>
-  </p:timing>
-</p:sld>
-</file>
-
-<file path=ppt/slides/slide30.xml><?xml version="1.0" encoding="utf-8"?>
+<file path=ppt/slides/slide27.xml><?xml version="1.0" encoding="utf-8"?>
 <p:sld xmlns:a="http://schemas.openxmlformats.org/drawingml/2006/main" xmlns:r="http://schemas.openxmlformats.org/officeDocument/2006/relationships" xmlns:p="http://schemas.openxmlformats.org/presentationml/2006/main">
   <p:cSld>
     <p:spTree>
@@ -13326,7 +12498,7 @@
 </p:sld>
 </file>
 
-<file path=ppt/slides/slide31.xml><?xml version="1.0" encoding="utf-8"?>
+<file path=ppt/slides/slide28.xml><?xml version="1.0" encoding="utf-8"?>
 <p:sld xmlns:a="http://schemas.openxmlformats.org/drawingml/2006/main" xmlns:r="http://schemas.openxmlformats.org/officeDocument/2006/relationships" xmlns:p="http://schemas.openxmlformats.org/presentationml/2006/main">
   <p:cSld>
     <p:spTree>
@@ -13444,6 +12616,199 @@
     <p:extLst>
       <p:ext uri="{BB962C8B-B14F-4D97-AF65-F5344CB8AC3E}">
         <p14:creationId xmlns:p14="http://schemas.microsoft.com/office/powerpoint/2010/main" val="4139561062"/>
+      </p:ext>
+    </p:extLst>
+  </p:cSld>
+  <p:clrMapOvr>
+    <a:masterClrMapping/>
+  </p:clrMapOvr>
+  <p:timing>
+    <p:tnLst>
+      <p:par>
+        <p:cTn id="1" dur="indefinite" restart="never" nodeType="tmRoot"/>
+      </p:par>
+    </p:tnLst>
+  </p:timing>
+</p:sld>
+</file>
+
+<file path=ppt/slides/slide3.xml><?xml version="1.0" encoding="utf-8"?>
+<p:sld xmlns:a="http://schemas.openxmlformats.org/drawingml/2006/main" xmlns:r="http://schemas.openxmlformats.org/officeDocument/2006/relationships" xmlns:p="http://schemas.openxmlformats.org/presentationml/2006/main">
+  <p:cSld>
+    <p:spTree>
+      <p:nvGrpSpPr>
+        <p:cNvPr id="1" name=""/>
+        <p:cNvGrpSpPr/>
+        <p:nvPr/>
+      </p:nvGrpSpPr>
+      <p:grpSpPr>
+        <a:xfrm>
+          <a:off x="0" y="0"/>
+          <a:ext cx="0" cy="0"/>
+          <a:chOff x="0" y="0"/>
+          <a:chExt cx="0" cy="0"/>
+        </a:xfrm>
+      </p:grpSpPr>
+      <p:sp>
+        <p:nvSpPr>
+          <p:cNvPr id="2" name="Title 1"/>
+          <p:cNvSpPr>
+            <a:spLocks noGrp="1"/>
+          </p:cNvSpPr>
+          <p:nvPr>
+            <p:ph type="title"/>
+          </p:nvPr>
+        </p:nvSpPr>
+        <p:spPr/>
+        <p:txBody>
+          <a:bodyPr/>
+          <a:lstStyle/>
+          <a:p>
+            <a:r>
+              <a:rPr lang="en-US" dirty="0" smtClean="0"/>
+              <a:t>Functional Programming</a:t>
+            </a:r>
+            <a:endParaRPr lang="en-US" dirty="0"/>
+          </a:p>
+        </p:txBody>
+      </p:sp>
+      <mc:AlternateContent xmlns:mc="http://schemas.openxmlformats.org/markup-compatibility/2006" xmlns:a14="http://schemas.microsoft.com/office/drawing/2010/main">
+        <mc:Choice Requires="a14">
+          <p:sp>
+            <p:nvSpPr>
+              <p:cNvPr id="3" name="Content Placeholder 2"/>
+              <p:cNvSpPr>
+                <a:spLocks noGrp="1"/>
+              </p:cNvSpPr>
+              <p:nvPr>
+                <p:ph idx="1"/>
+              </p:nvPr>
+            </p:nvSpPr>
+            <p:spPr/>
+            <p:txBody>
+              <a:bodyPr/>
+              <a:lstStyle/>
+              <a:p>
+                <a:r>
+                  <a:rPr lang="en-US" dirty="0" smtClean="0"/>
+                  <a:t>Another Programming paradigm (OOP, procedural, etc.)</a:t>
+                </a:r>
+              </a:p>
+              <a:p>
+                <a:r>
+                  <a:rPr lang="en-US" dirty="0" smtClean="0"/>
+                  <a:t>Centered around the mathematical concept of a function</a:t>
+                </a:r>
+              </a:p>
+              <a:p>
+                <a:pPr lvl="1"/>
+                <a:r>
+                  <a:rPr lang="en-US" dirty="0" smtClean="0"/>
+                  <a:t>Immutable and idempotent</a:t>
+                </a:r>
+              </a:p>
+              <a:p>
+                <a14:m>
+                  <m:oMath xmlns:m="http://schemas.openxmlformats.org/officeDocument/2006/math">
+                    <m:r>
+                      <a:rPr lang="en-US" b="0" i="1" smtClean="0">
+                        <a:latin typeface="Cambria Math" panose="02040503050406030204" pitchFamily="18" charset="0"/>
+                      </a:rPr>
+                      <m:t>𝑓</m:t>
+                    </m:r>
+                    <m:d>
+                      <m:dPr>
+                        <m:ctrlPr>
+                          <a:rPr lang="en-US" b="0" i="1" smtClean="0">
+                            <a:latin typeface="Cambria Math" panose="02040503050406030204" pitchFamily="18" charset="0"/>
+                          </a:rPr>
+                        </m:ctrlPr>
+                      </m:dPr>
+                      <m:e>
+                        <m:r>
+                          <a:rPr lang="en-US" b="0" i="1" smtClean="0">
+                            <a:latin typeface="Cambria Math" panose="02040503050406030204" pitchFamily="18" charset="0"/>
+                          </a:rPr>
+                          <m:t>𝑥</m:t>
+                        </m:r>
+                      </m:e>
+                    </m:d>
+                    <m:r>
+                      <a:rPr lang="en-US" b="0" i="1" smtClean="0">
+                        <a:latin typeface="Cambria Math" panose="02040503050406030204" pitchFamily="18" charset="0"/>
+                      </a:rPr>
+                      <m:t>= </m:t>
+                    </m:r>
+                    <m:sSup>
+                      <m:sSupPr>
+                        <m:ctrlPr>
+                          <a:rPr lang="en-US" b="0" i="1" smtClean="0">
+                            <a:latin typeface="Cambria Math" panose="02040503050406030204" pitchFamily="18" charset="0"/>
+                          </a:rPr>
+                        </m:ctrlPr>
+                      </m:sSupPr>
+                      <m:e>
+                        <m:r>
+                          <a:rPr lang="en-US" b="0" i="1" smtClean="0">
+                            <a:latin typeface="Cambria Math" panose="02040503050406030204" pitchFamily="18" charset="0"/>
+                          </a:rPr>
+                          <m:t>𝑥</m:t>
+                        </m:r>
+                      </m:e>
+                      <m:sup>
+                        <m:r>
+                          <a:rPr lang="en-US" b="0" i="1" smtClean="0">
+                            <a:latin typeface="Cambria Math" panose="02040503050406030204" pitchFamily="18" charset="0"/>
+                          </a:rPr>
+                          <m:t>2</m:t>
+                        </m:r>
+                      </m:sup>
+                    </m:sSup>
+                  </m:oMath>
+                </a14:m>
+                <a:endParaRPr lang="en-US" dirty="0"/>
+              </a:p>
+            </p:txBody>
+          </p:sp>
+        </mc:Choice>
+        <mc:Fallback xmlns="">
+          <p:sp>
+            <p:nvSpPr>
+              <p:cNvPr id="3" name="Content Placeholder 2"/>
+              <p:cNvSpPr>
+                <a:spLocks noGrp="1" noRot="1" noChangeAspect="1" noMove="1" noResize="1" noEditPoints="1" noAdjustHandles="1" noChangeArrowheads="1" noChangeShapeType="1" noTextEdit="1"/>
+              </p:cNvSpPr>
+              <p:nvPr>
+                <p:ph idx="1"/>
+              </p:nvPr>
+            </p:nvSpPr>
+            <p:spPr>
+              <a:blipFill rotWithShape="0">
+                <a:blip r:embed="rId2"/>
+                <a:stretch>
+                  <a:fillRect l="-1521"/>
+                </a:stretch>
+              </a:blipFill>
+            </p:spPr>
+            <p:txBody>
+              <a:bodyPr/>
+              <a:lstStyle/>
+              <a:p>
+                <a:r>
+                  <a:rPr lang="en-US">
+                    <a:noFill/>
+                  </a:rPr>
+                  <a:t> </a:t>
+                </a:r>
+              </a:p>
+            </p:txBody>
+          </p:sp>
+        </mc:Fallback>
+      </mc:AlternateContent>
+    </p:spTree>
+    <p:extLst>
+      <p:ext uri="{BB962C8B-B14F-4D97-AF65-F5344CB8AC3E}">
+        <p14:creationId xmlns:p14="http://schemas.microsoft.com/office/powerpoint/2010/main" val="1243588112"/>
       </p:ext>
     </p:extLst>
   </p:cSld>

--- a/The Secrets of LINQ.pptx
+++ b/The Secrets of LINQ.pptx
@@ -224,7 +224,7 @@
           <a:p>
             <a:fld id="{2B45B597-923B-4730-A722-02F657477DB7}" type="datetimeFigureOut">
               <a:rPr lang="en-US" smtClean="0"/>
-              <a:t>3/21/2015</a:t>
+              <a:t>7/11/2015</a:t>
             </a:fld>
             <a:endParaRPr lang="en-US"/>
           </a:p>
@@ -1370,7 +1370,7 @@
           <a:p>
             <a:fld id="{8ECED3F7-F610-466C-BDF4-3183BAA439F6}" type="datetimeFigureOut">
               <a:rPr lang="en-US" smtClean="0"/>
-              <a:t>3/21/2015</a:t>
+              <a:t>7/11/2015</a:t>
             </a:fld>
             <a:endParaRPr lang="en-US"/>
           </a:p>
@@ -1666,7 +1666,7 @@
           <a:p>
             <a:fld id="{8ECED3F7-F610-466C-BDF4-3183BAA439F6}" type="datetimeFigureOut">
               <a:rPr lang="en-US" smtClean="0"/>
-              <a:t>3/21/2015</a:t>
+              <a:t>7/11/2015</a:t>
             </a:fld>
             <a:endParaRPr lang="en-US"/>
           </a:p>
@@ -1914,7 +1914,7 @@
           <a:p>
             <a:fld id="{8ECED3F7-F610-466C-BDF4-3183BAA439F6}" type="datetimeFigureOut">
               <a:rPr lang="en-US" smtClean="0"/>
-              <a:t>3/21/2015</a:t>
+              <a:t>7/11/2015</a:t>
             </a:fld>
             <a:endParaRPr lang="en-US"/>
           </a:p>
@@ -2454,7 +2454,7 @@
           <a:p>
             <a:fld id="{8ECED3F7-F610-466C-BDF4-3183BAA439F6}" type="datetimeFigureOut">
               <a:rPr lang="en-US" smtClean="0"/>
-              <a:t>3/21/2015</a:t>
+              <a:t>7/11/2015</a:t>
             </a:fld>
             <a:endParaRPr lang="en-US"/>
           </a:p>
@@ -2702,7 +2702,7 @@
           <a:p>
             <a:fld id="{8ECED3F7-F610-466C-BDF4-3183BAA439F6}" type="datetimeFigureOut">
               <a:rPr lang="en-US" smtClean="0"/>
-              <a:t>3/21/2015</a:t>
+              <a:t>7/11/2015</a:t>
             </a:fld>
             <a:endParaRPr lang="en-US"/>
           </a:p>
@@ -3234,7 +3234,7 @@
           <a:p>
             <a:fld id="{8ECED3F7-F610-466C-BDF4-3183BAA439F6}" type="datetimeFigureOut">
               <a:rPr lang="en-US" smtClean="0"/>
-              <a:t>3/21/2015</a:t>
+              <a:t>7/11/2015</a:t>
             </a:fld>
             <a:endParaRPr lang="en-US"/>
           </a:p>
@@ -3531,7 +3531,7 @@
           <a:p>
             <a:fld id="{8ECED3F7-F610-466C-BDF4-3183BAA439F6}" type="datetimeFigureOut">
               <a:rPr lang="en-US" smtClean="0"/>
-              <a:t>3/21/2015</a:t>
+              <a:t>7/11/2015</a:t>
             </a:fld>
             <a:endParaRPr lang="en-US"/>
           </a:p>
@@ -3705,7 +3705,7 @@
           <a:p>
             <a:fld id="{8ECED3F7-F610-466C-BDF4-3183BAA439F6}" type="datetimeFigureOut">
               <a:rPr lang="en-US" smtClean="0"/>
-              <a:t>3/21/2015</a:t>
+              <a:t>7/11/2015</a:t>
             </a:fld>
             <a:endParaRPr lang="en-US"/>
           </a:p>
@@ -3885,7 +3885,7 @@
           <a:p>
             <a:fld id="{8ECED3F7-F610-466C-BDF4-3183BAA439F6}" type="datetimeFigureOut">
               <a:rPr lang="en-US" smtClean="0"/>
-              <a:t>3/21/2015</a:t>
+              <a:t>7/11/2015</a:t>
             </a:fld>
             <a:endParaRPr lang="en-US"/>
           </a:p>
@@ -4055,7 +4055,7 @@
           <a:p>
             <a:fld id="{8ECED3F7-F610-466C-BDF4-3183BAA439F6}" type="datetimeFigureOut">
               <a:rPr lang="en-US" smtClean="0"/>
-              <a:t>3/21/2015</a:t>
+              <a:t>7/11/2015</a:t>
             </a:fld>
             <a:endParaRPr lang="en-US"/>
           </a:p>
@@ -4306,7 +4306,7 @@
           <a:p>
             <a:fld id="{8ECED3F7-F610-466C-BDF4-3183BAA439F6}" type="datetimeFigureOut">
               <a:rPr lang="en-US" smtClean="0"/>
-              <a:t>3/21/2015</a:t>
+              <a:t>7/11/2015</a:t>
             </a:fld>
             <a:endParaRPr lang="en-US"/>
           </a:p>
@@ -4603,7 +4603,7 @@
           <a:p>
             <a:fld id="{8ECED3F7-F610-466C-BDF4-3183BAA439F6}" type="datetimeFigureOut">
               <a:rPr lang="en-US" smtClean="0"/>
-              <a:t>3/21/2015</a:t>
+              <a:t>7/11/2015</a:t>
             </a:fld>
             <a:endParaRPr lang="en-US"/>
           </a:p>
@@ -5045,7 +5045,7 @@
           <a:p>
             <a:fld id="{8ECED3F7-F610-466C-BDF4-3183BAA439F6}" type="datetimeFigureOut">
               <a:rPr lang="en-US" smtClean="0"/>
-              <a:t>3/21/2015</a:t>
+              <a:t>7/11/2015</a:t>
             </a:fld>
             <a:endParaRPr lang="en-US"/>
           </a:p>
@@ -5163,7 +5163,7 @@
           <a:p>
             <a:fld id="{8ECED3F7-F610-466C-BDF4-3183BAA439F6}" type="datetimeFigureOut">
               <a:rPr lang="en-US" smtClean="0"/>
-              <a:t>3/21/2015</a:t>
+              <a:t>7/11/2015</a:t>
             </a:fld>
             <a:endParaRPr lang="en-US"/>
           </a:p>
@@ -5258,7 +5258,7 @@
           <a:p>
             <a:fld id="{8ECED3F7-F610-466C-BDF4-3183BAA439F6}" type="datetimeFigureOut">
               <a:rPr lang="en-US" smtClean="0"/>
-              <a:t>3/21/2015</a:t>
+              <a:t>7/11/2015</a:t>
             </a:fld>
             <a:endParaRPr lang="en-US"/>
           </a:p>
@@ -5541,7 +5541,7 @@
           <a:p>
             <a:fld id="{8ECED3F7-F610-466C-BDF4-3183BAA439F6}" type="datetimeFigureOut">
               <a:rPr lang="en-US" smtClean="0"/>
-              <a:t>3/21/2015</a:t>
+              <a:t>7/11/2015</a:t>
             </a:fld>
             <a:endParaRPr lang="en-US"/>
           </a:p>
@@ -5832,7 +5832,7 @@
           <a:p>
             <a:fld id="{8ECED3F7-F610-466C-BDF4-3183BAA439F6}" type="datetimeFigureOut">
               <a:rPr lang="en-US" smtClean="0"/>
-              <a:t>3/21/2015</a:t>
+              <a:t>7/11/2015</a:t>
             </a:fld>
             <a:endParaRPr lang="en-US"/>
           </a:p>
@@ -6362,7 +6362,7 @@
           <a:p>
             <a:fld id="{8ECED3F7-F610-466C-BDF4-3183BAA439F6}" type="datetimeFigureOut">
               <a:rPr lang="en-US" smtClean="0"/>
-              <a:t>3/21/2015</a:t>
+              <a:t>7/11/2015</a:t>
             </a:fld>
             <a:endParaRPr lang="en-US"/>
           </a:p>
@@ -9260,20 +9260,36 @@
               <a:buNone/>
             </a:pPr>
             <a:r>
+              <a:rPr lang="en-US" dirty="0" err="1" smtClean="0">
+                <a:solidFill>
+                  <a:srgbClr val="2B91B1"/>
+                </a:solidFill>
+              </a:rPr>
+              <a:t>Func</a:t>
+            </a:r>
+            <a:r>
+              <a:rPr lang="en-US" dirty="0" smtClean="0"/>
+              <a:t>&lt;</a:t>
+            </a:r>
+            <a:r>
               <a:rPr lang="en-US" dirty="0" smtClean="0">
                 <a:solidFill>
                   <a:srgbClr val="0000FF"/>
                 </a:solidFill>
               </a:rPr>
-              <a:t>public double </a:t>
+              <a:t>double</a:t>
+            </a:r>
+            <a:r>
+              <a:rPr lang="en-US" dirty="0" smtClean="0"/>
+              <a:t>&gt; </a:t>
             </a:r>
             <a:r>
               <a:rPr lang="en-US" dirty="0" err="1" smtClean="0"/>
-              <a:t>GetPi</a:t>
+              <a:t>piFunc</a:t>
             </a:r>
             <a:r>
               <a:rPr lang="en-US" dirty="0" smtClean="0"/>
-              <a:t>() { return </a:t>
+              <a:t> = () =&gt; </a:t>
             </a:r>
             <a:r>
               <a:rPr lang="en-US" dirty="0" err="1" smtClean="0">
@@ -9288,54 +9304,10 @@
               <a:t>.PI</a:t>
             </a:r>
             <a:r>
-              <a:rPr lang="en-US" dirty="0" smtClean="0"/>
-              <a:t>; }</a:t>
-            </a:r>
-          </a:p>
-          <a:p>
-            <a:pPr marL="457200" lvl="1" indent="0">
-              <a:buNone/>
-            </a:pPr>
-            <a:r>
-              <a:rPr lang="en-US" dirty="0" err="1" smtClean="0">
-                <a:solidFill>
-                  <a:srgbClr val="2B91B1"/>
-                </a:solidFill>
-              </a:rPr>
-              <a:t>Func</a:t>
-            </a:r>
-            <a:r>
-              <a:rPr lang="en-US" dirty="0" smtClean="0"/>
-              <a:t>&lt;</a:t>
-            </a:r>
-            <a:r>
-              <a:rPr lang="en-US" dirty="0" smtClean="0">
-                <a:solidFill>
-                  <a:srgbClr val="0000FF"/>
-                </a:solidFill>
-              </a:rPr>
-              <a:t>double</a:t>
-            </a:r>
-            <a:r>
-              <a:rPr lang="en-US" dirty="0" smtClean="0"/>
-              <a:t>&gt; </a:t>
-            </a:r>
-            <a:r>
-              <a:rPr lang="en-US" dirty="0" err="1" smtClean="0"/>
-              <a:t>piFunc</a:t>
-            </a:r>
-            <a:r>
-              <a:rPr lang="en-US" dirty="0" smtClean="0"/>
-              <a:t> = () =&gt; </a:t>
-            </a:r>
-            <a:r>
-              <a:rPr lang="en-US" dirty="0" err="1" smtClean="0"/>
-              <a:t>GetPi</a:t>
-            </a:r>
-            <a:r>
-              <a:rPr lang="en-US" dirty="0" smtClean="0"/>
-              <a:t>();</a:t>
-            </a:r>
+              <a:rPr lang="en-US" dirty="0"/>
+              <a:t>;</a:t>
+            </a:r>
+            <a:endParaRPr lang="en-US" dirty="0" smtClean="0"/>
           </a:p>
           <a:p>
             <a:r>
@@ -9553,15 +9525,33 @@
                                   </p:childTnLst>
                                 </p:cTn>
                               </p:par>
+                            </p:childTnLst>
+                          </p:cTn>
+                        </p:par>
+                      </p:childTnLst>
+                    </p:cTn>
+                  </p:par>
+                  <p:par>
+                    <p:cTn id="11" fill="hold">
+                      <p:stCondLst>
+                        <p:cond delay="indefinite"/>
+                      </p:stCondLst>
+                      <p:childTnLst>
+                        <p:par>
+                          <p:cTn id="12" fill="hold">
+                            <p:stCondLst>
+                              <p:cond delay="0"/>
+                            </p:stCondLst>
+                            <p:childTnLst>
                               <p:par>
-                                <p:cTn id="11" presetID="1" presetClass="entr" presetSubtype="0" fill="hold" nodeType="withEffect">
+                                <p:cTn id="13" presetID="1" presetClass="entr" presetSubtype="0" fill="hold" nodeType="clickEffect">
                                   <p:stCondLst>
                                     <p:cond delay="0"/>
                                   </p:stCondLst>
                                   <p:childTnLst>
                                     <p:set>
                                       <p:cBhvr>
-                                        <p:cTn id="12" dur="1" fill="hold">
+                                        <p:cTn id="14" dur="1" fill="hold">
                                           <p:stCondLst>
                                             <p:cond delay="0"/>
                                           </p:stCondLst>
@@ -9584,26 +9574,8 @@
                                   </p:childTnLst>
                                 </p:cTn>
                               </p:par>
-                            </p:childTnLst>
-                          </p:cTn>
-                        </p:par>
-                      </p:childTnLst>
-                    </p:cTn>
-                  </p:par>
-                  <p:par>
-                    <p:cTn id="13" fill="hold">
-                      <p:stCondLst>
-                        <p:cond delay="indefinite"/>
-                      </p:stCondLst>
-                      <p:childTnLst>
-                        <p:par>
-                          <p:cTn id="14" fill="hold">
-                            <p:stCondLst>
-                              <p:cond delay="0"/>
-                            </p:stCondLst>
-                            <p:childTnLst>
                               <p:par>
-                                <p:cTn id="15" presetID="1" presetClass="entr" presetSubtype="0" fill="hold" nodeType="clickEffect">
+                                <p:cTn id="15" presetID="1" presetClass="entr" presetSubtype="0" fill="hold" nodeType="withEffect">
                                   <p:stCondLst>
                                     <p:cond delay="0"/>
                                   </p:stCondLst>
@@ -9664,37 +9636,6 @@
                                   </p:childTnLst>
                                 </p:cTn>
                               </p:par>
-                              <p:par>
-                                <p:cTn id="19" presetID="1" presetClass="entr" presetSubtype="0" fill="hold" nodeType="withEffect">
-                                  <p:stCondLst>
-                                    <p:cond delay="0"/>
-                                  </p:stCondLst>
-                                  <p:childTnLst>
-                                    <p:set>
-                                      <p:cBhvr>
-                                        <p:cTn id="20" dur="1" fill="hold">
-                                          <p:stCondLst>
-                                            <p:cond delay="0"/>
-                                          </p:stCondLst>
-                                        </p:cTn>
-                                        <p:tgtEl>
-                                          <p:spTgt spid="3">
-                                            <p:txEl>
-                                              <p:pRg st="6" end="6"/>
-                                            </p:txEl>
-                                          </p:spTgt>
-                                        </p:tgtEl>
-                                        <p:attrNameLst>
-                                          <p:attrName>style.visibility</p:attrName>
-                                        </p:attrNameLst>
-                                      </p:cBhvr>
-                                      <p:to>
-                                        <p:strVal val="visible"/>
-                                      </p:to>
-                                    </p:set>
-                                  </p:childTnLst>
-                                </p:cTn>
-                              </p:par>
                             </p:childTnLst>
                           </p:cTn>
                         </p:par>
@@ -9702,26 +9643,26 @@
                     </p:cTn>
                   </p:par>
                   <p:par>
-                    <p:cTn id="21" fill="hold">
+                    <p:cTn id="19" fill="hold">
                       <p:stCondLst>
                         <p:cond delay="indefinite"/>
                       </p:stCondLst>
                       <p:childTnLst>
                         <p:par>
-                          <p:cTn id="22" fill="hold">
+                          <p:cTn id="20" fill="hold">
                             <p:stCondLst>
                               <p:cond delay="0"/>
                             </p:stCondLst>
                             <p:childTnLst>
                               <p:par>
-                                <p:cTn id="23" presetID="1" presetClass="entr" presetSubtype="0" fill="hold" nodeType="clickEffect">
+                                <p:cTn id="21" presetID="1" presetClass="entr" presetSubtype="0" fill="hold" nodeType="clickEffect">
                                   <p:stCondLst>
                                     <p:cond delay="0"/>
                                   </p:stCondLst>
                                   <p:childTnLst>
                                     <p:set>
                                       <p:cBhvr>
-                                        <p:cTn id="24" dur="1" fill="hold">
+                                        <p:cTn id="22" dur="1" fill="hold">
                                           <p:stCondLst>
                                             <p:cond delay="0"/>
                                           </p:stCondLst>
@@ -9745,14 +9686,14 @@
                                 </p:cTn>
                               </p:par>
                               <p:par>
-                                <p:cTn id="25" presetID="1" presetClass="entr" presetSubtype="0" fill="hold" nodeType="withEffect">
+                                <p:cTn id="23" presetID="1" presetClass="entr" presetSubtype="0" fill="hold" nodeType="withEffect">
                                   <p:stCondLst>
                                     <p:cond delay="0"/>
                                   </p:stCondLst>
                                   <p:childTnLst>
                                     <p:set>
                                       <p:cBhvr>
-                                        <p:cTn id="26" dur="1" fill="hold">
+                                        <p:cTn id="24" dur="1" fill="hold">
                                           <p:stCondLst>
                                             <p:cond delay="0"/>
                                           </p:stCondLst>
@@ -9776,14 +9717,14 @@
                                 </p:cTn>
                               </p:par>
                               <p:par>
-                                <p:cTn id="27" presetID="1" presetClass="entr" presetSubtype="0" fill="hold" nodeType="withEffect">
+                                <p:cTn id="25" presetID="1" presetClass="entr" presetSubtype="0" fill="hold" nodeType="withEffect">
                                   <p:stCondLst>
                                     <p:cond delay="0"/>
                                   </p:stCondLst>
                                   <p:childTnLst>
                                     <p:set>
                                       <p:cBhvr>
-                                        <p:cTn id="28" dur="1" fill="hold">
+                                        <p:cTn id="26" dur="1" fill="hold">
                                           <p:stCondLst>
                                             <p:cond delay="0"/>
                                           </p:stCondLst>

--- a/The Secrets of LINQ.pptx
+++ b/The Secrets of LINQ.pptx
@@ -3,39 +3,41 @@
 <p:presentation xmlns:a="http://schemas.openxmlformats.org/drawingml/2006/main" xmlns:r="http://schemas.openxmlformats.org/officeDocument/2006/relationships" xmlns:p="http://schemas.openxmlformats.org/presentationml/2006/main" saveSubsetFonts="1">
   <p:sldMasterIdLst>
     <p:sldMasterId id="2147483660" r:id="rId1"/>
+    <p:sldMasterId id="2147483678" r:id="rId2"/>
   </p:sldMasterIdLst>
   <p:notesMasterIdLst>
-    <p:notesMasterId r:id="rId30"/>
+    <p:notesMasterId r:id="rId32"/>
   </p:notesMasterIdLst>
   <p:sldIdLst>
-    <p:sldId id="262" r:id="rId2"/>
-    <p:sldId id="263" r:id="rId3"/>
-    <p:sldId id="297" r:id="rId4"/>
-    <p:sldId id="298" r:id="rId5"/>
-    <p:sldId id="264" r:id="rId6"/>
-    <p:sldId id="289" r:id="rId7"/>
-    <p:sldId id="290" r:id="rId8"/>
-    <p:sldId id="270" r:id="rId9"/>
-    <p:sldId id="287" r:id="rId10"/>
-    <p:sldId id="288" r:id="rId11"/>
-    <p:sldId id="266" r:id="rId12"/>
-    <p:sldId id="295" r:id="rId13"/>
-    <p:sldId id="299" r:id="rId14"/>
-    <p:sldId id="300" r:id="rId15"/>
-    <p:sldId id="302" r:id="rId16"/>
-    <p:sldId id="272" r:id="rId17"/>
-    <p:sldId id="273" r:id="rId18"/>
-    <p:sldId id="304" r:id="rId19"/>
-    <p:sldId id="293" r:id="rId20"/>
-    <p:sldId id="276" r:id="rId21"/>
-    <p:sldId id="257" r:id="rId22"/>
-    <p:sldId id="258" r:id="rId23"/>
-    <p:sldId id="259" r:id="rId24"/>
-    <p:sldId id="284" r:id="rId25"/>
-    <p:sldId id="282" r:id="rId26"/>
-    <p:sldId id="280" r:id="rId27"/>
-    <p:sldId id="279" r:id="rId28"/>
-    <p:sldId id="305" r:id="rId29"/>
+    <p:sldId id="262" r:id="rId3"/>
+    <p:sldId id="307" r:id="rId4"/>
+    <p:sldId id="263" r:id="rId5"/>
+    <p:sldId id="297" r:id="rId6"/>
+    <p:sldId id="298" r:id="rId7"/>
+    <p:sldId id="264" r:id="rId8"/>
+    <p:sldId id="289" r:id="rId9"/>
+    <p:sldId id="290" r:id="rId10"/>
+    <p:sldId id="270" r:id="rId11"/>
+    <p:sldId id="287" r:id="rId12"/>
+    <p:sldId id="288" r:id="rId13"/>
+    <p:sldId id="266" r:id="rId14"/>
+    <p:sldId id="295" r:id="rId15"/>
+    <p:sldId id="299" r:id="rId16"/>
+    <p:sldId id="300" r:id="rId17"/>
+    <p:sldId id="302" r:id="rId18"/>
+    <p:sldId id="272" r:id="rId19"/>
+    <p:sldId id="273" r:id="rId20"/>
+    <p:sldId id="304" r:id="rId21"/>
+    <p:sldId id="293" r:id="rId22"/>
+    <p:sldId id="276" r:id="rId23"/>
+    <p:sldId id="257" r:id="rId24"/>
+    <p:sldId id="258" r:id="rId25"/>
+    <p:sldId id="259" r:id="rId26"/>
+    <p:sldId id="284" r:id="rId27"/>
+    <p:sldId id="282" r:id="rId28"/>
+    <p:sldId id="280" r:id="rId29"/>
+    <p:sldId id="279" r:id="rId30"/>
+    <p:sldId id="305" r:id="rId31"/>
   </p:sldIdLst>
   <p:sldSz cx="12192000" cy="6858000"/>
   <p:notesSz cx="6858000" cy="9144000"/>
@@ -224,7 +226,7 @@
           <a:p>
             <a:fld id="{2B45B597-923B-4730-A722-02F657477DB7}" type="datetimeFigureOut">
               <a:rPr lang="en-US" smtClean="0"/>
-              <a:t>7/11/2015</a:t>
+              <a:t>11/13/2015</a:t>
             </a:fld>
             <a:endParaRPr lang="en-US"/>
           </a:p>
@@ -519,7 +521,12 @@
             <p:ph type="sldImg"/>
           </p:nvPr>
         </p:nvSpPr>
-        <p:spPr/>
+        <p:spPr>
+          <a:xfrm>
+            <a:off x="685800" y="1143000"/>
+            <a:ext cx="5486400" cy="3086100"/>
+          </a:xfrm>
+        </p:spPr>
       </p:sp>
       <p:sp>
         <p:nvSpPr>
@@ -536,29 +543,6 @@
           <a:bodyPr/>
           <a:lstStyle/>
           <a:p>
-            <a:pPr marL="0" marR="0" indent="0" algn="l" defTabSz="914400" rtl="0" eaLnBrk="1" fontAlgn="auto" latinLnBrk="0" hangingPunct="1">
-              <a:lnSpc>
-                <a:spcPct val="100000"/>
-              </a:lnSpc>
-              <a:spcBef>
-                <a:spcPts val="0"/>
-              </a:spcBef>
-              <a:spcAft>
-                <a:spcPts val="0"/>
-              </a:spcAft>
-              <a:buClrTx/>
-              <a:buSzTx/>
-              <a:buFontTx/>
-              <a:buNone/>
-              <a:tabLst/>
-              <a:defRPr/>
-            </a:pPr>
-            <a:r>
-              <a:rPr lang="en-US" dirty="0" smtClean="0"/>
-              <a:t>Reverse SQL like syntax</a:t>
-            </a:r>
-          </a:p>
-          <a:p>
             <a:endParaRPr lang="en-US" dirty="0"/>
           </a:p>
         </p:txBody>
@@ -578,18 +562,27 @@
           <a:bodyPr/>
           <a:lstStyle/>
           <a:p>
-            <a:fld id="{4375067F-182B-4A4A-9D66-5055E44A5F75}" type="slidenum">
-              <a:rPr lang="en-US" smtClean="0"/>
-              <a:t>6</a:t>
+            <a:fld id="{15F9F7C0-00AA-4E3A-B7E0-B829C5F69B60}" type="slidenum">
+              <a:rPr lang="en-US" smtClean="0">
+                <a:solidFill>
+                  <a:prstClr val="black"/>
+                </a:solidFill>
+              </a:rPr>
+              <a:pPr/>
+              <a:t>2</a:t>
             </a:fld>
-            <a:endParaRPr lang="en-US"/>
+            <a:endParaRPr lang="en-US">
+              <a:solidFill>
+                <a:prstClr val="black"/>
+              </a:solidFill>
+            </a:endParaRPr>
           </a:p>
         </p:txBody>
       </p:sp>
     </p:spTree>
     <p:extLst>
       <p:ext uri="{BB962C8B-B14F-4D97-AF65-F5344CB8AC3E}">
-        <p14:creationId xmlns:p14="http://schemas.microsoft.com/office/powerpoint/2010/main" val="1016980648"/>
+        <p14:creationId xmlns:p14="http://schemas.microsoft.com/office/powerpoint/2010/main" val="3162032193"/>
       </p:ext>
     </p:extLst>
   </p:cSld>
@@ -643,6 +636,29 @@
           <a:bodyPr/>
           <a:lstStyle/>
           <a:p>
+            <a:pPr marL="0" marR="0" indent="0" algn="l" defTabSz="914400" rtl="0" eaLnBrk="1" fontAlgn="auto" latinLnBrk="0" hangingPunct="1">
+              <a:lnSpc>
+                <a:spcPct val="100000"/>
+              </a:lnSpc>
+              <a:spcBef>
+                <a:spcPts val="0"/>
+              </a:spcBef>
+              <a:spcAft>
+                <a:spcPts val="0"/>
+              </a:spcAft>
+              <a:buClrTx/>
+              <a:buSzTx/>
+              <a:buFontTx/>
+              <a:buNone/>
+              <a:tabLst/>
+              <a:defRPr/>
+            </a:pPr>
+            <a:r>
+              <a:rPr lang="en-US" dirty="0" smtClean="0"/>
+              <a:t>Reverse SQL like syntax</a:t>
+            </a:r>
+          </a:p>
+          <a:p>
             <a:endParaRPr lang="en-US" dirty="0"/>
           </a:p>
         </p:txBody>
@@ -673,7 +689,7 @@
     </p:spTree>
     <p:extLst>
       <p:ext uri="{BB962C8B-B14F-4D97-AF65-F5344CB8AC3E}">
-        <p14:creationId xmlns:p14="http://schemas.microsoft.com/office/powerpoint/2010/main" val="3800206"/>
+        <p14:creationId xmlns:p14="http://schemas.microsoft.com/office/powerpoint/2010/main" val="1016980648"/>
       </p:ext>
     </p:extLst>
   </p:cSld>
@@ -757,7 +773,7 @@
     </p:spTree>
     <p:extLst>
       <p:ext uri="{BB962C8B-B14F-4D97-AF65-F5344CB8AC3E}">
-        <p14:creationId xmlns:p14="http://schemas.microsoft.com/office/powerpoint/2010/main" val="1169190240"/>
+        <p14:creationId xmlns:p14="http://schemas.microsoft.com/office/powerpoint/2010/main" val="3800206"/>
       </p:ext>
     </p:extLst>
   </p:cSld>
@@ -811,6 +827,90 @@
           <a:bodyPr/>
           <a:lstStyle/>
           <a:p>
+            <a:endParaRPr lang="en-US" dirty="0"/>
+          </a:p>
+        </p:txBody>
+      </p:sp>
+      <p:sp>
+        <p:nvSpPr>
+          <p:cNvPr id="4" name="Slide Number Placeholder 3"/>
+          <p:cNvSpPr>
+            <a:spLocks noGrp="1"/>
+          </p:cNvSpPr>
+          <p:nvPr>
+            <p:ph type="sldNum" sz="quarter" idx="10"/>
+          </p:nvPr>
+        </p:nvSpPr>
+        <p:spPr/>
+        <p:txBody>
+          <a:bodyPr/>
+          <a:lstStyle/>
+          <a:p>
+            <a:fld id="{4375067F-182B-4A4A-9D66-5055E44A5F75}" type="slidenum">
+              <a:rPr lang="en-US" smtClean="0"/>
+              <a:t>9</a:t>
+            </a:fld>
+            <a:endParaRPr lang="en-US"/>
+          </a:p>
+        </p:txBody>
+      </p:sp>
+    </p:spTree>
+    <p:extLst>
+      <p:ext uri="{BB962C8B-B14F-4D97-AF65-F5344CB8AC3E}">
+        <p14:creationId xmlns:p14="http://schemas.microsoft.com/office/powerpoint/2010/main" val="1169190240"/>
+      </p:ext>
+    </p:extLst>
+  </p:cSld>
+  <p:clrMapOvr>
+    <a:masterClrMapping/>
+  </p:clrMapOvr>
+</p:notes>
+</file>
+
+<file path=ppt/notesSlides/notesSlide5.xml><?xml version="1.0" encoding="utf-8"?>
+<p:notes xmlns:a="http://schemas.openxmlformats.org/drawingml/2006/main" xmlns:r="http://schemas.openxmlformats.org/officeDocument/2006/relationships" xmlns:p="http://schemas.openxmlformats.org/presentationml/2006/main">
+  <p:cSld>
+    <p:spTree>
+      <p:nvGrpSpPr>
+        <p:cNvPr id="1" name=""/>
+        <p:cNvGrpSpPr/>
+        <p:nvPr/>
+      </p:nvGrpSpPr>
+      <p:grpSpPr>
+        <a:xfrm>
+          <a:off x="0" y="0"/>
+          <a:ext cx="0" cy="0"/>
+          <a:chOff x="0" y="0"/>
+          <a:chExt cx="0" cy="0"/>
+        </a:xfrm>
+      </p:grpSpPr>
+      <p:sp>
+        <p:nvSpPr>
+          <p:cNvPr id="2" name="Slide Image Placeholder 1"/>
+          <p:cNvSpPr>
+            <a:spLocks noGrp="1" noRot="1" noChangeAspect="1"/>
+          </p:cNvSpPr>
+          <p:nvPr>
+            <p:ph type="sldImg"/>
+          </p:nvPr>
+        </p:nvSpPr>
+        <p:spPr/>
+      </p:sp>
+      <p:sp>
+        <p:nvSpPr>
+          <p:cNvPr id="3" name="Notes Placeholder 2"/>
+          <p:cNvSpPr>
+            <a:spLocks noGrp="1"/>
+          </p:cNvSpPr>
+          <p:nvPr>
+            <p:ph type="body" idx="1"/>
+          </p:nvPr>
+        </p:nvSpPr>
+        <p:spPr/>
+        <p:txBody>
+          <a:bodyPr/>
+          <a:lstStyle/>
+          <a:p>
             <a:pPr marL="0" marR="0" indent="0" algn="l" defTabSz="914400" rtl="0" eaLnBrk="1" fontAlgn="auto" latinLnBrk="0" hangingPunct="1">
               <a:lnSpc>
                 <a:spcPct val="100000"/>
@@ -849,7 +949,7 @@
           <a:p>
             <a:fld id="{4375067F-182B-4A4A-9D66-5055E44A5F75}" type="slidenum">
               <a:rPr lang="en-US" smtClean="0"/>
-              <a:t>9</a:t>
+              <a:t>10</a:t>
             </a:fld>
             <a:endParaRPr lang="en-US"/>
           </a:p>
@@ -1370,7 +1470,7 @@
           <a:p>
             <a:fld id="{8ECED3F7-F610-466C-BDF4-3183BAA439F6}" type="datetimeFigureOut">
               <a:rPr lang="en-US" smtClean="0"/>
-              <a:t>7/11/2015</a:t>
+              <a:t>11/13/2015</a:t>
             </a:fld>
             <a:endParaRPr lang="en-US"/>
           </a:p>
@@ -1666,7 +1766,7 @@
           <a:p>
             <a:fld id="{8ECED3F7-F610-466C-BDF4-3183BAA439F6}" type="datetimeFigureOut">
               <a:rPr lang="en-US" smtClean="0"/>
-              <a:t>7/11/2015</a:t>
+              <a:t>11/13/2015</a:t>
             </a:fld>
             <a:endParaRPr lang="en-US"/>
           </a:p>
@@ -1914,7 +2014,7 @@
           <a:p>
             <a:fld id="{8ECED3F7-F610-466C-BDF4-3183BAA439F6}" type="datetimeFigureOut">
               <a:rPr lang="en-US" smtClean="0"/>
-              <a:t>7/11/2015</a:t>
+              <a:t>11/13/2015</a:t>
             </a:fld>
             <a:endParaRPr lang="en-US"/>
           </a:p>
@@ -2454,7 +2554,7 @@
           <a:p>
             <a:fld id="{8ECED3F7-F610-466C-BDF4-3183BAA439F6}" type="datetimeFigureOut">
               <a:rPr lang="en-US" smtClean="0"/>
-              <a:t>7/11/2015</a:t>
+              <a:t>11/13/2015</a:t>
             </a:fld>
             <a:endParaRPr lang="en-US"/>
           </a:p>
@@ -2702,7 +2802,7 @@
           <a:p>
             <a:fld id="{8ECED3F7-F610-466C-BDF4-3183BAA439F6}" type="datetimeFigureOut">
               <a:rPr lang="en-US" smtClean="0"/>
-              <a:t>7/11/2015</a:t>
+              <a:t>11/13/2015</a:t>
             </a:fld>
             <a:endParaRPr lang="en-US"/>
           </a:p>
@@ -3234,7 +3334,7 @@
           <a:p>
             <a:fld id="{8ECED3F7-F610-466C-BDF4-3183BAA439F6}" type="datetimeFigureOut">
               <a:rPr lang="en-US" smtClean="0"/>
-              <a:t>7/11/2015</a:t>
+              <a:t>11/13/2015</a:t>
             </a:fld>
             <a:endParaRPr lang="en-US"/>
           </a:p>
@@ -3531,7 +3631,7 @@
           <a:p>
             <a:fld id="{8ECED3F7-F610-466C-BDF4-3183BAA439F6}" type="datetimeFigureOut">
               <a:rPr lang="en-US" smtClean="0"/>
-              <a:t>7/11/2015</a:t>
+              <a:t>11/13/2015</a:t>
             </a:fld>
             <a:endParaRPr lang="en-US"/>
           </a:p>
@@ -3705,7 +3805,7 @@
           <a:p>
             <a:fld id="{8ECED3F7-F610-466C-BDF4-3183BAA439F6}" type="datetimeFigureOut">
               <a:rPr lang="en-US" smtClean="0"/>
-              <a:t>7/11/2015</a:t>
+              <a:t>11/13/2015</a:t>
             </a:fld>
             <a:endParaRPr lang="en-US"/>
           </a:p>
@@ -3885,7 +3985,7 @@
           <a:p>
             <a:fld id="{8ECED3F7-F610-466C-BDF4-3183BAA439F6}" type="datetimeFigureOut">
               <a:rPr lang="en-US" smtClean="0"/>
-              <a:t>7/11/2015</a:t>
+              <a:t>11/13/2015</a:t>
             </a:fld>
             <a:endParaRPr lang="en-US"/>
           </a:p>
@@ -3937,6 +4037,482 @@
     <p:extLst>
       <p:ext uri="{BB962C8B-B14F-4D97-AF65-F5344CB8AC3E}">
         <p14:creationId xmlns:p14="http://schemas.microsoft.com/office/powerpoint/2010/main" val="663035889"/>
+      </p:ext>
+    </p:extLst>
+  </p:cSld>
+  <p:clrMapOvr>
+    <a:masterClrMapping/>
+  </p:clrMapOvr>
+</p:sldLayout>
+</file>
+
+<file path=ppt/slideLayouts/slideLayout18.xml><?xml version="1.0" encoding="utf-8"?>
+<p:sldLayout xmlns:a="http://schemas.openxmlformats.org/drawingml/2006/main" xmlns:r="http://schemas.openxmlformats.org/officeDocument/2006/relationships" xmlns:p="http://schemas.openxmlformats.org/presentationml/2006/main" type="title" preserve="1">
+  <p:cSld name="Title Slide">
+    <p:spTree>
+      <p:nvGrpSpPr>
+        <p:cNvPr id="1" name=""/>
+        <p:cNvGrpSpPr/>
+        <p:nvPr/>
+      </p:nvGrpSpPr>
+      <p:grpSpPr>
+        <a:xfrm>
+          <a:off x="0" y="0"/>
+          <a:ext cx="0" cy="0"/>
+          <a:chOff x="0" y="0"/>
+          <a:chExt cx="0" cy="0"/>
+        </a:xfrm>
+      </p:grpSpPr>
+      <p:sp>
+        <p:nvSpPr>
+          <p:cNvPr id="2" name="Title 1"/>
+          <p:cNvSpPr>
+            <a:spLocks noGrp="1"/>
+          </p:cNvSpPr>
+          <p:nvPr>
+            <p:ph type="ctrTitle"/>
+          </p:nvPr>
+        </p:nvSpPr>
+        <p:spPr>
+          <a:xfrm>
+            <a:off x="914400" y="2130430"/>
+            <a:ext cx="10363200" cy="1470025"/>
+          </a:xfrm>
+        </p:spPr>
+        <p:txBody>
+          <a:bodyPr/>
+          <a:lstStyle/>
+          <a:p>
+            <a:r>
+              <a:rPr lang="en-US" smtClean="0"/>
+              <a:t>Click to edit Master title style</a:t>
+            </a:r>
+            <a:endParaRPr lang="en-US"/>
+          </a:p>
+        </p:txBody>
+      </p:sp>
+      <p:sp>
+        <p:nvSpPr>
+          <p:cNvPr id="3" name="Subtitle 2"/>
+          <p:cNvSpPr>
+            <a:spLocks noGrp="1"/>
+          </p:cNvSpPr>
+          <p:nvPr>
+            <p:ph type="subTitle" idx="1"/>
+          </p:nvPr>
+        </p:nvSpPr>
+        <p:spPr>
+          <a:xfrm>
+            <a:off x="1828800" y="3886200"/>
+            <a:ext cx="8534400" cy="1752600"/>
+          </a:xfrm>
+        </p:spPr>
+        <p:txBody>
+          <a:bodyPr/>
+          <a:lstStyle>
+            <a:lvl1pPr marL="0" indent="0" algn="ctr">
+              <a:buNone/>
+              <a:defRPr>
+                <a:solidFill>
+                  <a:schemeClr val="tx1">
+                    <a:tint val="75000"/>
+                  </a:schemeClr>
+                </a:solidFill>
+              </a:defRPr>
+            </a:lvl1pPr>
+            <a:lvl2pPr marL="457189" indent="0" algn="ctr">
+              <a:buNone/>
+              <a:defRPr>
+                <a:solidFill>
+                  <a:schemeClr val="tx1">
+                    <a:tint val="75000"/>
+                  </a:schemeClr>
+                </a:solidFill>
+              </a:defRPr>
+            </a:lvl2pPr>
+            <a:lvl3pPr marL="914377" indent="0" algn="ctr">
+              <a:buNone/>
+              <a:defRPr>
+                <a:solidFill>
+                  <a:schemeClr val="tx1">
+                    <a:tint val="75000"/>
+                  </a:schemeClr>
+                </a:solidFill>
+              </a:defRPr>
+            </a:lvl3pPr>
+            <a:lvl4pPr marL="1371566" indent="0" algn="ctr">
+              <a:buNone/>
+              <a:defRPr>
+                <a:solidFill>
+                  <a:schemeClr val="tx1">
+                    <a:tint val="75000"/>
+                  </a:schemeClr>
+                </a:solidFill>
+              </a:defRPr>
+            </a:lvl4pPr>
+            <a:lvl5pPr marL="1828754" indent="0" algn="ctr">
+              <a:buNone/>
+              <a:defRPr>
+                <a:solidFill>
+                  <a:schemeClr val="tx1">
+                    <a:tint val="75000"/>
+                  </a:schemeClr>
+                </a:solidFill>
+              </a:defRPr>
+            </a:lvl5pPr>
+            <a:lvl6pPr marL="2285943" indent="0" algn="ctr">
+              <a:buNone/>
+              <a:defRPr>
+                <a:solidFill>
+                  <a:schemeClr val="tx1">
+                    <a:tint val="75000"/>
+                  </a:schemeClr>
+                </a:solidFill>
+              </a:defRPr>
+            </a:lvl6pPr>
+            <a:lvl7pPr marL="2743131" indent="0" algn="ctr">
+              <a:buNone/>
+              <a:defRPr>
+                <a:solidFill>
+                  <a:schemeClr val="tx1">
+                    <a:tint val="75000"/>
+                  </a:schemeClr>
+                </a:solidFill>
+              </a:defRPr>
+            </a:lvl7pPr>
+            <a:lvl8pPr marL="3200320" indent="0" algn="ctr">
+              <a:buNone/>
+              <a:defRPr>
+                <a:solidFill>
+                  <a:schemeClr val="tx1">
+                    <a:tint val="75000"/>
+                  </a:schemeClr>
+                </a:solidFill>
+              </a:defRPr>
+            </a:lvl8pPr>
+            <a:lvl9pPr marL="3657509" indent="0" algn="ctr">
+              <a:buNone/>
+              <a:defRPr>
+                <a:solidFill>
+                  <a:schemeClr val="tx1">
+                    <a:tint val="75000"/>
+                  </a:schemeClr>
+                </a:solidFill>
+              </a:defRPr>
+            </a:lvl9pPr>
+          </a:lstStyle>
+          <a:p>
+            <a:r>
+              <a:rPr lang="en-US" smtClean="0"/>
+              <a:t>Click to edit Master subtitle style</a:t>
+            </a:r>
+            <a:endParaRPr lang="en-US"/>
+          </a:p>
+        </p:txBody>
+      </p:sp>
+      <p:sp>
+        <p:nvSpPr>
+          <p:cNvPr id="4" name="Date Placeholder 3"/>
+          <p:cNvSpPr>
+            <a:spLocks noGrp="1"/>
+          </p:cNvSpPr>
+          <p:nvPr>
+            <p:ph type="dt" sz="half" idx="10"/>
+          </p:nvPr>
+        </p:nvSpPr>
+        <p:spPr/>
+        <p:txBody>
+          <a:bodyPr/>
+          <a:lstStyle/>
+          <a:p>
+            <a:fld id="{130CF025-164C-493D-B4FD-5D9148003987}" type="datetimeFigureOut">
+              <a:rPr lang="en-US" smtClean="0">
+                <a:solidFill>
+                  <a:prstClr val="white">
+                    <a:tint val="75000"/>
+                  </a:prstClr>
+                </a:solidFill>
+              </a:rPr>
+              <a:pPr/>
+              <a:t>11/13/2015</a:t>
+            </a:fld>
+            <a:endParaRPr lang="en-US">
+              <a:solidFill>
+                <a:prstClr val="white">
+                  <a:tint val="75000"/>
+                </a:prstClr>
+              </a:solidFill>
+            </a:endParaRPr>
+          </a:p>
+        </p:txBody>
+      </p:sp>
+      <p:sp>
+        <p:nvSpPr>
+          <p:cNvPr id="5" name="Footer Placeholder 4"/>
+          <p:cNvSpPr>
+            <a:spLocks noGrp="1"/>
+          </p:cNvSpPr>
+          <p:nvPr>
+            <p:ph type="ftr" sz="quarter" idx="11"/>
+          </p:nvPr>
+        </p:nvSpPr>
+        <p:spPr/>
+        <p:txBody>
+          <a:bodyPr/>
+          <a:lstStyle/>
+          <a:p>
+            <a:endParaRPr lang="en-US">
+              <a:solidFill>
+                <a:prstClr val="white">
+                  <a:tint val="75000"/>
+                </a:prstClr>
+              </a:solidFill>
+            </a:endParaRPr>
+          </a:p>
+        </p:txBody>
+      </p:sp>
+      <p:sp>
+        <p:nvSpPr>
+          <p:cNvPr id="6" name="Slide Number Placeholder 5"/>
+          <p:cNvSpPr>
+            <a:spLocks noGrp="1"/>
+          </p:cNvSpPr>
+          <p:nvPr>
+            <p:ph type="sldNum" sz="quarter" idx="12"/>
+          </p:nvPr>
+        </p:nvSpPr>
+        <p:spPr/>
+        <p:txBody>
+          <a:bodyPr/>
+          <a:lstStyle/>
+          <a:p>
+            <a:fld id="{1F924BD7-9873-41FF-9FAD-ADAEB79F4265}" type="slidenum">
+              <a:rPr lang="en-US" smtClean="0">
+                <a:solidFill>
+                  <a:prstClr val="white">
+                    <a:tint val="75000"/>
+                  </a:prstClr>
+                </a:solidFill>
+              </a:rPr>
+              <a:pPr/>
+              <a:t>‹#›</a:t>
+            </a:fld>
+            <a:endParaRPr lang="en-US">
+              <a:solidFill>
+                <a:prstClr val="white">
+                  <a:tint val="75000"/>
+                </a:prstClr>
+              </a:solidFill>
+            </a:endParaRPr>
+          </a:p>
+        </p:txBody>
+      </p:sp>
+    </p:spTree>
+    <p:extLst>
+      <p:ext uri="{BB962C8B-B14F-4D97-AF65-F5344CB8AC3E}">
+        <p14:creationId xmlns:p14="http://schemas.microsoft.com/office/powerpoint/2010/main" val="3710750779"/>
+      </p:ext>
+    </p:extLst>
+  </p:cSld>
+  <p:clrMapOvr>
+    <a:masterClrMapping/>
+  </p:clrMapOvr>
+</p:sldLayout>
+</file>
+
+<file path=ppt/slideLayouts/slideLayout19.xml><?xml version="1.0" encoding="utf-8"?>
+<p:sldLayout xmlns:a="http://schemas.openxmlformats.org/drawingml/2006/main" xmlns:r="http://schemas.openxmlformats.org/officeDocument/2006/relationships" xmlns:p="http://schemas.openxmlformats.org/presentationml/2006/main" type="obj" preserve="1">
+  <p:cSld name="Title and Content">
+    <p:spTree>
+      <p:nvGrpSpPr>
+        <p:cNvPr id="1" name=""/>
+        <p:cNvGrpSpPr/>
+        <p:nvPr/>
+      </p:nvGrpSpPr>
+      <p:grpSpPr>
+        <a:xfrm>
+          <a:off x="0" y="0"/>
+          <a:ext cx="0" cy="0"/>
+          <a:chOff x="0" y="0"/>
+          <a:chExt cx="0" cy="0"/>
+        </a:xfrm>
+      </p:grpSpPr>
+      <p:sp>
+        <p:nvSpPr>
+          <p:cNvPr id="2" name="Title 1"/>
+          <p:cNvSpPr>
+            <a:spLocks noGrp="1"/>
+          </p:cNvSpPr>
+          <p:nvPr>
+            <p:ph type="title"/>
+          </p:nvPr>
+        </p:nvSpPr>
+        <p:spPr/>
+        <p:txBody>
+          <a:bodyPr/>
+          <a:lstStyle/>
+          <a:p>
+            <a:r>
+              <a:rPr lang="en-US" smtClean="0"/>
+              <a:t>Click to edit Master title style</a:t>
+            </a:r>
+            <a:endParaRPr lang="en-US"/>
+          </a:p>
+        </p:txBody>
+      </p:sp>
+      <p:sp>
+        <p:nvSpPr>
+          <p:cNvPr id="3" name="Content Placeholder 2"/>
+          <p:cNvSpPr>
+            <a:spLocks noGrp="1"/>
+          </p:cNvSpPr>
+          <p:nvPr>
+            <p:ph idx="1"/>
+          </p:nvPr>
+        </p:nvSpPr>
+        <p:spPr/>
+        <p:txBody>
+          <a:bodyPr/>
+          <a:lstStyle/>
+          <a:p>
+            <a:pPr lvl="0"/>
+            <a:r>
+              <a:rPr lang="en-US" smtClean="0"/>
+              <a:t>Click to edit Master text styles</a:t>
+            </a:r>
+          </a:p>
+          <a:p>
+            <a:pPr lvl="1"/>
+            <a:r>
+              <a:rPr lang="en-US" smtClean="0"/>
+              <a:t>Second level</a:t>
+            </a:r>
+          </a:p>
+          <a:p>
+            <a:pPr lvl="2"/>
+            <a:r>
+              <a:rPr lang="en-US" smtClean="0"/>
+              <a:t>Third level</a:t>
+            </a:r>
+          </a:p>
+          <a:p>
+            <a:pPr lvl="3"/>
+            <a:r>
+              <a:rPr lang="en-US" smtClean="0"/>
+              <a:t>Fourth level</a:t>
+            </a:r>
+          </a:p>
+          <a:p>
+            <a:pPr lvl="4"/>
+            <a:r>
+              <a:rPr lang="en-US" smtClean="0"/>
+              <a:t>Fifth level</a:t>
+            </a:r>
+            <a:endParaRPr lang="en-US"/>
+          </a:p>
+        </p:txBody>
+      </p:sp>
+      <p:sp>
+        <p:nvSpPr>
+          <p:cNvPr id="4" name="Date Placeholder 3"/>
+          <p:cNvSpPr>
+            <a:spLocks noGrp="1"/>
+          </p:cNvSpPr>
+          <p:nvPr>
+            <p:ph type="dt" sz="half" idx="10"/>
+          </p:nvPr>
+        </p:nvSpPr>
+        <p:spPr/>
+        <p:txBody>
+          <a:bodyPr/>
+          <a:lstStyle/>
+          <a:p>
+            <a:fld id="{130CF025-164C-493D-B4FD-5D9148003987}" type="datetimeFigureOut">
+              <a:rPr lang="en-US" smtClean="0">
+                <a:solidFill>
+                  <a:prstClr val="white">
+                    <a:tint val="75000"/>
+                  </a:prstClr>
+                </a:solidFill>
+              </a:rPr>
+              <a:pPr/>
+              <a:t>11/13/2015</a:t>
+            </a:fld>
+            <a:endParaRPr lang="en-US">
+              <a:solidFill>
+                <a:prstClr val="white">
+                  <a:tint val="75000"/>
+                </a:prstClr>
+              </a:solidFill>
+            </a:endParaRPr>
+          </a:p>
+        </p:txBody>
+      </p:sp>
+      <p:sp>
+        <p:nvSpPr>
+          <p:cNvPr id="5" name="Footer Placeholder 4"/>
+          <p:cNvSpPr>
+            <a:spLocks noGrp="1"/>
+          </p:cNvSpPr>
+          <p:nvPr>
+            <p:ph type="ftr" sz="quarter" idx="11"/>
+          </p:nvPr>
+        </p:nvSpPr>
+        <p:spPr/>
+        <p:txBody>
+          <a:bodyPr/>
+          <a:lstStyle/>
+          <a:p>
+            <a:endParaRPr lang="en-US">
+              <a:solidFill>
+                <a:prstClr val="white">
+                  <a:tint val="75000"/>
+                </a:prstClr>
+              </a:solidFill>
+            </a:endParaRPr>
+          </a:p>
+        </p:txBody>
+      </p:sp>
+      <p:sp>
+        <p:nvSpPr>
+          <p:cNvPr id="6" name="Slide Number Placeholder 5"/>
+          <p:cNvSpPr>
+            <a:spLocks noGrp="1"/>
+          </p:cNvSpPr>
+          <p:nvPr>
+            <p:ph type="sldNum" sz="quarter" idx="12"/>
+          </p:nvPr>
+        </p:nvSpPr>
+        <p:spPr/>
+        <p:txBody>
+          <a:bodyPr/>
+          <a:lstStyle/>
+          <a:p>
+            <a:fld id="{1F924BD7-9873-41FF-9FAD-ADAEB79F4265}" type="slidenum">
+              <a:rPr lang="en-US" smtClean="0">
+                <a:solidFill>
+                  <a:prstClr val="white">
+                    <a:tint val="75000"/>
+                  </a:prstClr>
+                </a:solidFill>
+              </a:rPr>
+              <a:pPr/>
+              <a:t>‹#›</a:t>
+            </a:fld>
+            <a:endParaRPr lang="en-US">
+              <a:solidFill>
+                <a:prstClr val="white">
+                  <a:tint val="75000"/>
+                </a:prstClr>
+              </a:solidFill>
+            </a:endParaRPr>
+          </a:p>
+        </p:txBody>
+      </p:sp>
+    </p:spTree>
+    <p:extLst>
+      <p:ext uri="{BB962C8B-B14F-4D97-AF65-F5344CB8AC3E}">
+        <p14:creationId xmlns:p14="http://schemas.microsoft.com/office/powerpoint/2010/main" val="2493559965"/>
       </p:ext>
     </p:extLst>
   </p:cSld>
@@ -4055,7 +4631,7 @@
           <a:p>
             <a:fld id="{8ECED3F7-F610-466C-BDF4-3183BAA439F6}" type="datetimeFigureOut">
               <a:rPr lang="en-US" smtClean="0"/>
-              <a:t>7/11/2015</a:t>
+              <a:t>11/13/2015</a:t>
             </a:fld>
             <a:endParaRPr lang="en-US"/>
           </a:p>
@@ -4112,6 +4688,2343 @@
     <p:extLst>
       <p:ext uri="{BB962C8B-B14F-4D97-AF65-F5344CB8AC3E}">
         <p14:creationId xmlns:p14="http://schemas.microsoft.com/office/powerpoint/2010/main" val="2027287405"/>
+      </p:ext>
+    </p:extLst>
+  </p:cSld>
+  <p:clrMapOvr>
+    <a:masterClrMapping/>
+  </p:clrMapOvr>
+</p:sldLayout>
+</file>
+
+<file path=ppt/slideLayouts/slideLayout20.xml><?xml version="1.0" encoding="utf-8"?>
+<p:sldLayout xmlns:a="http://schemas.openxmlformats.org/drawingml/2006/main" xmlns:r="http://schemas.openxmlformats.org/officeDocument/2006/relationships" xmlns:p="http://schemas.openxmlformats.org/presentationml/2006/main" type="secHead" preserve="1">
+  <p:cSld name="Section Header">
+    <p:spTree>
+      <p:nvGrpSpPr>
+        <p:cNvPr id="1" name=""/>
+        <p:cNvGrpSpPr/>
+        <p:nvPr/>
+      </p:nvGrpSpPr>
+      <p:grpSpPr>
+        <a:xfrm>
+          <a:off x="0" y="0"/>
+          <a:ext cx="0" cy="0"/>
+          <a:chOff x="0" y="0"/>
+          <a:chExt cx="0" cy="0"/>
+        </a:xfrm>
+      </p:grpSpPr>
+      <p:sp>
+        <p:nvSpPr>
+          <p:cNvPr id="2" name="Title 1"/>
+          <p:cNvSpPr>
+            <a:spLocks noGrp="1"/>
+          </p:cNvSpPr>
+          <p:nvPr>
+            <p:ph type="title"/>
+          </p:nvPr>
+        </p:nvSpPr>
+        <p:spPr>
+          <a:xfrm>
+            <a:off x="963084" y="4406905"/>
+            <a:ext cx="10363200" cy="1362075"/>
+          </a:xfrm>
+        </p:spPr>
+        <p:txBody>
+          <a:bodyPr anchor="t"/>
+          <a:lstStyle>
+            <a:lvl1pPr algn="l">
+              <a:defRPr sz="4000" b="1" cap="all"/>
+            </a:lvl1pPr>
+          </a:lstStyle>
+          <a:p>
+            <a:r>
+              <a:rPr lang="en-US" smtClean="0"/>
+              <a:t>Click to edit Master title style</a:t>
+            </a:r>
+            <a:endParaRPr lang="en-US"/>
+          </a:p>
+        </p:txBody>
+      </p:sp>
+      <p:sp>
+        <p:nvSpPr>
+          <p:cNvPr id="3" name="Text Placeholder 2"/>
+          <p:cNvSpPr>
+            <a:spLocks noGrp="1"/>
+          </p:cNvSpPr>
+          <p:nvPr>
+            <p:ph type="body" idx="1"/>
+          </p:nvPr>
+        </p:nvSpPr>
+        <p:spPr>
+          <a:xfrm>
+            <a:off x="963084" y="2906713"/>
+            <a:ext cx="10363200" cy="1500187"/>
+          </a:xfrm>
+        </p:spPr>
+        <p:txBody>
+          <a:bodyPr anchor="b"/>
+          <a:lstStyle>
+            <a:lvl1pPr marL="0" indent="0">
+              <a:buNone/>
+              <a:defRPr sz="2000">
+                <a:solidFill>
+                  <a:schemeClr val="tx1">
+                    <a:tint val="75000"/>
+                  </a:schemeClr>
+                </a:solidFill>
+              </a:defRPr>
+            </a:lvl1pPr>
+            <a:lvl2pPr marL="457189" indent="0">
+              <a:buNone/>
+              <a:defRPr sz="1800">
+                <a:solidFill>
+                  <a:schemeClr val="tx1">
+                    <a:tint val="75000"/>
+                  </a:schemeClr>
+                </a:solidFill>
+              </a:defRPr>
+            </a:lvl2pPr>
+            <a:lvl3pPr marL="914377" indent="0">
+              <a:buNone/>
+              <a:defRPr sz="1600">
+                <a:solidFill>
+                  <a:schemeClr val="tx1">
+                    <a:tint val="75000"/>
+                  </a:schemeClr>
+                </a:solidFill>
+              </a:defRPr>
+            </a:lvl3pPr>
+            <a:lvl4pPr marL="1371566" indent="0">
+              <a:buNone/>
+              <a:defRPr sz="1400">
+                <a:solidFill>
+                  <a:schemeClr val="tx1">
+                    <a:tint val="75000"/>
+                  </a:schemeClr>
+                </a:solidFill>
+              </a:defRPr>
+            </a:lvl4pPr>
+            <a:lvl5pPr marL="1828754" indent="0">
+              <a:buNone/>
+              <a:defRPr sz="1400">
+                <a:solidFill>
+                  <a:schemeClr val="tx1">
+                    <a:tint val="75000"/>
+                  </a:schemeClr>
+                </a:solidFill>
+              </a:defRPr>
+            </a:lvl5pPr>
+            <a:lvl6pPr marL="2285943" indent="0">
+              <a:buNone/>
+              <a:defRPr sz="1400">
+                <a:solidFill>
+                  <a:schemeClr val="tx1">
+                    <a:tint val="75000"/>
+                  </a:schemeClr>
+                </a:solidFill>
+              </a:defRPr>
+            </a:lvl6pPr>
+            <a:lvl7pPr marL="2743131" indent="0">
+              <a:buNone/>
+              <a:defRPr sz="1400">
+                <a:solidFill>
+                  <a:schemeClr val="tx1">
+                    <a:tint val="75000"/>
+                  </a:schemeClr>
+                </a:solidFill>
+              </a:defRPr>
+            </a:lvl7pPr>
+            <a:lvl8pPr marL="3200320" indent="0">
+              <a:buNone/>
+              <a:defRPr sz="1400">
+                <a:solidFill>
+                  <a:schemeClr val="tx1">
+                    <a:tint val="75000"/>
+                  </a:schemeClr>
+                </a:solidFill>
+              </a:defRPr>
+            </a:lvl8pPr>
+            <a:lvl9pPr marL="3657509" indent="0">
+              <a:buNone/>
+              <a:defRPr sz="1400">
+                <a:solidFill>
+                  <a:schemeClr val="tx1">
+                    <a:tint val="75000"/>
+                  </a:schemeClr>
+                </a:solidFill>
+              </a:defRPr>
+            </a:lvl9pPr>
+          </a:lstStyle>
+          <a:p>
+            <a:pPr lvl="0"/>
+            <a:r>
+              <a:rPr lang="en-US" smtClean="0"/>
+              <a:t>Click to edit Master text styles</a:t>
+            </a:r>
+          </a:p>
+        </p:txBody>
+      </p:sp>
+      <p:sp>
+        <p:nvSpPr>
+          <p:cNvPr id="4" name="Date Placeholder 3"/>
+          <p:cNvSpPr>
+            <a:spLocks noGrp="1"/>
+          </p:cNvSpPr>
+          <p:nvPr>
+            <p:ph type="dt" sz="half" idx="10"/>
+          </p:nvPr>
+        </p:nvSpPr>
+        <p:spPr/>
+        <p:txBody>
+          <a:bodyPr/>
+          <a:lstStyle/>
+          <a:p>
+            <a:fld id="{130CF025-164C-493D-B4FD-5D9148003987}" type="datetimeFigureOut">
+              <a:rPr lang="en-US" smtClean="0">
+                <a:solidFill>
+                  <a:prstClr val="white">
+                    <a:tint val="75000"/>
+                  </a:prstClr>
+                </a:solidFill>
+              </a:rPr>
+              <a:pPr/>
+              <a:t>11/13/2015</a:t>
+            </a:fld>
+            <a:endParaRPr lang="en-US">
+              <a:solidFill>
+                <a:prstClr val="white">
+                  <a:tint val="75000"/>
+                </a:prstClr>
+              </a:solidFill>
+            </a:endParaRPr>
+          </a:p>
+        </p:txBody>
+      </p:sp>
+      <p:sp>
+        <p:nvSpPr>
+          <p:cNvPr id="5" name="Footer Placeholder 4"/>
+          <p:cNvSpPr>
+            <a:spLocks noGrp="1"/>
+          </p:cNvSpPr>
+          <p:nvPr>
+            <p:ph type="ftr" sz="quarter" idx="11"/>
+          </p:nvPr>
+        </p:nvSpPr>
+        <p:spPr/>
+        <p:txBody>
+          <a:bodyPr/>
+          <a:lstStyle/>
+          <a:p>
+            <a:endParaRPr lang="en-US">
+              <a:solidFill>
+                <a:prstClr val="white">
+                  <a:tint val="75000"/>
+                </a:prstClr>
+              </a:solidFill>
+            </a:endParaRPr>
+          </a:p>
+        </p:txBody>
+      </p:sp>
+      <p:sp>
+        <p:nvSpPr>
+          <p:cNvPr id="6" name="Slide Number Placeholder 5"/>
+          <p:cNvSpPr>
+            <a:spLocks noGrp="1"/>
+          </p:cNvSpPr>
+          <p:nvPr>
+            <p:ph type="sldNum" sz="quarter" idx="12"/>
+          </p:nvPr>
+        </p:nvSpPr>
+        <p:spPr/>
+        <p:txBody>
+          <a:bodyPr/>
+          <a:lstStyle/>
+          <a:p>
+            <a:fld id="{1F924BD7-9873-41FF-9FAD-ADAEB79F4265}" type="slidenum">
+              <a:rPr lang="en-US" smtClean="0">
+                <a:solidFill>
+                  <a:prstClr val="white">
+                    <a:tint val="75000"/>
+                  </a:prstClr>
+                </a:solidFill>
+              </a:rPr>
+              <a:pPr/>
+              <a:t>‹#›</a:t>
+            </a:fld>
+            <a:endParaRPr lang="en-US">
+              <a:solidFill>
+                <a:prstClr val="white">
+                  <a:tint val="75000"/>
+                </a:prstClr>
+              </a:solidFill>
+            </a:endParaRPr>
+          </a:p>
+        </p:txBody>
+      </p:sp>
+    </p:spTree>
+    <p:extLst>
+      <p:ext uri="{BB962C8B-B14F-4D97-AF65-F5344CB8AC3E}">
+        <p14:creationId xmlns:p14="http://schemas.microsoft.com/office/powerpoint/2010/main" val="1998940263"/>
+      </p:ext>
+    </p:extLst>
+  </p:cSld>
+  <p:clrMapOvr>
+    <a:masterClrMapping/>
+  </p:clrMapOvr>
+</p:sldLayout>
+</file>
+
+<file path=ppt/slideLayouts/slideLayout21.xml><?xml version="1.0" encoding="utf-8"?>
+<p:sldLayout xmlns:a="http://schemas.openxmlformats.org/drawingml/2006/main" xmlns:r="http://schemas.openxmlformats.org/officeDocument/2006/relationships" xmlns:p="http://schemas.openxmlformats.org/presentationml/2006/main" type="twoObj" preserve="1">
+  <p:cSld name="Two Content">
+    <p:spTree>
+      <p:nvGrpSpPr>
+        <p:cNvPr id="1" name=""/>
+        <p:cNvGrpSpPr/>
+        <p:nvPr/>
+      </p:nvGrpSpPr>
+      <p:grpSpPr>
+        <a:xfrm>
+          <a:off x="0" y="0"/>
+          <a:ext cx="0" cy="0"/>
+          <a:chOff x="0" y="0"/>
+          <a:chExt cx="0" cy="0"/>
+        </a:xfrm>
+      </p:grpSpPr>
+      <p:sp>
+        <p:nvSpPr>
+          <p:cNvPr id="2" name="Title 1"/>
+          <p:cNvSpPr>
+            <a:spLocks noGrp="1"/>
+          </p:cNvSpPr>
+          <p:nvPr>
+            <p:ph type="title"/>
+          </p:nvPr>
+        </p:nvSpPr>
+        <p:spPr/>
+        <p:txBody>
+          <a:bodyPr/>
+          <a:lstStyle/>
+          <a:p>
+            <a:r>
+              <a:rPr lang="en-US" smtClean="0"/>
+              <a:t>Click to edit Master title style</a:t>
+            </a:r>
+            <a:endParaRPr lang="en-US"/>
+          </a:p>
+        </p:txBody>
+      </p:sp>
+      <p:sp>
+        <p:nvSpPr>
+          <p:cNvPr id="3" name="Content Placeholder 2"/>
+          <p:cNvSpPr>
+            <a:spLocks noGrp="1"/>
+          </p:cNvSpPr>
+          <p:nvPr>
+            <p:ph sz="half" idx="1"/>
+          </p:nvPr>
+        </p:nvSpPr>
+        <p:spPr>
+          <a:xfrm>
+            <a:off x="609600" y="1600205"/>
+            <a:ext cx="5384800" cy="4525963"/>
+          </a:xfrm>
+        </p:spPr>
+        <p:txBody>
+          <a:bodyPr/>
+          <a:lstStyle>
+            <a:lvl1pPr>
+              <a:defRPr sz="2800"/>
+            </a:lvl1pPr>
+            <a:lvl2pPr>
+              <a:defRPr sz="2400"/>
+            </a:lvl2pPr>
+            <a:lvl3pPr>
+              <a:defRPr sz="2000"/>
+            </a:lvl3pPr>
+            <a:lvl4pPr>
+              <a:defRPr sz="1800"/>
+            </a:lvl4pPr>
+            <a:lvl5pPr>
+              <a:defRPr sz="1800"/>
+            </a:lvl5pPr>
+            <a:lvl6pPr>
+              <a:defRPr sz="1800"/>
+            </a:lvl6pPr>
+            <a:lvl7pPr>
+              <a:defRPr sz="1800"/>
+            </a:lvl7pPr>
+            <a:lvl8pPr>
+              <a:defRPr sz="1800"/>
+            </a:lvl8pPr>
+            <a:lvl9pPr>
+              <a:defRPr sz="1800"/>
+            </a:lvl9pPr>
+          </a:lstStyle>
+          <a:p>
+            <a:pPr lvl="0"/>
+            <a:r>
+              <a:rPr lang="en-US" smtClean="0"/>
+              <a:t>Click to edit Master text styles</a:t>
+            </a:r>
+          </a:p>
+          <a:p>
+            <a:pPr lvl="1"/>
+            <a:r>
+              <a:rPr lang="en-US" smtClean="0"/>
+              <a:t>Second level</a:t>
+            </a:r>
+          </a:p>
+          <a:p>
+            <a:pPr lvl="2"/>
+            <a:r>
+              <a:rPr lang="en-US" smtClean="0"/>
+              <a:t>Third level</a:t>
+            </a:r>
+          </a:p>
+          <a:p>
+            <a:pPr lvl="3"/>
+            <a:r>
+              <a:rPr lang="en-US" smtClean="0"/>
+              <a:t>Fourth level</a:t>
+            </a:r>
+          </a:p>
+          <a:p>
+            <a:pPr lvl="4"/>
+            <a:r>
+              <a:rPr lang="en-US" smtClean="0"/>
+              <a:t>Fifth level</a:t>
+            </a:r>
+            <a:endParaRPr lang="en-US"/>
+          </a:p>
+        </p:txBody>
+      </p:sp>
+      <p:sp>
+        <p:nvSpPr>
+          <p:cNvPr id="4" name="Content Placeholder 3"/>
+          <p:cNvSpPr>
+            <a:spLocks noGrp="1"/>
+          </p:cNvSpPr>
+          <p:nvPr>
+            <p:ph sz="half" idx="2"/>
+          </p:nvPr>
+        </p:nvSpPr>
+        <p:spPr>
+          <a:xfrm>
+            <a:off x="6197600" y="1600205"/>
+            <a:ext cx="5384800" cy="4525963"/>
+          </a:xfrm>
+        </p:spPr>
+        <p:txBody>
+          <a:bodyPr/>
+          <a:lstStyle>
+            <a:lvl1pPr>
+              <a:defRPr sz="2800"/>
+            </a:lvl1pPr>
+            <a:lvl2pPr>
+              <a:defRPr sz="2400"/>
+            </a:lvl2pPr>
+            <a:lvl3pPr>
+              <a:defRPr sz="2000"/>
+            </a:lvl3pPr>
+            <a:lvl4pPr>
+              <a:defRPr sz="1800"/>
+            </a:lvl4pPr>
+            <a:lvl5pPr>
+              <a:defRPr sz="1800"/>
+            </a:lvl5pPr>
+            <a:lvl6pPr>
+              <a:defRPr sz="1800"/>
+            </a:lvl6pPr>
+            <a:lvl7pPr>
+              <a:defRPr sz="1800"/>
+            </a:lvl7pPr>
+            <a:lvl8pPr>
+              <a:defRPr sz="1800"/>
+            </a:lvl8pPr>
+            <a:lvl9pPr>
+              <a:defRPr sz="1800"/>
+            </a:lvl9pPr>
+          </a:lstStyle>
+          <a:p>
+            <a:pPr lvl="0"/>
+            <a:r>
+              <a:rPr lang="en-US" smtClean="0"/>
+              <a:t>Click to edit Master text styles</a:t>
+            </a:r>
+          </a:p>
+          <a:p>
+            <a:pPr lvl="1"/>
+            <a:r>
+              <a:rPr lang="en-US" smtClean="0"/>
+              <a:t>Second level</a:t>
+            </a:r>
+          </a:p>
+          <a:p>
+            <a:pPr lvl="2"/>
+            <a:r>
+              <a:rPr lang="en-US" smtClean="0"/>
+              <a:t>Third level</a:t>
+            </a:r>
+          </a:p>
+          <a:p>
+            <a:pPr lvl="3"/>
+            <a:r>
+              <a:rPr lang="en-US" smtClean="0"/>
+              <a:t>Fourth level</a:t>
+            </a:r>
+          </a:p>
+          <a:p>
+            <a:pPr lvl="4"/>
+            <a:r>
+              <a:rPr lang="en-US" smtClean="0"/>
+              <a:t>Fifth level</a:t>
+            </a:r>
+            <a:endParaRPr lang="en-US"/>
+          </a:p>
+        </p:txBody>
+      </p:sp>
+      <p:sp>
+        <p:nvSpPr>
+          <p:cNvPr id="5" name="Date Placeholder 4"/>
+          <p:cNvSpPr>
+            <a:spLocks noGrp="1"/>
+          </p:cNvSpPr>
+          <p:nvPr>
+            <p:ph type="dt" sz="half" idx="10"/>
+          </p:nvPr>
+        </p:nvSpPr>
+        <p:spPr/>
+        <p:txBody>
+          <a:bodyPr/>
+          <a:lstStyle/>
+          <a:p>
+            <a:fld id="{130CF025-164C-493D-B4FD-5D9148003987}" type="datetimeFigureOut">
+              <a:rPr lang="en-US" smtClean="0">
+                <a:solidFill>
+                  <a:prstClr val="white">
+                    <a:tint val="75000"/>
+                  </a:prstClr>
+                </a:solidFill>
+              </a:rPr>
+              <a:pPr/>
+              <a:t>11/13/2015</a:t>
+            </a:fld>
+            <a:endParaRPr lang="en-US">
+              <a:solidFill>
+                <a:prstClr val="white">
+                  <a:tint val="75000"/>
+                </a:prstClr>
+              </a:solidFill>
+            </a:endParaRPr>
+          </a:p>
+        </p:txBody>
+      </p:sp>
+      <p:sp>
+        <p:nvSpPr>
+          <p:cNvPr id="6" name="Footer Placeholder 5"/>
+          <p:cNvSpPr>
+            <a:spLocks noGrp="1"/>
+          </p:cNvSpPr>
+          <p:nvPr>
+            <p:ph type="ftr" sz="quarter" idx="11"/>
+          </p:nvPr>
+        </p:nvSpPr>
+        <p:spPr/>
+        <p:txBody>
+          <a:bodyPr/>
+          <a:lstStyle/>
+          <a:p>
+            <a:endParaRPr lang="en-US">
+              <a:solidFill>
+                <a:prstClr val="white">
+                  <a:tint val="75000"/>
+                </a:prstClr>
+              </a:solidFill>
+            </a:endParaRPr>
+          </a:p>
+        </p:txBody>
+      </p:sp>
+      <p:sp>
+        <p:nvSpPr>
+          <p:cNvPr id="7" name="Slide Number Placeholder 6"/>
+          <p:cNvSpPr>
+            <a:spLocks noGrp="1"/>
+          </p:cNvSpPr>
+          <p:nvPr>
+            <p:ph type="sldNum" sz="quarter" idx="12"/>
+          </p:nvPr>
+        </p:nvSpPr>
+        <p:spPr/>
+        <p:txBody>
+          <a:bodyPr/>
+          <a:lstStyle/>
+          <a:p>
+            <a:fld id="{1F924BD7-9873-41FF-9FAD-ADAEB79F4265}" type="slidenum">
+              <a:rPr lang="en-US" smtClean="0">
+                <a:solidFill>
+                  <a:prstClr val="white">
+                    <a:tint val="75000"/>
+                  </a:prstClr>
+                </a:solidFill>
+              </a:rPr>
+              <a:pPr/>
+              <a:t>‹#›</a:t>
+            </a:fld>
+            <a:endParaRPr lang="en-US">
+              <a:solidFill>
+                <a:prstClr val="white">
+                  <a:tint val="75000"/>
+                </a:prstClr>
+              </a:solidFill>
+            </a:endParaRPr>
+          </a:p>
+        </p:txBody>
+      </p:sp>
+    </p:spTree>
+    <p:extLst>
+      <p:ext uri="{BB962C8B-B14F-4D97-AF65-F5344CB8AC3E}">
+        <p14:creationId xmlns:p14="http://schemas.microsoft.com/office/powerpoint/2010/main" val="660066009"/>
+      </p:ext>
+    </p:extLst>
+  </p:cSld>
+  <p:clrMapOvr>
+    <a:masterClrMapping/>
+  </p:clrMapOvr>
+</p:sldLayout>
+</file>
+
+<file path=ppt/slideLayouts/slideLayout22.xml><?xml version="1.0" encoding="utf-8"?>
+<p:sldLayout xmlns:a="http://schemas.openxmlformats.org/drawingml/2006/main" xmlns:r="http://schemas.openxmlformats.org/officeDocument/2006/relationships" xmlns:p="http://schemas.openxmlformats.org/presentationml/2006/main" type="twoTxTwoObj" preserve="1">
+  <p:cSld name="Comparison">
+    <p:spTree>
+      <p:nvGrpSpPr>
+        <p:cNvPr id="1" name=""/>
+        <p:cNvGrpSpPr/>
+        <p:nvPr/>
+      </p:nvGrpSpPr>
+      <p:grpSpPr>
+        <a:xfrm>
+          <a:off x="0" y="0"/>
+          <a:ext cx="0" cy="0"/>
+          <a:chOff x="0" y="0"/>
+          <a:chExt cx="0" cy="0"/>
+        </a:xfrm>
+      </p:grpSpPr>
+      <p:sp>
+        <p:nvSpPr>
+          <p:cNvPr id="2" name="Title 1"/>
+          <p:cNvSpPr>
+            <a:spLocks noGrp="1"/>
+          </p:cNvSpPr>
+          <p:nvPr>
+            <p:ph type="title"/>
+          </p:nvPr>
+        </p:nvSpPr>
+        <p:spPr/>
+        <p:txBody>
+          <a:bodyPr/>
+          <a:lstStyle>
+            <a:lvl1pPr>
+              <a:defRPr/>
+            </a:lvl1pPr>
+          </a:lstStyle>
+          <a:p>
+            <a:r>
+              <a:rPr lang="en-US" smtClean="0"/>
+              <a:t>Click to edit Master title style</a:t>
+            </a:r>
+            <a:endParaRPr lang="en-US"/>
+          </a:p>
+        </p:txBody>
+      </p:sp>
+      <p:sp>
+        <p:nvSpPr>
+          <p:cNvPr id="3" name="Text Placeholder 2"/>
+          <p:cNvSpPr>
+            <a:spLocks noGrp="1"/>
+          </p:cNvSpPr>
+          <p:nvPr>
+            <p:ph type="body" idx="1"/>
+          </p:nvPr>
+        </p:nvSpPr>
+        <p:spPr>
+          <a:xfrm>
+            <a:off x="609600" y="1535113"/>
+            <a:ext cx="5386917" cy="639762"/>
+          </a:xfrm>
+        </p:spPr>
+        <p:txBody>
+          <a:bodyPr anchor="b"/>
+          <a:lstStyle>
+            <a:lvl1pPr marL="0" indent="0">
+              <a:buNone/>
+              <a:defRPr sz="2400" b="1"/>
+            </a:lvl1pPr>
+            <a:lvl2pPr marL="457189" indent="0">
+              <a:buNone/>
+              <a:defRPr sz="2000" b="1"/>
+            </a:lvl2pPr>
+            <a:lvl3pPr marL="914377" indent="0">
+              <a:buNone/>
+              <a:defRPr sz="1800" b="1"/>
+            </a:lvl3pPr>
+            <a:lvl4pPr marL="1371566" indent="0">
+              <a:buNone/>
+              <a:defRPr sz="1600" b="1"/>
+            </a:lvl4pPr>
+            <a:lvl5pPr marL="1828754" indent="0">
+              <a:buNone/>
+              <a:defRPr sz="1600" b="1"/>
+            </a:lvl5pPr>
+            <a:lvl6pPr marL="2285943" indent="0">
+              <a:buNone/>
+              <a:defRPr sz="1600" b="1"/>
+            </a:lvl6pPr>
+            <a:lvl7pPr marL="2743131" indent="0">
+              <a:buNone/>
+              <a:defRPr sz="1600" b="1"/>
+            </a:lvl7pPr>
+            <a:lvl8pPr marL="3200320" indent="0">
+              <a:buNone/>
+              <a:defRPr sz="1600" b="1"/>
+            </a:lvl8pPr>
+            <a:lvl9pPr marL="3657509" indent="0">
+              <a:buNone/>
+              <a:defRPr sz="1600" b="1"/>
+            </a:lvl9pPr>
+          </a:lstStyle>
+          <a:p>
+            <a:pPr lvl="0"/>
+            <a:r>
+              <a:rPr lang="en-US" smtClean="0"/>
+              <a:t>Click to edit Master text styles</a:t>
+            </a:r>
+          </a:p>
+        </p:txBody>
+      </p:sp>
+      <p:sp>
+        <p:nvSpPr>
+          <p:cNvPr id="4" name="Content Placeholder 3"/>
+          <p:cNvSpPr>
+            <a:spLocks noGrp="1"/>
+          </p:cNvSpPr>
+          <p:nvPr>
+            <p:ph sz="half" idx="2"/>
+          </p:nvPr>
+        </p:nvSpPr>
+        <p:spPr>
+          <a:xfrm>
+            <a:off x="609600" y="2174875"/>
+            <a:ext cx="5386917" cy="3951288"/>
+          </a:xfrm>
+        </p:spPr>
+        <p:txBody>
+          <a:bodyPr/>
+          <a:lstStyle>
+            <a:lvl1pPr>
+              <a:defRPr sz="2400"/>
+            </a:lvl1pPr>
+            <a:lvl2pPr>
+              <a:defRPr sz="2000"/>
+            </a:lvl2pPr>
+            <a:lvl3pPr>
+              <a:defRPr sz="1800"/>
+            </a:lvl3pPr>
+            <a:lvl4pPr>
+              <a:defRPr sz="1600"/>
+            </a:lvl4pPr>
+            <a:lvl5pPr>
+              <a:defRPr sz="1600"/>
+            </a:lvl5pPr>
+            <a:lvl6pPr>
+              <a:defRPr sz="1600"/>
+            </a:lvl6pPr>
+            <a:lvl7pPr>
+              <a:defRPr sz="1600"/>
+            </a:lvl7pPr>
+            <a:lvl8pPr>
+              <a:defRPr sz="1600"/>
+            </a:lvl8pPr>
+            <a:lvl9pPr>
+              <a:defRPr sz="1600"/>
+            </a:lvl9pPr>
+          </a:lstStyle>
+          <a:p>
+            <a:pPr lvl="0"/>
+            <a:r>
+              <a:rPr lang="en-US" smtClean="0"/>
+              <a:t>Click to edit Master text styles</a:t>
+            </a:r>
+          </a:p>
+          <a:p>
+            <a:pPr lvl="1"/>
+            <a:r>
+              <a:rPr lang="en-US" smtClean="0"/>
+              <a:t>Second level</a:t>
+            </a:r>
+          </a:p>
+          <a:p>
+            <a:pPr lvl="2"/>
+            <a:r>
+              <a:rPr lang="en-US" smtClean="0"/>
+              <a:t>Third level</a:t>
+            </a:r>
+          </a:p>
+          <a:p>
+            <a:pPr lvl="3"/>
+            <a:r>
+              <a:rPr lang="en-US" smtClean="0"/>
+              <a:t>Fourth level</a:t>
+            </a:r>
+          </a:p>
+          <a:p>
+            <a:pPr lvl="4"/>
+            <a:r>
+              <a:rPr lang="en-US" smtClean="0"/>
+              <a:t>Fifth level</a:t>
+            </a:r>
+            <a:endParaRPr lang="en-US"/>
+          </a:p>
+        </p:txBody>
+      </p:sp>
+      <p:sp>
+        <p:nvSpPr>
+          <p:cNvPr id="5" name="Text Placeholder 4"/>
+          <p:cNvSpPr>
+            <a:spLocks noGrp="1"/>
+          </p:cNvSpPr>
+          <p:nvPr>
+            <p:ph type="body" sz="quarter" idx="3"/>
+          </p:nvPr>
+        </p:nvSpPr>
+        <p:spPr>
+          <a:xfrm>
+            <a:off x="6193370" y="1535113"/>
+            <a:ext cx="5389033" cy="639762"/>
+          </a:xfrm>
+        </p:spPr>
+        <p:txBody>
+          <a:bodyPr anchor="b"/>
+          <a:lstStyle>
+            <a:lvl1pPr marL="0" indent="0">
+              <a:buNone/>
+              <a:defRPr sz="2400" b="1"/>
+            </a:lvl1pPr>
+            <a:lvl2pPr marL="457189" indent="0">
+              <a:buNone/>
+              <a:defRPr sz="2000" b="1"/>
+            </a:lvl2pPr>
+            <a:lvl3pPr marL="914377" indent="0">
+              <a:buNone/>
+              <a:defRPr sz="1800" b="1"/>
+            </a:lvl3pPr>
+            <a:lvl4pPr marL="1371566" indent="0">
+              <a:buNone/>
+              <a:defRPr sz="1600" b="1"/>
+            </a:lvl4pPr>
+            <a:lvl5pPr marL="1828754" indent="0">
+              <a:buNone/>
+              <a:defRPr sz="1600" b="1"/>
+            </a:lvl5pPr>
+            <a:lvl6pPr marL="2285943" indent="0">
+              <a:buNone/>
+              <a:defRPr sz="1600" b="1"/>
+            </a:lvl6pPr>
+            <a:lvl7pPr marL="2743131" indent="0">
+              <a:buNone/>
+              <a:defRPr sz="1600" b="1"/>
+            </a:lvl7pPr>
+            <a:lvl8pPr marL="3200320" indent="0">
+              <a:buNone/>
+              <a:defRPr sz="1600" b="1"/>
+            </a:lvl8pPr>
+            <a:lvl9pPr marL="3657509" indent="0">
+              <a:buNone/>
+              <a:defRPr sz="1600" b="1"/>
+            </a:lvl9pPr>
+          </a:lstStyle>
+          <a:p>
+            <a:pPr lvl="0"/>
+            <a:r>
+              <a:rPr lang="en-US" smtClean="0"/>
+              <a:t>Click to edit Master text styles</a:t>
+            </a:r>
+          </a:p>
+        </p:txBody>
+      </p:sp>
+      <p:sp>
+        <p:nvSpPr>
+          <p:cNvPr id="6" name="Content Placeholder 5"/>
+          <p:cNvSpPr>
+            <a:spLocks noGrp="1"/>
+          </p:cNvSpPr>
+          <p:nvPr>
+            <p:ph sz="quarter" idx="4"/>
+          </p:nvPr>
+        </p:nvSpPr>
+        <p:spPr>
+          <a:xfrm>
+            <a:off x="6193370" y="2174875"/>
+            <a:ext cx="5389033" cy="3951288"/>
+          </a:xfrm>
+        </p:spPr>
+        <p:txBody>
+          <a:bodyPr/>
+          <a:lstStyle>
+            <a:lvl1pPr>
+              <a:defRPr sz="2400"/>
+            </a:lvl1pPr>
+            <a:lvl2pPr>
+              <a:defRPr sz="2000"/>
+            </a:lvl2pPr>
+            <a:lvl3pPr>
+              <a:defRPr sz="1800"/>
+            </a:lvl3pPr>
+            <a:lvl4pPr>
+              <a:defRPr sz="1600"/>
+            </a:lvl4pPr>
+            <a:lvl5pPr>
+              <a:defRPr sz="1600"/>
+            </a:lvl5pPr>
+            <a:lvl6pPr>
+              <a:defRPr sz="1600"/>
+            </a:lvl6pPr>
+            <a:lvl7pPr>
+              <a:defRPr sz="1600"/>
+            </a:lvl7pPr>
+            <a:lvl8pPr>
+              <a:defRPr sz="1600"/>
+            </a:lvl8pPr>
+            <a:lvl9pPr>
+              <a:defRPr sz="1600"/>
+            </a:lvl9pPr>
+          </a:lstStyle>
+          <a:p>
+            <a:pPr lvl="0"/>
+            <a:r>
+              <a:rPr lang="en-US" smtClean="0"/>
+              <a:t>Click to edit Master text styles</a:t>
+            </a:r>
+          </a:p>
+          <a:p>
+            <a:pPr lvl="1"/>
+            <a:r>
+              <a:rPr lang="en-US" smtClean="0"/>
+              <a:t>Second level</a:t>
+            </a:r>
+          </a:p>
+          <a:p>
+            <a:pPr lvl="2"/>
+            <a:r>
+              <a:rPr lang="en-US" smtClean="0"/>
+              <a:t>Third level</a:t>
+            </a:r>
+          </a:p>
+          <a:p>
+            <a:pPr lvl="3"/>
+            <a:r>
+              <a:rPr lang="en-US" smtClean="0"/>
+              <a:t>Fourth level</a:t>
+            </a:r>
+          </a:p>
+          <a:p>
+            <a:pPr lvl="4"/>
+            <a:r>
+              <a:rPr lang="en-US" smtClean="0"/>
+              <a:t>Fifth level</a:t>
+            </a:r>
+            <a:endParaRPr lang="en-US"/>
+          </a:p>
+        </p:txBody>
+      </p:sp>
+      <p:sp>
+        <p:nvSpPr>
+          <p:cNvPr id="7" name="Date Placeholder 6"/>
+          <p:cNvSpPr>
+            <a:spLocks noGrp="1"/>
+          </p:cNvSpPr>
+          <p:nvPr>
+            <p:ph type="dt" sz="half" idx="10"/>
+          </p:nvPr>
+        </p:nvSpPr>
+        <p:spPr/>
+        <p:txBody>
+          <a:bodyPr/>
+          <a:lstStyle/>
+          <a:p>
+            <a:fld id="{130CF025-164C-493D-B4FD-5D9148003987}" type="datetimeFigureOut">
+              <a:rPr lang="en-US" smtClean="0">
+                <a:solidFill>
+                  <a:prstClr val="white">
+                    <a:tint val="75000"/>
+                  </a:prstClr>
+                </a:solidFill>
+              </a:rPr>
+              <a:pPr/>
+              <a:t>11/13/2015</a:t>
+            </a:fld>
+            <a:endParaRPr lang="en-US">
+              <a:solidFill>
+                <a:prstClr val="white">
+                  <a:tint val="75000"/>
+                </a:prstClr>
+              </a:solidFill>
+            </a:endParaRPr>
+          </a:p>
+        </p:txBody>
+      </p:sp>
+      <p:sp>
+        <p:nvSpPr>
+          <p:cNvPr id="8" name="Footer Placeholder 7"/>
+          <p:cNvSpPr>
+            <a:spLocks noGrp="1"/>
+          </p:cNvSpPr>
+          <p:nvPr>
+            <p:ph type="ftr" sz="quarter" idx="11"/>
+          </p:nvPr>
+        </p:nvSpPr>
+        <p:spPr/>
+        <p:txBody>
+          <a:bodyPr/>
+          <a:lstStyle/>
+          <a:p>
+            <a:endParaRPr lang="en-US">
+              <a:solidFill>
+                <a:prstClr val="white">
+                  <a:tint val="75000"/>
+                </a:prstClr>
+              </a:solidFill>
+            </a:endParaRPr>
+          </a:p>
+        </p:txBody>
+      </p:sp>
+      <p:sp>
+        <p:nvSpPr>
+          <p:cNvPr id="9" name="Slide Number Placeholder 8"/>
+          <p:cNvSpPr>
+            <a:spLocks noGrp="1"/>
+          </p:cNvSpPr>
+          <p:nvPr>
+            <p:ph type="sldNum" sz="quarter" idx="12"/>
+          </p:nvPr>
+        </p:nvSpPr>
+        <p:spPr/>
+        <p:txBody>
+          <a:bodyPr/>
+          <a:lstStyle/>
+          <a:p>
+            <a:fld id="{1F924BD7-9873-41FF-9FAD-ADAEB79F4265}" type="slidenum">
+              <a:rPr lang="en-US" smtClean="0">
+                <a:solidFill>
+                  <a:prstClr val="white">
+                    <a:tint val="75000"/>
+                  </a:prstClr>
+                </a:solidFill>
+              </a:rPr>
+              <a:pPr/>
+              <a:t>‹#›</a:t>
+            </a:fld>
+            <a:endParaRPr lang="en-US">
+              <a:solidFill>
+                <a:prstClr val="white">
+                  <a:tint val="75000"/>
+                </a:prstClr>
+              </a:solidFill>
+            </a:endParaRPr>
+          </a:p>
+        </p:txBody>
+      </p:sp>
+    </p:spTree>
+    <p:extLst>
+      <p:ext uri="{BB962C8B-B14F-4D97-AF65-F5344CB8AC3E}">
+        <p14:creationId xmlns:p14="http://schemas.microsoft.com/office/powerpoint/2010/main" val="2452232515"/>
+      </p:ext>
+    </p:extLst>
+  </p:cSld>
+  <p:clrMapOvr>
+    <a:masterClrMapping/>
+  </p:clrMapOvr>
+</p:sldLayout>
+</file>
+
+<file path=ppt/slideLayouts/slideLayout23.xml><?xml version="1.0" encoding="utf-8"?>
+<p:sldLayout xmlns:a="http://schemas.openxmlformats.org/drawingml/2006/main" xmlns:r="http://schemas.openxmlformats.org/officeDocument/2006/relationships" xmlns:p="http://schemas.openxmlformats.org/presentationml/2006/main" type="titleOnly" preserve="1">
+  <p:cSld name="Title Only">
+    <p:spTree>
+      <p:nvGrpSpPr>
+        <p:cNvPr id="1" name=""/>
+        <p:cNvGrpSpPr/>
+        <p:nvPr/>
+      </p:nvGrpSpPr>
+      <p:grpSpPr>
+        <a:xfrm>
+          <a:off x="0" y="0"/>
+          <a:ext cx="0" cy="0"/>
+          <a:chOff x="0" y="0"/>
+          <a:chExt cx="0" cy="0"/>
+        </a:xfrm>
+      </p:grpSpPr>
+      <p:sp>
+        <p:nvSpPr>
+          <p:cNvPr id="2" name="Title 1"/>
+          <p:cNvSpPr>
+            <a:spLocks noGrp="1"/>
+          </p:cNvSpPr>
+          <p:nvPr>
+            <p:ph type="title"/>
+          </p:nvPr>
+        </p:nvSpPr>
+        <p:spPr/>
+        <p:txBody>
+          <a:bodyPr/>
+          <a:lstStyle/>
+          <a:p>
+            <a:r>
+              <a:rPr lang="en-US" smtClean="0"/>
+              <a:t>Click to edit Master title style</a:t>
+            </a:r>
+            <a:endParaRPr lang="en-US"/>
+          </a:p>
+        </p:txBody>
+      </p:sp>
+      <p:sp>
+        <p:nvSpPr>
+          <p:cNvPr id="3" name="Date Placeholder 2"/>
+          <p:cNvSpPr>
+            <a:spLocks noGrp="1"/>
+          </p:cNvSpPr>
+          <p:nvPr>
+            <p:ph type="dt" sz="half" idx="10"/>
+          </p:nvPr>
+        </p:nvSpPr>
+        <p:spPr/>
+        <p:txBody>
+          <a:bodyPr/>
+          <a:lstStyle/>
+          <a:p>
+            <a:fld id="{130CF025-164C-493D-B4FD-5D9148003987}" type="datetimeFigureOut">
+              <a:rPr lang="en-US" smtClean="0">
+                <a:solidFill>
+                  <a:prstClr val="white">
+                    <a:tint val="75000"/>
+                  </a:prstClr>
+                </a:solidFill>
+              </a:rPr>
+              <a:pPr/>
+              <a:t>11/13/2015</a:t>
+            </a:fld>
+            <a:endParaRPr lang="en-US">
+              <a:solidFill>
+                <a:prstClr val="white">
+                  <a:tint val="75000"/>
+                </a:prstClr>
+              </a:solidFill>
+            </a:endParaRPr>
+          </a:p>
+        </p:txBody>
+      </p:sp>
+      <p:sp>
+        <p:nvSpPr>
+          <p:cNvPr id="4" name="Footer Placeholder 3"/>
+          <p:cNvSpPr>
+            <a:spLocks noGrp="1"/>
+          </p:cNvSpPr>
+          <p:nvPr>
+            <p:ph type="ftr" sz="quarter" idx="11"/>
+          </p:nvPr>
+        </p:nvSpPr>
+        <p:spPr/>
+        <p:txBody>
+          <a:bodyPr/>
+          <a:lstStyle/>
+          <a:p>
+            <a:endParaRPr lang="en-US">
+              <a:solidFill>
+                <a:prstClr val="white">
+                  <a:tint val="75000"/>
+                </a:prstClr>
+              </a:solidFill>
+            </a:endParaRPr>
+          </a:p>
+        </p:txBody>
+      </p:sp>
+      <p:sp>
+        <p:nvSpPr>
+          <p:cNvPr id="5" name="Slide Number Placeholder 4"/>
+          <p:cNvSpPr>
+            <a:spLocks noGrp="1"/>
+          </p:cNvSpPr>
+          <p:nvPr>
+            <p:ph type="sldNum" sz="quarter" idx="12"/>
+          </p:nvPr>
+        </p:nvSpPr>
+        <p:spPr/>
+        <p:txBody>
+          <a:bodyPr/>
+          <a:lstStyle/>
+          <a:p>
+            <a:fld id="{1F924BD7-9873-41FF-9FAD-ADAEB79F4265}" type="slidenum">
+              <a:rPr lang="en-US" smtClean="0">
+                <a:solidFill>
+                  <a:prstClr val="white">
+                    <a:tint val="75000"/>
+                  </a:prstClr>
+                </a:solidFill>
+              </a:rPr>
+              <a:pPr/>
+              <a:t>‹#›</a:t>
+            </a:fld>
+            <a:endParaRPr lang="en-US">
+              <a:solidFill>
+                <a:prstClr val="white">
+                  <a:tint val="75000"/>
+                </a:prstClr>
+              </a:solidFill>
+            </a:endParaRPr>
+          </a:p>
+        </p:txBody>
+      </p:sp>
+    </p:spTree>
+    <p:extLst>
+      <p:ext uri="{BB962C8B-B14F-4D97-AF65-F5344CB8AC3E}">
+        <p14:creationId xmlns:p14="http://schemas.microsoft.com/office/powerpoint/2010/main" val="3133704502"/>
+      </p:ext>
+    </p:extLst>
+  </p:cSld>
+  <p:clrMapOvr>
+    <a:masterClrMapping/>
+  </p:clrMapOvr>
+</p:sldLayout>
+</file>
+
+<file path=ppt/slideLayouts/slideLayout24.xml><?xml version="1.0" encoding="utf-8"?>
+<p:sldLayout xmlns:a="http://schemas.openxmlformats.org/drawingml/2006/main" xmlns:r="http://schemas.openxmlformats.org/officeDocument/2006/relationships" xmlns:p="http://schemas.openxmlformats.org/presentationml/2006/main" type="blank" preserve="1">
+  <p:cSld name="Blank">
+    <p:spTree>
+      <p:nvGrpSpPr>
+        <p:cNvPr id="1" name=""/>
+        <p:cNvGrpSpPr/>
+        <p:nvPr/>
+      </p:nvGrpSpPr>
+      <p:grpSpPr>
+        <a:xfrm>
+          <a:off x="0" y="0"/>
+          <a:ext cx="0" cy="0"/>
+          <a:chOff x="0" y="0"/>
+          <a:chExt cx="0" cy="0"/>
+        </a:xfrm>
+      </p:grpSpPr>
+      <p:sp>
+        <p:nvSpPr>
+          <p:cNvPr id="2" name="Date Placeholder 1"/>
+          <p:cNvSpPr>
+            <a:spLocks noGrp="1"/>
+          </p:cNvSpPr>
+          <p:nvPr>
+            <p:ph type="dt" sz="half" idx="10"/>
+          </p:nvPr>
+        </p:nvSpPr>
+        <p:spPr/>
+        <p:txBody>
+          <a:bodyPr/>
+          <a:lstStyle/>
+          <a:p>
+            <a:fld id="{130CF025-164C-493D-B4FD-5D9148003987}" type="datetimeFigureOut">
+              <a:rPr lang="en-US" smtClean="0">
+                <a:solidFill>
+                  <a:prstClr val="white">
+                    <a:tint val="75000"/>
+                  </a:prstClr>
+                </a:solidFill>
+              </a:rPr>
+              <a:pPr/>
+              <a:t>11/13/2015</a:t>
+            </a:fld>
+            <a:endParaRPr lang="en-US">
+              <a:solidFill>
+                <a:prstClr val="white">
+                  <a:tint val="75000"/>
+                </a:prstClr>
+              </a:solidFill>
+            </a:endParaRPr>
+          </a:p>
+        </p:txBody>
+      </p:sp>
+      <p:sp>
+        <p:nvSpPr>
+          <p:cNvPr id="3" name="Footer Placeholder 2"/>
+          <p:cNvSpPr>
+            <a:spLocks noGrp="1"/>
+          </p:cNvSpPr>
+          <p:nvPr>
+            <p:ph type="ftr" sz="quarter" idx="11"/>
+          </p:nvPr>
+        </p:nvSpPr>
+        <p:spPr/>
+        <p:txBody>
+          <a:bodyPr/>
+          <a:lstStyle/>
+          <a:p>
+            <a:endParaRPr lang="en-US">
+              <a:solidFill>
+                <a:prstClr val="white">
+                  <a:tint val="75000"/>
+                </a:prstClr>
+              </a:solidFill>
+            </a:endParaRPr>
+          </a:p>
+        </p:txBody>
+      </p:sp>
+      <p:sp>
+        <p:nvSpPr>
+          <p:cNvPr id="4" name="Slide Number Placeholder 3"/>
+          <p:cNvSpPr>
+            <a:spLocks noGrp="1"/>
+          </p:cNvSpPr>
+          <p:nvPr>
+            <p:ph type="sldNum" sz="quarter" idx="12"/>
+          </p:nvPr>
+        </p:nvSpPr>
+        <p:spPr/>
+        <p:txBody>
+          <a:bodyPr/>
+          <a:lstStyle/>
+          <a:p>
+            <a:fld id="{1F924BD7-9873-41FF-9FAD-ADAEB79F4265}" type="slidenum">
+              <a:rPr lang="en-US" smtClean="0">
+                <a:solidFill>
+                  <a:prstClr val="white">
+                    <a:tint val="75000"/>
+                  </a:prstClr>
+                </a:solidFill>
+              </a:rPr>
+              <a:pPr/>
+              <a:t>‹#›</a:t>
+            </a:fld>
+            <a:endParaRPr lang="en-US">
+              <a:solidFill>
+                <a:prstClr val="white">
+                  <a:tint val="75000"/>
+                </a:prstClr>
+              </a:solidFill>
+            </a:endParaRPr>
+          </a:p>
+        </p:txBody>
+      </p:sp>
+    </p:spTree>
+    <p:extLst>
+      <p:ext uri="{BB962C8B-B14F-4D97-AF65-F5344CB8AC3E}">
+        <p14:creationId xmlns:p14="http://schemas.microsoft.com/office/powerpoint/2010/main" val="2062604183"/>
+      </p:ext>
+    </p:extLst>
+  </p:cSld>
+  <p:clrMapOvr>
+    <a:masterClrMapping/>
+  </p:clrMapOvr>
+</p:sldLayout>
+</file>
+
+<file path=ppt/slideLayouts/slideLayout25.xml><?xml version="1.0" encoding="utf-8"?>
+<p:sldLayout xmlns:a="http://schemas.openxmlformats.org/drawingml/2006/main" xmlns:r="http://schemas.openxmlformats.org/officeDocument/2006/relationships" xmlns:p="http://schemas.openxmlformats.org/presentationml/2006/main" type="objTx" preserve="1">
+  <p:cSld name="Content with Caption">
+    <p:spTree>
+      <p:nvGrpSpPr>
+        <p:cNvPr id="1" name=""/>
+        <p:cNvGrpSpPr/>
+        <p:nvPr/>
+      </p:nvGrpSpPr>
+      <p:grpSpPr>
+        <a:xfrm>
+          <a:off x="0" y="0"/>
+          <a:ext cx="0" cy="0"/>
+          <a:chOff x="0" y="0"/>
+          <a:chExt cx="0" cy="0"/>
+        </a:xfrm>
+      </p:grpSpPr>
+      <p:sp>
+        <p:nvSpPr>
+          <p:cNvPr id="2" name="Title 1"/>
+          <p:cNvSpPr>
+            <a:spLocks noGrp="1"/>
+          </p:cNvSpPr>
+          <p:nvPr>
+            <p:ph type="title"/>
+          </p:nvPr>
+        </p:nvSpPr>
+        <p:spPr>
+          <a:xfrm>
+            <a:off x="609603" y="273050"/>
+            <a:ext cx="4011084" cy="1162050"/>
+          </a:xfrm>
+        </p:spPr>
+        <p:txBody>
+          <a:bodyPr anchor="b"/>
+          <a:lstStyle>
+            <a:lvl1pPr algn="l">
+              <a:defRPr sz="2000" b="1"/>
+            </a:lvl1pPr>
+          </a:lstStyle>
+          <a:p>
+            <a:r>
+              <a:rPr lang="en-US" smtClean="0"/>
+              <a:t>Click to edit Master title style</a:t>
+            </a:r>
+            <a:endParaRPr lang="en-US"/>
+          </a:p>
+        </p:txBody>
+      </p:sp>
+      <p:sp>
+        <p:nvSpPr>
+          <p:cNvPr id="3" name="Content Placeholder 2"/>
+          <p:cNvSpPr>
+            <a:spLocks noGrp="1"/>
+          </p:cNvSpPr>
+          <p:nvPr>
+            <p:ph idx="1"/>
+          </p:nvPr>
+        </p:nvSpPr>
+        <p:spPr>
+          <a:xfrm>
+            <a:off x="4766733" y="273055"/>
+            <a:ext cx="6815667" cy="5853113"/>
+          </a:xfrm>
+        </p:spPr>
+        <p:txBody>
+          <a:bodyPr/>
+          <a:lstStyle>
+            <a:lvl1pPr>
+              <a:defRPr sz="3200"/>
+            </a:lvl1pPr>
+            <a:lvl2pPr>
+              <a:defRPr sz="2800"/>
+            </a:lvl2pPr>
+            <a:lvl3pPr>
+              <a:defRPr sz="2400"/>
+            </a:lvl3pPr>
+            <a:lvl4pPr>
+              <a:defRPr sz="2000"/>
+            </a:lvl4pPr>
+            <a:lvl5pPr>
+              <a:defRPr sz="2000"/>
+            </a:lvl5pPr>
+            <a:lvl6pPr>
+              <a:defRPr sz="2000"/>
+            </a:lvl6pPr>
+            <a:lvl7pPr>
+              <a:defRPr sz="2000"/>
+            </a:lvl7pPr>
+            <a:lvl8pPr>
+              <a:defRPr sz="2000"/>
+            </a:lvl8pPr>
+            <a:lvl9pPr>
+              <a:defRPr sz="2000"/>
+            </a:lvl9pPr>
+          </a:lstStyle>
+          <a:p>
+            <a:pPr lvl="0"/>
+            <a:r>
+              <a:rPr lang="en-US" smtClean="0"/>
+              <a:t>Click to edit Master text styles</a:t>
+            </a:r>
+          </a:p>
+          <a:p>
+            <a:pPr lvl="1"/>
+            <a:r>
+              <a:rPr lang="en-US" smtClean="0"/>
+              <a:t>Second level</a:t>
+            </a:r>
+          </a:p>
+          <a:p>
+            <a:pPr lvl="2"/>
+            <a:r>
+              <a:rPr lang="en-US" smtClean="0"/>
+              <a:t>Third level</a:t>
+            </a:r>
+          </a:p>
+          <a:p>
+            <a:pPr lvl="3"/>
+            <a:r>
+              <a:rPr lang="en-US" smtClean="0"/>
+              <a:t>Fourth level</a:t>
+            </a:r>
+          </a:p>
+          <a:p>
+            <a:pPr lvl="4"/>
+            <a:r>
+              <a:rPr lang="en-US" smtClean="0"/>
+              <a:t>Fifth level</a:t>
+            </a:r>
+            <a:endParaRPr lang="en-US"/>
+          </a:p>
+        </p:txBody>
+      </p:sp>
+      <p:sp>
+        <p:nvSpPr>
+          <p:cNvPr id="4" name="Text Placeholder 3"/>
+          <p:cNvSpPr>
+            <a:spLocks noGrp="1"/>
+          </p:cNvSpPr>
+          <p:nvPr>
+            <p:ph type="body" sz="half" idx="2"/>
+          </p:nvPr>
+        </p:nvSpPr>
+        <p:spPr>
+          <a:xfrm>
+            <a:off x="609603" y="1435103"/>
+            <a:ext cx="4011084" cy="4691063"/>
+          </a:xfrm>
+        </p:spPr>
+        <p:txBody>
+          <a:bodyPr/>
+          <a:lstStyle>
+            <a:lvl1pPr marL="0" indent="0">
+              <a:buNone/>
+              <a:defRPr sz="1400"/>
+            </a:lvl1pPr>
+            <a:lvl2pPr marL="457189" indent="0">
+              <a:buNone/>
+              <a:defRPr sz="1200"/>
+            </a:lvl2pPr>
+            <a:lvl3pPr marL="914377" indent="0">
+              <a:buNone/>
+              <a:defRPr sz="1000"/>
+            </a:lvl3pPr>
+            <a:lvl4pPr marL="1371566" indent="0">
+              <a:buNone/>
+              <a:defRPr sz="900"/>
+            </a:lvl4pPr>
+            <a:lvl5pPr marL="1828754" indent="0">
+              <a:buNone/>
+              <a:defRPr sz="900"/>
+            </a:lvl5pPr>
+            <a:lvl6pPr marL="2285943" indent="0">
+              <a:buNone/>
+              <a:defRPr sz="900"/>
+            </a:lvl6pPr>
+            <a:lvl7pPr marL="2743131" indent="0">
+              <a:buNone/>
+              <a:defRPr sz="900"/>
+            </a:lvl7pPr>
+            <a:lvl8pPr marL="3200320" indent="0">
+              <a:buNone/>
+              <a:defRPr sz="900"/>
+            </a:lvl8pPr>
+            <a:lvl9pPr marL="3657509" indent="0">
+              <a:buNone/>
+              <a:defRPr sz="900"/>
+            </a:lvl9pPr>
+          </a:lstStyle>
+          <a:p>
+            <a:pPr lvl="0"/>
+            <a:r>
+              <a:rPr lang="en-US" smtClean="0"/>
+              <a:t>Click to edit Master text styles</a:t>
+            </a:r>
+          </a:p>
+        </p:txBody>
+      </p:sp>
+      <p:sp>
+        <p:nvSpPr>
+          <p:cNvPr id="5" name="Date Placeholder 4"/>
+          <p:cNvSpPr>
+            <a:spLocks noGrp="1"/>
+          </p:cNvSpPr>
+          <p:nvPr>
+            <p:ph type="dt" sz="half" idx="10"/>
+          </p:nvPr>
+        </p:nvSpPr>
+        <p:spPr/>
+        <p:txBody>
+          <a:bodyPr/>
+          <a:lstStyle/>
+          <a:p>
+            <a:fld id="{130CF025-164C-493D-B4FD-5D9148003987}" type="datetimeFigureOut">
+              <a:rPr lang="en-US" smtClean="0">
+                <a:solidFill>
+                  <a:prstClr val="white">
+                    <a:tint val="75000"/>
+                  </a:prstClr>
+                </a:solidFill>
+              </a:rPr>
+              <a:pPr/>
+              <a:t>11/13/2015</a:t>
+            </a:fld>
+            <a:endParaRPr lang="en-US">
+              <a:solidFill>
+                <a:prstClr val="white">
+                  <a:tint val="75000"/>
+                </a:prstClr>
+              </a:solidFill>
+            </a:endParaRPr>
+          </a:p>
+        </p:txBody>
+      </p:sp>
+      <p:sp>
+        <p:nvSpPr>
+          <p:cNvPr id="6" name="Footer Placeholder 5"/>
+          <p:cNvSpPr>
+            <a:spLocks noGrp="1"/>
+          </p:cNvSpPr>
+          <p:nvPr>
+            <p:ph type="ftr" sz="quarter" idx="11"/>
+          </p:nvPr>
+        </p:nvSpPr>
+        <p:spPr/>
+        <p:txBody>
+          <a:bodyPr/>
+          <a:lstStyle/>
+          <a:p>
+            <a:endParaRPr lang="en-US">
+              <a:solidFill>
+                <a:prstClr val="white">
+                  <a:tint val="75000"/>
+                </a:prstClr>
+              </a:solidFill>
+            </a:endParaRPr>
+          </a:p>
+        </p:txBody>
+      </p:sp>
+      <p:sp>
+        <p:nvSpPr>
+          <p:cNvPr id="7" name="Slide Number Placeholder 6"/>
+          <p:cNvSpPr>
+            <a:spLocks noGrp="1"/>
+          </p:cNvSpPr>
+          <p:nvPr>
+            <p:ph type="sldNum" sz="quarter" idx="12"/>
+          </p:nvPr>
+        </p:nvSpPr>
+        <p:spPr/>
+        <p:txBody>
+          <a:bodyPr/>
+          <a:lstStyle/>
+          <a:p>
+            <a:fld id="{1F924BD7-9873-41FF-9FAD-ADAEB79F4265}" type="slidenum">
+              <a:rPr lang="en-US" smtClean="0">
+                <a:solidFill>
+                  <a:prstClr val="white">
+                    <a:tint val="75000"/>
+                  </a:prstClr>
+                </a:solidFill>
+              </a:rPr>
+              <a:pPr/>
+              <a:t>‹#›</a:t>
+            </a:fld>
+            <a:endParaRPr lang="en-US">
+              <a:solidFill>
+                <a:prstClr val="white">
+                  <a:tint val="75000"/>
+                </a:prstClr>
+              </a:solidFill>
+            </a:endParaRPr>
+          </a:p>
+        </p:txBody>
+      </p:sp>
+    </p:spTree>
+    <p:extLst>
+      <p:ext uri="{BB962C8B-B14F-4D97-AF65-F5344CB8AC3E}">
+        <p14:creationId xmlns:p14="http://schemas.microsoft.com/office/powerpoint/2010/main" val="3203915639"/>
+      </p:ext>
+    </p:extLst>
+  </p:cSld>
+  <p:clrMapOvr>
+    <a:masterClrMapping/>
+  </p:clrMapOvr>
+</p:sldLayout>
+</file>
+
+<file path=ppt/slideLayouts/slideLayout26.xml><?xml version="1.0" encoding="utf-8"?>
+<p:sldLayout xmlns:a="http://schemas.openxmlformats.org/drawingml/2006/main" xmlns:r="http://schemas.openxmlformats.org/officeDocument/2006/relationships" xmlns:p="http://schemas.openxmlformats.org/presentationml/2006/main" type="picTx" preserve="1">
+  <p:cSld name="Picture with Caption">
+    <p:spTree>
+      <p:nvGrpSpPr>
+        <p:cNvPr id="1" name=""/>
+        <p:cNvGrpSpPr/>
+        <p:nvPr/>
+      </p:nvGrpSpPr>
+      <p:grpSpPr>
+        <a:xfrm>
+          <a:off x="0" y="0"/>
+          <a:ext cx="0" cy="0"/>
+          <a:chOff x="0" y="0"/>
+          <a:chExt cx="0" cy="0"/>
+        </a:xfrm>
+      </p:grpSpPr>
+      <p:sp>
+        <p:nvSpPr>
+          <p:cNvPr id="2" name="Title 1"/>
+          <p:cNvSpPr>
+            <a:spLocks noGrp="1"/>
+          </p:cNvSpPr>
+          <p:nvPr>
+            <p:ph type="title"/>
+          </p:nvPr>
+        </p:nvSpPr>
+        <p:spPr>
+          <a:xfrm>
+            <a:off x="2389717" y="4800600"/>
+            <a:ext cx="7315200" cy="566738"/>
+          </a:xfrm>
+        </p:spPr>
+        <p:txBody>
+          <a:bodyPr anchor="b"/>
+          <a:lstStyle>
+            <a:lvl1pPr algn="l">
+              <a:defRPr sz="2000" b="1"/>
+            </a:lvl1pPr>
+          </a:lstStyle>
+          <a:p>
+            <a:r>
+              <a:rPr lang="en-US" smtClean="0"/>
+              <a:t>Click to edit Master title style</a:t>
+            </a:r>
+            <a:endParaRPr lang="en-US"/>
+          </a:p>
+        </p:txBody>
+      </p:sp>
+      <p:sp>
+        <p:nvSpPr>
+          <p:cNvPr id="3" name="Picture Placeholder 2"/>
+          <p:cNvSpPr>
+            <a:spLocks noGrp="1"/>
+          </p:cNvSpPr>
+          <p:nvPr>
+            <p:ph type="pic" idx="1"/>
+          </p:nvPr>
+        </p:nvSpPr>
+        <p:spPr>
+          <a:xfrm>
+            <a:off x="2389717" y="612775"/>
+            <a:ext cx="7315200" cy="4114800"/>
+          </a:xfrm>
+        </p:spPr>
+        <p:txBody>
+          <a:bodyPr/>
+          <a:lstStyle>
+            <a:lvl1pPr marL="0" indent="0">
+              <a:buNone/>
+              <a:defRPr sz="3200"/>
+            </a:lvl1pPr>
+            <a:lvl2pPr marL="457189" indent="0">
+              <a:buNone/>
+              <a:defRPr sz="2800"/>
+            </a:lvl2pPr>
+            <a:lvl3pPr marL="914377" indent="0">
+              <a:buNone/>
+              <a:defRPr sz="2400"/>
+            </a:lvl3pPr>
+            <a:lvl4pPr marL="1371566" indent="0">
+              <a:buNone/>
+              <a:defRPr sz="2000"/>
+            </a:lvl4pPr>
+            <a:lvl5pPr marL="1828754" indent="0">
+              <a:buNone/>
+              <a:defRPr sz="2000"/>
+            </a:lvl5pPr>
+            <a:lvl6pPr marL="2285943" indent="0">
+              <a:buNone/>
+              <a:defRPr sz="2000"/>
+            </a:lvl6pPr>
+            <a:lvl7pPr marL="2743131" indent="0">
+              <a:buNone/>
+              <a:defRPr sz="2000"/>
+            </a:lvl7pPr>
+            <a:lvl8pPr marL="3200320" indent="0">
+              <a:buNone/>
+              <a:defRPr sz="2000"/>
+            </a:lvl8pPr>
+            <a:lvl9pPr marL="3657509" indent="0">
+              <a:buNone/>
+              <a:defRPr sz="2000"/>
+            </a:lvl9pPr>
+          </a:lstStyle>
+          <a:p>
+            <a:endParaRPr lang="en-US"/>
+          </a:p>
+        </p:txBody>
+      </p:sp>
+      <p:sp>
+        <p:nvSpPr>
+          <p:cNvPr id="4" name="Text Placeholder 3"/>
+          <p:cNvSpPr>
+            <a:spLocks noGrp="1"/>
+          </p:cNvSpPr>
+          <p:nvPr>
+            <p:ph type="body" sz="half" idx="2"/>
+          </p:nvPr>
+        </p:nvSpPr>
+        <p:spPr>
+          <a:xfrm>
+            <a:off x="2389717" y="5367338"/>
+            <a:ext cx="7315200" cy="804862"/>
+          </a:xfrm>
+        </p:spPr>
+        <p:txBody>
+          <a:bodyPr/>
+          <a:lstStyle>
+            <a:lvl1pPr marL="0" indent="0">
+              <a:buNone/>
+              <a:defRPr sz="1400"/>
+            </a:lvl1pPr>
+            <a:lvl2pPr marL="457189" indent="0">
+              <a:buNone/>
+              <a:defRPr sz="1200"/>
+            </a:lvl2pPr>
+            <a:lvl3pPr marL="914377" indent="0">
+              <a:buNone/>
+              <a:defRPr sz="1000"/>
+            </a:lvl3pPr>
+            <a:lvl4pPr marL="1371566" indent="0">
+              <a:buNone/>
+              <a:defRPr sz="900"/>
+            </a:lvl4pPr>
+            <a:lvl5pPr marL="1828754" indent="0">
+              <a:buNone/>
+              <a:defRPr sz="900"/>
+            </a:lvl5pPr>
+            <a:lvl6pPr marL="2285943" indent="0">
+              <a:buNone/>
+              <a:defRPr sz="900"/>
+            </a:lvl6pPr>
+            <a:lvl7pPr marL="2743131" indent="0">
+              <a:buNone/>
+              <a:defRPr sz="900"/>
+            </a:lvl7pPr>
+            <a:lvl8pPr marL="3200320" indent="0">
+              <a:buNone/>
+              <a:defRPr sz="900"/>
+            </a:lvl8pPr>
+            <a:lvl9pPr marL="3657509" indent="0">
+              <a:buNone/>
+              <a:defRPr sz="900"/>
+            </a:lvl9pPr>
+          </a:lstStyle>
+          <a:p>
+            <a:pPr lvl="0"/>
+            <a:r>
+              <a:rPr lang="en-US" smtClean="0"/>
+              <a:t>Click to edit Master text styles</a:t>
+            </a:r>
+          </a:p>
+        </p:txBody>
+      </p:sp>
+      <p:sp>
+        <p:nvSpPr>
+          <p:cNvPr id="5" name="Date Placeholder 4"/>
+          <p:cNvSpPr>
+            <a:spLocks noGrp="1"/>
+          </p:cNvSpPr>
+          <p:nvPr>
+            <p:ph type="dt" sz="half" idx="10"/>
+          </p:nvPr>
+        </p:nvSpPr>
+        <p:spPr/>
+        <p:txBody>
+          <a:bodyPr/>
+          <a:lstStyle/>
+          <a:p>
+            <a:fld id="{130CF025-164C-493D-B4FD-5D9148003987}" type="datetimeFigureOut">
+              <a:rPr lang="en-US" smtClean="0">
+                <a:solidFill>
+                  <a:prstClr val="white">
+                    <a:tint val="75000"/>
+                  </a:prstClr>
+                </a:solidFill>
+              </a:rPr>
+              <a:pPr/>
+              <a:t>11/13/2015</a:t>
+            </a:fld>
+            <a:endParaRPr lang="en-US">
+              <a:solidFill>
+                <a:prstClr val="white">
+                  <a:tint val="75000"/>
+                </a:prstClr>
+              </a:solidFill>
+            </a:endParaRPr>
+          </a:p>
+        </p:txBody>
+      </p:sp>
+      <p:sp>
+        <p:nvSpPr>
+          <p:cNvPr id="6" name="Footer Placeholder 5"/>
+          <p:cNvSpPr>
+            <a:spLocks noGrp="1"/>
+          </p:cNvSpPr>
+          <p:nvPr>
+            <p:ph type="ftr" sz="quarter" idx="11"/>
+          </p:nvPr>
+        </p:nvSpPr>
+        <p:spPr/>
+        <p:txBody>
+          <a:bodyPr/>
+          <a:lstStyle/>
+          <a:p>
+            <a:endParaRPr lang="en-US">
+              <a:solidFill>
+                <a:prstClr val="white">
+                  <a:tint val="75000"/>
+                </a:prstClr>
+              </a:solidFill>
+            </a:endParaRPr>
+          </a:p>
+        </p:txBody>
+      </p:sp>
+      <p:sp>
+        <p:nvSpPr>
+          <p:cNvPr id="7" name="Slide Number Placeholder 6"/>
+          <p:cNvSpPr>
+            <a:spLocks noGrp="1"/>
+          </p:cNvSpPr>
+          <p:nvPr>
+            <p:ph type="sldNum" sz="quarter" idx="12"/>
+          </p:nvPr>
+        </p:nvSpPr>
+        <p:spPr/>
+        <p:txBody>
+          <a:bodyPr/>
+          <a:lstStyle/>
+          <a:p>
+            <a:fld id="{1F924BD7-9873-41FF-9FAD-ADAEB79F4265}" type="slidenum">
+              <a:rPr lang="en-US" smtClean="0">
+                <a:solidFill>
+                  <a:prstClr val="white">
+                    <a:tint val="75000"/>
+                  </a:prstClr>
+                </a:solidFill>
+              </a:rPr>
+              <a:pPr/>
+              <a:t>‹#›</a:t>
+            </a:fld>
+            <a:endParaRPr lang="en-US">
+              <a:solidFill>
+                <a:prstClr val="white">
+                  <a:tint val="75000"/>
+                </a:prstClr>
+              </a:solidFill>
+            </a:endParaRPr>
+          </a:p>
+        </p:txBody>
+      </p:sp>
+    </p:spTree>
+    <p:extLst>
+      <p:ext uri="{BB962C8B-B14F-4D97-AF65-F5344CB8AC3E}">
+        <p14:creationId xmlns:p14="http://schemas.microsoft.com/office/powerpoint/2010/main" val="429001583"/>
+      </p:ext>
+    </p:extLst>
+  </p:cSld>
+  <p:clrMapOvr>
+    <a:masterClrMapping/>
+  </p:clrMapOvr>
+</p:sldLayout>
+</file>
+
+<file path=ppt/slideLayouts/slideLayout27.xml><?xml version="1.0" encoding="utf-8"?>
+<p:sldLayout xmlns:a="http://schemas.openxmlformats.org/drawingml/2006/main" xmlns:r="http://schemas.openxmlformats.org/officeDocument/2006/relationships" xmlns:p="http://schemas.openxmlformats.org/presentationml/2006/main" type="vertTx" preserve="1">
+  <p:cSld name="Title and Vertical Text">
+    <p:spTree>
+      <p:nvGrpSpPr>
+        <p:cNvPr id="1" name=""/>
+        <p:cNvGrpSpPr/>
+        <p:nvPr/>
+      </p:nvGrpSpPr>
+      <p:grpSpPr>
+        <a:xfrm>
+          <a:off x="0" y="0"/>
+          <a:ext cx="0" cy="0"/>
+          <a:chOff x="0" y="0"/>
+          <a:chExt cx="0" cy="0"/>
+        </a:xfrm>
+      </p:grpSpPr>
+      <p:sp>
+        <p:nvSpPr>
+          <p:cNvPr id="2" name="Title 1"/>
+          <p:cNvSpPr>
+            <a:spLocks noGrp="1"/>
+          </p:cNvSpPr>
+          <p:nvPr>
+            <p:ph type="title"/>
+          </p:nvPr>
+        </p:nvSpPr>
+        <p:spPr/>
+        <p:txBody>
+          <a:bodyPr/>
+          <a:lstStyle/>
+          <a:p>
+            <a:r>
+              <a:rPr lang="en-US" smtClean="0"/>
+              <a:t>Click to edit Master title style</a:t>
+            </a:r>
+            <a:endParaRPr lang="en-US"/>
+          </a:p>
+        </p:txBody>
+      </p:sp>
+      <p:sp>
+        <p:nvSpPr>
+          <p:cNvPr id="3" name="Vertical Text Placeholder 2"/>
+          <p:cNvSpPr>
+            <a:spLocks noGrp="1"/>
+          </p:cNvSpPr>
+          <p:nvPr>
+            <p:ph type="body" orient="vert" idx="1"/>
+          </p:nvPr>
+        </p:nvSpPr>
+        <p:spPr/>
+        <p:txBody>
+          <a:bodyPr vert="eaVert"/>
+          <a:lstStyle/>
+          <a:p>
+            <a:pPr lvl="0"/>
+            <a:r>
+              <a:rPr lang="en-US" smtClean="0"/>
+              <a:t>Click to edit Master text styles</a:t>
+            </a:r>
+          </a:p>
+          <a:p>
+            <a:pPr lvl="1"/>
+            <a:r>
+              <a:rPr lang="en-US" smtClean="0"/>
+              <a:t>Second level</a:t>
+            </a:r>
+          </a:p>
+          <a:p>
+            <a:pPr lvl="2"/>
+            <a:r>
+              <a:rPr lang="en-US" smtClean="0"/>
+              <a:t>Third level</a:t>
+            </a:r>
+          </a:p>
+          <a:p>
+            <a:pPr lvl="3"/>
+            <a:r>
+              <a:rPr lang="en-US" smtClean="0"/>
+              <a:t>Fourth level</a:t>
+            </a:r>
+          </a:p>
+          <a:p>
+            <a:pPr lvl="4"/>
+            <a:r>
+              <a:rPr lang="en-US" smtClean="0"/>
+              <a:t>Fifth level</a:t>
+            </a:r>
+            <a:endParaRPr lang="en-US"/>
+          </a:p>
+        </p:txBody>
+      </p:sp>
+      <p:sp>
+        <p:nvSpPr>
+          <p:cNvPr id="4" name="Date Placeholder 3"/>
+          <p:cNvSpPr>
+            <a:spLocks noGrp="1"/>
+          </p:cNvSpPr>
+          <p:nvPr>
+            <p:ph type="dt" sz="half" idx="10"/>
+          </p:nvPr>
+        </p:nvSpPr>
+        <p:spPr/>
+        <p:txBody>
+          <a:bodyPr/>
+          <a:lstStyle/>
+          <a:p>
+            <a:fld id="{130CF025-164C-493D-B4FD-5D9148003987}" type="datetimeFigureOut">
+              <a:rPr lang="en-US" smtClean="0">
+                <a:solidFill>
+                  <a:prstClr val="white">
+                    <a:tint val="75000"/>
+                  </a:prstClr>
+                </a:solidFill>
+              </a:rPr>
+              <a:pPr/>
+              <a:t>11/13/2015</a:t>
+            </a:fld>
+            <a:endParaRPr lang="en-US">
+              <a:solidFill>
+                <a:prstClr val="white">
+                  <a:tint val="75000"/>
+                </a:prstClr>
+              </a:solidFill>
+            </a:endParaRPr>
+          </a:p>
+        </p:txBody>
+      </p:sp>
+      <p:sp>
+        <p:nvSpPr>
+          <p:cNvPr id="5" name="Footer Placeholder 4"/>
+          <p:cNvSpPr>
+            <a:spLocks noGrp="1"/>
+          </p:cNvSpPr>
+          <p:nvPr>
+            <p:ph type="ftr" sz="quarter" idx="11"/>
+          </p:nvPr>
+        </p:nvSpPr>
+        <p:spPr/>
+        <p:txBody>
+          <a:bodyPr/>
+          <a:lstStyle/>
+          <a:p>
+            <a:endParaRPr lang="en-US">
+              <a:solidFill>
+                <a:prstClr val="white">
+                  <a:tint val="75000"/>
+                </a:prstClr>
+              </a:solidFill>
+            </a:endParaRPr>
+          </a:p>
+        </p:txBody>
+      </p:sp>
+      <p:sp>
+        <p:nvSpPr>
+          <p:cNvPr id="6" name="Slide Number Placeholder 5"/>
+          <p:cNvSpPr>
+            <a:spLocks noGrp="1"/>
+          </p:cNvSpPr>
+          <p:nvPr>
+            <p:ph type="sldNum" sz="quarter" idx="12"/>
+          </p:nvPr>
+        </p:nvSpPr>
+        <p:spPr/>
+        <p:txBody>
+          <a:bodyPr/>
+          <a:lstStyle/>
+          <a:p>
+            <a:fld id="{1F924BD7-9873-41FF-9FAD-ADAEB79F4265}" type="slidenum">
+              <a:rPr lang="en-US" smtClean="0">
+                <a:solidFill>
+                  <a:prstClr val="white">
+                    <a:tint val="75000"/>
+                  </a:prstClr>
+                </a:solidFill>
+              </a:rPr>
+              <a:pPr/>
+              <a:t>‹#›</a:t>
+            </a:fld>
+            <a:endParaRPr lang="en-US">
+              <a:solidFill>
+                <a:prstClr val="white">
+                  <a:tint val="75000"/>
+                </a:prstClr>
+              </a:solidFill>
+            </a:endParaRPr>
+          </a:p>
+        </p:txBody>
+      </p:sp>
+    </p:spTree>
+    <p:extLst>
+      <p:ext uri="{BB962C8B-B14F-4D97-AF65-F5344CB8AC3E}">
+        <p14:creationId xmlns:p14="http://schemas.microsoft.com/office/powerpoint/2010/main" val="518250390"/>
+      </p:ext>
+    </p:extLst>
+  </p:cSld>
+  <p:clrMapOvr>
+    <a:masterClrMapping/>
+  </p:clrMapOvr>
+</p:sldLayout>
+</file>
+
+<file path=ppt/slideLayouts/slideLayout28.xml><?xml version="1.0" encoding="utf-8"?>
+<p:sldLayout xmlns:a="http://schemas.openxmlformats.org/drawingml/2006/main" xmlns:r="http://schemas.openxmlformats.org/officeDocument/2006/relationships" xmlns:p="http://schemas.openxmlformats.org/presentationml/2006/main" type="vertTitleAndTx" preserve="1">
+  <p:cSld name="Vertical Title and Text">
+    <p:spTree>
+      <p:nvGrpSpPr>
+        <p:cNvPr id="1" name=""/>
+        <p:cNvGrpSpPr/>
+        <p:nvPr/>
+      </p:nvGrpSpPr>
+      <p:grpSpPr>
+        <a:xfrm>
+          <a:off x="0" y="0"/>
+          <a:ext cx="0" cy="0"/>
+          <a:chOff x="0" y="0"/>
+          <a:chExt cx="0" cy="0"/>
+        </a:xfrm>
+      </p:grpSpPr>
+      <p:sp>
+        <p:nvSpPr>
+          <p:cNvPr id="2" name="Vertical Title 1"/>
+          <p:cNvSpPr>
+            <a:spLocks noGrp="1"/>
+          </p:cNvSpPr>
+          <p:nvPr>
+            <p:ph type="title" orient="vert"/>
+          </p:nvPr>
+        </p:nvSpPr>
+        <p:spPr>
+          <a:xfrm>
+            <a:off x="8839200" y="274643"/>
+            <a:ext cx="2743200" cy="5851525"/>
+          </a:xfrm>
+        </p:spPr>
+        <p:txBody>
+          <a:bodyPr vert="eaVert"/>
+          <a:lstStyle/>
+          <a:p>
+            <a:r>
+              <a:rPr lang="en-US" smtClean="0"/>
+              <a:t>Click to edit Master title style</a:t>
+            </a:r>
+            <a:endParaRPr lang="en-US"/>
+          </a:p>
+        </p:txBody>
+      </p:sp>
+      <p:sp>
+        <p:nvSpPr>
+          <p:cNvPr id="3" name="Vertical Text Placeholder 2"/>
+          <p:cNvSpPr>
+            <a:spLocks noGrp="1"/>
+          </p:cNvSpPr>
+          <p:nvPr>
+            <p:ph type="body" orient="vert" idx="1"/>
+          </p:nvPr>
+        </p:nvSpPr>
+        <p:spPr>
+          <a:xfrm>
+            <a:off x="609600" y="274643"/>
+            <a:ext cx="8026400" cy="5851525"/>
+          </a:xfrm>
+        </p:spPr>
+        <p:txBody>
+          <a:bodyPr vert="eaVert"/>
+          <a:lstStyle/>
+          <a:p>
+            <a:pPr lvl="0"/>
+            <a:r>
+              <a:rPr lang="en-US" smtClean="0"/>
+              <a:t>Click to edit Master text styles</a:t>
+            </a:r>
+          </a:p>
+          <a:p>
+            <a:pPr lvl="1"/>
+            <a:r>
+              <a:rPr lang="en-US" smtClean="0"/>
+              <a:t>Second level</a:t>
+            </a:r>
+          </a:p>
+          <a:p>
+            <a:pPr lvl="2"/>
+            <a:r>
+              <a:rPr lang="en-US" smtClean="0"/>
+              <a:t>Third level</a:t>
+            </a:r>
+          </a:p>
+          <a:p>
+            <a:pPr lvl="3"/>
+            <a:r>
+              <a:rPr lang="en-US" smtClean="0"/>
+              <a:t>Fourth level</a:t>
+            </a:r>
+          </a:p>
+          <a:p>
+            <a:pPr lvl="4"/>
+            <a:r>
+              <a:rPr lang="en-US" smtClean="0"/>
+              <a:t>Fifth level</a:t>
+            </a:r>
+            <a:endParaRPr lang="en-US"/>
+          </a:p>
+        </p:txBody>
+      </p:sp>
+      <p:sp>
+        <p:nvSpPr>
+          <p:cNvPr id="4" name="Date Placeholder 3"/>
+          <p:cNvSpPr>
+            <a:spLocks noGrp="1"/>
+          </p:cNvSpPr>
+          <p:nvPr>
+            <p:ph type="dt" sz="half" idx="10"/>
+          </p:nvPr>
+        </p:nvSpPr>
+        <p:spPr/>
+        <p:txBody>
+          <a:bodyPr/>
+          <a:lstStyle/>
+          <a:p>
+            <a:fld id="{130CF025-164C-493D-B4FD-5D9148003987}" type="datetimeFigureOut">
+              <a:rPr lang="en-US" smtClean="0">
+                <a:solidFill>
+                  <a:prstClr val="white">
+                    <a:tint val="75000"/>
+                  </a:prstClr>
+                </a:solidFill>
+              </a:rPr>
+              <a:pPr/>
+              <a:t>11/13/2015</a:t>
+            </a:fld>
+            <a:endParaRPr lang="en-US">
+              <a:solidFill>
+                <a:prstClr val="white">
+                  <a:tint val="75000"/>
+                </a:prstClr>
+              </a:solidFill>
+            </a:endParaRPr>
+          </a:p>
+        </p:txBody>
+      </p:sp>
+      <p:sp>
+        <p:nvSpPr>
+          <p:cNvPr id="5" name="Footer Placeholder 4"/>
+          <p:cNvSpPr>
+            <a:spLocks noGrp="1"/>
+          </p:cNvSpPr>
+          <p:nvPr>
+            <p:ph type="ftr" sz="quarter" idx="11"/>
+          </p:nvPr>
+        </p:nvSpPr>
+        <p:spPr/>
+        <p:txBody>
+          <a:bodyPr/>
+          <a:lstStyle/>
+          <a:p>
+            <a:endParaRPr lang="en-US">
+              <a:solidFill>
+                <a:prstClr val="white">
+                  <a:tint val="75000"/>
+                </a:prstClr>
+              </a:solidFill>
+            </a:endParaRPr>
+          </a:p>
+        </p:txBody>
+      </p:sp>
+      <p:sp>
+        <p:nvSpPr>
+          <p:cNvPr id="6" name="Slide Number Placeholder 5"/>
+          <p:cNvSpPr>
+            <a:spLocks noGrp="1"/>
+          </p:cNvSpPr>
+          <p:nvPr>
+            <p:ph type="sldNum" sz="quarter" idx="12"/>
+          </p:nvPr>
+        </p:nvSpPr>
+        <p:spPr/>
+        <p:txBody>
+          <a:bodyPr/>
+          <a:lstStyle/>
+          <a:p>
+            <a:fld id="{1F924BD7-9873-41FF-9FAD-ADAEB79F4265}" type="slidenum">
+              <a:rPr lang="en-US" smtClean="0">
+                <a:solidFill>
+                  <a:prstClr val="white">
+                    <a:tint val="75000"/>
+                  </a:prstClr>
+                </a:solidFill>
+              </a:rPr>
+              <a:pPr/>
+              <a:t>‹#›</a:t>
+            </a:fld>
+            <a:endParaRPr lang="en-US">
+              <a:solidFill>
+                <a:prstClr val="white">
+                  <a:tint val="75000"/>
+                </a:prstClr>
+              </a:solidFill>
+            </a:endParaRPr>
+          </a:p>
+        </p:txBody>
+      </p:sp>
+    </p:spTree>
+    <p:extLst>
+      <p:ext uri="{BB962C8B-B14F-4D97-AF65-F5344CB8AC3E}">
+        <p14:creationId xmlns:p14="http://schemas.microsoft.com/office/powerpoint/2010/main" val="1683635689"/>
       </p:ext>
     </p:extLst>
   </p:cSld>
@@ -4306,7 +7219,7 @@
           <a:p>
             <a:fld id="{8ECED3F7-F610-466C-BDF4-3183BAA439F6}" type="datetimeFigureOut">
               <a:rPr lang="en-US" smtClean="0"/>
-              <a:t>7/11/2015</a:t>
+              <a:t>11/13/2015</a:t>
             </a:fld>
             <a:endParaRPr lang="en-US"/>
           </a:p>
@@ -4603,7 +7516,7 @@
           <a:p>
             <a:fld id="{8ECED3F7-F610-466C-BDF4-3183BAA439F6}" type="datetimeFigureOut">
               <a:rPr lang="en-US" smtClean="0"/>
-              <a:t>7/11/2015</a:t>
+              <a:t>11/13/2015</a:t>
             </a:fld>
             <a:endParaRPr lang="en-US"/>
           </a:p>
@@ -5045,7 +7958,7 @@
           <a:p>
             <a:fld id="{8ECED3F7-F610-466C-BDF4-3183BAA439F6}" type="datetimeFigureOut">
               <a:rPr lang="en-US" smtClean="0"/>
-              <a:t>7/11/2015</a:t>
+              <a:t>11/13/2015</a:t>
             </a:fld>
             <a:endParaRPr lang="en-US"/>
           </a:p>
@@ -5163,7 +8076,7 @@
           <a:p>
             <a:fld id="{8ECED3F7-F610-466C-BDF4-3183BAA439F6}" type="datetimeFigureOut">
               <a:rPr lang="en-US" smtClean="0"/>
-              <a:t>7/11/2015</a:t>
+              <a:t>11/13/2015</a:t>
             </a:fld>
             <a:endParaRPr lang="en-US"/>
           </a:p>
@@ -5258,7 +8171,7 @@
           <a:p>
             <a:fld id="{8ECED3F7-F610-466C-BDF4-3183BAA439F6}" type="datetimeFigureOut">
               <a:rPr lang="en-US" smtClean="0"/>
-              <a:t>7/11/2015</a:t>
+              <a:t>11/13/2015</a:t>
             </a:fld>
             <a:endParaRPr lang="en-US"/>
           </a:p>
@@ -5541,7 +8454,7 @@
           <a:p>
             <a:fld id="{8ECED3F7-F610-466C-BDF4-3183BAA439F6}" type="datetimeFigureOut">
               <a:rPr lang="en-US" smtClean="0"/>
-              <a:t>7/11/2015</a:t>
+              <a:t>11/13/2015</a:t>
             </a:fld>
             <a:endParaRPr lang="en-US"/>
           </a:p>
@@ -5832,7 +8745,7 @@
           <a:p>
             <a:fld id="{8ECED3F7-F610-466C-BDF4-3183BAA439F6}" type="datetimeFigureOut">
               <a:rPr lang="en-US" smtClean="0"/>
-              <a:t>7/11/2015</a:t>
+              <a:t>11/13/2015</a:t>
             </a:fld>
             <a:endParaRPr lang="en-US"/>
           </a:p>
@@ -6362,7 +9275,7 @@
           <a:p>
             <a:fld id="{8ECED3F7-F610-466C-BDF4-3183BAA439F6}" type="datetimeFigureOut">
               <a:rPr lang="en-US" smtClean="0"/>
-              <a:t>7/11/2015</a:t>
+              <a:t>11/13/2015</a:t>
             </a:fld>
             <a:endParaRPr lang="en-US"/>
           </a:p>
@@ -6876,6 +9789,572 @@
 </p:sldMaster>
 </file>
 
+<file path=ppt/slideMasters/slideMaster2.xml><?xml version="1.0" encoding="utf-8"?>
+<p:sldMaster xmlns:a="http://schemas.openxmlformats.org/drawingml/2006/main" xmlns:r="http://schemas.openxmlformats.org/officeDocument/2006/relationships" xmlns:p="http://schemas.openxmlformats.org/presentationml/2006/main">
+  <p:cSld>
+    <p:bg>
+      <p:bgPr>
+        <a:gradFill flip="none" rotWithShape="1">
+          <a:gsLst>
+            <a:gs pos="0">
+              <a:schemeClr val="accent6">
+                <a:lumMod val="40000"/>
+                <a:lumOff val="60000"/>
+              </a:schemeClr>
+            </a:gs>
+            <a:gs pos="40000">
+              <a:schemeClr val="accent6">
+                <a:lumMod val="75000"/>
+              </a:schemeClr>
+            </a:gs>
+            <a:gs pos="100000">
+              <a:schemeClr val="accent6">
+                <a:lumMod val="75000"/>
+              </a:schemeClr>
+            </a:gs>
+          </a:gsLst>
+          <a:path path="circle">
+            <a:fillToRect l="50000" t="-80000" r="50000" b="180000"/>
+          </a:path>
+          <a:tileRect/>
+        </a:gradFill>
+        <a:effectLst/>
+      </p:bgPr>
+    </p:bg>
+    <p:spTree>
+      <p:nvGrpSpPr>
+        <p:cNvPr id="1" name=""/>
+        <p:cNvGrpSpPr/>
+        <p:nvPr/>
+      </p:nvGrpSpPr>
+      <p:grpSpPr>
+        <a:xfrm>
+          <a:off x="0" y="0"/>
+          <a:ext cx="0" cy="0"/>
+          <a:chOff x="0" y="0"/>
+          <a:chExt cx="0" cy="0"/>
+        </a:xfrm>
+      </p:grpSpPr>
+      <p:sp>
+        <p:nvSpPr>
+          <p:cNvPr id="2" name="Title Placeholder 1"/>
+          <p:cNvSpPr>
+            <a:spLocks noGrp="1"/>
+          </p:cNvSpPr>
+          <p:nvPr>
+            <p:ph type="title"/>
+          </p:nvPr>
+        </p:nvSpPr>
+        <p:spPr>
+          <a:xfrm>
+            <a:off x="609600" y="274638"/>
+            <a:ext cx="10972800" cy="1143000"/>
+          </a:xfrm>
+          <a:prstGeom prst="rect">
+            <a:avLst/>
+          </a:prstGeom>
+        </p:spPr>
+        <p:txBody>
+          <a:bodyPr vert="horz" lIns="91440" tIns="45720" rIns="91440" bIns="45720" rtlCol="0" anchor="ctr">
+            <a:normAutofit/>
+          </a:bodyPr>
+          <a:lstStyle/>
+          <a:p>
+            <a:r>
+              <a:rPr lang="en-US" smtClean="0"/>
+              <a:t>Click to edit Master title style</a:t>
+            </a:r>
+            <a:endParaRPr lang="en-US"/>
+          </a:p>
+        </p:txBody>
+      </p:sp>
+      <p:sp>
+        <p:nvSpPr>
+          <p:cNvPr id="3" name="Text Placeholder 2"/>
+          <p:cNvSpPr>
+            <a:spLocks noGrp="1"/>
+          </p:cNvSpPr>
+          <p:nvPr>
+            <p:ph type="body" idx="1"/>
+          </p:nvPr>
+        </p:nvSpPr>
+        <p:spPr>
+          <a:xfrm>
+            <a:off x="609600" y="1600205"/>
+            <a:ext cx="10972800" cy="4525963"/>
+          </a:xfrm>
+          <a:prstGeom prst="rect">
+            <a:avLst/>
+          </a:prstGeom>
+        </p:spPr>
+        <p:txBody>
+          <a:bodyPr vert="horz" lIns="91440" tIns="45720" rIns="91440" bIns="45720" rtlCol="0">
+            <a:normAutofit/>
+          </a:bodyPr>
+          <a:lstStyle/>
+          <a:p>
+            <a:pPr lvl="0"/>
+            <a:r>
+              <a:rPr lang="en-US" smtClean="0"/>
+              <a:t>Click to edit Master text styles</a:t>
+            </a:r>
+          </a:p>
+          <a:p>
+            <a:pPr lvl="1"/>
+            <a:r>
+              <a:rPr lang="en-US" smtClean="0"/>
+              <a:t>Second level</a:t>
+            </a:r>
+          </a:p>
+          <a:p>
+            <a:pPr lvl="2"/>
+            <a:r>
+              <a:rPr lang="en-US" smtClean="0"/>
+              <a:t>Third level</a:t>
+            </a:r>
+          </a:p>
+          <a:p>
+            <a:pPr lvl="3"/>
+            <a:r>
+              <a:rPr lang="en-US" smtClean="0"/>
+              <a:t>Fourth level</a:t>
+            </a:r>
+          </a:p>
+          <a:p>
+            <a:pPr lvl="4"/>
+            <a:r>
+              <a:rPr lang="en-US" smtClean="0"/>
+              <a:t>Fifth level</a:t>
+            </a:r>
+            <a:endParaRPr lang="en-US"/>
+          </a:p>
+        </p:txBody>
+      </p:sp>
+      <p:sp>
+        <p:nvSpPr>
+          <p:cNvPr id="4" name="Date Placeholder 3"/>
+          <p:cNvSpPr>
+            <a:spLocks noGrp="1"/>
+          </p:cNvSpPr>
+          <p:nvPr>
+            <p:ph type="dt" sz="half" idx="2"/>
+          </p:nvPr>
+        </p:nvSpPr>
+        <p:spPr>
+          <a:xfrm>
+            <a:off x="609600" y="6356355"/>
+            <a:ext cx="2844800" cy="365125"/>
+          </a:xfrm>
+          <a:prstGeom prst="rect">
+            <a:avLst/>
+          </a:prstGeom>
+        </p:spPr>
+        <p:txBody>
+          <a:bodyPr vert="horz" lIns="91440" tIns="45720" rIns="91440" bIns="45720" rtlCol="0" anchor="ctr"/>
+          <a:lstStyle>
+            <a:lvl1pPr algn="l">
+              <a:defRPr sz="1200">
+                <a:solidFill>
+                  <a:schemeClr val="tx1">
+                    <a:tint val="75000"/>
+                  </a:schemeClr>
+                </a:solidFill>
+              </a:defRPr>
+            </a:lvl1pPr>
+          </a:lstStyle>
+          <a:p>
+            <a:fld id="{130CF025-164C-493D-B4FD-5D9148003987}" type="datetimeFigureOut">
+              <a:rPr lang="en-US" smtClean="0">
+                <a:solidFill>
+                  <a:prstClr val="white">
+                    <a:tint val="75000"/>
+                  </a:prstClr>
+                </a:solidFill>
+              </a:rPr>
+              <a:pPr/>
+              <a:t>11/13/2015</a:t>
+            </a:fld>
+            <a:endParaRPr lang="en-US">
+              <a:solidFill>
+                <a:prstClr val="white">
+                  <a:tint val="75000"/>
+                </a:prstClr>
+              </a:solidFill>
+            </a:endParaRPr>
+          </a:p>
+        </p:txBody>
+      </p:sp>
+      <p:sp>
+        <p:nvSpPr>
+          <p:cNvPr id="5" name="Footer Placeholder 4"/>
+          <p:cNvSpPr>
+            <a:spLocks noGrp="1"/>
+          </p:cNvSpPr>
+          <p:nvPr>
+            <p:ph type="ftr" sz="quarter" idx="3"/>
+          </p:nvPr>
+        </p:nvSpPr>
+        <p:spPr>
+          <a:xfrm>
+            <a:off x="4165600" y="6356355"/>
+            <a:ext cx="3860800" cy="365125"/>
+          </a:xfrm>
+          <a:prstGeom prst="rect">
+            <a:avLst/>
+          </a:prstGeom>
+        </p:spPr>
+        <p:txBody>
+          <a:bodyPr vert="horz" lIns="91440" tIns="45720" rIns="91440" bIns="45720" rtlCol="0" anchor="ctr"/>
+          <a:lstStyle>
+            <a:lvl1pPr algn="ctr">
+              <a:defRPr sz="1200">
+                <a:solidFill>
+                  <a:schemeClr val="tx1">
+                    <a:tint val="75000"/>
+                  </a:schemeClr>
+                </a:solidFill>
+              </a:defRPr>
+            </a:lvl1pPr>
+          </a:lstStyle>
+          <a:p>
+            <a:endParaRPr lang="en-US">
+              <a:solidFill>
+                <a:prstClr val="white">
+                  <a:tint val="75000"/>
+                </a:prstClr>
+              </a:solidFill>
+            </a:endParaRPr>
+          </a:p>
+        </p:txBody>
+      </p:sp>
+      <p:sp>
+        <p:nvSpPr>
+          <p:cNvPr id="6" name="Slide Number Placeholder 5"/>
+          <p:cNvSpPr>
+            <a:spLocks noGrp="1"/>
+          </p:cNvSpPr>
+          <p:nvPr>
+            <p:ph type="sldNum" sz="quarter" idx="4"/>
+          </p:nvPr>
+        </p:nvSpPr>
+        <p:spPr>
+          <a:xfrm>
+            <a:off x="8737600" y="6356355"/>
+            <a:ext cx="2844800" cy="365125"/>
+          </a:xfrm>
+          <a:prstGeom prst="rect">
+            <a:avLst/>
+          </a:prstGeom>
+        </p:spPr>
+        <p:txBody>
+          <a:bodyPr vert="horz" lIns="91440" tIns="45720" rIns="91440" bIns="45720" rtlCol="0" anchor="ctr"/>
+          <a:lstStyle>
+            <a:lvl1pPr algn="r">
+              <a:defRPr sz="1200">
+                <a:solidFill>
+                  <a:schemeClr val="tx1">
+                    <a:tint val="75000"/>
+                  </a:schemeClr>
+                </a:solidFill>
+              </a:defRPr>
+            </a:lvl1pPr>
+          </a:lstStyle>
+          <a:p>
+            <a:fld id="{1F924BD7-9873-41FF-9FAD-ADAEB79F4265}" type="slidenum">
+              <a:rPr lang="en-US" smtClean="0">
+                <a:solidFill>
+                  <a:prstClr val="white">
+                    <a:tint val="75000"/>
+                  </a:prstClr>
+                </a:solidFill>
+              </a:rPr>
+              <a:pPr/>
+              <a:t>‹#›</a:t>
+            </a:fld>
+            <a:endParaRPr lang="en-US">
+              <a:solidFill>
+                <a:prstClr val="white">
+                  <a:tint val="75000"/>
+                </a:prstClr>
+              </a:solidFill>
+            </a:endParaRPr>
+          </a:p>
+        </p:txBody>
+      </p:sp>
+    </p:spTree>
+    <p:extLst>
+      <p:ext uri="{BB962C8B-B14F-4D97-AF65-F5344CB8AC3E}">
+        <p14:creationId xmlns:p14="http://schemas.microsoft.com/office/powerpoint/2010/main" val="315158497"/>
+      </p:ext>
+    </p:extLst>
+  </p:cSld>
+  <p:clrMap bg1="dk1" tx1="lt1" bg2="dk2" tx2="lt2" accent1="accent1" accent2="accent2" accent3="accent3" accent4="accent4" accent5="accent5" accent6="accent6" hlink="hlink" folHlink="folHlink"/>
+  <p:sldLayoutIdLst>
+    <p:sldLayoutId id="2147483679" r:id="rId1"/>
+    <p:sldLayoutId id="2147483680" r:id="rId2"/>
+    <p:sldLayoutId id="2147483681" r:id="rId3"/>
+    <p:sldLayoutId id="2147483682" r:id="rId4"/>
+    <p:sldLayoutId id="2147483683" r:id="rId5"/>
+    <p:sldLayoutId id="2147483684" r:id="rId6"/>
+    <p:sldLayoutId id="2147483685" r:id="rId7"/>
+    <p:sldLayoutId id="2147483686" r:id="rId8"/>
+    <p:sldLayoutId id="2147483687" r:id="rId9"/>
+    <p:sldLayoutId id="2147483688" r:id="rId10"/>
+    <p:sldLayoutId id="2147483689" r:id="rId11"/>
+  </p:sldLayoutIdLst>
+  <p:txStyles>
+    <p:titleStyle>
+      <a:lvl1pPr algn="ctr" defTabSz="914377" rtl="0" eaLnBrk="1" latinLnBrk="0" hangingPunct="1">
+        <a:spcBef>
+          <a:spcPct val="0"/>
+        </a:spcBef>
+        <a:buNone/>
+        <a:defRPr sz="4400" kern="1200">
+          <a:solidFill>
+            <a:schemeClr val="tx1"/>
+          </a:solidFill>
+          <a:latin typeface="+mj-lt"/>
+          <a:ea typeface="+mj-ea"/>
+          <a:cs typeface="+mj-cs"/>
+        </a:defRPr>
+      </a:lvl1pPr>
+    </p:titleStyle>
+    <p:bodyStyle>
+      <a:lvl1pPr marL="342891" indent="-342891" algn="l" defTabSz="914377" rtl="0" eaLnBrk="1" latinLnBrk="0" hangingPunct="1">
+        <a:spcBef>
+          <a:spcPct val="20000"/>
+        </a:spcBef>
+        <a:buFont typeface="Arial" pitchFamily="34" charset="0"/>
+        <a:buChar char="•"/>
+        <a:defRPr sz="3200" kern="1200">
+          <a:solidFill>
+            <a:schemeClr val="tx1"/>
+          </a:solidFill>
+          <a:latin typeface="+mn-lt"/>
+          <a:ea typeface="+mn-ea"/>
+          <a:cs typeface="+mn-cs"/>
+        </a:defRPr>
+      </a:lvl1pPr>
+      <a:lvl2pPr marL="742932" indent="-285744" algn="l" defTabSz="914377" rtl="0" eaLnBrk="1" latinLnBrk="0" hangingPunct="1">
+        <a:spcBef>
+          <a:spcPct val="20000"/>
+        </a:spcBef>
+        <a:buFont typeface="Arial" pitchFamily="34" charset="0"/>
+        <a:buChar char="–"/>
+        <a:defRPr sz="2800" kern="1200">
+          <a:solidFill>
+            <a:schemeClr val="tx1"/>
+          </a:solidFill>
+          <a:latin typeface="+mn-lt"/>
+          <a:ea typeface="+mn-ea"/>
+          <a:cs typeface="+mn-cs"/>
+        </a:defRPr>
+      </a:lvl2pPr>
+      <a:lvl3pPr marL="1142971" indent="-228594" algn="l" defTabSz="914377" rtl="0" eaLnBrk="1" latinLnBrk="0" hangingPunct="1">
+        <a:spcBef>
+          <a:spcPct val="20000"/>
+        </a:spcBef>
+        <a:buFont typeface="Arial" pitchFamily="34" charset="0"/>
+        <a:buChar char="•"/>
+        <a:defRPr sz="2400" kern="1200">
+          <a:solidFill>
+            <a:schemeClr val="tx1"/>
+          </a:solidFill>
+          <a:latin typeface="+mn-lt"/>
+          <a:ea typeface="+mn-ea"/>
+          <a:cs typeface="+mn-cs"/>
+        </a:defRPr>
+      </a:lvl3pPr>
+      <a:lvl4pPr marL="1600160" indent="-228594" algn="l" defTabSz="914377" rtl="0" eaLnBrk="1" latinLnBrk="0" hangingPunct="1">
+        <a:spcBef>
+          <a:spcPct val="20000"/>
+        </a:spcBef>
+        <a:buFont typeface="Arial" pitchFamily="34" charset="0"/>
+        <a:buChar char="–"/>
+        <a:defRPr sz="2000" kern="1200">
+          <a:solidFill>
+            <a:schemeClr val="tx1"/>
+          </a:solidFill>
+          <a:latin typeface="+mn-lt"/>
+          <a:ea typeface="+mn-ea"/>
+          <a:cs typeface="+mn-cs"/>
+        </a:defRPr>
+      </a:lvl4pPr>
+      <a:lvl5pPr marL="2057349" indent="-228594" algn="l" defTabSz="914377" rtl="0" eaLnBrk="1" latinLnBrk="0" hangingPunct="1">
+        <a:spcBef>
+          <a:spcPct val="20000"/>
+        </a:spcBef>
+        <a:buFont typeface="Arial" pitchFamily="34" charset="0"/>
+        <a:buChar char="»"/>
+        <a:defRPr sz="2000" kern="1200">
+          <a:solidFill>
+            <a:schemeClr val="tx1"/>
+          </a:solidFill>
+          <a:latin typeface="+mn-lt"/>
+          <a:ea typeface="+mn-ea"/>
+          <a:cs typeface="+mn-cs"/>
+        </a:defRPr>
+      </a:lvl5pPr>
+      <a:lvl6pPr marL="2514537" indent="-228594" algn="l" defTabSz="914377" rtl="0" eaLnBrk="1" latinLnBrk="0" hangingPunct="1">
+        <a:spcBef>
+          <a:spcPct val="20000"/>
+        </a:spcBef>
+        <a:buFont typeface="Arial" pitchFamily="34" charset="0"/>
+        <a:buChar char="•"/>
+        <a:defRPr sz="2000" kern="1200">
+          <a:solidFill>
+            <a:schemeClr val="tx1"/>
+          </a:solidFill>
+          <a:latin typeface="+mn-lt"/>
+          <a:ea typeface="+mn-ea"/>
+          <a:cs typeface="+mn-cs"/>
+        </a:defRPr>
+      </a:lvl6pPr>
+      <a:lvl7pPr marL="2971726" indent="-228594" algn="l" defTabSz="914377" rtl="0" eaLnBrk="1" latinLnBrk="0" hangingPunct="1">
+        <a:spcBef>
+          <a:spcPct val="20000"/>
+        </a:spcBef>
+        <a:buFont typeface="Arial" pitchFamily="34" charset="0"/>
+        <a:buChar char="•"/>
+        <a:defRPr sz="2000" kern="1200">
+          <a:solidFill>
+            <a:schemeClr val="tx1"/>
+          </a:solidFill>
+          <a:latin typeface="+mn-lt"/>
+          <a:ea typeface="+mn-ea"/>
+          <a:cs typeface="+mn-cs"/>
+        </a:defRPr>
+      </a:lvl7pPr>
+      <a:lvl8pPr marL="3428914" indent="-228594" algn="l" defTabSz="914377" rtl="0" eaLnBrk="1" latinLnBrk="0" hangingPunct="1">
+        <a:spcBef>
+          <a:spcPct val="20000"/>
+        </a:spcBef>
+        <a:buFont typeface="Arial" pitchFamily="34" charset="0"/>
+        <a:buChar char="•"/>
+        <a:defRPr sz="2000" kern="1200">
+          <a:solidFill>
+            <a:schemeClr val="tx1"/>
+          </a:solidFill>
+          <a:latin typeface="+mn-lt"/>
+          <a:ea typeface="+mn-ea"/>
+          <a:cs typeface="+mn-cs"/>
+        </a:defRPr>
+      </a:lvl8pPr>
+      <a:lvl9pPr marL="3886103" indent="-228594" algn="l" defTabSz="914377" rtl="0" eaLnBrk="1" latinLnBrk="0" hangingPunct="1">
+        <a:spcBef>
+          <a:spcPct val="20000"/>
+        </a:spcBef>
+        <a:buFont typeface="Arial" pitchFamily="34" charset="0"/>
+        <a:buChar char="•"/>
+        <a:defRPr sz="2000" kern="1200">
+          <a:solidFill>
+            <a:schemeClr val="tx1"/>
+          </a:solidFill>
+          <a:latin typeface="+mn-lt"/>
+          <a:ea typeface="+mn-ea"/>
+          <a:cs typeface="+mn-cs"/>
+        </a:defRPr>
+      </a:lvl9pPr>
+    </p:bodyStyle>
+    <p:otherStyle>
+      <a:defPPr>
+        <a:defRPr lang="en-US"/>
+      </a:defPPr>
+      <a:lvl1pPr marL="0" algn="l" defTabSz="914377" rtl="0" eaLnBrk="1" latinLnBrk="0" hangingPunct="1">
+        <a:defRPr sz="1800" kern="1200">
+          <a:solidFill>
+            <a:schemeClr val="tx1"/>
+          </a:solidFill>
+          <a:latin typeface="+mn-lt"/>
+          <a:ea typeface="+mn-ea"/>
+          <a:cs typeface="+mn-cs"/>
+        </a:defRPr>
+      </a:lvl1pPr>
+      <a:lvl2pPr marL="457189" algn="l" defTabSz="914377" rtl="0" eaLnBrk="1" latinLnBrk="0" hangingPunct="1">
+        <a:defRPr sz="1800" kern="1200">
+          <a:solidFill>
+            <a:schemeClr val="tx1"/>
+          </a:solidFill>
+          <a:latin typeface="+mn-lt"/>
+          <a:ea typeface="+mn-ea"/>
+          <a:cs typeface="+mn-cs"/>
+        </a:defRPr>
+      </a:lvl2pPr>
+      <a:lvl3pPr marL="914377" algn="l" defTabSz="914377" rtl="0" eaLnBrk="1" latinLnBrk="0" hangingPunct="1">
+        <a:defRPr sz="1800" kern="1200">
+          <a:solidFill>
+            <a:schemeClr val="tx1"/>
+          </a:solidFill>
+          <a:latin typeface="+mn-lt"/>
+          <a:ea typeface="+mn-ea"/>
+          <a:cs typeface="+mn-cs"/>
+        </a:defRPr>
+      </a:lvl3pPr>
+      <a:lvl4pPr marL="1371566" algn="l" defTabSz="914377" rtl="0" eaLnBrk="1" latinLnBrk="0" hangingPunct="1">
+        <a:defRPr sz="1800" kern="1200">
+          <a:solidFill>
+            <a:schemeClr val="tx1"/>
+          </a:solidFill>
+          <a:latin typeface="+mn-lt"/>
+          <a:ea typeface="+mn-ea"/>
+          <a:cs typeface="+mn-cs"/>
+        </a:defRPr>
+      </a:lvl4pPr>
+      <a:lvl5pPr marL="1828754" algn="l" defTabSz="914377" rtl="0" eaLnBrk="1" latinLnBrk="0" hangingPunct="1">
+        <a:defRPr sz="1800" kern="1200">
+          <a:solidFill>
+            <a:schemeClr val="tx1"/>
+          </a:solidFill>
+          <a:latin typeface="+mn-lt"/>
+          <a:ea typeface="+mn-ea"/>
+          <a:cs typeface="+mn-cs"/>
+        </a:defRPr>
+      </a:lvl5pPr>
+      <a:lvl6pPr marL="2285943" algn="l" defTabSz="914377" rtl="0" eaLnBrk="1" latinLnBrk="0" hangingPunct="1">
+        <a:defRPr sz="1800" kern="1200">
+          <a:solidFill>
+            <a:schemeClr val="tx1"/>
+          </a:solidFill>
+          <a:latin typeface="+mn-lt"/>
+          <a:ea typeface="+mn-ea"/>
+          <a:cs typeface="+mn-cs"/>
+        </a:defRPr>
+      </a:lvl6pPr>
+      <a:lvl7pPr marL="2743131" algn="l" defTabSz="914377" rtl="0" eaLnBrk="1" latinLnBrk="0" hangingPunct="1">
+        <a:defRPr sz="1800" kern="1200">
+          <a:solidFill>
+            <a:schemeClr val="tx1"/>
+          </a:solidFill>
+          <a:latin typeface="+mn-lt"/>
+          <a:ea typeface="+mn-ea"/>
+          <a:cs typeface="+mn-cs"/>
+        </a:defRPr>
+      </a:lvl7pPr>
+      <a:lvl8pPr marL="3200320" algn="l" defTabSz="914377" rtl="0" eaLnBrk="1" latinLnBrk="0" hangingPunct="1">
+        <a:defRPr sz="1800" kern="1200">
+          <a:solidFill>
+            <a:schemeClr val="tx1"/>
+          </a:solidFill>
+          <a:latin typeface="+mn-lt"/>
+          <a:ea typeface="+mn-ea"/>
+          <a:cs typeface="+mn-cs"/>
+        </a:defRPr>
+      </a:lvl8pPr>
+      <a:lvl9pPr marL="3657509" algn="l" defTabSz="914377" rtl="0" eaLnBrk="1" latinLnBrk="0" hangingPunct="1">
+        <a:defRPr sz="1800" kern="1200">
+          <a:solidFill>
+            <a:schemeClr val="tx1"/>
+          </a:solidFill>
+          <a:latin typeface="+mn-lt"/>
+          <a:ea typeface="+mn-ea"/>
+          <a:cs typeface="+mn-cs"/>
+        </a:defRPr>
+      </a:lvl9pPr>
+    </p:otherStyle>
+  </p:txStyles>
+</p:sldMaster>
+</file>
+
 <file path=ppt/slides/slide1.xml><?xml version="1.0" encoding="utf-8"?>
 <p:sld xmlns:a="http://schemas.openxmlformats.org/drawingml/2006/main" xmlns:r="http://schemas.openxmlformats.org/officeDocument/2006/relationships" xmlns:p="http://schemas.openxmlformats.org/presentationml/2006/main">
   <p:cSld>
@@ -7010,7 +10489,7 @@
             </a:br>
             <a:r>
               <a:rPr lang="en-US" dirty="0"/>
-              <a:t>Using</a:t>
+              <a:t>Declaration</a:t>
             </a:r>
           </a:p>
         </p:txBody>
@@ -7027,7 +10506,9 @@
         </p:nvSpPr>
         <p:spPr/>
         <p:txBody>
-          <a:bodyPr/>
+          <a:bodyPr>
+            <a:normAutofit fontScale="92500" lnSpcReduction="20000"/>
+          </a:bodyPr>
           <a:lstStyle/>
           <a:p>
             <a:pPr marL="0" indent="0">
@@ -7041,46 +10522,19 @@
                 <a:latin typeface="Consolas" panose="020B0609020204030204" pitchFamily="49" charset="0"/>
                 <a:cs typeface="Consolas" panose="020B0609020204030204" pitchFamily="49" charset="0"/>
               </a:rPr>
-              <a:t>public static void </a:t>
-            </a:r>
-            <a:r>
-              <a:rPr lang="en-US" dirty="0">
-                <a:latin typeface="Consolas" panose="020B0609020204030204" pitchFamily="49" charset="0"/>
-                <a:cs typeface="Consolas" panose="020B0609020204030204" pitchFamily="49" charset="0"/>
-              </a:rPr>
-              <a:t>Main(</a:t>
-            </a:r>
-            <a:r>
-              <a:rPr lang="en-US" dirty="0">
-                <a:solidFill>
-                  <a:srgbClr val="0000FF"/>
-                </a:solidFill>
-                <a:latin typeface="Consolas" panose="020B0609020204030204" pitchFamily="49" charset="0"/>
-                <a:cs typeface="Consolas" panose="020B0609020204030204" pitchFamily="49" charset="0"/>
-              </a:rPr>
-              <a:t>string</a:t>
-            </a:r>
-            <a:r>
-              <a:rPr lang="en-US" dirty="0">
-                <a:latin typeface="Consolas" panose="020B0609020204030204" pitchFamily="49" charset="0"/>
-                <a:cs typeface="Consolas" panose="020B0609020204030204" pitchFamily="49" charset="0"/>
-              </a:rPr>
-              <a:t>[] </a:t>
+              <a:t>public static class </a:t>
             </a:r>
             <a:r>
               <a:rPr lang="en-US" dirty="0" err="1">
                 <a:latin typeface="Consolas" panose="020B0609020204030204" pitchFamily="49" charset="0"/>
                 <a:cs typeface="Consolas" panose="020B0609020204030204" pitchFamily="49" charset="0"/>
               </a:rPr>
-              <a:t>args</a:t>
-            </a:r>
-            <a:r>
-              <a:rPr lang="en-US" dirty="0">
-                <a:latin typeface="Consolas" panose="020B0609020204030204" pitchFamily="49" charset="0"/>
-                <a:cs typeface="Consolas" panose="020B0609020204030204" pitchFamily="49" charset="0"/>
-              </a:rPr>
-              <a:t>)</a:t>
-            </a:r>
+              <a:t>ExtensionMethods</a:t>
+            </a:r>
+            <a:endParaRPr lang="en-US" dirty="0">
+              <a:latin typeface="Consolas" panose="020B0609020204030204" pitchFamily="49" charset="0"/>
+              <a:cs typeface="Consolas" panose="020B0609020204030204" pitchFamily="49" charset="0"/>
+            </a:endParaRPr>
           </a:p>
           <a:p>
             <a:pPr marL="0" indent="0">
@@ -7113,28 +10567,51 @@
                 <a:latin typeface="Consolas" panose="020B0609020204030204" pitchFamily="49" charset="0"/>
                 <a:cs typeface="Consolas" panose="020B0609020204030204" pitchFamily="49" charset="0"/>
               </a:rPr>
-              <a:t>string </a:t>
+              <a:t>public static string</a:t>
+            </a:r>
+            <a:r>
+              <a:rPr lang="en-US" dirty="0">
+                <a:solidFill>
+                  <a:schemeClr val="accent3"/>
+                </a:solidFill>
+                <a:latin typeface="Consolas" panose="020B0609020204030204" pitchFamily="49" charset="0"/>
+                <a:cs typeface="Consolas" panose="020B0609020204030204" pitchFamily="49" charset="0"/>
+              </a:rPr>
+              <a:t> </a:t>
             </a:r>
             <a:r>
               <a:rPr lang="en-US" dirty="0">
                 <a:latin typeface="Consolas" panose="020B0609020204030204" pitchFamily="49" charset="0"/>
                 <a:cs typeface="Consolas" panose="020B0609020204030204" pitchFamily="49" charset="0"/>
               </a:rPr>
-              <a:t>text = “ </a:t>
-            </a:r>
-            <a:r>
-              <a:rPr lang="en-US" dirty="0" smtClean="0">
+              <a:t>Parse(</a:t>
+            </a:r>
+            <a:r>
+              <a:rPr lang="en-US" dirty="0">
+                <a:solidFill>
+                  <a:srgbClr val="0000FF"/>
+                </a:solidFill>
                 <a:latin typeface="Consolas" panose="020B0609020204030204" pitchFamily="49" charset="0"/>
                 <a:cs typeface="Consolas" panose="020B0609020204030204" pitchFamily="49" charset="0"/>
               </a:rPr>
-              <a:t>some text  </a:t>
+              <a:t>this string</a:t>
+            </a:r>
+            <a:r>
+              <a:rPr lang="en-US" dirty="0">
+                <a:solidFill>
+                  <a:schemeClr val="accent3"/>
+                </a:solidFill>
+                <a:latin typeface="Consolas" panose="020B0609020204030204" pitchFamily="49" charset="0"/>
+                <a:cs typeface="Consolas" panose="020B0609020204030204" pitchFamily="49" charset="0"/>
+              </a:rPr>
+              <a:t> </a:t>
             </a:r>
             <a:r>
               <a:rPr lang="en-US" dirty="0">
                 <a:latin typeface="Consolas" panose="020B0609020204030204" pitchFamily="49" charset="0"/>
                 <a:cs typeface="Consolas" panose="020B0609020204030204" pitchFamily="49" charset="0"/>
               </a:rPr>
-              <a:t>“;</a:t>
+              <a:t>text)</a:t>
             </a:r>
           </a:p>
           <a:p>
@@ -7146,14 +10623,50 @@
                 <a:latin typeface="Consolas" panose="020B0609020204030204" pitchFamily="49" charset="0"/>
                 <a:cs typeface="Consolas" panose="020B0609020204030204" pitchFamily="49" charset="0"/>
               </a:rPr>
-              <a:t>	text = </a:t>
+              <a:t>	{</a:t>
+            </a:r>
+          </a:p>
+          <a:p>
+            <a:pPr marL="0" indent="0">
+              <a:buNone/>
+            </a:pPr>
+            <a:r>
+              <a:rPr lang="en-US" dirty="0">
+                <a:latin typeface="Consolas" panose="020B0609020204030204" pitchFamily="49" charset="0"/>
+                <a:cs typeface="Consolas" panose="020B0609020204030204" pitchFamily="49" charset="0"/>
+              </a:rPr>
+              <a:t>		</a:t>
+            </a:r>
+            <a:r>
+              <a:rPr lang="en-US" dirty="0">
+                <a:solidFill>
+                  <a:srgbClr val="0000FF"/>
+                </a:solidFill>
+                <a:latin typeface="Consolas" panose="020B0609020204030204" pitchFamily="49" charset="0"/>
+                <a:cs typeface="Consolas" panose="020B0609020204030204" pitchFamily="49" charset="0"/>
+              </a:rPr>
+              <a:t>return </a:t>
             </a:r>
             <a:r>
               <a:rPr lang="en-US" dirty="0" err="1">
                 <a:latin typeface="Consolas" panose="020B0609020204030204" pitchFamily="49" charset="0"/>
                 <a:cs typeface="Consolas" panose="020B0609020204030204" pitchFamily="49" charset="0"/>
               </a:rPr>
-              <a:t>text.Parse</a:t>
+              <a:t>text.Trim</a:t>
+            </a:r>
+            <a:r>
+              <a:rPr lang="en-US" dirty="0">
+                <a:latin typeface="Consolas" panose="020B0609020204030204" pitchFamily="49" charset="0"/>
+                <a:cs typeface="Consolas" panose="020B0609020204030204" pitchFamily="49" charset="0"/>
+              </a:rPr>
+              <a:t>().</a:t>
+            </a:r>
+            <a:r>
+              <a:rPr lang="en-US" dirty="0" err="1">
+                <a:latin typeface="Consolas" panose="020B0609020204030204" pitchFamily="49" charset="0"/>
+                <a:cs typeface="Consolas" panose="020B0609020204030204" pitchFamily="49" charset="0"/>
+              </a:rPr>
+              <a:t>ToUpper</a:t>
             </a:r>
             <a:r>
               <a:rPr lang="en-US" dirty="0">
@@ -7172,6 +10685,18 @@
                 <a:latin typeface="Consolas" panose="020B0609020204030204" pitchFamily="49" charset="0"/>
                 <a:cs typeface="Consolas" panose="020B0609020204030204" pitchFamily="49" charset="0"/>
               </a:rPr>
+              <a:t>	}</a:t>
+            </a:r>
+          </a:p>
+          <a:p>
+            <a:pPr marL="0" indent="0">
+              <a:buNone/>
+            </a:pPr>
+            <a:r>
+              <a:rPr lang="en-US" dirty="0">
+                <a:latin typeface="Consolas" panose="020B0609020204030204" pitchFamily="49" charset="0"/>
+                <a:cs typeface="Consolas" panose="020B0609020204030204" pitchFamily="49" charset="0"/>
+              </a:rPr>
               <a:t>}</a:t>
             </a:r>
           </a:p>
@@ -7183,7 +10708,7 @@
     </p:spTree>
     <p:extLst>
       <p:ext uri="{BB962C8B-B14F-4D97-AF65-F5344CB8AC3E}">
-        <p14:creationId xmlns:p14="http://schemas.microsoft.com/office/powerpoint/2010/main" val="4255295632"/>
+        <p14:creationId xmlns:p14="http://schemas.microsoft.com/office/powerpoint/2010/main" val="2369950507"/>
       </p:ext>
     </p:extLst>
   </p:cSld>
@@ -7234,7 +10759,14 @@
           <a:p>
             <a:r>
               <a:rPr lang="en-US" dirty="0"/>
-              <a:t>Delegate</a:t>
+              <a:t>Extension Method Example</a:t>
+            </a:r>
+            <a:br>
+              <a:rPr lang="en-US" dirty="0"/>
+            </a:br>
+            <a:r>
+              <a:rPr lang="en-US" dirty="0"/>
+              <a:t>Using</a:t>
             </a:r>
           </a:p>
         </p:txBody>
@@ -7254,137 +10786,152 @@
           <a:bodyPr/>
           <a:lstStyle/>
           <a:p>
-            <a:r>
-              <a:rPr lang="en-US" dirty="0" smtClean="0"/>
-              <a:t>Allow you dynamically wire up a method caller to a target method</a:t>
-            </a:r>
-          </a:p>
-          <a:p>
-            <a:r>
-              <a:rPr lang="en-US" dirty="0" smtClean="0"/>
-              <a:t>I think of delegates as handles to a method</a:t>
-            </a:r>
-          </a:p>
-          <a:p>
+            <a:pPr marL="0" indent="0">
+              <a:buNone/>
+            </a:pPr>
+            <a:r>
+              <a:rPr lang="en-US" dirty="0">
+                <a:solidFill>
+                  <a:srgbClr val="0000FF"/>
+                </a:solidFill>
+                <a:latin typeface="Consolas" panose="020B0609020204030204" pitchFamily="49" charset="0"/>
+                <a:cs typeface="Consolas" panose="020B0609020204030204" pitchFamily="49" charset="0"/>
+              </a:rPr>
+              <a:t>public static void </a:t>
+            </a:r>
+            <a:r>
+              <a:rPr lang="en-US" dirty="0">
+                <a:latin typeface="Consolas" panose="020B0609020204030204" pitchFamily="49" charset="0"/>
+                <a:cs typeface="Consolas" panose="020B0609020204030204" pitchFamily="49" charset="0"/>
+              </a:rPr>
+              <a:t>Main(</a:t>
+            </a:r>
+            <a:r>
+              <a:rPr lang="en-US" dirty="0">
+                <a:solidFill>
+                  <a:srgbClr val="0000FF"/>
+                </a:solidFill>
+                <a:latin typeface="Consolas" panose="020B0609020204030204" pitchFamily="49" charset="0"/>
+                <a:cs typeface="Consolas" panose="020B0609020204030204" pitchFamily="49" charset="0"/>
+              </a:rPr>
+              <a:t>string</a:t>
+            </a:r>
+            <a:r>
+              <a:rPr lang="en-US" dirty="0">
+                <a:latin typeface="Consolas" panose="020B0609020204030204" pitchFamily="49" charset="0"/>
+                <a:cs typeface="Consolas" panose="020B0609020204030204" pitchFamily="49" charset="0"/>
+              </a:rPr>
+              <a:t>[] </a:t>
+            </a:r>
+            <a:r>
+              <a:rPr lang="en-US" dirty="0" err="1">
+                <a:latin typeface="Consolas" panose="020B0609020204030204" pitchFamily="49" charset="0"/>
+                <a:cs typeface="Consolas" panose="020B0609020204030204" pitchFamily="49" charset="0"/>
+              </a:rPr>
+              <a:t>args</a:t>
+            </a:r>
+            <a:r>
+              <a:rPr lang="en-US" dirty="0">
+                <a:latin typeface="Consolas" panose="020B0609020204030204" pitchFamily="49" charset="0"/>
+                <a:cs typeface="Consolas" panose="020B0609020204030204" pitchFamily="49" charset="0"/>
+              </a:rPr>
+              <a:t>)</a:t>
+            </a:r>
+          </a:p>
+          <a:p>
+            <a:pPr marL="0" indent="0">
+              <a:buNone/>
+            </a:pPr>
+            <a:r>
+              <a:rPr lang="en-US" dirty="0">
+                <a:latin typeface="Consolas" panose="020B0609020204030204" pitchFamily="49" charset="0"/>
+                <a:cs typeface="Consolas" panose="020B0609020204030204" pitchFamily="49" charset="0"/>
+              </a:rPr>
+              <a:t>{</a:t>
+            </a:r>
+          </a:p>
+          <a:p>
+            <a:pPr marL="0" indent="0">
+              <a:buNone/>
+            </a:pPr>
+            <a:r>
+              <a:rPr lang="en-US" dirty="0">
+                <a:latin typeface="Consolas" panose="020B0609020204030204" pitchFamily="49" charset="0"/>
+                <a:cs typeface="Consolas" panose="020B0609020204030204" pitchFamily="49" charset="0"/>
+              </a:rPr>
+              <a:t>	</a:t>
+            </a:r>
+            <a:r>
+              <a:rPr lang="en-US" dirty="0">
+                <a:solidFill>
+                  <a:srgbClr val="0000FF"/>
+                </a:solidFill>
+                <a:latin typeface="Consolas" panose="020B0609020204030204" pitchFamily="49" charset="0"/>
+                <a:cs typeface="Consolas" panose="020B0609020204030204" pitchFamily="49" charset="0"/>
+              </a:rPr>
+              <a:t>string </a:t>
+            </a:r>
+            <a:r>
+              <a:rPr lang="en-US" dirty="0">
+                <a:latin typeface="Consolas" panose="020B0609020204030204" pitchFamily="49" charset="0"/>
+                <a:cs typeface="Consolas" panose="020B0609020204030204" pitchFamily="49" charset="0"/>
+              </a:rPr>
+              <a:t>text = “ </a:t>
+            </a:r>
             <a:r>
               <a:rPr lang="en-US" dirty="0" smtClean="0">
-                <a:solidFill>
-                  <a:srgbClr val="0000FF"/>
-                </a:solidFill>
+                <a:latin typeface="Consolas" panose="020B0609020204030204" pitchFamily="49" charset="0"/>
+                <a:cs typeface="Consolas" panose="020B0609020204030204" pitchFamily="49" charset="0"/>
               </a:rPr>
-              <a:t>private</a:t>
-            </a:r>
-            <a:r>
-              <a:rPr lang="en-US" dirty="0" smtClean="0"/>
-              <a:t> </a:t>
+              <a:t>some text  </a:t>
             </a:r>
             <a:r>
               <a:rPr lang="en-US" dirty="0">
-                <a:solidFill>
-                  <a:srgbClr val="0000FF"/>
-                </a:solidFill>
+                <a:latin typeface="Consolas" panose="020B0609020204030204" pitchFamily="49" charset="0"/>
+                <a:cs typeface="Consolas" panose="020B0609020204030204" pitchFamily="49" charset="0"/>
               </a:rPr>
-              <a:t>delegate int</a:t>
-            </a:r>
-            <a:r>
-              <a:rPr lang="en-US" dirty="0"/>
-              <a:t> </a:t>
-            </a:r>
-            <a:r>
-              <a:rPr lang="en-US" dirty="0" err="1" smtClean="0">
-                <a:solidFill>
-                  <a:srgbClr val="2B91B1"/>
-                </a:solidFill>
+              <a:t>“;</a:t>
+            </a:r>
+          </a:p>
+          <a:p>
+            <a:pPr marL="0" indent="0">
+              <a:buNone/>
+            </a:pPr>
+            <a:r>
+              <a:rPr lang="en-US" dirty="0">
+                <a:latin typeface="Consolas" panose="020B0609020204030204" pitchFamily="49" charset="0"/>
+                <a:cs typeface="Consolas" panose="020B0609020204030204" pitchFamily="49" charset="0"/>
               </a:rPr>
-              <a:t>MyDelegate</a:t>
-            </a:r>
-            <a:r>
-              <a:rPr lang="en-US" dirty="0" smtClean="0">
-                <a:solidFill>
-                  <a:srgbClr val="2B91B1"/>
-                </a:solidFill>
+              <a:t>	text = </a:t>
+            </a:r>
+            <a:r>
+              <a:rPr lang="en-US" dirty="0" err="1">
+                <a:latin typeface="Consolas" panose="020B0609020204030204" pitchFamily="49" charset="0"/>
+                <a:cs typeface="Consolas" panose="020B0609020204030204" pitchFamily="49" charset="0"/>
               </a:rPr>
-              <a:t> </a:t>
-            </a:r>
-            <a:r>
-              <a:rPr lang="en-US" dirty="0" smtClean="0"/>
-              <a:t>(</a:t>
+              <a:t>text.Parse</a:t>
             </a:r>
             <a:r>
               <a:rPr lang="en-US" dirty="0">
-                <a:solidFill>
-                  <a:srgbClr val="0000FF"/>
-                </a:solidFill>
+                <a:latin typeface="Consolas" panose="020B0609020204030204" pitchFamily="49" charset="0"/>
+                <a:cs typeface="Consolas" panose="020B0609020204030204" pitchFamily="49" charset="0"/>
               </a:rPr>
-              <a:t>int</a:t>
-            </a:r>
-            <a:r>
-              <a:rPr lang="en-US" dirty="0"/>
-              <a:t> x</a:t>
-            </a:r>
-            <a:r>
-              <a:rPr lang="en-US" dirty="0" smtClean="0"/>
-              <a:t>);</a:t>
-            </a:r>
-          </a:p>
-          <a:p>
-            <a:r>
-              <a:rPr lang="en-US" dirty="0" smtClean="0"/>
-              <a:t>Can use generics</a:t>
-            </a:r>
-          </a:p>
-          <a:p>
-            <a:pPr marL="0" lvl="1" indent="0">
+              <a:t>();</a:t>
+            </a:r>
+          </a:p>
+          <a:p>
+            <a:pPr marL="0" indent="0">
               <a:buNone/>
             </a:pPr>
             <a:r>
-              <a:rPr lang="en-US" dirty="0" smtClean="0">
-                <a:solidFill>
-                  <a:srgbClr val="0000FF"/>
-                </a:solidFill>
+              <a:rPr lang="en-US" dirty="0">
+                <a:latin typeface="Consolas" panose="020B0609020204030204" pitchFamily="49" charset="0"/>
+                <a:cs typeface="Consolas" panose="020B0609020204030204" pitchFamily="49" charset="0"/>
               </a:rPr>
-              <a:t>	private</a:t>
-            </a:r>
-            <a:r>
-              <a:rPr lang="en-US" dirty="0" smtClean="0"/>
-              <a:t> </a:t>
-            </a:r>
-            <a:r>
-              <a:rPr lang="en-US" dirty="0">
-                <a:solidFill>
-                  <a:srgbClr val="0000FF"/>
-                </a:solidFill>
-              </a:rPr>
-              <a:t>delegate </a:t>
-            </a:r>
-            <a:r>
-              <a:rPr lang="en-US" dirty="0"/>
-              <a:t>T </a:t>
-            </a:r>
-            <a:r>
-              <a:rPr lang="en-US" dirty="0" err="1">
-                <a:solidFill>
-                  <a:srgbClr val="2B91B1"/>
-                </a:solidFill>
-              </a:rPr>
-              <a:t>MyDelegate</a:t>
-            </a:r>
-            <a:r>
-              <a:rPr lang="en-US" dirty="0">
-                <a:solidFill>
-                  <a:srgbClr val="2B91B1"/>
-                </a:solidFill>
-              </a:rPr>
-              <a:t> </a:t>
-            </a:r>
-            <a:r>
-              <a:rPr lang="en-US" dirty="0"/>
-              <a:t>(T x</a:t>
-            </a:r>
-            <a:r>
-              <a:rPr lang="en-US" dirty="0" smtClean="0"/>
-              <a:t>);</a:t>
-            </a:r>
+              <a:t>}</a:t>
+            </a:r>
+          </a:p>
+          <a:p>
             <a:endParaRPr lang="en-US" dirty="0"/>
           </a:p>
         </p:txBody>
@@ -7392,7 +10939,7 @@
     </p:spTree>
     <p:extLst>
       <p:ext uri="{BB962C8B-B14F-4D97-AF65-F5344CB8AC3E}">
-        <p14:creationId xmlns:p14="http://schemas.microsoft.com/office/powerpoint/2010/main" val="1975131894"/>
+        <p14:creationId xmlns:p14="http://schemas.microsoft.com/office/powerpoint/2010/main" val="4255295632"/>
       </p:ext>
     </p:extLst>
   </p:cSld>
@@ -7428,6 +10975,215 @@
       </p:grpSpPr>
       <p:sp>
         <p:nvSpPr>
+          <p:cNvPr id="2" name="Title 1"/>
+          <p:cNvSpPr>
+            <a:spLocks noGrp="1"/>
+          </p:cNvSpPr>
+          <p:nvPr>
+            <p:ph type="title"/>
+          </p:nvPr>
+        </p:nvSpPr>
+        <p:spPr/>
+        <p:txBody>
+          <a:bodyPr/>
+          <a:lstStyle/>
+          <a:p>
+            <a:r>
+              <a:rPr lang="en-US" dirty="0"/>
+              <a:t>Delegate</a:t>
+            </a:r>
+          </a:p>
+        </p:txBody>
+      </p:sp>
+      <p:sp>
+        <p:nvSpPr>
+          <p:cNvPr id="3" name="Content Placeholder 2"/>
+          <p:cNvSpPr>
+            <a:spLocks noGrp="1"/>
+          </p:cNvSpPr>
+          <p:nvPr>
+            <p:ph idx="1"/>
+          </p:nvPr>
+        </p:nvSpPr>
+        <p:spPr/>
+        <p:txBody>
+          <a:bodyPr/>
+          <a:lstStyle/>
+          <a:p>
+            <a:r>
+              <a:rPr lang="en-US" dirty="0" smtClean="0"/>
+              <a:t>Allow you dynamically wire up a method caller to a target method</a:t>
+            </a:r>
+          </a:p>
+          <a:p>
+            <a:r>
+              <a:rPr lang="en-US" dirty="0" smtClean="0"/>
+              <a:t>I think of delegates as handles to a method</a:t>
+            </a:r>
+          </a:p>
+          <a:p>
+            <a:r>
+              <a:rPr lang="en-US" dirty="0" smtClean="0">
+                <a:solidFill>
+                  <a:srgbClr val="0000FF"/>
+                </a:solidFill>
+              </a:rPr>
+              <a:t>private</a:t>
+            </a:r>
+            <a:r>
+              <a:rPr lang="en-US" dirty="0" smtClean="0"/>
+              <a:t> </a:t>
+            </a:r>
+            <a:r>
+              <a:rPr lang="en-US" dirty="0">
+                <a:solidFill>
+                  <a:srgbClr val="0000FF"/>
+                </a:solidFill>
+              </a:rPr>
+              <a:t>delegate int</a:t>
+            </a:r>
+            <a:r>
+              <a:rPr lang="en-US" dirty="0"/>
+              <a:t> </a:t>
+            </a:r>
+            <a:r>
+              <a:rPr lang="en-US" dirty="0" err="1" smtClean="0">
+                <a:solidFill>
+                  <a:srgbClr val="2B91B1"/>
+                </a:solidFill>
+              </a:rPr>
+              <a:t>MyDelegate</a:t>
+            </a:r>
+            <a:r>
+              <a:rPr lang="en-US" dirty="0" smtClean="0">
+                <a:solidFill>
+                  <a:srgbClr val="2B91B1"/>
+                </a:solidFill>
+              </a:rPr>
+              <a:t> </a:t>
+            </a:r>
+            <a:r>
+              <a:rPr lang="en-US" dirty="0" smtClean="0"/>
+              <a:t>(</a:t>
+            </a:r>
+            <a:r>
+              <a:rPr lang="en-US" dirty="0">
+                <a:solidFill>
+                  <a:srgbClr val="0000FF"/>
+                </a:solidFill>
+              </a:rPr>
+              <a:t>int</a:t>
+            </a:r>
+            <a:r>
+              <a:rPr lang="en-US" dirty="0"/>
+              <a:t> x</a:t>
+            </a:r>
+            <a:r>
+              <a:rPr lang="en-US" dirty="0" smtClean="0"/>
+              <a:t>);</a:t>
+            </a:r>
+          </a:p>
+          <a:p>
+            <a:r>
+              <a:rPr lang="en-US" dirty="0" smtClean="0"/>
+              <a:t>Can use generics</a:t>
+            </a:r>
+          </a:p>
+          <a:p>
+            <a:pPr marL="0" lvl="1" indent="0">
+              <a:buNone/>
+            </a:pPr>
+            <a:r>
+              <a:rPr lang="en-US" dirty="0" smtClean="0">
+                <a:solidFill>
+                  <a:srgbClr val="0000FF"/>
+                </a:solidFill>
+              </a:rPr>
+              <a:t>	private</a:t>
+            </a:r>
+            <a:r>
+              <a:rPr lang="en-US" dirty="0" smtClean="0"/>
+              <a:t> </a:t>
+            </a:r>
+            <a:r>
+              <a:rPr lang="en-US" dirty="0">
+                <a:solidFill>
+                  <a:srgbClr val="0000FF"/>
+                </a:solidFill>
+              </a:rPr>
+              <a:t>delegate </a:t>
+            </a:r>
+            <a:r>
+              <a:rPr lang="en-US" dirty="0"/>
+              <a:t>T </a:t>
+            </a:r>
+            <a:r>
+              <a:rPr lang="en-US" dirty="0" err="1">
+                <a:solidFill>
+                  <a:srgbClr val="2B91B1"/>
+                </a:solidFill>
+              </a:rPr>
+              <a:t>MyDelegate</a:t>
+            </a:r>
+            <a:r>
+              <a:rPr lang="en-US" dirty="0">
+                <a:solidFill>
+                  <a:srgbClr val="2B91B1"/>
+                </a:solidFill>
+              </a:rPr>
+              <a:t> </a:t>
+            </a:r>
+            <a:r>
+              <a:rPr lang="en-US" dirty="0"/>
+              <a:t>(T x</a:t>
+            </a:r>
+            <a:r>
+              <a:rPr lang="en-US" dirty="0" smtClean="0"/>
+              <a:t>);</a:t>
+            </a:r>
+            <a:endParaRPr lang="en-US" dirty="0"/>
+          </a:p>
+        </p:txBody>
+      </p:sp>
+    </p:spTree>
+    <p:extLst>
+      <p:ext uri="{BB962C8B-B14F-4D97-AF65-F5344CB8AC3E}">
+        <p14:creationId xmlns:p14="http://schemas.microsoft.com/office/powerpoint/2010/main" val="1975131894"/>
+      </p:ext>
+    </p:extLst>
+  </p:cSld>
+  <p:clrMapOvr>
+    <a:masterClrMapping/>
+  </p:clrMapOvr>
+  <p:timing>
+    <p:tnLst>
+      <p:par>
+        <p:cTn id="1" dur="indefinite" restart="never" nodeType="tmRoot"/>
+      </p:par>
+    </p:tnLst>
+  </p:timing>
+</p:sld>
+</file>
+
+<file path=ppt/slides/slide13.xml><?xml version="1.0" encoding="utf-8"?>
+<p:sld xmlns:a="http://schemas.openxmlformats.org/drawingml/2006/main" xmlns:r="http://schemas.openxmlformats.org/officeDocument/2006/relationships" xmlns:p="http://schemas.openxmlformats.org/presentationml/2006/main">
+  <p:cSld>
+    <p:spTree>
+      <p:nvGrpSpPr>
+        <p:cNvPr id="1" name=""/>
+        <p:cNvGrpSpPr/>
+        <p:nvPr/>
+      </p:nvGrpSpPr>
+      <p:grpSpPr>
+        <a:xfrm>
+          <a:off x="0" y="0"/>
+          <a:ext cx="0" cy="0"/>
+          <a:chOff x="0" y="0"/>
+          <a:chExt cx="0" cy="0"/>
+        </a:xfrm>
+      </p:grpSpPr>
+      <p:sp>
+        <p:nvSpPr>
           <p:cNvPr id="3" name="Content Placeholder 2"/>
           <p:cNvSpPr>
             <a:spLocks noGrp="1"/>
@@ -7474,7 +11230,7 @@
 </p:sld>
 </file>
 
-<file path=ppt/slides/slide13.xml><?xml version="1.0" encoding="utf-8"?>
+<file path=ppt/slides/slide14.xml><?xml version="1.0" encoding="utf-8"?>
 <p:sld xmlns:a="http://schemas.openxmlformats.org/drawingml/2006/main" xmlns:r="http://schemas.openxmlformats.org/officeDocument/2006/relationships" xmlns:p="http://schemas.openxmlformats.org/presentationml/2006/main">
   <p:cSld>
     <p:spTree>
@@ -7966,7 +11722,7 @@
 </p:sld>
 </file>
 
-<file path=ppt/slides/slide14.xml><?xml version="1.0" encoding="utf-8"?>
+<file path=ppt/slides/slide15.xml><?xml version="1.0" encoding="utf-8"?>
 <p:sld xmlns:a="http://schemas.openxmlformats.org/drawingml/2006/main" xmlns:r="http://schemas.openxmlformats.org/officeDocument/2006/relationships" xmlns:p="http://schemas.openxmlformats.org/presentationml/2006/main">
   <p:cSld>
     <p:spTree>
@@ -8537,7 +12293,7 @@
 </p:sld>
 </file>
 
-<file path=ppt/slides/slide15.xml><?xml version="1.0" encoding="utf-8"?>
+<file path=ppt/slides/slide16.xml><?xml version="1.0" encoding="utf-8"?>
 <p:sld xmlns:a="http://schemas.openxmlformats.org/drawingml/2006/main" xmlns:r="http://schemas.openxmlformats.org/officeDocument/2006/relationships" xmlns:p="http://schemas.openxmlformats.org/presentationml/2006/main">
   <p:cSld>
     <p:spTree>
@@ -8602,7 +12358,7 @@
 </p:sld>
 </file>
 
-<file path=ppt/slides/slide16.xml><?xml version="1.0" encoding="utf-8"?>
+<file path=ppt/slides/slide17.xml><?xml version="1.0" encoding="utf-8"?>
 <p:sld xmlns:a="http://schemas.openxmlformats.org/drawingml/2006/main" xmlns:r="http://schemas.openxmlformats.org/officeDocument/2006/relationships" xmlns:p="http://schemas.openxmlformats.org/presentationml/2006/main">
   <p:cSld>
     <p:spTree>
@@ -9165,7 +12921,7 @@
 </p:sld>
 </file>
 
-<file path=ppt/slides/slide17.xml><?xml version="1.0" encoding="utf-8"?>
+<file path=ppt/slides/slide18.xml><?xml version="1.0" encoding="utf-8"?>
 <p:sld xmlns:a="http://schemas.openxmlformats.org/drawingml/2006/main" xmlns:r="http://schemas.openxmlformats.org/officeDocument/2006/relationships" xmlns:p="http://schemas.openxmlformats.org/presentationml/2006/main">
   <p:cSld>
     <p:spTree>
@@ -9778,7 +13534,7 @@
 </p:sld>
 </file>
 
-<file path=ppt/slides/slide18.xml><?xml version="1.0" encoding="utf-8"?>
+<file path=ppt/slides/slide19.xml><?xml version="1.0" encoding="utf-8"?>
 <p:sld xmlns:a="http://schemas.openxmlformats.org/drawingml/2006/main" xmlns:r="http://schemas.openxmlformats.org/officeDocument/2006/relationships" xmlns:p="http://schemas.openxmlformats.org/presentationml/2006/main">
   <p:cSld>
     <p:spTree>
@@ -9843,7 +13599,1930 @@
 </p:sld>
 </file>
 
-<file path=ppt/slides/slide19.xml><?xml version="1.0" encoding="utf-8"?>
+<file path=ppt/slides/slide2.xml><?xml version="1.0" encoding="utf-8"?>
+<p:sld xmlns:a="http://schemas.openxmlformats.org/drawingml/2006/main" xmlns:r="http://schemas.openxmlformats.org/officeDocument/2006/relationships" xmlns:p="http://schemas.openxmlformats.org/presentationml/2006/main">
+  <p:cSld>
+    <p:bg>
+      <p:bgPr>
+        <a:gradFill flip="none" rotWithShape="1">
+          <a:gsLst>
+            <a:gs pos="0">
+              <a:srgbClr val="7030A0"/>
+            </a:gs>
+            <a:gs pos="40000">
+              <a:srgbClr val="7030A0"/>
+            </a:gs>
+            <a:gs pos="100000">
+              <a:srgbClr val="7030A0"/>
+            </a:gs>
+          </a:gsLst>
+          <a:path path="circle">
+            <a:fillToRect l="100000" t="100000"/>
+          </a:path>
+          <a:tileRect r="-100000" b="-100000"/>
+        </a:gradFill>
+        <a:effectLst/>
+      </p:bgPr>
+    </p:bg>
+    <p:spTree>
+      <p:nvGrpSpPr>
+        <p:cNvPr id="1" name=""/>
+        <p:cNvGrpSpPr/>
+        <p:nvPr/>
+      </p:nvGrpSpPr>
+      <p:grpSpPr>
+        <a:xfrm>
+          <a:off x="0" y="0"/>
+          <a:ext cx="0" cy="0"/>
+          <a:chOff x="0" y="0"/>
+          <a:chExt cx="0" cy="0"/>
+        </a:xfrm>
+      </p:grpSpPr>
+      <p:sp>
+        <p:nvSpPr>
+          <p:cNvPr id="5" name="Rectangle 4"/>
+          <p:cNvSpPr/>
+          <p:nvPr/>
+        </p:nvSpPr>
+        <p:spPr>
+          <a:xfrm>
+            <a:off x="76200" y="138230"/>
+            <a:ext cx="11963400" cy="2392278"/>
+          </a:xfrm>
+          <a:prstGeom prst="rect">
+            <a:avLst/>
+          </a:prstGeom>
+          <a:solidFill>
+            <a:schemeClr val="tx1"/>
+          </a:solidFill>
+        </p:spPr>
+        <p:style>
+          <a:lnRef idx="0">
+            <a:schemeClr val="accent1"/>
+          </a:lnRef>
+          <a:fillRef idx="3">
+            <a:schemeClr val="accent1"/>
+          </a:fillRef>
+          <a:effectRef idx="3">
+            <a:schemeClr val="accent1"/>
+          </a:effectRef>
+          <a:fontRef idx="minor">
+            <a:schemeClr val="lt1"/>
+          </a:fontRef>
+        </p:style>
+        <p:txBody>
+          <a:bodyPr rtlCol="0" anchor="ctr"/>
+          <a:lstStyle/>
+          <a:p>
+            <a:pPr algn="ctr"/>
+            <a:endParaRPr lang="en-US">
+              <a:solidFill>
+                <a:prstClr val="white"/>
+              </a:solidFill>
+            </a:endParaRPr>
+          </a:p>
+        </p:txBody>
+      </p:sp>
+      <p:sp>
+        <p:nvSpPr>
+          <p:cNvPr id="45" name="Rectangle 44"/>
+          <p:cNvSpPr/>
+          <p:nvPr/>
+        </p:nvSpPr>
+        <p:spPr>
+          <a:xfrm>
+            <a:off x="76199" y="2606716"/>
+            <a:ext cx="11963400" cy="3276600"/>
+          </a:xfrm>
+          <a:prstGeom prst="rect">
+            <a:avLst/>
+          </a:prstGeom>
+          <a:solidFill>
+            <a:schemeClr val="tx1"/>
+          </a:solidFill>
+        </p:spPr>
+        <p:style>
+          <a:lnRef idx="0">
+            <a:schemeClr val="accent1"/>
+          </a:lnRef>
+          <a:fillRef idx="3">
+            <a:schemeClr val="accent1"/>
+          </a:fillRef>
+          <a:effectRef idx="3">
+            <a:schemeClr val="accent1"/>
+          </a:effectRef>
+          <a:fontRef idx="minor">
+            <a:schemeClr val="lt1"/>
+          </a:fontRef>
+        </p:style>
+        <p:txBody>
+          <a:bodyPr rtlCol="0" anchor="ctr"/>
+          <a:lstStyle/>
+          <a:p>
+            <a:pPr algn="ctr"/>
+            <a:endParaRPr lang="en-US">
+              <a:solidFill>
+                <a:prstClr val="white"/>
+              </a:solidFill>
+            </a:endParaRPr>
+          </a:p>
+        </p:txBody>
+      </p:sp>
+      <p:sp>
+        <p:nvSpPr>
+          <p:cNvPr id="46" name="Rectangle 45"/>
+          <p:cNvSpPr/>
+          <p:nvPr/>
+        </p:nvSpPr>
+        <p:spPr>
+          <a:xfrm>
+            <a:off x="76200" y="5967381"/>
+            <a:ext cx="11963400" cy="791342"/>
+          </a:xfrm>
+          <a:prstGeom prst="rect">
+            <a:avLst/>
+          </a:prstGeom>
+          <a:solidFill>
+            <a:schemeClr val="tx1"/>
+          </a:solidFill>
+        </p:spPr>
+        <p:style>
+          <a:lnRef idx="0">
+            <a:schemeClr val="accent1"/>
+          </a:lnRef>
+          <a:fillRef idx="3">
+            <a:schemeClr val="accent1"/>
+          </a:fillRef>
+          <a:effectRef idx="3">
+            <a:schemeClr val="accent1"/>
+          </a:effectRef>
+          <a:fontRef idx="minor">
+            <a:schemeClr val="lt1"/>
+          </a:fontRef>
+        </p:style>
+        <p:txBody>
+          <a:bodyPr rtlCol="0" anchor="ctr"/>
+          <a:lstStyle/>
+          <a:p>
+            <a:pPr algn="ctr"/>
+            <a:endParaRPr lang="en-US">
+              <a:solidFill>
+                <a:prstClr val="white"/>
+              </a:solidFill>
+            </a:endParaRPr>
+          </a:p>
+        </p:txBody>
+      </p:sp>
+      <p:grpSp>
+        <p:nvGrpSpPr>
+          <p:cNvPr id="24" name="Group 23"/>
+          <p:cNvGrpSpPr/>
+          <p:nvPr/>
+        </p:nvGrpSpPr>
+        <p:grpSpPr>
+          <a:xfrm>
+            <a:off x="22507" y="151179"/>
+            <a:ext cx="3370783" cy="6082925"/>
+            <a:chOff x="94865" y="125595"/>
+            <a:chExt cx="3370783" cy="6082925"/>
+          </a:xfrm>
+        </p:grpSpPr>
+        <p:sp>
+          <p:nvSpPr>
+            <p:cNvPr id="42" name="Title 1"/>
+            <p:cNvSpPr txBox="1">
+              <a:spLocks/>
+            </p:cNvSpPr>
+            <p:nvPr/>
+          </p:nvSpPr>
+          <p:spPr>
+            <a:xfrm>
+              <a:off x="101681" y="125595"/>
+              <a:ext cx="3363967" cy="378079"/>
+            </a:xfrm>
+            <a:prstGeom prst="rect">
+              <a:avLst/>
+            </a:prstGeom>
+          </p:spPr>
+          <p:txBody>
+            <a:bodyPr lIns="68587" tIns="34295" rIns="68587" bIns="34295"/>
+            <a:lstStyle>
+              <a:lvl1pPr algn="l" defTabSz="914363" rtl="0" eaLnBrk="1" latinLnBrk="0" hangingPunct="1">
+                <a:lnSpc>
+                  <a:spcPct val="90000"/>
+                </a:lnSpc>
+                <a:spcBef>
+                  <a:spcPct val="0"/>
+                </a:spcBef>
+                <a:buNone/>
+                <a:defRPr lang="en-US" sz="5400" b="0" kern="1200" cap="none" spc="-100" baseline="0" dirty="0" smtClean="0">
+                  <a:ln w="3175">
+                    <a:noFill/>
+                  </a:ln>
+                  <a:gradFill>
+                    <a:gsLst>
+                      <a:gs pos="0">
+                        <a:schemeClr val="tx2"/>
+                      </a:gs>
+                      <a:gs pos="86000">
+                        <a:schemeClr val="tx2"/>
+                      </a:gs>
+                    </a:gsLst>
+                    <a:lin ang="5400000" scaled="0"/>
+                  </a:gradFill>
+                  <a:effectLst/>
+                  <a:latin typeface="Segoe UI Light" pitchFamily="34" charset="0"/>
+                  <a:ea typeface="+mn-ea"/>
+                  <a:cs typeface="Arial" charset="0"/>
+                </a:defRPr>
+              </a:lvl1pPr>
+            </a:lstStyle>
+            <a:p>
+              <a:r>
+                <a:rPr sz="2400" b="1" spc="-71">
+                  <a:solidFill>
+                    <a:prstClr val="black">
+                      <a:lumMod val="50000"/>
+                    </a:prstClr>
+                  </a:solidFill>
+                  <a:effectLst>
+                    <a:outerShdw blurRad="38100" dist="38100" dir="2700000" algn="tl">
+                      <a:srgbClr val="000000">
+                        <a:alpha val="43137"/>
+                      </a:srgbClr>
+                    </a:outerShdw>
+                  </a:effectLst>
+                  <a:ea typeface="Segoe UI" pitchFamily="34" charset="0"/>
+                  <a:cs typeface="Segoe UI" pitchFamily="34" charset="0"/>
+                </a:rPr>
+                <a:t>Platinum Sponsors</a:t>
+              </a:r>
+            </a:p>
+          </p:txBody>
+        </p:sp>
+        <p:sp>
+          <p:nvSpPr>
+            <p:cNvPr id="53" name="Title 1"/>
+            <p:cNvSpPr txBox="1">
+              <a:spLocks/>
+            </p:cNvSpPr>
+            <p:nvPr/>
+          </p:nvSpPr>
+          <p:spPr>
+            <a:xfrm>
+              <a:off x="94865" y="5911836"/>
+              <a:ext cx="2201023" cy="296684"/>
+            </a:xfrm>
+            <a:prstGeom prst="rect">
+              <a:avLst/>
+            </a:prstGeom>
+          </p:spPr>
+          <p:txBody>
+            <a:bodyPr lIns="68587" tIns="34295" rIns="68587" bIns="34295"/>
+            <a:lstStyle>
+              <a:lvl1pPr algn="l" defTabSz="914363" rtl="0" eaLnBrk="1" latinLnBrk="0" hangingPunct="1">
+                <a:lnSpc>
+                  <a:spcPct val="90000"/>
+                </a:lnSpc>
+                <a:spcBef>
+                  <a:spcPct val="0"/>
+                </a:spcBef>
+                <a:buNone/>
+                <a:defRPr lang="en-US" sz="5400" b="0" kern="1200" cap="none" spc="-100" baseline="0" dirty="0" smtClean="0">
+                  <a:ln w="3175">
+                    <a:noFill/>
+                  </a:ln>
+                  <a:gradFill>
+                    <a:gsLst>
+                      <a:gs pos="0">
+                        <a:schemeClr val="tx2"/>
+                      </a:gs>
+                      <a:gs pos="86000">
+                        <a:schemeClr val="tx2"/>
+                      </a:gs>
+                    </a:gsLst>
+                    <a:lin ang="5400000" scaled="0"/>
+                  </a:gradFill>
+                  <a:effectLst/>
+                  <a:latin typeface="Segoe UI Light" pitchFamily="34" charset="0"/>
+                  <a:ea typeface="+mn-ea"/>
+                  <a:cs typeface="Arial" charset="0"/>
+                </a:defRPr>
+              </a:lvl1pPr>
+            </a:lstStyle>
+            <a:p>
+              <a:r>
+                <a:rPr sz="2400" b="1" spc="-71">
+                  <a:solidFill>
+                    <a:prstClr val="black">
+                      <a:lumMod val="50000"/>
+                    </a:prstClr>
+                  </a:solidFill>
+                  <a:effectLst>
+                    <a:outerShdw blurRad="38100" dist="38100" dir="2700000" algn="tl">
+                      <a:srgbClr val="000000">
+                        <a:alpha val="43137"/>
+                      </a:srgbClr>
+                    </a:outerShdw>
+                  </a:effectLst>
+                  <a:ea typeface="Segoe UI" pitchFamily="34" charset="0"/>
+                  <a:cs typeface="Segoe UI" pitchFamily="34" charset="0"/>
+                </a:rPr>
+                <a:t>Silver Sponsors</a:t>
+              </a:r>
+            </a:p>
+          </p:txBody>
+        </p:sp>
+        <p:sp>
+          <p:nvSpPr>
+            <p:cNvPr id="41" name="Title 1"/>
+            <p:cNvSpPr txBox="1">
+              <a:spLocks/>
+            </p:cNvSpPr>
+            <p:nvPr/>
+          </p:nvSpPr>
+          <p:spPr>
+            <a:xfrm>
+              <a:off x="161642" y="2650537"/>
+              <a:ext cx="2965728" cy="446797"/>
+            </a:xfrm>
+            <a:prstGeom prst="rect">
+              <a:avLst/>
+            </a:prstGeom>
+          </p:spPr>
+          <p:txBody>
+            <a:bodyPr lIns="68587" tIns="34295" rIns="68587" bIns="34295"/>
+            <a:lstStyle>
+              <a:lvl1pPr algn="l" defTabSz="914363" rtl="0" eaLnBrk="1" latinLnBrk="0" hangingPunct="1">
+                <a:lnSpc>
+                  <a:spcPct val="90000"/>
+                </a:lnSpc>
+                <a:spcBef>
+                  <a:spcPct val="0"/>
+                </a:spcBef>
+                <a:buNone/>
+                <a:defRPr lang="en-US" sz="5400" b="0" kern="1200" cap="none" spc="-100" baseline="0" dirty="0" smtClean="0">
+                  <a:ln w="3175">
+                    <a:noFill/>
+                  </a:ln>
+                  <a:gradFill>
+                    <a:gsLst>
+                      <a:gs pos="0">
+                        <a:schemeClr val="tx2"/>
+                      </a:gs>
+                      <a:gs pos="86000">
+                        <a:schemeClr val="tx2"/>
+                      </a:gs>
+                    </a:gsLst>
+                    <a:lin ang="5400000" scaled="0"/>
+                  </a:gradFill>
+                  <a:effectLst/>
+                  <a:latin typeface="Segoe UI Light" pitchFamily="34" charset="0"/>
+                  <a:ea typeface="+mn-ea"/>
+                  <a:cs typeface="Arial" charset="0"/>
+                </a:defRPr>
+              </a:lvl1pPr>
+            </a:lstStyle>
+            <a:p>
+              <a:r>
+                <a:rPr sz="2400" b="1" spc="-71">
+                  <a:solidFill>
+                    <a:prstClr val="black">
+                      <a:lumMod val="50000"/>
+                    </a:prstClr>
+                  </a:solidFill>
+                  <a:effectLst>
+                    <a:outerShdw blurRad="38100" dist="38100" dir="2700000" algn="tl">
+                      <a:srgbClr val="000000">
+                        <a:alpha val="43137"/>
+                      </a:srgbClr>
+                    </a:outerShdw>
+                  </a:effectLst>
+                  <a:ea typeface="Segoe UI" pitchFamily="34" charset="0"/>
+                  <a:cs typeface="Segoe UI" pitchFamily="34" charset="0"/>
+                </a:rPr>
+                <a:t>Gold Sponsors</a:t>
+              </a:r>
+            </a:p>
+          </p:txBody>
+        </p:sp>
+      </p:grpSp>
+      <p:pic>
+        <p:nvPicPr>
+          <p:cNvPr id="7" name="Picture 2" descr="http://stldodn.com/sponsorlogos/2015/SyllogisTeks.png"/>
+          <p:cNvPicPr>
+            <a:picLocks noChangeAspect="1" noChangeArrowheads="1"/>
+          </p:cNvPicPr>
+          <p:nvPr/>
+        </p:nvPicPr>
+        <p:blipFill>
+          <a:blip r:embed="rId3">
+            <a:extLst>
+              <a:ext uri="{28A0092B-C50C-407E-A947-70E740481C1C}">
+                <a14:useLocalDpi xmlns:a14="http://schemas.microsoft.com/office/drawing/2010/main" val="0"/>
+              </a:ext>
+            </a:extLst>
+          </a:blip>
+          <a:srcRect/>
+          <a:stretch>
+            <a:fillRect/>
+          </a:stretch>
+        </p:blipFill>
+        <p:spPr bwMode="auto">
+          <a:xfrm>
+            <a:off x="142976" y="1181730"/>
+            <a:ext cx="3031551" cy="1299236"/>
+          </a:xfrm>
+          <a:prstGeom prst="rect">
+            <a:avLst/>
+          </a:prstGeom>
+          <a:noFill/>
+          <a:extLst>
+            <a:ext uri="{909E8E84-426E-40DD-AFC4-6F175D3DCCD1}">
+              <a14:hiddenFill xmlns:a14="http://schemas.microsoft.com/office/drawing/2010/main">
+                <a:solidFill>
+                  <a:srgbClr val="FFFFFF"/>
+                </a:solidFill>
+              </a14:hiddenFill>
+            </a:ext>
+          </a:extLst>
+        </p:spPr>
+      </p:pic>
+      <p:pic>
+        <p:nvPicPr>
+          <p:cNvPr id="1028" name="Picture 4" descr="http://stldodn.com/sponsorlogos/2015/oakwood.png"/>
+          <p:cNvPicPr>
+            <a:picLocks noChangeAspect="1" noChangeArrowheads="1"/>
+          </p:cNvPicPr>
+          <p:nvPr/>
+        </p:nvPicPr>
+        <p:blipFill>
+          <a:blip r:embed="rId4">
+            <a:extLst>
+              <a:ext uri="{28A0092B-C50C-407E-A947-70E740481C1C}">
+                <a14:useLocalDpi xmlns:a14="http://schemas.microsoft.com/office/drawing/2010/main" val="0"/>
+              </a:ext>
+            </a:extLst>
+          </a:blip>
+          <a:srcRect/>
+          <a:stretch>
+            <a:fillRect/>
+          </a:stretch>
+        </p:blipFill>
+        <p:spPr bwMode="auto">
+          <a:xfrm>
+            <a:off x="2330270" y="535997"/>
+            <a:ext cx="3238981" cy="1082745"/>
+          </a:xfrm>
+          <a:prstGeom prst="rect">
+            <a:avLst/>
+          </a:prstGeom>
+          <a:noFill/>
+          <a:extLst>
+            <a:ext uri="{909E8E84-426E-40DD-AFC4-6F175D3DCCD1}">
+              <a14:hiddenFill xmlns:a14="http://schemas.microsoft.com/office/drawing/2010/main">
+                <a:solidFill>
+                  <a:srgbClr val="FFFFFF"/>
+                </a:solidFill>
+              </a14:hiddenFill>
+            </a:ext>
+          </a:extLst>
+        </p:spPr>
+      </p:pic>
+      <p:pic>
+        <p:nvPicPr>
+          <p:cNvPr id="1030" name="Picture 6" descr="http://stldodn.com/sponsorlogos/2015/maritzcx.png"/>
+          <p:cNvPicPr>
+            <a:picLocks noChangeAspect="1" noChangeArrowheads="1"/>
+          </p:cNvPicPr>
+          <p:nvPr/>
+        </p:nvPicPr>
+        <p:blipFill>
+          <a:blip r:embed="rId5">
+            <a:extLst>
+              <a:ext uri="{28A0092B-C50C-407E-A947-70E740481C1C}">
+                <a14:useLocalDpi xmlns:a14="http://schemas.microsoft.com/office/drawing/2010/main" val="0"/>
+              </a:ext>
+            </a:extLst>
+          </a:blip>
+          <a:srcRect/>
+          <a:stretch>
+            <a:fillRect/>
+          </a:stretch>
+        </p:blipFill>
+        <p:spPr bwMode="auto">
+          <a:xfrm>
+            <a:off x="5637071" y="1553072"/>
+            <a:ext cx="3397779" cy="805760"/>
+          </a:xfrm>
+          <a:prstGeom prst="rect">
+            <a:avLst/>
+          </a:prstGeom>
+          <a:noFill/>
+          <a:extLst>
+            <a:ext uri="{909E8E84-426E-40DD-AFC4-6F175D3DCCD1}">
+              <a14:hiddenFill xmlns:a14="http://schemas.microsoft.com/office/drawing/2010/main">
+                <a:solidFill>
+                  <a:srgbClr val="FFFFFF"/>
+                </a:solidFill>
+              </a14:hiddenFill>
+            </a:ext>
+          </a:extLst>
+        </p:spPr>
+      </p:pic>
+      <p:pic>
+        <p:nvPicPr>
+          <p:cNvPr id="1032" name="Picture 8" descr="http://stldodn.com/sponsorlogos/2015/emerson.png"/>
+          <p:cNvPicPr>
+            <a:picLocks noChangeAspect="1" noChangeArrowheads="1"/>
+          </p:cNvPicPr>
+          <p:nvPr/>
+        </p:nvPicPr>
+        <p:blipFill>
+          <a:blip r:embed="rId6">
+            <a:extLst>
+              <a:ext uri="{28A0092B-C50C-407E-A947-70E740481C1C}">
+                <a14:useLocalDpi xmlns:a14="http://schemas.microsoft.com/office/drawing/2010/main" val="0"/>
+              </a:ext>
+            </a:extLst>
+          </a:blip>
+          <a:srcRect/>
+          <a:stretch>
+            <a:fillRect/>
+          </a:stretch>
+        </p:blipFill>
+        <p:spPr bwMode="auto">
+          <a:xfrm>
+            <a:off x="9537941" y="766504"/>
+            <a:ext cx="2294080" cy="1297589"/>
+          </a:xfrm>
+          <a:prstGeom prst="rect">
+            <a:avLst/>
+          </a:prstGeom>
+          <a:noFill/>
+          <a:extLst>
+            <a:ext uri="{909E8E84-426E-40DD-AFC4-6F175D3DCCD1}">
+              <a14:hiddenFill xmlns:a14="http://schemas.microsoft.com/office/drawing/2010/main">
+                <a:solidFill>
+                  <a:srgbClr val="FFFFFF"/>
+                </a:solidFill>
+              </a14:hiddenFill>
+            </a:ext>
+          </a:extLst>
+        </p:spPr>
+      </p:pic>
+      <p:pic>
+        <p:nvPicPr>
+          <p:cNvPr id="16" name="Picture 16" descr="http://stldodn.com/sponsorlogos/2015/vantagelinks.png"/>
+          <p:cNvPicPr>
+            <a:picLocks noChangeAspect="1" noChangeArrowheads="1"/>
+          </p:cNvPicPr>
+          <p:nvPr/>
+        </p:nvPicPr>
+        <p:blipFill>
+          <a:blip r:embed="rId7">
+            <a:extLst>
+              <a:ext uri="{28A0092B-C50C-407E-A947-70E740481C1C}">
+                <a14:useLocalDpi xmlns:a14="http://schemas.microsoft.com/office/drawing/2010/main" val="0"/>
+              </a:ext>
+            </a:extLst>
+          </a:blip>
+          <a:srcRect/>
+          <a:stretch>
+            <a:fillRect/>
+          </a:stretch>
+        </p:blipFill>
+        <p:spPr bwMode="auto">
+          <a:xfrm>
+            <a:off x="7190993" y="2722969"/>
+            <a:ext cx="1238250" cy="1304926"/>
+          </a:xfrm>
+          <a:prstGeom prst="rect">
+            <a:avLst/>
+          </a:prstGeom>
+          <a:noFill/>
+          <a:extLst>
+            <a:ext uri="{909E8E84-426E-40DD-AFC4-6F175D3DCCD1}">
+              <a14:hiddenFill xmlns:a14="http://schemas.microsoft.com/office/drawing/2010/main">
+                <a:solidFill>
+                  <a:srgbClr val="FFFFFF"/>
+                </a:solidFill>
+              </a14:hiddenFill>
+            </a:ext>
+          </a:extLst>
+        </p:spPr>
+      </p:pic>
+      <p:pic>
+        <p:nvPicPr>
+          <p:cNvPr id="1042" name="Picture 18" descr="http://stldodn.com/sponsorlogos/2015/daugherty.png"/>
+          <p:cNvPicPr>
+            <a:picLocks noChangeAspect="1" noChangeArrowheads="1"/>
+          </p:cNvPicPr>
+          <p:nvPr/>
+        </p:nvPicPr>
+        <p:blipFill>
+          <a:blip r:embed="rId8">
+            <a:extLst>
+              <a:ext uri="{28A0092B-C50C-407E-A947-70E740481C1C}">
+                <a14:useLocalDpi xmlns:a14="http://schemas.microsoft.com/office/drawing/2010/main" val="0"/>
+              </a:ext>
+            </a:extLst>
+          </a:blip>
+          <a:srcRect/>
+          <a:stretch>
+            <a:fillRect/>
+          </a:stretch>
+        </p:blipFill>
+        <p:spPr bwMode="auto">
+          <a:xfrm>
+            <a:off x="8278248" y="2734015"/>
+            <a:ext cx="1798210" cy="582620"/>
+          </a:xfrm>
+          <a:prstGeom prst="rect">
+            <a:avLst/>
+          </a:prstGeom>
+          <a:noFill/>
+          <a:extLst>
+            <a:ext uri="{909E8E84-426E-40DD-AFC4-6F175D3DCCD1}">
+              <a14:hiddenFill xmlns:a14="http://schemas.microsoft.com/office/drawing/2010/main">
+                <a:solidFill>
+                  <a:srgbClr val="FFFFFF"/>
+                </a:solidFill>
+              </a14:hiddenFill>
+            </a:ext>
+          </a:extLst>
+        </p:spPr>
+      </p:pic>
+      <p:pic>
+        <p:nvPicPr>
+          <p:cNvPr id="1048" name="Picture 24" descr="http://stldodn.com/sponsorlogos/2015/stackify.png"/>
+          <p:cNvPicPr>
+            <a:picLocks noChangeAspect="1" noChangeArrowheads="1"/>
+          </p:cNvPicPr>
+          <p:nvPr/>
+        </p:nvPicPr>
+        <p:blipFill>
+          <a:blip r:embed="rId9">
+            <a:extLst>
+              <a:ext uri="{28A0092B-C50C-407E-A947-70E740481C1C}">
+                <a14:useLocalDpi xmlns:a14="http://schemas.microsoft.com/office/drawing/2010/main" val="0"/>
+              </a:ext>
+            </a:extLst>
+          </a:blip>
+          <a:srcRect/>
+          <a:stretch>
+            <a:fillRect/>
+          </a:stretch>
+        </p:blipFill>
+        <p:spPr bwMode="auto">
+          <a:xfrm>
+            <a:off x="2200700" y="3351852"/>
+            <a:ext cx="2381250" cy="914401"/>
+          </a:xfrm>
+          <a:prstGeom prst="rect">
+            <a:avLst/>
+          </a:prstGeom>
+          <a:noFill/>
+          <a:extLst>
+            <a:ext uri="{909E8E84-426E-40DD-AFC4-6F175D3DCCD1}">
+              <a14:hiddenFill xmlns:a14="http://schemas.microsoft.com/office/drawing/2010/main">
+                <a:solidFill>
+                  <a:srgbClr val="FFFFFF"/>
+                </a:solidFill>
+              </a14:hiddenFill>
+            </a:ext>
+          </a:extLst>
+        </p:spPr>
+      </p:pic>
+      <p:pic>
+        <p:nvPicPr>
+          <p:cNvPr id="1044" name="Picture 20" descr="http://stldodn.com/sponsorlogos/2015/keyhole.png"/>
+          <p:cNvPicPr>
+            <a:picLocks noChangeAspect="1" noChangeArrowheads="1"/>
+          </p:cNvPicPr>
+          <p:nvPr/>
+        </p:nvPicPr>
+        <p:blipFill>
+          <a:blip r:embed="rId10">
+            <a:extLst>
+              <a:ext uri="{28A0092B-C50C-407E-A947-70E740481C1C}">
+                <a14:useLocalDpi xmlns:a14="http://schemas.microsoft.com/office/drawing/2010/main" val="0"/>
+              </a:ext>
+            </a:extLst>
+          </a:blip>
+          <a:srcRect/>
+          <a:stretch>
+            <a:fillRect/>
+          </a:stretch>
+        </p:blipFill>
+        <p:spPr bwMode="auto">
+          <a:xfrm>
+            <a:off x="10166702" y="2707128"/>
+            <a:ext cx="2701014" cy="608336"/>
+          </a:xfrm>
+          <a:prstGeom prst="rect">
+            <a:avLst/>
+          </a:prstGeom>
+          <a:noFill/>
+          <a:extLst>
+            <a:ext uri="{909E8E84-426E-40DD-AFC4-6F175D3DCCD1}">
+              <a14:hiddenFill xmlns:a14="http://schemas.microsoft.com/office/drawing/2010/main">
+                <a:solidFill>
+                  <a:srgbClr val="FFFFFF"/>
+                </a:solidFill>
+              </a14:hiddenFill>
+            </a:ext>
+          </a:extLst>
+        </p:spPr>
+      </p:pic>
+      <p:pic>
+        <p:nvPicPr>
+          <p:cNvPr id="1046" name="Picture 22" descr="http://stldodn.com/sponsorlogos/2015/slu.png"/>
+          <p:cNvPicPr>
+            <a:picLocks noChangeAspect="1" noChangeArrowheads="1"/>
+          </p:cNvPicPr>
+          <p:nvPr/>
+        </p:nvPicPr>
+        <p:blipFill>
+          <a:blip r:embed="rId11">
+            <a:extLst>
+              <a:ext uri="{28A0092B-C50C-407E-A947-70E740481C1C}">
+                <a14:useLocalDpi xmlns:a14="http://schemas.microsoft.com/office/drawing/2010/main" val="0"/>
+              </a:ext>
+            </a:extLst>
+          </a:blip>
+          <a:srcRect/>
+          <a:stretch>
+            <a:fillRect/>
+          </a:stretch>
+        </p:blipFill>
+        <p:spPr bwMode="auto">
+          <a:xfrm>
+            <a:off x="159304" y="3895635"/>
+            <a:ext cx="1925181" cy="489318"/>
+          </a:xfrm>
+          <a:prstGeom prst="rect">
+            <a:avLst/>
+          </a:prstGeom>
+          <a:noFill/>
+          <a:extLst>
+            <a:ext uri="{909E8E84-426E-40DD-AFC4-6F175D3DCCD1}">
+              <a14:hiddenFill xmlns:a14="http://schemas.microsoft.com/office/drawing/2010/main">
+                <a:solidFill>
+                  <a:srgbClr val="FFFFFF"/>
+                </a:solidFill>
+              </a14:hiddenFill>
+            </a:ext>
+          </a:extLst>
+        </p:spPr>
+      </p:pic>
+      <p:pic>
+        <p:nvPicPr>
+          <p:cNvPr id="1050" name="Picture 26" descr="http://stldodn.com/sponsorlogos/2015/Cosentry.jpg"/>
+          <p:cNvPicPr>
+            <a:picLocks noChangeAspect="1" noChangeArrowheads="1"/>
+          </p:cNvPicPr>
+          <p:nvPr/>
+        </p:nvPicPr>
+        <p:blipFill>
+          <a:blip r:embed="rId12">
+            <a:extLst>
+              <a:ext uri="{28A0092B-C50C-407E-A947-70E740481C1C}">
+                <a14:useLocalDpi xmlns:a14="http://schemas.microsoft.com/office/drawing/2010/main" val="0"/>
+              </a:ext>
+            </a:extLst>
+          </a:blip>
+          <a:srcRect/>
+          <a:stretch>
+            <a:fillRect/>
+          </a:stretch>
+        </p:blipFill>
+        <p:spPr bwMode="auto">
+          <a:xfrm>
+            <a:off x="8380923" y="3312977"/>
+            <a:ext cx="2095500" cy="552451"/>
+          </a:xfrm>
+          <a:prstGeom prst="rect">
+            <a:avLst/>
+          </a:prstGeom>
+          <a:noFill/>
+          <a:extLst>
+            <a:ext uri="{909E8E84-426E-40DD-AFC4-6F175D3DCCD1}">
+              <a14:hiddenFill xmlns:a14="http://schemas.microsoft.com/office/drawing/2010/main">
+                <a:solidFill>
+                  <a:srgbClr val="FFFFFF"/>
+                </a:solidFill>
+              </a14:hiddenFill>
+            </a:ext>
+          </a:extLst>
+        </p:spPr>
+      </p:pic>
+      <p:pic>
+        <p:nvPicPr>
+          <p:cNvPr id="21" name="Picture 34" descr="http://stldodn.com/sponsorlogos/2015/rht.png"/>
+          <p:cNvPicPr>
+            <a:picLocks noChangeAspect="1" noChangeArrowheads="1"/>
+          </p:cNvPicPr>
+          <p:nvPr/>
+        </p:nvPicPr>
+        <p:blipFill>
+          <a:blip r:embed="rId13">
+            <a:extLst>
+              <a:ext uri="{28A0092B-C50C-407E-A947-70E740481C1C}">
+                <a14:useLocalDpi xmlns:a14="http://schemas.microsoft.com/office/drawing/2010/main" val="0"/>
+              </a:ext>
+            </a:extLst>
+          </a:blip>
+          <a:srcRect/>
+          <a:stretch>
+            <a:fillRect/>
+          </a:stretch>
+        </p:blipFill>
+        <p:spPr bwMode="auto">
+          <a:xfrm>
+            <a:off x="2147036" y="4164708"/>
+            <a:ext cx="2190750" cy="504826"/>
+          </a:xfrm>
+          <a:prstGeom prst="rect">
+            <a:avLst/>
+          </a:prstGeom>
+          <a:noFill/>
+          <a:extLst>
+            <a:ext uri="{909E8E84-426E-40DD-AFC4-6F175D3DCCD1}">
+              <a14:hiddenFill xmlns:a14="http://schemas.microsoft.com/office/drawing/2010/main">
+                <a:solidFill>
+                  <a:srgbClr val="FFFFFF"/>
+                </a:solidFill>
+              </a14:hiddenFill>
+            </a:ext>
+          </a:extLst>
+        </p:spPr>
+      </p:pic>
+      <p:pic>
+        <p:nvPicPr>
+          <p:cNvPr id="25" name="Picture 36" descr="http://stldodn.com/sponsorlogos/2015/Adaptivesg.jpg"/>
+          <p:cNvPicPr>
+            <a:picLocks noChangeAspect="1" noChangeArrowheads="1"/>
+          </p:cNvPicPr>
+          <p:nvPr/>
+        </p:nvPicPr>
+        <p:blipFill>
+          <a:blip r:embed="rId14">
+            <a:extLst>
+              <a:ext uri="{28A0092B-C50C-407E-A947-70E740481C1C}">
+                <a14:useLocalDpi xmlns:a14="http://schemas.microsoft.com/office/drawing/2010/main" val="0"/>
+              </a:ext>
+            </a:extLst>
+          </a:blip>
+          <a:srcRect/>
+          <a:stretch>
+            <a:fillRect/>
+          </a:stretch>
+        </p:blipFill>
+        <p:spPr bwMode="auto">
+          <a:xfrm>
+            <a:off x="4581950" y="3493030"/>
+            <a:ext cx="2476500" cy="485775"/>
+          </a:xfrm>
+          <a:prstGeom prst="rect">
+            <a:avLst/>
+          </a:prstGeom>
+          <a:noFill/>
+          <a:extLst>
+            <a:ext uri="{909E8E84-426E-40DD-AFC4-6F175D3DCCD1}">
+              <a14:hiddenFill xmlns:a14="http://schemas.microsoft.com/office/drawing/2010/main">
+                <a:solidFill>
+                  <a:srgbClr val="FFFFFF"/>
+                </a:solidFill>
+              </a14:hiddenFill>
+            </a:ext>
+          </a:extLst>
+        </p:spPr>
+      </p:pic>
+      <p:pic>
+        <p:nvPicPr>
+          <p:cNvPr id="26" name="Picture 38" descr="http://stldodn.com/sponsorlogos/2015/perficient.png"/>
+          <p:cNvPicPr>
+            <a:picLocks noChangeAspect="1" noChangeArrowheads="1"/>
+          </p:cNvPicPr>
+          <p:nvPr/>
+        </p:nvPicPr>
+        <p:blipFill>
+          <a:blip r:embed="rId15">
+            <a:extLst>
+              <a:ext uri="{28A0092B-C50C-407E-A947-70E740481C1C}">
+                <a14:useLocalDpi xmlns:a14="http://schemas.microsoft.com/office/drawing/2010/main" val="0"/>
+              </a:ext>
+            </a:extLst>
+          </a:blip>
+          <a:srcRect/>
+          <a:stretch>
+            <a:fillRect/>
+          </a:stretch>
+        </p:blipFill>
+        <p:spPr bwMode="auto">
+          <a:xfrm>
+            <a:off x="4546932" y="3999511"/>
+            <a:ext cx="2094475" cy="511053"/>
+          </a:xfrm>
+          <a:prstGeom prst="rect">
+            <a:avLst/>
+          </a:prstGeom>
+          <a:noFill/>
+          <a:extLst>
+            <a:ext uri="{909E8E84-426E-40DD-AFC4-6F175D3DCCD1}">
+              <a14:hiddenFill xmlns:a14="http://schemas.microsoft.com/office/drawing/2010/main">
+                <a:solidFill>
+                  <a:srgbClr val="FFFFFF"/>
+                </a:solidFill>
+              </a14:hiddenFill>
+            </a:ext>
+          </a:extLst>
+        </p:spPr>
+      </p:pic>
+      <p:pic>
+        <p:nvPicPr>
+          <p:cNvPr id="27" name="Picture 40" descr="http://stldodn.com/sponsorlogos/2015/signatureconsultants.png"/>
+          <p:cNvPicPr>
+            <a:picLocks noChangeAspect="1" noChangeArrowheads="1"/>
+          </p:cNvPicPr>
+          <p:nvPr/>
+        </p:nvPicPr>
+        <p:blipFill>
+          <a:blip r:embed="rId16">
+            <a:extLst>
+              <a:ext uri="{28A0092B-C50C-407E-A947-70E740481C1C}">
+                <a14:useLocalDpi xmlns:a14="http://schemas.microsoft.com/office/drawing/2010/main" val="0"/>
+              </a:ext>
+            </a:extLst>
+          </a:blip>
+          <a:srcRect/>
+          <a:stretch>
+            <a:fillRect/>
+          </a:stretch>
+        </p:blipFill>
+        <p:spPr bwMode="auto">
+          <a:xfrm>
+            <a:off x="9250450" y="3865428"/>
+            <a:ext cx="1723938" cy="530442"/>
+          </a:xfrm>
+          <a:prstGeom prst="rect">
+            <a:avLst/>
+          </a:prstGeom>
+          <a:noFill/>
+          <a:extLst>
+            <a:ext uri="{909E8E84-426E-40DD-AFC4-6F175D3DCCD1}">
+              <a14:hiddenFill xmlns:a14="http://schemas.microsoft.com/office/drawing/2010/main">
+                <a:solidFill>
+                  <a:srgbClr val="FFFFFF"/>
+                </a:solidFill>
+              </a14:hiddenFill>
+            </a:ext>
+          </a:extLst>
+        </p:spPr>
+      </p:pic>
+      <p:pic>
+        <p:nvPicPr>
+          <p:cNvPr id="28" name="Picture 42" descr="http://stldodn.com/sponsorlogos/2015/unisys.png"/>
+          <p:cNvPicPr>
+            <a:picLocks noChangeAspect="1" noChangeArrowheads="1"/>
+          </p:cNvPicPr>
+          <p:nvPr/>
+        </p:nvPicPr>
+        <p:blipFill>
+          <a:blip r:embed="rId17">
+            <a:extLst>
+              <a:ext uri="{28A0092B-C50C-407E-A947-70E740481C1C}">
+                <a14:useLocalDpi xmlns:a14="http://schemas.microsoft.com/office/drawing/2010/main" val="0"/>
+              </a:ext>
+            </a:extLst>
+          </a:blip>
+          <a:srcRect/>
+          <a:stretch>
+            <a:fillRect/>
+          </a:stretch>
+        </p:blipFill>
+        <p:spPr bwMode="auto">
+          <a:xfrm>
+            <a:off x="10579098" y="3426809"/>
+            <a:ext cx="1340944" cy="372485"/>
+          </a:xfrm>
+          <a:prstGeom prst="rect">
+            <a:avLst/>
+          </a:prstGeom>
+          <a:noFill/>
+          <a:extLst>
+            <a:ext uri="{909E8E84-426E-40DD-AFC4-6F175D3DCCD1}">
+              <a14:hiddenFill xmlns:a14="http://schemas.microsoft.com/office/drawing/2010/main">
+                <a:solidFill>
+                  <a:srgbClr val="FFFFFF"/>
+                </a:solidFill>
+              </a14:hiddenFill>
+            </a:ext>
+          </a:extLst>
+        </p:spPr>
+      </p:pic>
+      <p:pic>
+        <p:nvPicPr>
+          <p:cNvPr id="29" name="Picture 44" descr="http://stldodn.com/sponsorlogos/2015/Ungerboeck.png"/>
+          <p:cNvPicPr>
+            <a:picLocks noChangeAspect="1" noChangeArrowheads="1"/>
+          </p:cNvPicPr>
+          <p:nvPr/>
+        </p:nvPicPr>
+        <p:blipFill>
+          <a:blip r:embed="rId18">
+            <a:extLst>
+              <a:ext uri="{28A0092B-C50C-407E-A947-70E740481C1C}">
+                <a14:useLocalDpi xmlns:a14="http://schemas.microsoft.com/office/drawing/2010/main" val="0"/>
+              </a:ext>
+            </a:extLst>
+          </a:blip>
+          <a:srcRect/>
+          <a:stretch>
+            <a:fillRect/>
+          </a:stretch>
+        </p:blipFill>
+        <p:spPr bwMode="auto">
+          <a:xfrm>
+            <a:off x="6773950" y="4140294"/>
+            <a:ext cx="1622607" cy="457281"/>
+          </a:xfrm>
+          <a:prstGeom prst="rect">
+            <a:avLst/>
+          </a:prstGeom>
+          <a:noFill/>
+          <a:extLst>
+            <a:ext uri="{909E8E84-426E-40DD-AFC4-6F175D3DCCD1}">
+              <a14:hiddenFill xmlns:a14="http://schemas.microsoft.com/office/drawing/2010/main">
+                <a:solidFill>
+                  <a:srgbClr val="FFFFFF"/>
+                </a:solidFill>
+              </a14:hiddenFill>
+            </a:ext>
+          </a:extLst>
+        </p:spPr>
+      </p:pic>
+      <p:pic>
+        <p:nvPicPr>
+          <p:cNvPr id="1038" name="Picture 14" descr="http://stldodn.com/sponsorlogos/2015/sovereign.gif"/>
+          <p:cNvPicPr>
+            <a:picLocks noChangeAspect="1" noChangeArrowheads="1"/>
+          </p:cNvPicPr>
+          <p:nvPr/>
+        </p:nvPicPr>
+        <p:blipFill>
+          <a:blip r:embed="rId19">
+            <a:extLst>
+              <a:ext uri="{28A0092B-C50C-407E-A947-70E740481C1C}">
+                <a14:useLocalDpi xmlns:a14="http://schemas.microsoft.com/office/drawing/2010/main" val="0"/>
+              </a:ext>
+            </a:extLst>
+          </a:blip>
+          <a:srcRect/>
+          <a:stretch>
+            <a:fillRect/>
+          </a:stretch>
+        </p:blipFill>
+        <p:spPr bwMode="auto">
+          <a:xfrm>
+            <a:off x="5124275" y="2873770"/>
+            <a:ext cx="2247900" cy="581026"/>
+          </a:xfrm>
+          <a:prstGeom prst="rect">
+            <a:avLst/>
+          </a:prstGeom>
+          <a:noFill/>
+          <a:extLst>
+            <a:ext uri="{909E8E84-426E-40DD-AFC4-6F175D3DCCD1}">
+              <a14:hiddenFill xmlns:a14="http://schemas.microsoft.com/office/drawing/2010/main">
+                <a:solidFill>
+                  <a:srgbClr val="FFFFFF"/>
+                </a:solidFill>
+              </a14:hiddenFill>
+            </a:ext>
+          </a:extLst>
+        </p:spPr>
+      </p:pic>
+      <p:pic>
+        <p:nvPicPr>
+          <p:cNvPr id="9" name="Picture 12" descr="http://stldodn.com/sponsorlogos/2015/concero.png"/>
+          <p:cNvPicPr>
+            <a:picLocks noChangeAspect="1" noChangeArrowheads="1"/>
+          </p:cNvPicPr>
+          <p:nvPr/>
+        </p:nvPicPr>
+        <p:blipFill>
+          <a:blip r:embed="rId20">
+            <a:extLst>
+              <a:ext uri="{28A0092B-C50C-407E-A947-70E740481C1C}">
+                <a14:useLocalDpi xmlns:a14="http://schemas.microsoft.com/office/drawing/2010/main" val="0"/>
+              </a:ext>
+            </a:extLst>
+          </a:blip>
+          <a:srcRect/>
+          <a:stretch>
+            <a:fillRect/>
+          </a:stretch>
+        </p:blipFill>
+        <p:spPr bwMode="auto">
+          <a:xfrm>
+            <a:off x="2687341" y="2841294"/>
+            <a:ext cx="2381250" cy="676276"/>
+          </a:xfrm>
+          <a:prstGeom prst="rect">
+            <a:avLst/>
+          </a:prstGeom>
+          <a:noFill/>
+          <a:extLst>
+            <a:ext uri="{909E8E84-426E-40DD-AFC4-6F175D3DCCD1}">
+              <a14:hiddenFill xmlns:a14="http://schemas.microsoft.com/office/drawing/2010/main">
+                <a:solidFill>
+                  <a:srgbClr val="FFFFFF"/>
+                </a:solidFill>
+              </a14:hiddenFill>
+            </a:ext>
+          </a:extLst>
+        </p:spPr>
+      </p:pic>
+      <p:pic>
+        <p:nvPicPr>
+          <p:cNvPr id="1070" name="Picture 46" descr="http://stldodn.com/sponsorlogos/2015/architectnow.png"/>
+          <p:cNvPicPr>
+            <a:picLocks noChangeAspect="1" noChangeArrowheads="1"/>
+          </p:cNvPicPr>
+          <p:nvPr/>
+        </p:nvPicPr>
+        <p:blipFill>
+          <a:blip r:embed="rId21">
+            <a:extLst>
+              <a:ext uri="{28A0092B-C50C-407E-A947-70E740481C1C}">
+                <a14:useLocalDpi xmlns:a14="http://schemas.microsoft.com/office/drawing/2010/main" val="0"/>
+              </a:ext>
+            </a:extLst>
+          </a:blip>
+          <a:srcRect/>
+          <a:stretch>
+            <a:fillRect/>
+          </a:stretch>
+        </p:blipFill>
+        <p:spPr bwMode="auto">
+          <a:xfrm>
+            <a:off x="8976077" y="5232904"/>
+            <a:ext cx="2381250" cy="523875"/>
+          </a:xfrm>
+          <a:prstGeom prst="rect">
+            <a:avLst/>
+          </a:prstGeom>
+          <a:noFill/>
+          <a:extLst>
+            <a:ext uri="{909E8E84-426E-40DD-AFC4-6F175D3DCCD1}">
+              <a14:hiddenFill xmlns:a14="http://schemas.microsoft.com/office/drawing/2010/main">
+                <a:solidFill>
+                  <a:srgbClr val="FFFFFF"/>
+                </a:solidFill>
+              </a14:hiddenFill>
+            </a:ext>
+          </a:extLst>
+        </p:spPr>
+      </p:pic>
+      <p:pic>
+        <p:nvPicPr>
+          <p:cNvPr id="1072" name="Picture 48" descr="http://stldodn.com/sponsorlogos/2015/pluralsight.png"/>
+          <p:cNvPicPr>
+            <a:picLocks noChangeAspect="1" noChangeArrowheads="1"/>
+          </p:cNvPicPr>
+          <p:nvPr/>
+        </p:nvPicPr>
+        <p:blipFill>
+          <a:blip r:embed="rId22">
+            <a:extLst>
+              <a:ext uri="{28A0092B-C50C-407E-A947-70E740481C1C}">
+                <a14:useLocalDpi xmlns:a14="http://schemas.microsoft.com/office/drawing/2010/main" val="0"/>
+              </a:ext>
+            </a:extLst>
+          </a:blip>
+          <a:srcRect/>
+          <a:stretch>
+            <a:fillRect/>
+          </a:stretch>
+        </p:blipFill>
+        <p:spPr bwMode="auto">
+          <a:xfrm>
+            <a:off x="169929" y="5299729"/>
+            <a:ext cx="1666875" cy="371475"/>
+          </a:xfrm>
+          <a:prstGeom prst="rect">
+            <a:avLst/>
+          </a:prstGeom>
+          <a:noFill/>
+          <a:extLst>
+            <a:ext uri="{909E8E84-426E-40DD-AFC4-6F175D3DCCD1}">
+              <a14:hiddenFill xmlns:a14="http://schemas.microsoft.com/office/drawing/2010/main">
+                <a:solidFill>
+                  <a:srgbClr val="FFFFFF"/>
+                </a:solidFill>
+              </a14:hiddenFill>
+            </a:ext>
+          </a:extLst>
+        </p:spPr>
+      </p:pic>
+      <p:pic>
+        <p:nvPicPr>
+          <p:cNvPr id="33" name="Picture 32"/>
+          <p:cNvPicPr>
+            <a:picLocks noChangeAspect="1"/>
+          </p:cNvPicPr>
+          <p:nvPr/>
+        </p:nvPicPr>
+        <p:blipFill>
+          <a:blip r:embed="rId23" cstate="print">
+            <a:extLst>
+              <a:ext uri="{28A0092B-C50C-407E-A947-70E740481C1C}">
+                <a14:useLocalDpi xmlns:a14="http://schemas.microsoft.com/office/drawing/2010/main" val="0"/>
+              </a:ext>
+            </a:extLst>
+          </a:blip>
+          <a:stretch>
+            <a:fillRect/>
+          </a:stretch>
+        </p:blipFill>
+        <p:spPr>
+          <a:xfrm>
+            <a:off x="2861454" y="4517627"/>
+            <a:ext cx="2151806" cy="791528"/>
+          </a:xfrm>
+          <a:prstGeom prst="rect">
+            <a:avLst/>
+          </a:prstGeom>
+        </p:spPr>
+      </p:pic>
+      <p:pic>
+        <p:nvPicPr>
+          <p:cNvPr id="1080" name="Picture 56" descr="http://stldodn.com/sponsorlogos/2015/ByrneSoftware.png"/>
+          <p:cNvPicPr>
+            <a:picLocks noChangeAspect="1" noChangeArrowheads="1"/>
+          </p:cNvPicPr>
+          <p:nvPr/>
+        </p:nvPicPr>
+        <p:blipFill>
+          <a:blip r:embed="rId24">
+            <a:extLst>
+              <a:ext uri="{28A0092B-C50C-407E-A947-70E740481C1C}">
+                <a14:useLocalDpi xmlns:a14="http://schemas.microsoft.com/office/drawing/2010/main" val="0"/>
+              </a:ext>
+            </a:extLst>
+          </a:blip>
+          <a:srcRect/>
+          <a:stretch>
+            <a:fillRect/>
+          </a:stretch>
+        </p:blipFill>
+        <p:spPr bwMode="auto">
+          <a:xfrm>
+            <a:off x="4493342" y="5121183"/>
+            <a:ext cx="1768568" cy="650833"/>
+          </a:xfrm>
+          <a:prstGeom prst="rect">
+            <a:avLst/>
+          </a:prstGeom>
+          <a:noFill/>
+          <a:extLst>
+            <a:ext uri="{909E8E84-426E-40DD-AFC4-6F175D3DCCD1}">
+              <a14:hiddenFill xmlns:a14="http://schemas.microsoft.com/office/drawing/2010/main">
+                <a:solidFill>
+                  <a:srgbClr val="FFFFFF"/>
+                </a:solidFill>
+              </a14:hiddenFill>
+            </a:ext>
+          </a:extLst>
+        </p:spPr>
+      </p:pic>
+      <p:pic>
+        <p:nvPicPr>
+          <p:cNvPr id="1082" name="Picture 58" descr="http://stldodn.com/sponsorlogos/2015/TEKsystems.png"/>
+          <p:cNvPicPr>
+            <a:picLocks noChangeAspect="1" noChangeArrowheads="1"/>
+          </p:cNvPicPr>
+          <p:nvPr/>
+        </p:nvPicPr>
+        <p:blipFill>
+          <a:blip r:embed="rId25">
+            <a:extLst>
+              <a:ext uri="{28A0092B-C50C-407E-A947-70E740481C1C}">
+                <a14:useLocalDpi xmlns:a14="http://schemas.microsoft.com/office/drawing/2010/main" val="0"/>
+              </a:ext>
+            </a:extLst>
+          </a:blip>
+          <a:srcRect/>
+          <a:stretch>
+            <a:fillRect/>
+          </a:stretch>
+        </p:blipFill>
+        <p:spPr bwMode="auto">
+          <a:xfrm>
+            <a:off x="4985679" y="4515606"/>
+            <a:ext cx="2190750" cy="561975"/>
+          </a:xfrm>
+          <a:prstGeom prst="rect">
+            <a:avLst/>
+          </a:prstGeom>
+          <a:noFill/>
+          <a:extLst>
+            <a:ext uri="{909E8E84-426E-40DD-AFC4-6F175D3DCCD1}">
+              <a14:hiddenFill xmlns:a14="http://schemas.microsoft.com/office/drawing/2010/main">
+                <a:solidFill>
+                  <a:srgbClr val="FFFFFF"/>
+                </a:solidFill>
+              </a14:hiddenFill>
+            </a:ext>
+          </a:extLst>
+        </p:spPr>
+      </p:pic>
+      <p:pic>
+        <p:nvPicPr>
+          <p:cNvPr id="1084" name="Picture 60" descr="http://stldodn.com/sponsorlogos/2015/Covenant.png"/>
+          <p:cNvPicPr>
+            <a:picLocks noChangeAspect="1" noChangeArrowheads="1"/>
+          </p:cNvPicPr>
+          <p:nvPr/>
+        </p:nvPicPr>
+        <p:blipFill>
+          <a:blip r:embed="rId26">
+            <a:extLst>
+              <a:ext uri="{28A0092B-C50C-407E-A947-70E740481C1C}">
+                <a14:useLocalDpi xmlns:a14="http://schemas.microsoft.com/office/drawing/2010/main" val="0"/>
+              </a:ext>
+            </a:extLst>
+          </a:blip>
+          <a:srcRect/>
+          <a:stretch>
+            <a:fillRect/>
+          </a:stretch>
+        </p:blipFill>
+        <p:spPr bwMode="auto">
+          <a:xfrm>
+            <a:off x="2242990" y="5186110"/>
+            <a:ext cx="2190750" cy="485775"/>
+          </a:xfrm>
+          <a:prstGeom prst="rect">
+            <a:avLst/>
+          </a:prstGeom>
+          <a:noFill/>
+          <a:extLst>
+            <a:ext uri="{909E8E84-426E-40DD-AFC4-6F175D3DCCD1}">
+              <a14:hiddenFill xmlns:a14="http://schemas.microsoft.com/office/drawing/2010/main">
+                <a:solidFill>
+                  <a:srgbClr val="FFFFFF"/>
+                </a:solidFill>
+              </a14:hiddenFill>
+            </a:ext>
+          </a:extLst>
+        </p:spPr>
+      </p:pic>
+      <p:pic>
+        <p:nvPicPr>
+          <p:cNvPr id="1086" name="Picture 62" descr="http://stldodn.com/sponsorlogos/2015/equifax.png"/>
+          <p:cNvPicPr>
+            <a:picLocks noChangeAspect="1" noChangeArrowheads="1"/>
+          </p:cNvPicPr>
+          <p:nvPr/>
+        </p:nvPicPr>
+        <p:blipFill>
+          <a:blip r:embed="rId27">
+            <a:extLst>
+              <a:ext uri="{28A0092B-C50C-407E-A947-70E740481C1C}">
+                <a14:useLocalDpi xmlns:a14="http://schemas.microsoft.com/office/drawing/2010/main" val="0"/>
+              </a:ext>
+            </a:extLst>
+          </a:blip>
+          <a:srcRect/>
+          <a:stretch>
+            <a:fillRect/>
+          </a:stretch>
+        </p:blipFill>
+        <p:spPr bwMode="auto">
+          <a:xfrm>
+            <a:off x="6321512" y="5379025"/>
+            <a:ext cx="2190750" cy="409575"/>
+          </a:xfrm>
+          <a:prstGeom prst="rect">
+            <a:avLst/>
+          </a:prstGeom>
+          <a:noFill/>
+          <a:extLst>
+            <a:ext uri="{909E8E84-426E-40DD-AFC4-6F175D3DCCD1}">
+              <a14:hiddenFill xmlns:a14="http://schemas.microsoft.com/office/drawing/2010/main">
+                <a:solidFill>
+                  <a:srgbClr val="FFFFFF"/>
+                </a:solidFill>
+              </a14:hiddenFill>
+            </a:ext>
+          </a:extLst>
+        </p:spPr>
+      </p:pic>
+      <p:pic>
+        <p:nvPicPr>
+          <p:cNvPr id="8" name="Picture 10" descr="http://stldodn.com/sponsorlogos/2015/asynchrony.png"/>
+          <p:cNvPicPr>
+            <a:picLocks noChangeAspect="1" noChangeArrowheads="1"/>
+          </p:cNvPicPr>
+          <p:nvPr/>
+        </p:nvPicPr>
+        <p:blipFill>
+          <a:blip r:embed="rId28">
+            <a:extLst>
+              <a:ext uri="{28A0092B-C50C-407E-A947-70E740481C1C}">
+                <a14:useLocalDpi xmlns:a14="http://schemas.microsoft.com/office/drawing/2010/main" val="0"/>
+              </a:ext>
+            </a:extLst>
+          </a:blip>
+          <a:srcRect/>
+          <a:stretch>
+            <a:fillRect/>
+          </a:stretch>
+        </p:blipFill>
+        <p:spPr bwMode="auto">
+          <a:xfrm>
+            <a:off x="215988" y="3188850"/>
+            <a:ext cx="2400300" cy="466726"/>
+          </a:xfrm>
+          <a:prstGeom prst="rect">
+            <a:avLst/>
+          </a:prstGeom>
+          <a:noFill/>
+          <a:extLst>
+            <a:ext uri="{909E8E84-426E-40DD-AFC4-6F175D3DCCD1}">
+              <a14:hiddenFill xmlns:a14="http://schemas.microsoft.com/office/drawing/2010/main">
+                <a:solidFill>
+                  <a:srgbClr val="FFFFFF"/>
+                </a:solidFill>
+              </a14:hiddenFill>
+            </a:ext>
+          </a:extLst>
+        </p:spPr>
+      </p:pic>
+      <p:pic>
+        <p:nvPicPr>
+          <p:cNvPr id="1088" name="Picture 64" descr="http://stldodn.com/sponsorlogos/2015/Twilio.png"/>
+          <p:cNvPicPr>
+            <a:picLocks noChangeAspect="1" noChangeArrowheads="1"/>
+          </p:cNvPicPr>
+          <p:nvPr/>
+        </p:nvPicPr>
+        <p:blipFill>
+          <a:blip r:embed="rId29">
+            <a:extLst>
+              <a:ext uri="{28A0092B-C50C-407E-A947-70E740481C1C}">
+                <a14:useLocalDpi xmlns:a14="http://schemas.microsoft.com/office/drawing/2010/main" val="0"/>
+              </a:ext>
+            </a:extLst>
+          </a:blip>
+          <a:srcRect/>
+          <a:stretch>
+            <a:fillRect/>
+          </a:stretch>
+        </p:blipFill>
+        <p:spPr bwMode="auto">
+          <a:xfrm>
+            <a:off x="7269991" y="4725681"/>
+            <a:ext cx="1583134" cy="474941"/>
+          </a:xfrm>
+          <a:prstGeom prst="rect">
+            <a:avLst/>
+          </a:prstGeom>
+          <a:noFill/>
+          <a:extLst>
+            <a:ext uri="{909E8E84-426E-40DD-AFC4-6F175D3DCCD1}">
+              <a14:hiddenFill xmlns:a14="http://schemas.microsoft.com/office/drawing/2010/main">
+                <a:solidFill>
+                  <a:srgbClr val="FFFFFF"/>
+                </a:solidFill>
+              </a14:hiddenFill>
+            </a:ext>
+          </a:extLst>
+        </p:spPr>
+      </p:pic>
+      <p:pic>
+        <p:nvPicPr>
+          <p:cNvPr id="1090" name="Picture 66" descr="http://stldodn.com/sponsorlogos/2015/amitech.png"/>
+          <p:cNvPicPr>
+            <a:picLocks noChangeAspect="1" noChangeArrowheads="1"/>
+          </p:cNvPicPr>
+          <p:nvPr/>
+        </p:nvPicPr>
+        <p:blipFill>
+          <a:blip r:embed="rId30">
+            <a:extLst>
+              <a:ext uri="{28A0092B-C50C-407E-A947-70E740481C1C}">
+                <a14:useLocalDpi xmlns:a14="http://schemas.microsoft.com/office/drawing/2010/main" val="0"/>
+              </a:ext>
+            </a:extLst>
+          </a:blip>
+          <a:srcRect/>
+          <a:stretch>
+            <a:fillRect/>
+          </a:stretch>
+        </p:blipFill>
+        <p:spPr bwMode="auto">
+          <a:xfrm>
+            <a:off x="165482" y="6365139"/>
+            <a:ext cx="1282318" cy="350501"/>
+          </a:xfrm>
+          <a:prstGeom prst="rect">
+            <a:avLst/>
+          </a:prstGeom>
+          <a:noFill/>
+          <a:extLst>
+            <a:ext uri="{909E8E84-426E-40DD-AFC4-6F175D3DCCD1}">
+              <a14:hiddenFill xmlns:a14="http://schemas.microsoft.com/office/drawing/2010/main">
+                <a:solidFill>
+                  <a:srgbClr val="FFFFFF"/>
+                </a:solidFill>
+              </a14:hiddenFill>
+            </a:ext>
+          </a:extLst>
+        </p:spPr>
+      </p:pic>
+      <p:pic>
+        <p:nvPicPr>
+          <p:cNvPr id="1092" name="Picture 68" descr="http://stldodn.com/sponsorlogos/2015/logicnp.png"/>
+          <p:cNvPicPr>
+            <a:picLocks noChangeAspect="1" noChangeArrowheads="1"/>
+          </p:cNvPicPr>
+          <p:nvPr/>
+        </p:nvPicPr>
+        <p:blipFill>
+          <a:blip r:embed="rId31">
+            <a:extLst>
+              <a:ext uri="{28A0092B-C50C-407E-A947-70E740481C1C}">
+                <a14:useLocalDpi xmlns:a14="http://schemas.microsoft.com/office/drawing/2010/main" val="0"/>
+              </a:ext>
+            </a:extLst>
+          </a:blip>
+          <a:srcRect/>
+          <a:stretch>
+            <a:fillRect/>
+          </a:stretch>
+        </p:blipFill>
+        <p:spPr bwMode="auto">
+          <a:xfrm>
+            <a:off x="2084485" y="6388585"/>
+            <a:ext cx="949934" cy="248444"/>
+          </a:xfrm>
+          <a:prstGeom prst="rect">
+            <a:avLst/>
+          </a:prstGeom>
+          <a:noFill/>
+          <a:extLst>
+            <a:ext uri="{909E8E84-426E-40DD-AFC4-6F175D3DCCD1}">
+              <a14:hiddenFill xmlns:a14="http://schemas.microsoft.com/office/drawing/2010/main">
+                <a:solidFill>
+                  <a:srgbClr val="FFFFFF"/>
+                </a:solidFill>
+              </a14:hiddenFill>
+            </a:ext>
+          </a:extLst>
+        </p:spPr>
+      </p:pic>
+      <p:pic>
+        <p:nvPicPr>
+          <p:cNvPr id="1094" name="Picture 70" descr="http://stldodn.com/sponsorlogos/2015/stltechtalk.png"/>
+          <p:cNvPicPr>
+            <a:picLocks noChangeAspect="1" noChangeArrowheads="1"/>
+          </p:cNvPicPr>
+          <p:nvPr/>
+        </p:nvPicPr>
+        <p:blipFill>
+          <a:blip r:embed="rId32">
+            <a:extLst>
+              <a:ext uri="{28A0092B-C50C-407E-A947-70E740481C1C}">
+                <a14:useLocalDpi xmlns:a14="http://schemas.microsoft.com/office/drawing/2010/main" val="0"/>
+              </a:ext>
+            </a:extLst>
+          </a:blip>
+          <a:srcRect/>
+          <a:stretch>
+            <a:fillRect/>
+          </a:stretch>
+        </p:blipFill>
+        <p:spPr bwMode="auto">
+          <a:xfrm>
+            <a:off x="3989362" y="6273945"/>
+            <a:ext cx="706712" cy="441695"/>
+          </a:xfrm>
+          <a:prstGeom prst="rect">
+            <a:avLst/>
+          </a:prstGeom>
+          <a:noFill/>
+          <a:extLst>
+            <a:ext uri="{909E8E84-426E-40DD-AFC4-6F175D3DCCD1}">
+              <a14:hiddenFill xmlns:a14="http://schemas.microsoft.com/office/drawing/2010/main">
+                <a:solidFill>
+                  <a:srgbClr val="FFFFFF"/>
+                </a:solidFill>
+              </a14:hiddenFill>
+            </a:ext>
+          </a:extLst>
+        </p:spPr>
+      </p:pic>
+      <p:pic>
+        <p:nvPicPr>
+          <p:cNvPr id="1096" name="Picture 72" descr="http://stldodn.com/sponsorlogos/2015/jacobson.png"/>
+          <p:cNvPicPr>
+            <a:picLocks noChangeAspect="1" noChangeArrowheads="1"/>
+          </p:cNvPicPr>
+          <p:nvPr/>
+        </p:nvPicPr>
+        <p:blipFill>
+          <a:blip r:embed="rId33">
+            <a:extLst>
+              <a:ext uri="{28A0092B-C50C-407E-A947-70E740481C1C}">
+                <a14:useLocalDpi xmlns:a14="http://schemas.microsoft.com/office/drawing/2010/main" val="0"/>
+              </a:ext>
+            </a:extLst>
+          </a:blip>
+          <a:srcRect/>
+          <a:stretch>
+            <a:fillRect/>
+          </a:stretch>
+        </p:blipFill>
+        <p:spPr bwMode="auto">
+          <a:xfrm>
+            <a:off x="5456088" y="6264065"/>
+            <a:ext cx="1038559" cy="332339"/>
+          </a:xfrm>
+          <a:prstGeom prst="rect">
+            <a:avLst/>
+          </a:prstGeom>
+          <a:noFill/>
+          <a:extLst>
+            <a:ext uri="{909E8E84-426E-40DD-AFC4-6F175D3DCCD1}">
+              <a14:hiddenFill xmlns:a14="http://schemas.microsoft.com/office/drawing/2010/main">
+                <a:solidFill>
+                  <a:srgbClr val="FFFFFF"/>
+                </a:solidFill>
+              </a14:hiddenFill>
+            </a:ext>
+          </a:extLst>
+        </p:spPr>
+      </p:pic>
+      <p:pic>
+        <p:nvPicPr>
+          <p:cNvPr id="1098" name="Picture 74" descr="http://stldodn.com/sponsorlogos/2015/wits.jpg"/>
+          <p:cNvPicPr>
+            <a:picLocks noChangeAspect="1" noChangeArrowheads="1"/>
+          </p:cNvPicPr>
+          <p:nvPr/>
+        </p:nvPicPr>
+        <p:blipFill>
+          <a:blip r:embed="rId34">
+            <a:extLst>
+              <a:ext uri="{28A0092B-C50C-407E-A947-70E740481C1C}">
+                <a14:useLocalDpi xmlns:a14="http://schemas.microsoft.com/office/drawing/2010/main" val="0"/>
+              </a:ext>
+            </a:extLst>
+          </a:blip>
+          <a:srcRect/>
+          <a:stretch>
+            <a:fillRect/>
+          </a:stretch>
+        </p:blipFill>
+        <p:spPr bwMode="auto">
+          <a:xfrm>
+            <a:off x="7599607" y="6043247"/>
+            <a:ext cx="515026" cy="643783"/>
+          </a:xfrm>
+          <a:prstGeom prst="rect">
+            <a:avLst/>
+          </a:prstGeom>
+          <a:noFill/>
+          <a:extLst>
+            <a:ext uri="{909E8E84-426E-40DD-AFC4-6F175D3DCCD1}">
+              <a14:hiddenFill xmlns:a14="http://schemas.microsoft.com/office/drawing/2010/main">
+                <a:solidFill>
+                  <a:srgbClr val="FFFFFF"/>
+                </a:solidFill>
+              </a14:hiddenFill>
+            </a:ext>
+          </a:extLst>
+        </p:spPr>
+      </p:pic>
+      <p:pic>
+        <p:nvPicPr>
+          <p:cNvPr id="1100" name="Picture 76" descr="http://stldodn.com/sponsorlogos/2015/redgate.png"/>
+          <p:cNvPicPr>
+            <a:picLocks noChangeAspect="1" noChangeArrowheads="1"/>
+          </p:cNvPicPr>
+          <p:nvPr/>
+        </p:nvPicPr>
+        <p:blipFill>
+          <a:blip r:embed="rId35">
+            <a:extLst>
+              <a:ext uri="{28A0092B-C50C-407E-A947-70E740481C1C}">
+                <a14:useLocalDpi xmlns:a14="http://schemas.microsoft.com/office/drawing/2010/main" val="0"/>
+              </a:ext>
+            </a:extLst>
+          </a:blip>
+          <a:srcRect/>
+          <a:stretch>
+            <a:fillRect/>
+          </a:stretch>
+        </p:blipFill>
+        <p:spPr bwMode="auto">
+          <a:xfrm>
+            <a:off x="9123925" y="6379458"/>
+            <a:ext cx="606113" cy="303057"/>
+          </a:xfrm>
+          <a:prstGeom prst="rect">
+            <a:avLst/>
+          </a:prstGeom>
+          <a:noFill/>
+          <a:extLst>
+            <a:ext uri="{909E8E84-426E-40DD-AFC4-6F175D3DCCD1}">
+              <a14:hiddenFill xmlns:a14="http://schemas.microsoft.com/office/drawing/2010/main">
+                <a:solidFill>
+                  <a:srgbClr val="FFFFFF"/>
+                </a:solidFill>
+              </a14:hiddenFill>
+            </a:ext>
+          </a:extLst>
+        </p:spPr>
+      </p:pic>
+      <p:pic>
+        <p:nvPicPr>
+          <p:cNvPr id="1102" name="Picture 78" descr="http://stldodn.com/sponsorlogos/2015/Ansira.png"/>
+          <p:cNvPicPr>
+            <a:picLocks noChangeAspect="1" noChangeArrowheads="1"/>
+          </p:cNvPicPr>
+          <p:nvPr/>
+        </p:nvPicPr>
+        <p:blipFill>
+          <a:blip r:embed="rId36">
+            <a:extLst>
+              <a:ext uri="{28A0092B-C50C-407E-A947-70E740481C1C}">
+                <a14:useLocalDpi xmlns:a14="http://schemas.microsoft.com/office/drawing/2010/main" val="0"/>
+              </a:ext>
+            </a:extLst>
+          </a:blip>
+          <a:srcRect/>
+          <a:stretch>
+            <a:fillRect/>
+          </a:stretch>
+        </p:blipFill>
+        <p:spPr bwMode="auto">
+          <a:xfrm>
+            <a:off x="10684981" y="6388585"/>
+            <a:ext cx="827720" cy="253835"/>
+          </a:xfrm>
+          <a:prstGeom prst="rect">
+            <a:avLst/>
+          </a:prstGeom>
+          <a:noFill/>
+          <a:extLst>
+            <a:ext uri="{909E8E84-426E-40DD-AFC4-6F175D3DCCD1}">
+              <a14:hiddenFill xmlns:a14="http://schemas.microsoft.com/office/drawing/2010/main">
+                <a:solidFill>
+                  <a:srgbClr val="FFFFFF"/>
+                </a:solidFill>
+              </a14:hiddenFill>
+            </a:ext>
+          </a:extLst>
+        </p:spPr>
+      </p:pic>
+      <p:pic>
+        <p:nvPicPr>
+          <p:cNvPr id="6" name="Picture 5"/>
+          <p:cNvPicPr>
+            <a:picLocks noChangeAspect="1"/>
+          </p:cNvPicPr>
+          <p:nvPr/>
+        </p:nvPicPr>
+        <p:blipFill>
+          <a:blip r:embed="rId37" cstate="print">
+            <a:extLst>
+              <a:ext uri="{28A0092B-C50C-407E-A947-70E740481C1C}">
+                <a14:useLocalDpi xmlns:a14="http://schemas.microsoft.com/office/drawing/2010/main" val="0"/>
+              </a:ext>
+            </a:extLst>
+          </a:blip>
+          <a:stretch>
+            <a:fillRect/>
+          </a:stretch>
+        </p:blipFill>
+        <p:spPr>
+          <a:xfrm>
+            <a:off x="5951779" y="324190"/>
+            <a:ext cx="3873524" cy="970899"/>
+          </a:xfrm>
+          <a:prstGeom prst="rect">
+            <a:avLst/>
+          </a:prstGeom>
+        </p:spPr>
+      </p:pic>
+      <p:pic>
+        <p:nvPicPr>
+          <p:cNvPr id="20" name="Picture 32" descr="http://stldodn.com/sponsorlogos/2015/swankmp.png"/>
+          <p:cNvPicPr>
+            <a:picLocks noChangeAspect="1" noChangeArrowheads="1"/>
+          </p:cNvPicPr>
+          <p:nvPr/>
+        </p:nvPicPr>
+        <p:blipFill>
+          <a:blip r:embed="rId38">
+            <a:extLst>
+              <a:ext uri="{28A0092B-C50C-407E-A947-70E740481C1C}">
+                <a14:useLocalDpi xmlns:a14="http://schemas.microsoft.com/office/drawing/2010/main" val="0"/>
+              </a:ext>
+            </a:extLst>
+          </a:blip>
+          <a:srcRect/>
+          <a:stretch>
+            <a:fillRect/>
+          </a:stretch>
+        </p:blipFill>
+        <p:spPr bwMode="auto">
+          <a:xfrm>
+            <a:off x="758806" y="4612877"/>
+            <a:ext cx="1905000" cy="476250"/>
+          </a:xfrm>
+          <a:prstGeom prst="rect">
+            <a:avLst/>
+          </a:prstGeom>
+          <a:noFill/>
+          <a:extLst>
+            <a:ext uri="{909E8E84-426E-40DD-AFC4-6F175D3DCCD1}">
+              <a14:hiddenFill xmlns:a14="http://schemas.microsoft.com/office/drawing/2010/main">
+                <a:solidFill>
+                  <a:srgbClr val="FFFFFF"/>
+                </a:solidFill>
+              </a14:hiddenFill>
+            </a:ext>
+          </a:extLst>
+        </p:spPr>
+      </p:pic>
+      <p:pic>
+        <p:nvPicPr>
+          <p:cNvPr id="1026" name="Picture 2" descr="http://stldodn.com/sponsorlogos/2015/MortgageReturns.png"/>
+          <p:cNvPicPr>
+            <a:picLocks noChangeAspect="1" noChangeArrowheads="1"/>
+          </p:cNvPicPr>
+          <p:nvPr/>
+        </p:nvPicPr>
+        <p:blipFill>
+          <a:blip r:embed="rId39">
+            <a:extLst>
+              <a:ext uri="{28A0092B-C50C-407E-A947-70E740481C1C}">
+                <a14:useLocalDpi xmlns:a14="http://schemas.microsoft.com/office/drawing/2010/main" val="0"/>
+              </a:ext>
+            </a:extLst>
+          </a:blip>
+          <a:srcRect/>
+          <a:stretch>
+            <a:fillRect/>
+          </a:stretch>
+        </p:blipFill>
+        <p:spPr bwMode="auto">
+          <a:xfrm>
+            <a:off x="8969506" y="4415893"/>
+            <a:ext cx="2647950" cy="1009650"/>
+          </a:xfrm>
+          <a:prstGeom prst="rect">
+            <a:avLst/>
+          </a:prstGeom>
+          <a:noFill/>
+          <a:extLst>
+            <a:ext uri="{909E8E84-426E-40DD-AFC4-6F175D3DCCD1}">
+              <a14:hiddenFill xmlns:a14="http://schemas.microsoft.com/office/drawing/2010/main">
+                <a:solidFill>
+                  <a:srgbClr val="FFFFFF"/>
+                </a:solidFill>
+              </a14:hiddenFill>
+            </a:ext>
+          </a:extLst>
+        </p:spPr>
+      </p:pic>
+    </p:spTree>
+    <p:extLst>
+      <p:ext uri="{BB962C8B-B14F-4D97-AF65-F5344CB8AC3E}">
+        <p14:creationId xmlns:p14="http://schemas.microsoft.com/office/powerpoint/2010/main" val="2948537018"/>
+      </p:ext>
+    </p:extLst>
+  </p:cSld>
+  <p:clrMapOvr>
+    <a:masterClrMapping/>
+  </p:clrMapOvr>
+  <p:timing>
+    <p:tnLst>
+      <p:par>
+        <p:cTn id="1" dur="indefinite" restart="never" nodeType="tmRoot"/>
+      </p:par>
+    </p:tnLst>
+  </p:timing>
+</p:sld>
+</file>
+
+<file path=ppt/slides/slide20.xml><?xml version="1.0" encoding="utf-8"?>
 <p:sld xmlns:a="http://schemas.openxmlformats.org/drawingml/2006/main" xmlns:r="http://schemas.openxmlformats.org/officeDocument/2006/relationships" xmlns:p="http://schemas.openxmlformats.org/presentationml/2006/main">
   <p:cSld>
     <p:spTree>
@@ -10362,197 +16041,7 @@
 </p:sld>
 </file>
 
-<file path=ppt/slides/slide2.xml><?xml version="1.0" encoding="utf-8"?>
-<p:sld xmlns:a="http://schemas.openxmlformats.org/drawingml/2006/main" xmlns:r="http://schemas.openxmlformats.org/officeDocument/2006/relationships" xmlns:p="http://schemas.openxmlformats.org/presentationml/2006/main">
-  <p:cSld>
-    <p:spTree>
-      <p:nvGrpSpPr>
-        <p:cNvPr id="1" name=""/>
-        <p:cNvGrpSpPr/>
-        <p:nvPr/>
-      </p:nvGrpSpPr>
-      <p:grpSpPr>
-        <a:xfrm>
-          <a:off x="0" y="0"/>
-          <a:ext cx="0" cy="0"/>
-          <a:chOff x="0" y="0"/>
-          <a:chExt cx="0" cy="0"/>
-        </a:xfrm>
-      </p:grpSpPr>
-      <p:sp>
-        <p:nvSpPr>
-          <p:cNvPr id="2" name="Title 1"/>
-          <p:cNvSpPr>
-            <a:spLocks noGrp="1"/>
-          </p:cNvSpPr>
-          <p:nvPr>
-            <p:ph type="title"/>
-          </p:nvPr>
-        </p:nvSpPr>
-        <p:spPr/>
-        <p:txBody>
-          <a:bodyPr/>
-          <a:lstStyle/>
-          <a:p>
-            <a:r>
-              <a:rPr lang="en-US" dirty="0" smtClean="0"/>
-              <a:t>About Me</a:t>
-            </a:r>
-            <a:endParaRPr lang="en-US" dirty="0"/>
-          </a:p>
-        </p:txBody>
-      </p:sp>
-      <p:sp>
-        <p:nvSpPr>
-          <p:cNvPr id="3" name="Content Placeholder 2"/>
-          <p:cNvSpPr>
-            <a:spLocks noGrp="1"/>
-          </p:cNvSpPr>
-          <p:nvPr>
-            <p:ph sz="half" idx="1"/>
-          </p:nvPr>
-        </p:nvSpPr>
-        <p:spPr/>
-        <p:txBody>
-          <a:bodyPr>
-            <a:normAutofit/>
-          </a:bodyPr>
-          <a:lstStyle/>
-          <a:p>
-            <a:r>
-              <a:rPr lang="en-US" dirty="0"/>
-              <a:t>Lead Developer at UseTech Design L.L.C. (UTD)</a:t>
-            </a:r>
-          </a:p>
-          <a:p>
-            <a:r>
-              <a:rPr lang="en-US" dirty="0"/>
-              <a:t>A consulting firm based in Troy, </a:t>
-            </a:r>
-            <a:r>
-              <a:rPr lang="en-US" dirty="0" smtClean="0"/>
-              <a:t>MI</a:t>
-            </a:r>
-          </a:p>
-          <a:p>
-            <a:r>
-              <a:rPr lang="en-US" dirty="0" smtClean="0">
-                <a:hlinkClick r:id="rId2"/>
-              </a:rPr>
-              <a:t>http://www.utdes.com</a:t>
-            </a:r>
-            <a:endParaRPr lang="en-US" dirty="0"/>
-          </a:p>
-          <a:p>
-            <a:endParaRPr lang="en-US" dirty="0"/>
-          </a:p>
-        </p:txBody>
-      </p:sp>
-      <p:sp>
-        <p:nvSpPr>
-          <p:cNvPr id="4" name="Content Placeholder 3"/>
-          <p:cNvSpPr>
-            <a:spLocks noGrp="1"/>
-          </p:cNvSpPr>
-          <p:nvPr>
-            <p:ph sz="half" idx="2"/>
-          </p:nvPr>
-        </p:nvSpPr>
-        <p:spPr/>
-        <p:txBody>
-          <a:bodyPr>
-            <a:normAutofit/>
-          </a:bodyPr>
-          <a:lstStyle/>
-          <a:p>
-            <a:r>
-              <a:rPr lang="en-US" dirty="0"/>
-              <a:t>Professional Developer for </a:t>
-            </a:r>
-            <a:r>
-              <a:rPr lang="en-US" dirty="0" smtClean="0"/>
-              <a:t>6+ </a:t>
-            </a:r>
-            <a:r>
-              <a:rPr lang="en-US" dirty="0"/>
-              <a:t>years</a:t>
-            </a:r>
-          </a:p>
-          <a:p>
-            <a:pPr lvl="1"/>
-            <a:r>
-              <a:rPr lang="en-US" dirty="0"/>
-              <a:t>Windows Forms</a:t>
-            </a:r>
-          </a:p>
-          <a:p>
-            <a:pPr lvl="1"/>
-            <a:r>
-              <a:rPr lang="en-US" dirty="0"/>
-              <a:t>Web</a:t>
-            </a:r>
-          </a:p>
-          <a:p>
-            <a:pPr lvl="1"/>
-            <a:r>
-              <a:rPr lang="en-US" dirty="0"/>
-              <a:t>Mobile</a:t>
-            </a:r>
-          </a:p>
-          <a:p>
-            <a:pPr lvl="1"/>
-            <a:r>
-              <a:rPr lang="en-US" dirty="0"/>
-              <a:t>SQL Optimization</a:t>
-            </a:r>
-          </a:p>
-          <a:p>
-            <a:pPr lvl="1"/>
-            <a:r>
-              <a:rPr lang="en-US" dirty="0"/>
-              <a:t>Data Analysis</a:t>
-            </a:r>
-          </a:p>
-          <a:p>
-            <a:pPr lvl="1"/>
-            <a:r>
-              <a:rPr lang="en-US" dirty="0"/>
-              <a:t>Mathematics</a:t>
-            </a:r>
-          </a:p>
-          <a:p>
-            <a:pPr lvl="1"/>
-            <a:r>
-              <a:rPr lang="en-US" dirty="0"/>
-              <a:t>Big Data</a:t>
-            </a:r>
-          </a:p>
-          <a:p>
-            <a:endParaRPr lang="en-US" dirty="0"/>
-          </a:p>
-        </p:txBody>
-      </p:sp>
-    </p:spTree>
-    <p:extLst>
-      <p:ext uri="{BB962C8B-B14F-4D97-AF65-F5344CB8AC3E}">
-        <p14:creationId xmlns:p14="http://schemas.microsoft.com/office/powerpoint/2010/main" val="3983846664"/>
-      </p:ext>
-    </p:extLst>
-  </p:cSld>
-  <p:clrMapOvr>
-    <a:masterClrMapping/>
-  </p:clrMapOvr>
-  <p:timing>
-    <p:tnLst>
-      <p:par>
-        <p:cTn id="1" dur="indefinite" restart="never" nodeType="tmRoot"/>
-      </p:par>
-    </p:tnLst>
-  </p:timing>
-</p:sld>
-</file>
-
-<file path=ppt/slides/slide20.xml><?xml version="1.0" encoding="utf-8"?>
+<file path=ppt/slides/slide21.xml><?xml version="1.0" encoding="utf-8"?>
 <p:sld xmlns:a="http://schemas.openxmlformats.org/drawingml/2006/main" xmlns:r="http://schemas.openxmlformats.org/officeDocument/2006/relationships" xmlns:p="http://schemas.openxmlformats.org/presentationml/2006/main">
   <p:cSld>
     <p:spTree>
@@ -10775,7 +16264,7 @@
 </p:sld>
 </file>
 
-<file path=ppt/slides/slide21.xml><?xml version="1.0" encoding="utf-8"?>
+<file path=ppt/slides/slide22.xml><?xml version="1.0" encoding="utf-8"?>
 <p:sld xmlns:a="http://schemas.openxmlformats.org/drawingml/2006/main" xmlns:r="http://schemas.openxmlformats.org/officeDocument/2006/relationships" xmlns:p="http://schemas.openxmlformats.org/presentationml/2006/main">
   <p:cSld>
     <p:spTree>
@@ -11175,7 +16664,7 @@
 </p:sld>
 </file>
 
-<file path=ppt/slides/slide22.xml><?xml version="1.0" encoding="utf-8"?>
+<file path=ppt/slides/slide23.xml><?xml version="1.0" encoding="utf-8"?>
 <p:sld xmlns:a="http://schemas.openxmlformats.org/drawingml/2006/main" xmlns:r="http://schemas.openxmlformats.org/officeDocument/2006/relationships" xmlns:p="http://schemas.openxmlformats.org/presentationml/2006/main">
   <p:cSld>
     <p:spTree>
@@ -11556,7 +17045,7 @@
 </p:sld>
 </file>
 
-<file path=ppt/slides/slide23.xml><?xml version="1.0" encoding="utf-8"?>
+<file path=ppt/slides/slide24.xml><?xml version="1.0" encoding="utf-8"?>
 <p:sld xmlns:a="http://schemas.openxmlformats.org/drawingml/2006/main" xmlns:r="http://schemas.openxmlformats.org/officeDocument/2006/relationships" xmlns:p="http://schemas.openxmlformats.org/presentationml/2006/main">
   <p:cSld>
     <p:spTree>
@@ -11646,7 +17135,7 @@
 </p:sld>
 </file>
 
-<file path=ppt/slides/slide24.xml><?xml version="1.0" encoding="utf-8"?>
+<file path=ppt/slides/slide25.xml><?xml version="1.0" encoding="utf-8"?>
 <p:sld xmlns:a="http://schemas.openxmlformats.org/drawingml/2006/main" xmlns:r="http://schemas.openxmlformats.org/officeDocument/2006/relationships" xmlns:p="http://schemas.openxmlformats.org/presentationml/2006/main">
   <p:cSld>
     <p:spTree>
@@ -11711,7 +17200,7 @@
 </p:sld>
 </file>
 
-<file path=ppt/slides/slide25.xml><?xml version="1.0" encoding="utf-8"?>
+<file path=ppt/slides/slide26.xml><?xml version="1.0" encoding="utf-8"?>
 <p:sld xmlns:a="http://schemas.openxmlformats.org/drawingml/2006/main" xmlns:r="http://schemas.openxmlformats.org/officeDocument/2006/relationships" xmlns:p="http://schemas.openxmlformats.org/presentationml/2006/main">
   <p:cSld>
     <p:spTree>
@@ -11772,7 +17261,7 @@
 </p:sld>
 </file>
 
-<file path=ppt/slides/slide26.xml><?xml version="1.0" encoding="utf-8"?>
+<file path=ppt/slides/slide27.xml><?xml version="1.0" encoding="utf-8"?>
 <p:sld xmlns:a="http://schemas.openxmlformats.org/drawingml/2006/main" xmlns:r="http://schemas.openxmlformats.org/officeDocument/2006/relationships" xmlns:p="http://schemas.openxmlformats.org/presentationml/2006/main">
   <p:cSld>
     <p:spTree>
@@ -11996,7 +17485,7 @@
 </p:sld>
 </file>
 
-<file path=ppt/slides/slide27.xml><?xml version="1.0" encoding="utf-8"?>
+<file path=ppt/slides/slide28.xml><?xml version="1.0" encoding="utf-8"?>
 <p:sld xmlns:a="http://schemas.openxmlformats.org/drawingml/2006/main" xmlns:r="http://schemas.openxmlformats.org/officeDocument/2006/relationships" xmlns:p="http://schemas.openxmlformats.org/presentationml/2006/main">
   <p:cSld>
     <p:spTree>
@@ -12439,7 +17928,7 @@
 </p:sld>
 </file>
 
-<file path=ppt/slides/slide28.xml><?xml version="1.0" encoding="utf-8"?>
+<file path=ppt/slides/slide29.xml><?xml version="1.0" encoding="utf-8"?>
 <p:sld xmlns:a="http://schemas.openxmlformats.org/drawingml/2006/main" xmlns:r="http://schemas.openxmlformats.org/officeDocument/2006/relationships" xmlns:p="http://schemas.openxmlformats.org/presentationml/2006/main">
   <p:cSld>
     <p:spTree>
@@ -12574,6 +18063,197 @@
 </file>
 
 <file path=ppt/slides/slide3.xml><?xml version="1.0" encoding="utf-8"?>
+<p:sld xmlns:a="http://schemas.openxmlformats.org/drawingml/2006/main" xmlns:r="http://schemas.openxmlformats.org/officeDocument/2006/relationships" xmlns:p="http://schemas.openxmlformats.org/presentationml/2006/main">
+  <p:cSld>
+    <p:spTree>
+      <p:nvGrpSpPr>
+        <p:cNvPr id="1" name=""/>
+        <p:cNvGrpSpPr/>
+        <p:nvPr/>
+      </p:nvGrpSpPr>
+      <p:grpSpPr>
+        <a:xfrm>
+          <a:off x="0" y="0"/>
+          <a:ext cx="0" cy="0"/>
+          <a:chOff x="0" y="0"/>
+          <a:chExt cx="0" cy="0"/>
+        </a:xfrm>
+      </p:grpSpPr>
+      <p:sp>
+        <p:nvSpPr>
+          <p:cNvPr id="2" name="Title 1"/>
+          <p:cNvSpPr>
+            <a:spLocks noGrp="1"/>
+          </p:cNvSpPr>
+          <p:nvPr>
+            <p:ph type="title"/>
+          </p:nvPr>
+        </p:nvSpPr>
+        <p:spPr/>
+        <p:txBody>
+          <a:bodyPr/>
+          <a:lstStyle/>
+          <a:p>
+            <a:r>
+              <a:rPr lang="en-US" dirty="0" smtClean="0"/>
+              <a:t>About Me</a:t>
+            </a:r>
+            <a:endParaRPr lang="en-US" dirty="0"/>
+          </a:p>
+        </p:txBody>
+      </p:sp>
+      <p:sp>
+        <p:nvSpPr>
+          <p:cNvPr id="3" name="Content Placeholder 2"/>
+          <p:cNvSpPr>
+            <a:spLocks noGrp="1"/>
+          </p:cNvSpPr>
+          <p:nvPr>
+            <p:ph sz="half" idx="1"/>
+          </p:nvPr>
+        </p:nvSpPr>
+        <p:spPr/>
+        <p:txBody>
+          <a:bodyPr>
+            <a:normAutofit/>
+          </a:bodyPr>
+          <a:lstStyle/>
+          <a:p>
+            <a:r>
+              <a:rPr lang="en-US" dirty="0" smtClean="0"/>
+              <a:t>Owner Korzynski LLC</a:t>
+            </a:r>
+          </a:p>
+          <a:p>
+            <a:r>
+              <a:rPr lang="en-US" dirty="0" smtClean="0"/>
+              <a:t>Independent Consultant for 3+ years</a:t>
+            </a:r>
+            <a:endParaRPr lang="en-US" dirty="0" smtClean="0"/>
+          </a:p>
+          <a:p>
+            <a:r>
+              <a:rPr lang="en-US" dirty="0" smtClean="0">
+                <a:hlinkClick r:id="rId2"/>
+              </a:rPr>
+              <a:t>http://www.korzynski.com</a:t>
+            </a:r>
+            <a:endParaRPr lang="en-US" dirty="0"/>
+          </a:p>
+          <a:p>
+            <a:endParaRPr lang="en-US" dirty="0"/>
+          </a:p>
+        </p:txBody>
+      </p:sp>
+      <p:sp>
+        <p:nvSpPr>
+          <p:cNvPr id="4" name="Content Placeholder 3"/>
+          <p:cNvSpPr>
+            <a:spLocks noGrp="1"/>
+          </p:cNvSpPr>
+          <p:nvPr>
+            <p:ph sz="half" idx="2"/>
+          </p:nvPr>
+        </p:nvSpPr>
+        <p:spPr/>
+        <p:txBody>
+          <a:bodyPr>
+            <a:normAutofit/>
+          </a:bodyPr>
+          <a:lstStyle/>
+          <a:p>
+            <a:r>
+              <a:rPr lang="en-US" dirty="0"/>
+              <a:t>Professional Developer for </a:t>
+            </a:r>
+            <a:r>
+              <a:rPr lang="en-US" dirty="0"/>
+              <a:t>7</a:t>
+            </a:r>
+            <a:r>
+              <a:rPr lang="en-US" dirty="0" smtClean="0"/>
+              <a:t>+ </a:t>
+            </a:r>
+            <a:r>
+              <a:rPr lang="en-US" dirty="0"/>
+              <a:t>years</a:t>
+            </a:r>
+          </a:p>
+          <a:p>
+            <a:pPr lvl="1"/>
+            <a:r>
+              <a:rPr lang="en-US" dirty="0"/>
+              <a:t>Windows Forms</a:t>
+            </a:r>
+          </a:p>
+          <a:p>
+            <a:pPr lvl="1"/>
+            <a:r>
+              <a:rPr lang="en-US" dirty="0"/>
+              <a:t>Web</a:t>
+            </a:r>
+          </a:p>
+          <a:p>
+            <a:pPr lvl="1"/>
+            <a:r>
+              <a:rPr lang="en-US" dirty="0"/>
+              <a:t>Mobile</a:t>
+            </a:r>
+          </a:p>
+          <a:p>
+            <a:pPr lvl="1"/>
+            <a:r>
+              <a:rPr lang="en-US" dirty="0"/>
+              <a:t>SQL Optimization</a:t>
+            </a:r>
+          </a:p>
+          <a:p>
+            <a:pPr lvl="1"/>
+            <a:r>
+              <a:rPr lang="en-US" dirty="0"/>
+              <a:t>Data Analysis</a:t>
+            </a:r>
+          </a:p>
+          <a:p>
+            <a:pPr lvl="1"/>
+            <a:r>
+              <a:rPr lang="en-US" dirty="0"/>
+              <a:t>Mathematics</a:t>
+            </a:r>
+          </a:p>
+          <a:p>
+            <a:pPr lvl="1"/>
+            <a:r>
+              <a:rPr lang="en-US" dirty="0"/>
+              <a:t>Big Data</a:t>
+            </a:r>
+          </a:p>
+          <a:p>
+            <a:endParaRPr lang="en-US" dirty="0"/>
+          </a:p>
+        </p:txBody>
+      </p:sp>
+    </p:spTree>
+    <p:extLst>
+      <p:ext uri="{BB962C8B-B14F-4D97-AF65-F5344CB8AC3E}">
+        <p14:creationId xmlns:p14="http://schemas.microsoft.com/office/powerpoint/2010/main" val="3983846664"/>
+      </p:ext>
+    </p:extLst>
+  </p:cSld>
+  <p:clrMapOvr>
+    <a:masterClrMapping/>
+  </p:clrMapOvr>
+  <p:timing>
+    <p:tnLst>
+      <p:par>
+        <p:cTn id="1" dur="indefinite" restart="never" nodeType="tmRoot"/>
+      </p:par>
+    </p:tnLst>
+  </p:timing>
+</p:sld>
+</file>
+
+<file path=ppt/slides/slide4.xml><?xml version="1.0" encoding="utf-8"?>
 <p:sld xmlns:a="http://schemas.openxmlformats.org/drawingml/2006/main" xmlns:r="http://schemas.openxmlformats.org/officeDocument/2006/relationships" xmlns:p="http://schemas.openxmlformats.org/presentationml/2006/main">
   <p:cSld>
     <p:spTree>
@@ -12766,103 +18446,6 @@
 </p:sld>
 </file>
 
-<file path=ppt/slides/slide4.xml><?xml version="1.0" encoding="utf-8"?>
-<p:sld xmlns:a="http://schemas.openxmlformats.org/drawingml/2006/main" xmlns:r="http://schemas.openxmlformats.org/officeDocument/2006/relationships" xmlns:p="http://schemas.openxmlformats.org/presentationml/2006/main">
-  <p:cSld>
-    <p:spTree>
-      <p:nvGrpSpPr>
-        <p:cNvPr id="1" name=""/>
-        <p:cNvGrpSpPr/>
-        <p:nvPr/>
-      </p:nvGrpSpPr>
-      <p:grpSpPr>
-        <a:xfrm>
-          <a:off x="0" y="0"/>
-          <a:ext cx="0" cy="0"/>
-          <a:chOff x="0" y="0"/>
-          <a:chExt cx="0" cy="0"/>
-        </a:xfrm>
-      </p:grpSpPr>
-      <p:sp>
-        <p:nvSpPr>
-          <p:cNvPr id="2" name="Title 1"/>
-          <p:cNvSpPr>
-            <a:spLocks noGrp="1"/>
-          </p:cNvSpPr>
-          <p:nvPr>
-            <p:ph type="title"/>
-          </p:nvPr>
-        </p:nvSpPr>
-        <p:spPr/>
-        <p:txBody>
-          <a:bodyPr/>
-          <a:lstStyle/>
-          <a:p>
-            <a:r>
-              <a:rPr lang="en-US" dirty="0" smtClean="0"/>
-              <a:t>Functional Programming Benefits</a:t>
-            </a:r>
-            <a:endParaRPr lang="en-US" dirty="0"/>
-          </a:p>
-        </p:txBody>
-      </p:sp>
-      <p:sp>
-        <p:nvSpPr>
-          <p:cNvPr id="3" name="Content Placeholder 2"/>
-          <p:cNvSpPr>
-            <a:spLocks noGrp="1"/>
-          </p:cNvSpPr>
-          <p:nvPr>
-            <p:ph idx="1"/>
-          </p:nvPr>
-        </p:nvSpPr>
-        <p:spPr/>
-        <p:txBody>
-          <a:bodyPr/>
-          <a:lstStyle/>
-          <a:p>
-            <a:r>
-              <a:rPr lang="en-US" dirty="0" smtClean="0"/>
-              <a:t>Pass functions around like they are variables, even across assemblies you might not have a reference to</a:t>
-            </a:r>
-          </a:p>
-          <a:p>
-            <a:r>
-              <a:rPr lang="en-US" dirty="0" smtClean="0"/>
-              <a:t>We can invoke the function when ever we like and as many times as we like</a:t>
-            </a:r>
-          </a:p>
-          <a:p>
-            <a:r>
-              <a:rPr lang="en-US" dirty="0" smtClean="0"/>
-              <a:t>Gives you the ability to specify what you want, rather than how to get it</a:t>
-            </a:r>
-          </a:p>
-          <a:p>
-            <a:endParaRPr lang="en-US" dirty="0"/>
-          </a:p>
-        </p:txBody>
-      </p:sp>
-    </p:spTree>
-    <p:extLst>
-      <p:ext uri="{BB962C8B-B14F-4D97-AF65-F5344CB8AC3E}">
-        <p14:creationId xmlns:p14="http://schemas.microsoft.com/office/powerpoint/2010/main" val="184173905"/>
-      </p:ext>
-    </p:extLst>
-  </p:cSld>
-  <p:clrMapOvr>
-    <a:masterClrMapping/>
-  </p:clrMapOvr>
-  <p:timing>
-    <p:tnLst>
-      <p:par>
-        <p:cTn id="1" dur="indefinite" restart="never" nodeType="tmRoot"/>
-      </p:par>
-    </p:tnLst>
-  </p:timing>
-</p:sld>
-</file>
-
 <file path=ppt/slides/slide5.xml><?xml version="1.0" encoding="utf-8"?>
 <p:sld xmlns:a="http://schemas.openxmlformats.org/drawingml/2006/main" xmlns:r="http://schemas.openxmlformats.org/officeDocument/2006/relationships" xmlns:p="http://schemas.openxmlformats.org/presentationml/2006/main">
   <p:cSld>
@@ -12897,7 +18480,7 @@
           <a:p>
             <a:r>
               <a:rPr lang="en-US" dirty="0" smtClean="0"/>
-              <a:t>LINQ</a:t>
+              <a:t>Functional Programming Benefits</a:t>
             </a:r>
             <a:endParaRPr lang="en-US" dirty="0"/>
           </a:p>
@@ -12915,36 +18498,24 @@
         </p:nvSpPr>
         <p:spPr/>
         <p:txBody>
-          <a:bodyPr>
-            <a:normAutofit/>
-          </a:bodyPr>
+          <a:bodyPr/>
           <a:lstStyle/>
           <a:p>
             <a:r>
               <a:rPr lang="en-US" dirty="0" smtClean="0"/>
-              <a:t>Stands for Language Integrated Query</a:t>
+              <a:t>Pass functions around like they are variables, even across assemblies you might not have a reference to</a:t>
             </a:r>
           </a:p>
           <a:p>
             <a:r>
               <a:rPr lang="en-US" dirty="0" smtClean="0"/>
-              <a:t>Most people tend to associate LINQ with being only for querying databases</a:t>
+              <a:t>We can invoke the function when ever we like and as many times as we like</a:t>
             </a:r>
           </a:p>
           <a:p>
             <a:r>
               <a:rPr lang="en-US" dirty="0" smtClean="0"/>
-              <a:t>Microsoft created LINQ as an easier way to work with collections and also to give us the functional aspects</a:t>
-            </a:r>
-          </a:p>
-          <a:p>
-            <a:r>
-              <a:rPr lang="en-US" dirty="0" smtClean="0"/>
-              <a:t>You </a:t>
-            </a:r>
-            <a:r>
-              <a:rPr lang="en-US" dirty="0"/>
-              <a:t>to have access to all the same constructs that LINQ uses</a:t>
+              <a:t>Gives you the ability to specify what you want, rather than how to get it</a:t>
             </a:r>
           </a:p>
           <a:p>
@@ -12955,7 +18526,7 @@
     </p:spTree>
     <p:extLst>
       <p:ext uri="{BB962C8B-B14F-4D97-AF65-F5344CB8AC3E}">
-        <p14:creationId xmlns:p14="http://schemas.microsoft.com/office/powerpoint/2010/main" val="3587784935"/>
+        <p14:creationId xmlns:p14="http://schemas.microsoft.com/office/powerpoint/2010/main" val="184173905"/>
       </p:ext>
     </p:extLst>
   </p:cSld>
@@ -13005,166 +18576,55 @@
           <a:lstStyle/>
           <a:p>
             <a:r>
+              <a:rPr lang="en-US" dirty="0" smtClean="0"/>
+              <a:t>LINQ</a:t>
+            </a:r>
+            <a:endParaRPr lang="en-US" dirty="0"/>
+          </a:p>
+        </p:txBody>
+      </p:sp>
+      <p:sp>
+        <p:nvSpPr>
+          <p:cNvPr id="3" name="Content Placeholder 2"/>
+          <p:cNvSpPr>
+            <a:spLocks noGrp="1"/>
+          </p:cNvSpPr>
+          <p:nvPr>
+            <p:ph idx="1"/>
+          </p:nvPr>
+        </p:nvSpPr>
+        <p:spPr/>
+        <p:txBody>
+          <a:bodyPr>
+            <a:normAutofit/>
+          </a:bodyPr>
+          <a:lstStyle/>
+          <a:p>
+            <a:r>
+              <a:rPr lang="en-US" dirty="0" smtClean="0"/>
+              <a:t>Stands for Language Integrated Query</a:t>
+            </a:r>
+          </a:p>
+          <a:p>
+            <a:r>
+              <a:rPr lang="en-US" dirty="0" smtClean="0"/>
+              <a:t>Most people tend to associate LINQ with being only for querying databases</a:t>
+            </a:r>
+          </a:p>
+          <a:p>
+            <a:r>
+              <a:rPr lang="en-US" dirty="0" smtClean="0"/>
+              <a:t>Microsoft created LINQ as an easier way to work with collections and also to give us the functional aspects</a:t>
+            </a:r>
+          </a:p>
+          <a:p>
+            <a:r>
+              <a:rPr lang="en-US" dirty="0" smtClean="0"/>
+              <a:t>You </a:t>
+            </a:r>
+            <a:r>
               <a:rPr lang="en-US" dirty="0"/>
-              <a:t>LINQ Syntax</a:t>
-            </a:r>
-          </a:p>
-        </p:txBody>
-      </p:sp>
-      <p:sp>
-        <p:nvSpPr>
-          <p:cNvPr id="3" name="Content Placeholder 2"/>
-          <p:cNvSpPr>
-            <a:spLocks noGrp="1"/>
-          </p:cNvSpPr>
-          <p:nvPr>
-            <p:ph idx="1"/>
-          </p:nvPr>
-        </p:nvSpPr>
-        <p:spPr/>
-        <p:txBody>
-          <a:bodyPr/>
-          <a:lstStyle/>
-          <a:p>
-            <a:pPr marL="0" indent="0">
-              <a:buNone/>
-            </a:pPr>
-            <a:r>
-              <a:rPr lang="en-US" dirty="0" err="1">
-                <a:solidFill>
-                  <a:srgbClr val="0000FF"/>
-                </a:solidFill>
-                <a:latin typeface="Consolas" panose="020B0609020204030204" pitchFamily="49" charset="0"/>
-                <a:cs typeface="Consolas" panose="020B0609020204030204" pitchFamily="49" charset="0"/>
-              </a:rPr>
-              <a:t>var</a:t>
-            </a:r>
-            <a:r>
-              <a:rPr lang="en-US" dirty="0">
-                <a:solidFill>
-                  <a:srgbClr val="0000FF"/>
-                </a:solidFill>
-                <a:latin typeface="Consolas" panose="020B0609020204030204" pitchFamily="49" charset="0"/>
-                <a:cs typeface="Consolas" panose="020B0609020204030204" pitchFamily="49" charset="0"/>
-              </a:rPr>
-              <a:t> </a:t>
-            </a:r>
-            <a:r>
-              <a:rPr lang="en-US" dirty="0">
-                <a:latin typeface="Consolas" panose="020B0609020204030204" pitchFamily="49" charset="0"/>
-                <a:cs typeface="Consolas" panose="020B0609020204030204" pitchFamily="49" charset="0"/>
-              </a:rPr>
-              <a:t>customers = </a:t>
-            </a:r>
-            <a:r>
-              <a:rPr lang="en-US" dirty="0">
-                <a:solidFill>
-                  <a:srgbClr val="0000FF"/>
-                </a:solidFill>
-                <a:latin typeface="Consolas" panose="020B0609020204030204" pitchFamily="49" charset="0"/>
-                <a:cs typeface="Consolas" panose="020B0609020204030204" pitchFamily="49" charset="0"/>
-              </a:rPr>
-              <a:t>from </a:t>
-            </a:r>
-            <a:r>
-              <a:rPr lang="en-US" dirty="0">
-                <a:latin typeface="Consolas" panose="020B0609020204030204" pitchFamily="49" charset="0"/>
-                <a:cs typeface="Consolas" panose="020B0609020204030204" pitchFamily="49" charset="0"/>
-              </a:rPr>
-              <a:t>x </a:t>
-            </a:r>
-            <a:r>
-              <a:rPr lang="en-US" dirty="0">
-                <a:solidFill>
-                  <a:srgbClr val="0000FF"/>
-                </a:solidFill>
-                <a:latin typeface="Consolas" panose="020B0609020204030204" pitchFamily="49" charset="0"/>
-                <a:cs typeface="Consolas" panose="020B0609020204030204" pitchFamily="49" charset="0"/>
-              </a:rPr>
-              <a:t>in</a:t>
-            </a:r>
-            <a:r>
-              <a:rPr lang="en-US" dirty="0">
-                <a:latin typeface="Consolas" panose="020B0609020204030204" pitchFamily="49" charset="0"/>
-                <a:cs typeface="Consolas" panose="020B0609020204030204" pitchFamily="49" charset="0"/>
-              </a:rPr>
-              <a:t> </a:t>
-            </a:r>
-            <a:r>
-              <a:rPr lang="en-US" dirty="0" err="1">
-                <a:latin typeface="Consolas" panose="020B0609020204030204" pitchFamily="49" charset="0"/>
-                <a:cs typeface="Consolas" panose="020B0609020204030204" pitchFamily="49" charset="0"/>
-              </a:rPr>
-              <a:t>context.Customers</a:t>
-            </a:r>
-            <a:endParaRPr lang="en-US" dirty="0">
-              <a:latin typeface="Consolas" panose="020B0609020204030204" pitchFamily="49" charset="0"/>
-              <a:cs typeface="Consolas" panose="020B0609020204030204" pitchFamily="49" charset="0"/>
-            </a:endParaRPr>
-          </a:p>
-          <a:p>
-            <a:pPr marL="0" indent="0">
-              <a:buNone/>
-            </a:pPr>
-            <a:r>
-              <a:rPr lang="en-US" dirty="0">
-                <a:latin typeface="Consolas" panose="020B0609020204030204" pitchFamily="49" charset="0"/>
-                <a:cs typeface="Consolas" panose="020B0609020204030204" pitchFamily="49" charset="0"/>
-              </a:rPr>
-              <a:t>                </a:t>
-            </a:r>
-            <a:r>
-              <a:rPr lang="en-US" dirty="0">
-                <a:solidFill>
-                  <a:srgbClr val="0000FF"/>
-                </a:solidFill>
-                <a:latin typeface="Consolas" panose="020B0609020204030204" pitchFamily="49" charset="0"/>
-                <a:cs typeface="Consolas" panose="020B0609020204030204" pitchFamily="49" charset="0"/>
-              </a:rPr>
-              <a:t>where </a:t>
-            </a:r>
-            <a:r>
-              <a:rPr lang="en-US" dirty="0" err="1">
-                <a:latin typeface="Consolas" panose="020B0609020204030204" pitchFamily="49" charset="0"/>
-                <a:cs typeface="Consolas" panose="020B0609020204030204" pitchFamily="49" charset="0"/>
-              </a:rPr>
-              <a:t>x.ZipCode</a:t>
-            </a:r>
-            <a:r>
-              <a:rPr lang="en-US" dirty="0">
-                <a:latin typeface="Consolas" panose="020B0609020204030204" pitchFamily="49" charset="0"/>
-                <a:cs typeface="Consolas" panose="020B0609020204030204" pitchFamily="49" charset="0"/>
-              </a:rPr>
-              <a:t> == 48035</a:t>
-            </a:r>
-          </a:p>
-          <a:p>
-            <a:pPr marL="0" indent="0">
-              <a:buNone/>
-            </a:pPr>
-            <a:r>
-              <a:rPr lang="en-US" dirty="0">
-                <a:latin typeface="Consolas" panose="020B0609020204030204" pitchFamily="49" charset="0"/>
-                <a:cs typeface="Consolas" panose="020B0609020204030204" pitchFamily="49" charset="0"/>
-              </a:rPr>
-              <a:t>                </a:t>
-            </a:r>
-            <a:r>
-              <a:rPr lang="en-US" dirty="0">
-                <a:solidFill>
-                  <a:srgbClr val="0000FF"/>
-                </a:solidFill>
-                <a:latin typeface="Consolas" panose="020B0609020204030204" pitchFamily="49" charset="0"/>
-                <a:cs typeface="Consolas" panose="020B0609020204030204" pitchFamily="49" charset="0"/>
-              </a:rPr>
-              <a:t>select </a:t>
-            </a:r>
-            <a:r>
-              <a:rPr lang="en-US" dirty="0">
-                <a:latin typeface="Consolas" panose="020B0609020204030204" pitchFamily="49" charset="0"/>
-                <a:cs typeface="Consolas" panose="020B0609020204030204" pitchFamily="49" charset="0"/>
-              </a:rPr>
-              <a:t>x;</a:t>
+              <a:t>to have access to all the same constructs that LINQ uses</a:t>
             </a:r>
           </a:p>
           <a:p>
@@ -13175,7 +18635,7 @@
     </p:spTree>
     <p:extLst>
       <p:ext uri="{BB962C8B-B14F-4D97-AF65-F5344CB8AC3E}">
-        <p14:creationId xmlns:p14="http://schemas.microsoft.com/office/powerpoint/2010/main" val="1516301603"/>
+        <p14:creationId xmlns:p14="http://schemas.microsoft.com/office/powerpoint/2010/main" val="3587784935"/>
       </p:ext>
     </p:extLst>
   </p:cSld>
@@ -13225,10 +18685,9 @@
           <a:lstStyle/>
           <a:p>
             <a:r>
-              <a:rPr lang="en-US" dirty="0" smtClean="0"/>
-              <a:t>Lambda Expression Syntax</a:t>
-            </a:r>
-            <a:endParaRPr lang="en-US" dirty="0"/>
+              <a:rPr lang="en-US" dirty="0"/>
+              <a:t>LINQ Syntax</a:t>
+            </a:r>
           </a:p>
         </p:txBody>
       </p:sp>
@@ -13278,6 +18737,40 @@
               <a:t>customers = </a:t>
             </a:r>
             <a:r>
+              <a:rPr lang="en-US" dirty="0">
+                <a:solidFill>
+                  <a:srgbClr val="0000FF"/>
+                </a:solidFill>
+                <a:latin typeface="Consolas" panose="020B0609020204030204" pitchFamily="49" charset="0"/>
+                <a:cs typeface="Consolas" panose="020B0609020204030204" pitchFamily="49" charset="0"/>
+              </a:rPr>
+              <a:t>from </a:t>
+            </a:r>
+            <a:r>
+              <a:rPr lang="en-US" dirty="0">
+                <a:latin typeface="Consolas" panose="020B0609020204030204" pitchFamily="49" charset="0"/>
+                <a:cs typeface="Consolas" panose="020B0609020204030204" pitchFamily="49" charset="0"/>
+              </a:rPr>
+              <a:t>x </a:t>
+            </a:r>
+            <a:r>
+              <a:rPr lang="en-US" dirty="0">
+                <a:solidFill>
+                  <a:srgbClr val="0000FF"/>
+                </a:solidFill>
+                <a:latin typeface="Consolas" panose="020B0609020204030204" pitchFamily="49" charset="0"/>
+                <a:cs typeface="Consolas" panose="020B0609020204030204" pitchFamily="49" charset="0"/>
+              </a:rPr>
+              <a:t>in</a:t>
+            </a:r>
+            <a:r>
+              <a:rPr lang="en-US" dirty="0">
+                <a:latin typeface="Consolas" panose="020B0609020204030204" pitchFamily="49" charset="0"/>
+                <a:cs typeface="Consolas" panose="020B0609020204030204" pitchFamily="49" charset="0"/>
+              </a:rPr>
+              <a:t> </a:t>
+            </a:r>
+            <a:r>
               <a:rPr lang="en-US" dirty="0" err="1">
                 <a:latin typeface="Consolas" panose="020B0609020204030204" pitchFamily="49" charset="0"/>
                 <a:cs typeface="Consolas" panose="020B0609020204030204" pitchFamily="49" charset="0"/>
@@ -13298,7 +18791,17 @@
                 <a:latin typeface="Consolas" panose="020B0609020204030204" pitchFamily="49" charset="0"/>
                 <a:cs typeface="Consolas" panose="020B0609020204030204" pitchFamily="49" charset="0"/>
               </a:rPr>
-              <a:t>                .Where(x =&gt; </a:t>
+              <a:t>                </a:t>
+            </a:r>
+            <a:r>
+              <a:rPr lang="en-US" dirty="0">
+                <a:solidFill>
+                  <a:srgbClr val="0000FF"/>
+                </a:solidFill>
+                <a:latin typeface="Consolas" panose="020B0609020204030204" pitchFamily="49" charset="0"/>
+                <a:cs typeface="Consolas" panose="020B0609020204030204" pitchFamily="49" charset="0"/>
+              </a:rPr>
+              <a:t>where </a:t>
             </a:r>
             <a:r>
               <a:rPr lang="en-US" dirty="0" err="1">
@@ -13314,22 +18817,6 @@
               </a:rPr>
               <a:t> == 48035</a:t>
             </a:r>
-            <a:r>
-              <a:rPr lang="en-US" dirty="0" smtClean="0">
-                <a:latin typeface="Consolas" panose="020B0609020204030204" pitchFamily="49" charset="0"/>
-                <a:cs typeface="Consolas" panose="020B0609020204030204" pitchFamily="49" charset="0"/>
-              </a:rPr>
-              <a:t>);</a:t>
-            </a:r>
-          </a:p>
-          <a:p>
-            <a:pPr marL="0" indent="0">
-              <a:buNone/>
-            </a:pPr>
-            <a:endParaRPr lang="en-US" dirty="0">
-              <a:latin typeface="Consolas" panose="020B0609020204030204" pitchFamily="49" charset="0"/>
-              <a:cs typeface="Consolas" panose="020B0609020204030204" pitchFamily="49" charset="0"/>
-            </a:endParaRPr>
           </a:p>
           <a:p>
             <a:pPr marL="0" indent="0">
@@ -13340,40 +18827,35 @@
                 <a:latin typeface="Consolas" panose="020B0609020204030204" pitchFamily="49" charset="0"/>
                 <a:cs typeface="Consolas" panose="020B0609020204030204" pitchFamily="49" charset="0"/>
               </a:rPr>
-              <a:t>x =&gt; </a:t>
-            </a:r>
-            <a:r>
-              <a:rPr lang="en-US" dirty="0" err="1">
+              <a:t>                </a:t>
+            </a:r>
+            <a:r>
+              <a:rPr lang="en-US" dirty="0">
+                <a:solidFill>
+                  <a:srgbClr val="0000FF"/>
+                </a:solidFill>
                 <a:latin typeface="Consolas" panose="020B0609020204030204" pitchFamily="49" charset="0"/>
                 <a:cs typeface="Consolas" panose="020B0609020204030204" pitchFamily="49" charset="0"/>
               </a:rPr>
-              <a:t>x.ZipCode</a:t>
+              <a:t>select </a:t>
             </a:r>
             <a:r>
               <a:rPr lang="en-US" dirty="0">
                 <a:latin typeface="Consolas" panose="020B0609020204030204" pitchFamily="49" charset="0"/>
                 <a:cs typeface="Consolas" panose="020B0609020204030204" pitchFamily="49" charset="0"/>
               </a:rPr>
-              <a:t> == </a:t>
-            </a:r>
-            <a:r>
-              <a:rPr lang="en-US" dirty="0" smtClean="0">
-                <a:latin typeface="Consolas" panose="020B0609020204030204" pitchFamily="49" charset="0"/>
-                <a:cs typeface="Consolas" panose="020B0609020204030204" pitchFamily="49" charset="0"/>
-              </a:rPr>
-              <a:t>48035</a:t>
-            </a:r>
-            <a:endParaRPr lang="en-US" dirty="0">
-              <a:latin typeface="Consolas" panose="020B0609020204030204" pitchFamily="49" charset="0"/>
-              <a:cs typeface="Consolas" panose="020B0609020204030204" pitchFamily="49" charset="0"/>
-            </a:endParaRPr>
+              <a:t>x;</a:t>
+            </a:r>
+          </a:p>
+          <a:p>
+            <a:endParaRPr lang="en-US" dirty="0"/>
           </a:p>
         </p:txBody>
       </p:sp>
     </p:spTree>
     <p:extLst>
       <p:ext uri="{BB962C8B-B14F-4D97-AF65-F5344CB8AC3E}">
-        <p14:creationId xmlns:p14="http://schemas.microsoft.com/office/powerpoint/2010/main" val="892260760"/>
+        <p14:creationId xmlns:p14="http://schemas.microsoft.com/office/powerpoint/2010/main" val="1516301603"/>
       </p:ext>
     </p:extLst>
   </p:cSld>
@@ -13423,9 +18905,10 @@
           <a:lstStyle/>
           <a:p>
             <a:r>
-              <a:rPr lang="en-US" dirty="0"/>
-              <a:t>Extension Methods</a:t>
-            </a:r>
+              <a:rPr lang="en-US" dirty="0" smtClean="0"/>
+              <a:t>Lambda Expression Syntax</a:t>
+            </a:r>
+            <a:endParaRPr lang="en-US" dirty="0"/>
           </a:p>
         </p:txBody>
       </p:sp>
@@ -13441,82 +18924,136 @@
         </p:nvSpPr>
         <p:spPr/>
         <p:txBody>
-          <a:bodyPr>
-            <a:normAutofit/>
-          </a:bodyPr>
+          <a:bodyPr/>
           <a:lstStyle/>
           <a:p>
-            <a:r>
-              <a:rPr lang="en-US" dirty="0"/>
-              <a:t>Rules</a:t>
-            </a:r>
-          </a:p>
-          <a:p>
-            <a:pPr lvl="1"/>
-            <a:r>
-              <a:rPr lang="en-US" dirty="0"/>
-              <a:t>Have to place methods in a </a:t>
+            <a:pPr marL="0" indent="0">
+              <a:buNone/>
+            </a:pPr>
+            <a:r>
+              <a:rPr lang="en-US" dirty="0" err="1">
+                <a:solidFill>
+                  <a:srgbClr val="0000FF"/>
+                </a:solidFill>
+                <a:latin typeface="Consolas" panose="020B0609020204030204" pitchFamily="49" charset="0"/>
+                <a:cs typeface="Consolas" panose="020B0609020204030204" pitchFamily="49" charset="0"/>
+              </a:rPr>
+              <a:t>var</a:t>
             </a:r>
             <a:r>
               <a:rPr lang="en-US" dirty="0">
                 <a:solidFill>
                   <a:srgbClr val="0000FF"/>
                 </a:solidFill>
+                <a:latin typeface="Consolas" panose="020B0609020204030204" pitchFamily="49" charset="0"/>
+                <a:cs typeface="Consolas" panose="020B0609020204030204" pitchFamily="49" charset="0"/>
               </a:rPr>
-              <a:t>static </a:t>
-            </a:r>
-            <a:r>
-              <a:rPr lang="en-US" dirty="0"/>
-              <a:t>class</a:t>
-            </a:r>
-          </a:p>
-          <a:p>
-            <a:pPr lvl="1"/>
-            <a:r>
-              <a:rPr lang="en-US" dirty="0"/>
-              <a:t>Method has to be marked as </a:t>
+              <a:t> </a:t>
             </a:r>
             <a:r>
               <a:rPr lang="en-US" dirty="0">
-                <a:solidFill>
-                  <a:srgbClr val="0000FF"/>
-                </a:solidFill>
+                <a:latin typeface="Consolas" panose="020B0609020204030204" pitchFamily="49" charset="0"/>
+                <a:cs typeface="Consolas" panose="020B0609020204030204" pitchFamily="49" charset="0"/>
               </a:rPr>
-              <a:t>static</a:t>
-            </a:r>
-          </a:p>
-          <a:p>
-            <a:pPr lvl="1"/>
-            <a:r>
-              <a:rPr lang="en-US" dirty="0"/>
-              <a:t>Have to use the keyword </a:t>
-            </a:r>
+              <a:t>customers = </a:t>
+            </a:r>
+            <a:r>
+              <a:rPr lang="en-US" dirty="0" err="1">
+                <a:latin typeface="Consolas" panose="020B0609020204030204" pitchFamily="49" charset="0"/>
+                <a:cs typeface="Consolas" panose="020B0609020204030204" pitchFamily="49" charset="0"/>
+              </a:rPr>
+              <a:t>context.Customers</a:t>
+            </a:r>
+            <a:endParaRPr lang="en-US" dirty="0">
+              <a:latin typeface="Consolas" panose="020B0609020204030204" pitchFamily="49" charset="0"/>
+              <a:cs typeface="Consolas" panose="020B0609020204030204" pitchFamily="49" charset="0"/>
+            </a:endParaRPr>
+          </a:p>
+          <a:p>
+            <a:pPr marL="0" indent="0">
+              <a:buNone/>
+            </a:pPr>
             <a:r>
               <a:rPr lang="en-US" dirty="0">
-                <a:solidFill>
-                  <a:srgbClr val="0000FF"/>
-                </a:solidFill>
+                <a:latin typeface="Consolas" panose="020B0609020204030204" pitchFamily="49" charset="0"/>
+                <a:cs typeface="Consolas" panose="020B0609020204030204" pitchFamily="49" charset="0"/>
               </a:rPr>
-              <a:t>this </a:t>
-            </a:r>
-            <a:r>
-              <a:rPr lang="en-US" dirty="0"/>
-              <a:t>as the first parameter.</a:t>
-            </a:r>
-          </a:p>
-          <a:p>
-            <a:r>
-              <a:rPr lang="en-US" dirty="0" smtClean="0"/>
-              <a:t>Creates the ability to chain methods together</a:t>
-            </a:r>
-            <a:endParaRPr lang="en-US" dirty="0"/>
+              <a:t>                .Where(x =&gt; </a:t>
+            </a:r>
+            <a:r>
+              <a:rPr lang="en-US" dirty="0" err="1">
+                <a:latin typeface="Consolas" panose="020B0609020204030204" pitchFamily="49" charset="0"/>
+                <a:cs typeface="Consolas" panose="020B0609020204030204" pitchFamily="49" charset="0"/>
+              </a:rPr>
+              <a:t>x.ZipCode</a:t>
+            </a:r>
+            <a:r>
+              <a:rPr lang="en-US" dirty="0">
+                <a:latin typeface="Consolas" panose="020B0609020204030204" pitchFamily="49" charset="0"/>
+                <a:cs typeface="Consolas" panose="020B0609020204030204" pitchFamily="49" charset="0"/>
+              </a:rPr>
+              <a:t> == 48035</a:t>
+            </a:r>
+            <a:r>
+              <a:rPr lang="en-US" dirty="0" smtClean="0">
+                <a:latin typeface="Consolas" panose="020B0609020204030204" pitchFamily="49" charset="0"/>
+                <a:cs typeface="Consolas" panose="020B0609020204030204" pitchFamily="49" charset="0"/>
+              </a:rPr>
+              <a:t>);</a:t>
+            </a:r>
+          </a:p>
+          <a:p>
+            <a:pPr marL="0" indent="0">
+              <a:buNone/>
+            </a:pPr>
+            <a:endParaRPr lang="en-US" dirty="0">
+              <a:latin typeface="Consolas" panose="020B0609020204030204" pitchFamily="49" charset="0"/>
+              <a:cs typeface="Consolas" panose="020B0609020204030204" pitchFamily="49" charset="0"/>
+            </a:endParaRPr>
+          </a:p>
+          <a:p>
+            <a:pPr marL="0" indent="0">
+              <a:buNone/>
+            </a:pPr>
+            <a:r>
+              <a:rPr lang="en-US" dirty="0">
+                <a:latin typeface="Consolas" panose="020B0609020204030204" pitchFamily="49" charset="0"/>
+                <a:cs typeface="Consolas" panose="020B0609020204030204" pitchFamily="49" charset="0"/>
+              </a:rPr>
+              <a:t>x =&gt; </a:t>
+            </a:r>
+            <a:r>
+              <a:rPr lang="en-US" dirty="0" err="1">
+                <a:latin typeface="Consolas" panose="020B0609020204030204" pitchFamily="49" charset="0"/>
+                <a:cs typeface="Consolas" panose="020B0609020204030204" pitchFamily="49" charset="0"/>
+              </a:rPr>
+              <a:t>x.ZipCode</a:t>
+            </a:r>
+            <a:r>
+              <a:rPr lang="en-US" dirty="0">
+                <a:latin typeface="Consolas" panose="020B0609020204030204" pitchFamily="49" charset="0"/>
+                <a:cs typeface="Consolas" panose="020B0609020204030204" pitchFamily="49" charset="0"/>
+              </a:rPr>
+              <a:t> == </a:t>
+            </a:r>
+            <a:r>
+              <a:rPr lang="en-US" dirty="0" smtClean="0">
+                <a:latin typeface="Consolas" panose="020B0609020204030204" pitchFamily="49" charset="0"/>
+                <a:cs typeface="Consolas" panose="020B0609020204030204" pitchFamily="49" charset="0"/>
+              </a:rPr>
+              <a:t>48035</a:t>
+            </a:r>
+            <a:endParaRPr lang="en-US" dirty="0">
+              <a:latin typeface="Consolas" panose="020B0609020204030204" pitchFamily="49" charset="0"/>
+              <a:cs typeface="Consolas" panose="020B0609020204030204" pitchFamily="49" charset="0"/>
+            </a:endParaRPr>
           </a:p>
         </p:txBody>
       </p:sp>
     </p:spTree>
     <p:extLst>
       <p:ext uri="{BB962C8B-B14F-4D97-AF65-F5344CB8AC3E}">
-        <p14:creationId xmlns:p14="http://schemas.microsoft.com/office/powerpoint/2010/main" val="786098986"/>
+        <p14:creationId xmlns:p14="http://schemas.microsoft.com/office/powerpoint/2010/main" val="892260760"/>
       </p:ext>
     </p:extLst>
   </p:cSld>
@@ -13567,14 +19104,7 @@
           <a:p>
             <a:r>
               <a:rPr lang="en-US" dirty="0"/>
-              <a:t>Extension Method Example</a:t>
-            </a:r>
-            <a:br>
-              <a:rPr lang="en-US" dirty="0"/>
-            </a:br>
-            <a:r>
-              <a:rPr lang="en-US" dirty="0"/>
-              <a:t>Declaration</a:t>
+              <a:t>Extension Methods</a:t>
             </a:r>
           </a:p>
         </p:txBody>
@@ -13592,200 +19122,73 @@
         <p:spPr/>
         <p:txBody>
           <a:bodyPr>
-            <a:normAutofit fontScale="92500" lnSpcReduction="20000"/>
+            <a:normAutofit/>
           </a:bodyPr>
           <a:lstStyle/>
           <a:p>
-            <a:pPr marL="0" indent="0">
-              <a:buNone/>
-            </a:pPr>
+            <a:r>
+              <a:rPr lang="en-US" dirty="0"/>
+              <a:t>Rules</a:t>
+            </a:r>
+          </a:p>
+          <a:p>
+            <a:pPr lvl="1"/>
+            <a:r>
+              <a:rPr lang="en-US" dirty="0"/>
+              <a:t>Have to place methods in a </a:t>
+            </a:r>
             <a:r>
               <a:rPr lang="en-US" dirty="0">
                 <a:solidFill>
                   <a:srgbClr val="0000FF"/>
                 </a:solidFill>
-                <a:latin typeface="Consolas" panose="020B0609020204030204" pitchFamily="49" charset="0"/>
-                <a:cs typeface="Consolas" panose="020B0609020204030204" pitchFamily="49" charset="0"/>
               </a:rPr>
-              <a:t>public static class </a:t>
-            </a:r>
-            <a:r>
-              <a:rPr lang="en-US" dirty="0" err="1">
-                <a:latin typeface="Consolas" panose="020B0609020204030204" pitchFamily="49" charset="0"/>
-                <a:cs typeface="Consolas" panose="020B0609020204030204" pitchFamily="49" charset="0"/>
+              <a:t>static </a:t>
+            </a:r>
+            <a:r>
+              <a:rPr lang="en-US" dirty="0"/>
+              <a:t>class</a:t>
+            </a:r>
+          </a:p>
+          <a:p>
+            <a:pPr lvl="1"/>
+            <a:r>
+              <a:rPr lang="en-US" dirty="0"/>
+              <a:t>Method has to be marked as </a:t>
+            </a:r>
+            <a:r>
+              <a:rPr lang="en-US" dirty="0">
+                <a:solidFill>
+                  <a:srgbClr val="0000FF"/>
+                </a:solidFill>
               </a:rPr>
-              <a:t>ExtensionMethods</a:t>
-            </a:r>
-            <a:endParaRPr lang="en-US" dirty="0">
-              <a:latin typeface="Consolas" panose="020B0609020204030204" pitchFamily="49" charset="0"/>
-              <a:cs typeface="Consolas" panose="020B0609020204030204" pitchFamily="49" charset="0"/>
-            </a:endParaRPr>
-          </a:p>
-          <a:p>
-            <a:pPr marL="0" indent="0">
-              <a:buNone/>
-            </a:pPr>
+              <a:t>static</a:t>
+            </a:r>
+          </a:p>
+          <a:p>
+            <a:pPr lvl="1"/>
+            <a:r>
+              <a:rPr lang="en-US" dirty="0"/>
+              <a:t>Have to use the keyword </a:t>
+            </a:r>
             <a:r>
               <a:rPr lang="en-US" dirty="0">
-                <a:latin typeface="Consolas" panose="020B0609020204030204" pitchFamily="49" charset="0"/>
-                <a:cs typeface="Consolas" panose="020B0609020204030204" pitchFamily="49" charset="0"/>
+                <a:solidFill>
+                  <a:srgbClr val="0000FF"/>
+                </a:solidFill>
               </a:rPr>
-              <a:t>{</a:t>
-            </a:r>
-          </a:p>
-          <a:p>
-            <a:pPr marL="0" indent="0">
-              <a:buNone/>
-            </a:pPr>
-            <a:r>
-              <a:rPr lang="en-US" dirty="0">
-                <a:latin typeface="Consolas" panose="020B0609020204030204" pitchFamily="49" charset="0"/>
-                <a:cs typeface="Consolas" panose="020B0609020204030204" pitchFamily="49" charset="0"/>
-              </a:rPr>
-              <a:t>	</a:t>
-            </a:r>
-            <a:r>
-              <a:rPr lang="en-US" dirty="0">
-                <a:solidFill>
-                  <a:srgbClr val="0000FF"/>
-                </a:solidFill>
-                <a:latin typeface="Consolas" panose="020B0609020204030204" pitchFamily="49" charset="0"/>
-                <a:cs typeface="Consolas" panose="020B0609020204030204" pitchFamily="49" charset="0"/>
-              </a:rPr>
-              <a:t>public static string</a:t>
-            </a:r>
-            <a:r>
-              <a:rPr lang="en-US" dirty="0">
-                <a:solidFill>
-                  <a:schemeClr val="accent3"/>
-                </a:solidFill>
-                <a:latin typeface="Consolas" panose="020B0609020204030204" pitchFamily="49" charset="0"/>
-                <a:cs typeface="Consolas" panose="020B0609020204030204" pitchFamily="49" charset="0"/>
-              </a:rPr>
-              <a:t> </a:t>
-            </a:r>
-            <a:r>
-              <a:rPr lang="en-US" dirty="0">
-                <a:latin typeface="Consolas" panose="020B0609020204030204" pitchFamily="49" charset="0"/>
-                <a:cs typeface="Consolas" panose="020B0609020204030204" pitchFamily="49" charset="0"/>
-              </a:rPr>
-              <a:t>Parse(</a:t>
-            </a:r>
-            <a:r>
-              <a:rPr lang="en-US" dirty="0">
-                <a:solidFill>
-                  <a:srgbClr val="0000FF"/>
-                </a:solidFill>
-                <a:latin typeface="Consolas" panose="020B0609020204030204" pitchFamily="49" charset="0"/>
-                <a:cs typeface="Consolas" panose="020B0609020204030204" pitchFamily="49" charset="0"/>
-              </a:rPr>
-              <a:t>this string</a:t>
-            </a:r>
-            <a:r>
-              <a:rPr lang="en-US" dirty="0">
-                <a:solidFill>
-                  <a:schemeClr val="accent3"/>
-                </a:solidFill>
-                <a:latin typeface="Consolas" panose="020B0609020204030204" pitchFamily="49" charset="0"/>
-                <a:cs typeface="Consolas" panose="020B0609020204030204" pitchFamily="49" charset="0"/>
-              </a:rPr>
-              <a:t> </a:t>
-            </a:r>
-            <a:r>
-              <a:rPr lang="en-US" dirty="0">
-                <a:latin typeface="Consolas" panose="020B0609020204030204" pitchFamily="49" charset="0"/>
-                <a:cs typeface="Consolas" panose="020B0609020204030204" pitchFamily="49" charset="0"/>
-              </a:rPr>
-              <a:t>text)</a:t>
-            </a:r>
-          </a:p>
-          <a:p>
-            <a:pPr marL="0" indent="0">
-              <a:buNone/>
-            </a:pPr>
-            <a:r>
-              <a:rPr lang="en-US" dirty="0">
-                <a:latin typeface="Consolas" panose="020B0609020204030204" pitchFamily="49" charset="0"/>
-                <a:cs typeface="Consolas" panose="020B0609020204030204" pitchFamily="49" charset="0"/>
-              </a:rPr>
-              <a:t>	{</a:t>
-            </a:r>
-          </a:p>
-          <a:p>
-            <a:pPr marL="0" indent="0">
-              <a:buNone/>
-            </a:pPr>
-            <a:r>
-              <a:rPr lang="en-US" dirty="0">
-                <a:latin typeface="Consolas" panose="020B0609020204030204" pitchFamily="49" charset="0"/>
-                <a:cs typeface="Consolas" panose="020B0609020204030204" pitchFamily="49" charset="0"/>
-              </a:rPr>
-              <a:t>		</a:t>
-            </a:r>
-            <a:r>
-              <a:rPr lang="en-US" dirty="0">
-                <a:solidFill>
-                  <a:srgbClr val="0000FF"/>
-                </a:solidFill>
-                <a:latin typeface="Consolas" panose="020B0609020204030204" pitchFamily="49" charset="0"/>
-                <a:cs typeface="Consolas" panose="020B0609020204030204" pitchFamily="49" charset="0"/>
-              </a:rPr>
-              <a:t>return </a:t>
-            </a:r>
-            <a:r>
-              <a:rPr lang="en-US" dirty="0" err="1">
-                <a:latin typeface="Consolas" panose="020B0609020204030204" pitchFamily="49" charset="0"/>
-                <a:cs typeface="Consolas" panose="020B0609020204030204" pitchFamily="49" charset="0"/>
-              </a:rPr>
-              <a:t>text.Trim</a:t>
-            </a:r>
-            <a:r>
-              <a:rPr lang="en-US" dirty="0">
-                <a:latin typeface="Consolas" panose="020B0609020204030204" pitchFamily="49" charset="0"/>
-                <a:cs typeface="Consolas" panose="020B0609020204030204" pitchFamily="49" charset="0"/>
-              </a:rPr>
-              <a:t>().</a:t>
-            </a:r>
-            <a:r>
-              <a:rPr lang="en-US" dirty="0" err="1">
-                <a:latin typeface="Consolas" panose="020B0609020204030204" pitchFamily="49" charset="0"/>
-                <a:cs typeface="Consolas" panose="020B0609020204030204" pitchFamily="49" charset="0"/>
-              </a:rPr>
-              <a:t>ToUpper</a:t>
-            </a:r>
-            <a:r>
-              <a:rPr lang="en-US" dirty="0">
-                <a:latin typeface="Consolas" panose="020B0609020204030204" pitchFamily="49" charset="0"/>
-                <a:cs typeface="Consolas" panose="020B0609020204030204" pitchFamily="49" charset="0"/>
-              </a:rPr>
-              <a:t>();</a:t>
-            </a:r>
-          </a:p>
-          <a:p>
-            <a:pPr marL="0" indent="0">
-              <a:buNone/>
-            </a:pPr>
-            <a:r>
-              <a:rPr lang="en-US" dirty="0">
-                <a:latin typeface="Consolas" panose="020B0609020204030204" pitchFamily="49" charset="0"/>
-                <a:cs typeface="Consolas" panose="020B0609020204030204" pitchFamily="49" charset="0"/>
-              </a:rPr>
-              <a:t>	}</a:t>
-            </a:r>
-          </a:p>
-          <a:p>
-            <a:pPr marL="0" indent="0">
-              <a:buNone/>
-            </a:pPr>
-            <a:r>
-              <a:rPr lang="en-US" dirty="0">
-                <a:latin typeface="Consolas" panose="020B0609020204030204" pitchFamily="49" charset="0"/>
-                <a:cs typeface="Consolas" panose="020B0609020204030204" pitchFamily="49" charset="0"/>
-              </a:rPr>
-              <a:t>}</a:t>
-            </a:r>
-          </a:p>
-          <a:p>
+              <a:t>this </a:t>
+            </a:r>
+            <a:r>
+              <a:rPr lang="en-US" dirty="0"/>
+              <a:t>as the first parameter.</a:t>
+            </a:r>
+          </a:p>
+          <a:p>
+            <a:r>
+              <a:rPr lang="en-US" dirty="0" smtClean="0"/>
+              <a:t>Creates the ability to chain methods together</a:t>
+            </a:r>
             <a:endParaRPr lang="en-US" dirty="0"/>
           </a:p>
         </p:txBody>
@@ -13793,7 +19196,7 @@
     </p:spTree>
     <p:extLst>
       <p:ext uri="{BB962C8B-B14F-4D97-AF65-F5344CB8AC3E}">
-        <p14:creationId xmlns:p14="http://schemas.microsoft.com/office/powerpoint/2010/main" val="2369950507"/>
+        <p14:creationId xmlns:p14="http://schemas.microsoft.com/office/powerpoint/2010/main" val="786098986"/>
       </p:ext>
     </p:extLst>
   </p:cSld>
@@ -14077,6 +19480,291 @@
         <a:sysClr val="window" lastClr="FFFFFF"/>
       </a:lt1>
       <a:dk2>
+        <a:srgbClr val="1F497D"/>
+      </a:dk2>
+      <a:lt2>
+        <a:srgbClr val="EEECE1"/>
+      </a:lt2>
+      <a:accent1>
+        <a:srgbClr val="4F81BD"/>
+      </a:accent1>
+      <a:accent2>
+        <a:srgbClr val="C0504D"/>
+      </a:accent2>
+      <a:accent3>
+        <a:srgbClr val="9BBB59"/>
+      </a:accent3>
+      <a:accent4>
+        <a:srgbClr val="8064A2"/>
+      </a:accent4>
+      <a:accent5>
+        <a:srgbClr val="4BACC6"/>
+      </a:accent5>
+      <a:accent6>
+        <a:srgbClr val="F79646"/>
+      </a:accent6>
+      <a:hlink>
+        <a:srgbClr val="0000FF"/>
+      </a:hlink>
+      <a:folHlink>
+        <a:srgbClr val="800080"/>
+      </a:folHlink>
+    </a:clrScheme>
+    <a:fontScheme name="Office">
+      <a:majorFont>
+        <a:latin typeface="Calibri"/>
+        <a:ea typeface=""/>
+        <a:cs typeface=""/>
+        <a:font script="Jpan" typeface="ＭＳ Ｐゴシック"/>
+        <a:font script="Hang" typeface="맑은 고딕"/>
+        <a:font script="Hans" typeface="宋体"/>
+        <a:font script="Hant" typeface="新細明體"/>
+        <a:font script="Arab" typeface="Times New Roman"/>
+        <a:font script="Hebr" typeface="Times New Roman"/>
+        <a:font script="Thai" typeface="Angsana New"/>
+        <a:font script="Ethi" typeface="Nyala"/>
+        <a:font script="Beng" typeface="Vrinda"/>
+        <a:font script="Gujr" typeface="Shruti"/>
+        <a:font script="Khmr" typeface="MoolBoran"/>
+        <a:font script="Knda" typeface="Tunga"/>
+        <a:font script="Guru" typeface="Raavi"/>
+        <a:font script="Cans" typeface="Euphemia"/>
+        <a:font script="Cher" typeface="Plantagenet Cherokee"/>
+        <a:font script="Yiii" typeface="Microsoft Yi Baiti"/>
+        <a:font script="Tibt" typeface="Microsoft Himalaya"/>
+        <a:font script="Thaa" typeface="MV Boli"/>
+        <a:font script="Deva" typeface="Mangal"/>
+        <a:font script="Telu" typeface="Gautami"/>
+        <a:font script="Taml" typeface="Latha"/>
+        <a:font script="Syrc" typeface="Estrangelo Edessa"/>
+        <a:font script="Orya" typeface="Kalinga"/>
+        <a:font script="Mlym" typeface="Kartika"/>
+        <a:font script="Laoo" typeface="DokChampa"/>
+        <a:font script="Sinh" typeface="Iskoola Pota"/>
+        <a:font script="Mong" typeface="Mongolian Baiti"/>
+        <a:font script="Viet" typeface="Times New Roman"/>
+        <a:font script="Uigh" typeface="Microsoft Uighur"/>
+        <a:font script="Geor" typeface="Sylfaen"/>
+      </a:majorFont>
+      <a:minorFont>
+        <a:latin typeface="Calibri"/>
+        <a:ea typeface=""/>
+        <a:cs typeface=""/>
+        <a:font script="Jpan" typeface="ＭＳ Ｐゴシック"/>
+        <a:font script="Hang" typeface="맑은 고딕"/>
+        <a:font script="Hans" typeface="宋体"/>
+        <a:font script="Hant" typeface="新細明體"/>
+        <a:font script="Arab" typeface="Arial"/>
+        <a:font script="Hebr" typeface="Arial"/>
+        <a:font script="Thai" typeface="Cordia New"/>
+        <a:font script="Ethi" typeface="Nyala"/>
+        <a:font script="Beng" typeface="Vrinda"/>
+        <a:font script="Gujr" typeface="Shruti"/>
+        <a:font script="Khmr" typeface="DaunPenh"/>
+        <a:font script="Knda" typeface="Tunga"/>
+        <a:font script="Guru" typeface="Raavi"/>
+        <a:font script="Cans" typeface="Euphemia"/>
+        <a:font script="Cher" typeface="Plantagenet Cherokee"/>
+        <a:font script="Yiii" typeface="Microsoft Yi Baiti"/>
+        <a:font script="Tibt" typeface="Microsoft Himalaya"/>
+        <a:font script="Thaa" typeface="MV Boli"/>
+        <a:font script="Deva" typeface="Mangal"/>
+        <a:font script="Telu" typeface="Gautami"/>
+        <a:font script="Taml" typeface="Latha"/>
+        <a:font script="Syrc" typeface="Estrangelo Edessa"/>
+        <a:font script="Orya" typeface="Kalinga"/>
+        <a:font script="Mlym" typeface="Kartika"/>
+        <a:font script="Laoo" typeface="DokChampa"/>
+        <a:font script="Sinh" typeface="Iskoola Pota"/>
+        <a:font script="Mong" typeface="Mongolian Baiti"/>
+        <a:font script="Viet" typeface="Arial"/>
+        <a:font script="Uigh" typeface="Microsoft Uighur"/>
+        <a:font script="Geor" typeface="Sylfaen"/>
+      </a:minorFont>
+    </a:fontScheme>
+    <a:fmtScheme name="Office">
+      <a:fillStyleLst>
+        <a:solidFill>
+          <a:schemeClr val="phClr"/>
+        </a:solidFill>
+        <a:gradFill rotWithShape="1">
+          <a:gsLst>
+            <a:gs pos="0">
+              <a:schemeClr val="phClr">
+                <a:tint val="50000"/>
+                <a:satMod val="300000"/>
+              </a:schemeClr>
+            </a:gs>
+            <a:gs pos="35000">
+              <a:schemeClr val="phClr">
+                <a:tint val="37000"/>
+                <a:satMod val="300000"/>
+              </a:schemeClr>
+            </a:gs>
+            <a:gs pos="100000">
+              <a:schemeClr val="phClr">
+                <a:tint val="15000"/>
+                <a:satMod val="350000"/>
+              </a:schemeClr>
+            </a:gs>
+          </a:gsLst>
+          <a:lin ang="16200000" scaled="1"/>
+        </a:gradFill>
+        <a:gradFill rotWithShape="1">
+          <a:gsLst>
+            <a:gs pos="0">
+              <a:schemeClr val="phClr">
+                <a:shade val="51000"/>
+                <a:satMod val="130000"/>
+              </a:schemeClr>
+            </a:gs>
+            <a:gs pos="80000">
+              <a:schemeClr val="phClr">
+                <a:shade val="93000"/>
+                <a:satMod val="130000"/>
+              </a:schemeClr>
+            </a:gs>
+            <a:gs pos="100000">
+              <a:schemeClr val="phClr">
+                <a:shade val="94000"/>
+                <a:satMod val="135000"/>
+              </a:schemeClr>
+            </a:gs>
+          </a:gsLst>
+          <a:lin ang="16200000" scaled="0"/>
+        </a:gradFill>
+      </a:fillStyleLst>
+      <a:lnStyleLst>
+        <a:ln w="9525" cap="flat" cmpd="sng" algn="ctr">
+          <a:solidFill>
+            <a:schemeClr val="phClr">
+              <a:shade val="95000"/>
+              <a:satMod val="105000"/>
+            </a:schemeClr>
+          </a:solidFill>
+          <a:prstDash val="solid"/>
+        </a:ln>
+        <a:ln w="25400" cap="flat" cmpd="sng" algn="ctr">
+          <a:solidFill>
+            <a:schemeClr val="phClr"/>
+          </a:solidFill>
+          <a:prstDash val="solid"/>
+        </a:ln>
+        <a:ln w="38100" cap="flat" cmpd="sng" algn="ctr">
+          <a:solidFill>
+            <a:schemeClr val="phClr"/>
+          </a:solidFill>
+          <a:prstDash val="solid"/>
+        </a:ln>
+      </a:lnStyleLst>
+      <a:effectStyleLst>
+        <a:effectStyle>
+          <a:effectLst>
+            <a:outerShdw blurRad="40000" dist="20000" dir="5400000" rotWithShape="0">
+              <a:srgbClr val="000000">
+                <a:alpha val="38000"/>
+              </a:srgbClr>
+            </a:outerShdw>
+          </a:effectLst>
+        </a:effectStyle>
+        <a:effectStyle>
+          <a:effectLst>
+            <a:outerShdw blurRad="40000" dist="23000" dir="5400000" rotWithShape="0">
+              <a:srgbClr val="000000">
+                <a:alpha val="35000"/>
+              </a:srgbClr>
+            </a:outerShdw>
+          </a:effectLst>
+        </a:effectStyle>
+        <a:effectStyle>
+          <a:effectLst>
+            <a:outerShdw blurRad="40000" dist="23000" dir="5400000" rotWithShape="0">
+              <a:srgbClr val="000000">
+                <a:alpha val="35000"/>
+              </a:srgbClr>
+            </a:outerShdw>
+          </a:effectLst>
+          <a:scene3d>
+            <a:camera prst="orthographicFront">
+              <a:rot lat="0" lon="0" rev="0"/>
+            </a:camera>
+            <a:lightRig rig="threePt" dir="t">
+              <a:rot lat="0" lon="0" rev="1200000"/>
+            </a:lightRig>
+          </a:scene3d>
+          <a:sp3d>
+            <a:bevelT w="63500" h="25400"/>
+          </a:sp3d>
+        </a:effectStyle>
+      </a:effectStyleLst>
+      <a:bgFillStyleLst>
+        <a:solidFill>
+          <a:schemeClr val="phClr"/>
+        </a:solidFill>
+        <a:gradFill rotWithShape="1">
+          <a:gsLst>
+            <a:gs pos="0">
+              <a:schemeClr val="phClr">
+                <a:tint val="40000"/>
+                <a:satMod val="350000"/>
+              </a:schemeClr>
+            </a:gs>
+            <a:gs pos="40000">
+              <a:schemeClr val="phClr">
+                <a:tint val="45000"/>
+                <a:shade val="99000"/>
+                <a:satMod val="350000"/>
+              </a:schemeClr>
+            </a:gs>
+            <a:gs pos="100000">
+              <a:schemeClr val="phClr">
+                <a:shade val="20000"/>
+                <a:satMod val="255000"/>
+              </a:schemeClr>
+            </a:gs>
+          </a:gsLst>
+          <a:path path="circle">
+            <a:fillToRect l="50000" t="-80000" r="50000" b="180000"/>
+          </a:path>
+        </a:gradFill>
+        <a:gradFill rotWithShape="1">
+          <a:gsLst>
+            <a:gs pos="0">
+              <a:schemeClr val="phClr">
+                <a:tint val="80000"/>
+                <a:satMod val="300000"/>
+              </a:schemeClr>
+            </a:gs>
+            <a:gs pos="100000">
+              <a:schemeClr val="phClr">
+                <a:shade val="30000"/>
+                <a:satMod val="200000"/>
+              </a:schemeClr>
+            </a:gs>
+          </a:gsLst>
+          <a:path path="circle">
+            <a:fillToRect l="50000" t="50000" r="50000" b="50000"/>
+          </a:path>
+        </a:gradFill>
+      </a:bgFillStyleLst>
+    </a:fmtScheme>
+  </a:themeElements>
+  <a:objectDefaults/>
+  <a:extraClrSchemeLst/>
+</a:theme>
+</file>
+
+<file path=ppt/theme/theme3.xml><?xml version="1.0" encoding="utf-8"?>
+<a:theme xmlns:a="http://schemas.openxmlformats.org/drawingml/2006/main" name="Office Theme">
+  <a:themeElements>
+    <a:clrScheme name="Office">
+      <a:dk1>
+        <a:sysClr val="windowText" lastClr="000000"/>
+      </a:dk1>
+      <a:lt1>
+        <a:sysClr val="window" lastClr="FFFFFF"/>
+      </a:lt1>
+      <a:dk2>
         <a:srgbClr val="44546A"/>
       </a:dk2>
       <a:lt2>
